--- a/Document/OnlineRideSharingProject.pptx
+++ b/Document/OnlineRideSharingProject.pptx
@@ -12,21 +12,23 @@
     <p:sldId id="275" r:id="rId6"/>
     <p:sldId id="276" r:id="rId7"/>
     <p:sldId id="277" r:id="rId8"/>
-    <p:sldId id="256" r:id="rId9"/>
-    <p:sldId id="257" r:id="rId10"/>
-    <p:sldId id="258" r:id="rId11"/>
-    <p:sldId id="259" r:id="rId12"/>
-    <p:sldId id="260" r:id="rId13"/>
-    <p:sldId id="262" r:id="rId14"/>
-    <p:sldId id="263" r:id="rId15"/>
-    <p:sldId id="264" r:id="rId16"/>
-    <p:sldId id="266" r:id="rId17"/>
-    <p:sldId id="265" r:id="rId18"/>
-    <p:sldId id="267" r:id="rId19"/>
-    <p:sldId id="268" r:id="rId20"/>
-    <p:sldId id="269" r:id="rId21"/>
-    <p:sldId id="270" r:id="rId22"/>
-    <p:sldId id="271" r:id="rId23"/>
+    <p:sldId id="278" r:id="rId9"/>
+    <p:sldId id="279" r:id="rId10"/>
+    <p:sldId id="256" r:id="rId11"/>
+    <p:sldId id="257" r:id="rId12"/>
+    <p:sldId id="258" r:id="rId13"/>
+    <p:sldId id="259" r:id="rId14"/>
+    <p:sldId id="260" r:id="rId15"/>
+    <p:sldId id="262" r:id="rId16"/>
+    <p:sldId id="263" r:id="rId17"/>
+    <p:sldId id="264" r:id="rId18"/>
+    <p:sldId id="266" r:id="rId19"/>
+    <p:sldId id="265" r:id="rId20"/>
+    <p:sldId id="267" r:id="rId21"/>
+    <p:sldId id="268" r:id="rId22"/>
+    <p:sldId id="269" r:id="rId23"/>
+    <p:sldId id="270" r:id="rId24"/>
+    <p:sldId id="271" r:id="rId25"/>
   </p:sldIdLst>
   <p:sldSz cx="12192000" cy="6858000"/>
   <p:notesSz cx="6858000" cy="9144000"/>
@@ -319,7 +321,7 @@
           <a:p>
             <a:fld id="{A255833D-6050-4C4E-B549-87A0A8D37910}" type="datetimeFigureOut">
               <a:rPr lang="en-US" smtClean="0"/>
-              <a:t>12/11/2024</a:t>
+              <a:t>12/12/2024</a:t>
             </a:fld>
             <a:endParaRPr lang="en-US"/>
           </a:p>
@@ -594,7 +596,7 @@
           <a:p>
             <a:fld id="{A255833D-6050-4C4E-B549-87A0A8D37910}" type="datetimeFigureOut">
               <a:rPr lang="en-US" smtClean="0"/>
-              <a:t>12/11/2024</a:t>
+              <a:t>12/12/2024</a:t>
             </a:fld>
             <a:endParaRPr lang="en-US"/>
           </a:p>
@@ -788,7 +790,7 @@
           <a:p>
             <a:fld id="{A255833D-6050-4C4E-B549-87A0A8D37910}" type="datetimeFigureOut">
               <a:rPr lang="en-US" smtClean="0"/>
-              <a:t>12/11/2024</a:t>
+              <a:t>12/12/2024</a:t>
             </a:fld>
             <a:endParaRPr lang="en-US"/>
           </a:p>
@@ -1061,7 +1063,7 @@
           <a:p>
             <a:fld id="{A255833D-6050-4C4E-B549-87A0A8D37910}" type="datetimeFigureOut">
               <a:rPr lang="en-US" smtClean="0"/>
-              <a:t>12/11/2024</a:t>
+              <a:t>12/12/2024</a:t>
             </a:fld>
             <a:endParaRPr lang="en-US"/>
           </a:p>
@@ -1402,7 +1404,7 @@
           <a:p>
             <a:fld id="{A255833D-6050-4C4E-B549-87A0A8D37910}" type="datetimeFigureOut">
               <a:rPr lang="en-US" smtClean="0"/>
-              <a:t>12/11/2024</a:t>
+              <a:t>12/12/2024</a:t>
             </a:fld>
             <a:endParaRPr lang="en-US"/>
           </a:p>
@@ -2025,7 +2027,7 @@
           <a:p>
             <a:fld id="{A255833D-6050-4C4E-B549-87A0A8D37910}" type="datetimeFigureOut">
               <a:rPr lang="en-US" smtClean="0"/>
-              <a:t>12/11/2024</a:t>
+              <a:t>12/12/2024</a:t>
             </a:fld>
             <a:endParaRPr lang="en-US"/>
           </a:p>
@@ -2885,7 +2887,7 @@
           <a:p>
             <a:fld id="{A255833D-6050-4C4E-B549-87A0A8D37910}" type="datetimeFigureOut">
               <a:rPr lang="en-US" smtClean="0"/>
-              <a:t>12/11/2024</a:t>
+              <a:t>12/12/2024</a:t>
             </a:fld>
             <a:endParaRPr lang="en-US"/>
           </a:p>
@@ -3055,7 +3057,7 @@
           <a:p>
             <a:fld id="{A255833D-6050-4C4E-B549-87A0A8D37910}" type="datetimeFigureOut">
               <a:rPr lang="en-US" smtClean="0"/>
-              <a:t>12/11/2024</a:t>
+              <a:t>12/12/2024</a:t>
             </a:fld>
             <a:endParaRPr lang="en-US"/>
           </a:p>
@@ -3235,7 +3237,7 @@
           <a:p>
             <a:fld id="{A255833D-6050-4C4E-B549-87A0A8D37910}" type="datetimeFigureOut">
               <a:rPr lang="en-US" smtClean="0"/>
-              <a:t>12/11/2024</a:t>
+              <a:t>12/12/2024</a:t>
             </a:fld>
             <a:endParaRPr lang="en-US"/>
           </a:p>
@@ -3405,7 +3407,7 @@
           <a:p>
             <a:fld id="{A255833D-6050-4C4E-B549-87A0A8D37910}" type="datetimeFigureOut">
               <a:rPr lang="en-US" smtClean="0"/>
-              <a:t>12/11/2024</a:t>
+              <a:t>12/12/2024</a:t>
             </a:fld>
             <a:endParaRPr lang="en-US"/>
           </a:p>
@@ -3652,7 +3654,7 @@
           <a:p>
             <a:fld id="{A255833D-6050-4C4E-B549-87A0A8D37910}" type="datetimeFigureOut">
               <a:rPr lang="en-US" smtClean="0"/>
-              <a:t>12/11/2024</a:t>
+              <a:t>12/12/2024</a:t>
             </a:fld>
             <a:endParaRPr lang="en-US"/>
           </a:p>
@@ -3944,7 +3946,7 @@
           <a:p>
             <a:fld id="{A255833D-6050-4C4E-B549-87A0A8D37910}" type="datetimeFigureOut">
               <a:rPr lang="en-US" smtClean="0"/>
-              <a:t>12/11/2024</a:t>
+              <a:t>12/12/2024</a:t>
             </a:fld>
             <a:endParaRPr lang="en-US"/>
           </a:p>
@@ -4388,7 +4390,7 @@
           <a:p>
             <a:fld id="{A255833D-6050-4C4E-B549-87A0A8D37910}" type="datetimeFigureOut">
               <a:rPr lang="en-US" smtClean="0"/>
-              <a:t>12/11/2024</a:t>
+              <a:t>12/12/2024</a:t>
             </a:fld>
             <a:endParaRPr lang="en-US"/>
           </a:p>
@@ -4506,7 +4508,7 @@
           <a:p>
             <a:fld id="{A255833D-6050-4C4E-B549-87A0A8D37910}" type="datetimeFigureOut">
               <a:rPr lang="en-US" smtClean="0"/>
-              <a:t>12/11/2024</a:t>
+              <a:t>12/12/2024</a:t>
             </a:fld>
             <a:endParaRPr lang="en-US"/>
           </a:p>
@@ -4601,7 +4603,7 @@
           <a:p>
             <a:fld id="{A255833D-6050-4C4E-B549-87A0A8D37910}" type="datetimeFigureOut">
               <a:rPr lang="en-US" smtClean="0"/>
-              <a:t>12/11/2024</a:t>
+              <a:t>12/12/2024</a:t>
             </a:fld>
             <a:endParaRPr lang="en-US"/>
           </a:p>
@@ -4880,7 +4882,7 @@
           <a:p>
             <a:fld id="{A255833D-6050-4C4E-B549-87A0A8D37910}" type="datetimeFigureOut">
               <a:rPr lang="en-US" smtClean="0"/>
-              <a:t>12/11/2024</a:t>
+              <a:t>12/12/2024</a:t>
             </a:fld>
             <a:endParaRPr lang="en-US"/>
           </a:p>
@@ -5155,7 +5157,7 @@
           <a:p>
             <a:fld id="{A255833D-6050-4C4E-B549-87A0A8D37910}" type="datetimeFigureOut">
               <a:rPr lang="en-US" smtClean="0"/>
-              <a:t>12/11/2024</a:t>
+              <a:t>12/12/2024</a:t>
             </a:fld>
             <a:endParaRPr lang="en-US"/>
           </a:p>
@@ -5584,7 +5586,7 @@
           <a:p>
             <a:fld id="{A255833D-6050-4C4E-B549-87A0A8D37910}" type="datetimeFigureOut">
               <a:rPr lang="en-US" smtClean="0"/>
-              <a:t>12/11/2024</a:t>
+              <a:t>12/12/2024</a:t>
             </a:fld>
             <a:endParaRPr lang="en-US"/>
           </a:p>
@@ -6214,38 +6216,33 @@
       </p:grpSpPr>
       <p:sp>
         <p:nvSpPr>
-          <p:cNvPr id="3" name="Rectangle 2"/>
+          <p:cNvPr id="21" name="Rectangle 20"/>
           <p:cNvSpPr/>
           <p:nvPr/>
         </p:nvSpPr>
         <p:spPr>
           <a:xfrm>
-            <a:off x="1803400" y="850900"/>
-            <a:ext cx="8978900" cy="5575300"/>
+            <a:off x="1038858" y="542925"/>
+            <a:ext cx="9781541" cy="5308600"/>
           </a:xfrm>
           <a:prstGeom prst="rect">
             <a:avLst/>
           </a:prstGeom>
-          <a:solidFill>
-            <a:schemeClr val="accent5">
-              <a:lumMod val="50000"/>
-            </a:schemeClr>
-          </a:solidFill>
           <a:ln>
             <a:noFill/>
           </a:ln>
         </p:spPr>
         <p:style>
           <a:lnRef idx="2">
-            <a:schemeClr val="accent1">
+            <a:schemeClr val="accent5">
               <a:shade val="50000"/>
             </a:schemeClr>
           </a:lnRef>
           <a:fillRef idx="1">
-            <a:schemeClr val="accent1"/>
+            <a:schemeClr val="accent5"/>
           </a:fillRef>
           <a:effectRef idx="0">
-            <a:schemeClr val="accent1"/>
+            <a:schemeClr val="accent5"/>
           </a:effectRef>
           <a:fontRef idx="minor">
             <a:schemeClr val="lt1"/>
@@ -6256,20 +6253,151 @@
           <a:lstStyle/>
           <a:p>
             <a:pPr algn="ctr"/>
-            <a:endParaRPr lang="en-US"/>
-          </a:p>
-        </p:txBody>
-      </p:sp>
-      <p:sp>
-        <p:nvSpPr>
-          <p:cNvPr id="21" name="Rounded Rectangle 20"/>
+            <a:endParaRPr lang="en-US" dirty="0"/>
+          </a:p>
+        </p:txBody>
+      </p:sp>
+      <p:sp>
+        <p:nvSpPr>
+          <p:cNvPr id="23" name="Rounded Rectangle 22"/>
           <p:cNvSpPr/>
           <p:nvPr/>
         </p:nvSpPr>
         <p:spPr>
           <a:xfrm>
-            <a:off x="4524375" y="1254034"/>
-            <a:ext cx="4171950" cy="365760"/>
+            <a:off x="4365626" y="2154555"/>
+            <a:ext cx="2581274" cy="295275"/>
+          </a:xfrm>
+          <a:prstGeom prst="roundRect">
+            <a:avLst/>
+          </a:prstGeom>
+          <a:solidFill>
+            <a:srgbClr val="B5FFFF"/>
+          </a:solidFill>
+        </p:spPr>
+        <p:txBody>
+          <a:bodyPr wrap="square" rtlCol="0">
+            <a:spAutoFit/>
+          </a:bodyPr>
+          <a:lstStyle/>
+          <a:p>
+            <a:r>
+              <a:rPr lang="en-US" dirty="0">
+                <a:solidFill>
+                  <a:schemeClr val="bg1"/>
+                </a:solidFill>
+              </a:rPr>
+              <a:t>        </a:t>
+            </a:r>
+            <a:r>
+              <a:rPr lang="en-US" dirty="0" err="1">
+                <a:solidFill>
+                  <a:schemeClr val="bg1"/>
+                </a:solidFill>
+              </a:rPr>
+              <a:t>VehicleTypeId</a:t>
+            </a:r>
+            <a:r>
+              <a:rPr lang="en-US" dirty="0">
+                <a:solidFill>
+                  <a:schemeClr val="bg1"/>
+                </a:solidFill>
+              </a:rPr>
+              <a:t>   </a:t>
+            </a:r>
+          </a:p>
+        </p:txBody>
+      </p:sp>
+      <p:sp>
+        <p:nvSpPr>
+          <p:cNvPr id="24" name="Rounded Rectangle 23"/>
+          <p:cNvSpPr/>
+          <p:nvPr/>
+        </p:nvSpPr>
+        <p:spPr>
+          <a:xfrm>
+            <a:off x="4365626" y="2657477"/>
+            <a:ext cx="2581274" cy="285749"/>
+          </a:xfrm>
+          <a:prstGeom prst="roundRect">
+            <a:avLst/>
+          </a:prstGeom>
+          <a:solidFill>
+            <a:srgbClr val="B5FFFF"/>
+          </a:solidFill>
+        </p:spPr>
+        <p:txBody>
+          <a:bodyPr wrap="square" rtlCol="0">
+            <a:spAutoFit/>
+          </a:bodyPr>
+          <a:lstStyle/>
+          <a:p>
+            <a:r>
+              <a:rPr lang="en-US" dirty="0" err="1">
+                <a:solidFill>
+                  <a:schemeClr val="bg1"/>
+                </a:solidFill>
+              </a:rPr>
+              <a:t>VehicleTypeName</a:t>
+            </a:r>
+            <a:endParaRPr lang="en-US" dirty="0">
+              <a:solidFill>
+                <a:schemeClr val="bg1"/>
+              </a:solidFill>
+            </a:endParaRPr>
+          </a:p>
+        </p:txBody>
+      </p:sp>
+      <p:sp>
+        <p:nvSpPr>
+          <p:cNvPr id="26" name="Rounded Rectangle 25"/>
+          <p:cNvSpPr/>
+          <p:nvPr/>
+        </p:nvSpPr>
+        <p:spPr>
+          <a:xfrm>
+            <a:off x="4333876" y="3286125"/>
+            <a:ext cx="2581274" cy="381000"/>
+          </a:xfrm>
+          <a:prstGeom prst="roundRect">
+            <a:avLst/>
+          </a:prstGeom>
+          <a:solidFill>
+            <a:srgbClr val="B5FFFF"/>
+          </a:solidFill>
+        </p:spPr>
+        <p:txBody>
+          <a:bodyPr wrap="square" rtlCol="0">
+            <a:spAutoFit/>
+          </a:bodyPr>
+          <a:lstStyle/>
+          <a:p>
+            <a:r>
+              <a:rPr lang="en-US" dirty="0" err="1">
+                <a:solidFill>
+                  <a:schemeClr val="bg1"/>
+                </a:solidFill>
+              </a:rPr>
+              <a:t>PerKmFare</a:t>
+            </a:r>
+            <a:endParaRPr lang="en-US" dirty="0">
+              <a:solidFill>
+                <a:schemeClr val="bg1"/>
+              </a:solidFill>
+            </a:endParaRPr>
+          </a:p>
+        </p:txBody>
+      </p:sp>
+      <p:sp>
+        <p:nvSpPr>
+          <p:cNvPr id="27" name="Rounded Rectangle 26"/>
+          <p:cNvSpPr/>
+          <p:nvPr/>
+        </p:nvSpPr>
+        <p:spPr>
+          <a:xfrm>
+            <a:off x="4824412" y="4303394"/>
+            <a:ext cx="1209675" cy="323850"/>
           </a:xfrm>
           <a:prstGeom prst="roundRect">
             <a:avLst/>
@@ -6298,341 +6426,23 @@
             <a:pPr algn="ctr"/>
             <a:r>
               <a:rPr lang="en-US" dirty="0"/>
-              <a:t>Driver</a:t>
-            </a:r>
-          </a:p>
-        </p:txBody>
-      </p:sp>
-      <p:sp>
-        <p:nvSpPr>
-          <p:cNvPr id="22" name="Rounded Rectangle 21"/>
+              <a:t>Create</a:t>
+            </a:r>
+          </a:p>
+        </p:txBody>
+      </p:sp>
+      <p:sp>
+        <p:nvSpPr>
+          <p:cNvPr id="28" name="Rectangle 27"/>
           <p:cNvSpPr/>
           <p:nvPr/>
         </p:nvSpPr>
         <p:spPr>
           <a:xfrm>
-            <a:off x="3781426" y="2139316"/>
-            <a:ext cx="2581274" cy="295275"/>
-          </a:xfrm>
-          <a:prstGeom prst="roundRect">
-            <a:avLst/>
-          </a:prstGeom>
-          <a:solidFill>
-            <a:srgbClr val="B5FFFF"/>
-          </a:solidFill>
-        </p:spPr>
-        <p:txBody>
-          <a:bodyPr wrap="square" rtlCol="0">
-            <a:spAutoFit/>
-          </a:bodyPr>
-          <a:lstStyle/>
-          <a:p>
-            <a:r>
-              <a:rPr lang="en-US" dirty="0">
-                <a:solidFill>
-                  <a:schemeClr val="bg1"/>
-                </a:solidFill>
-              </a:rPr>
-              <a:t>        </a:t>
-            </a:r>
-            <a:r>
-              <a:rPr lang="en-US" dirty="0" err="1">
-                <a:solidFill>
-                  <a:schemeClr val="bg1"/>
-                </a:solidFill>
-              </a:rPr>
-              <a:t>DriverName</a:t>
-            </a:r>
-            <a:endParaRPr lang="en-US" dirty="0">
-              <a:solidFill>
-                <a:schemeClr val="bg1"/>
-              </a:solidFill>
-            </a:endParaRPr>
-          </a:p>
-        </p:txBody>
-      </p:sp>
-      <p:sp>
-        <p:nvSpPr>
-          <p:cNvPr id="23" name="Rounded Rectangle 22"/>
-          <p:cNvSpPr/>
-          <p:nvPr/>
-        </p:nvSpPr>
-        <p:spPr>
-          <a:xfrm>
-            <a:off x="3781426" y="2809874"/>
-            <a:ext cx="2581274" cy="285749"/>
-          </a:xfrm>
-          <a:prstGeom prst="roundRect">
-            <a:avLst/>
-          </a:prstGeom>
-          <a:solidFill>
-            <a:srgbClr val="B5FFFF"/>
-          </a:solidFill>
-        </p:spPr>
-        <p:txBody>
-          <a:bodyPr wrap="square" rtlCol="0">
-            <a:spAutoFit/>
-          </a:bodyPr>
-          <a:lstStyle/>
-          <a:p>
-            <a:r>
-              <a:rPr lang="en-US" dirty="0">
-                <a:solidFill>
-                  <a:schemeClr val="bg1"/>
-                </a:solidFill>
-              </a:rPr>
-              <a:t>Email</a:t>
-            </a:r>
-          </a:p>
-        </p:txBody>
-      </p:sp>
-      <p:sp>
-        <p:nvSpPr>
-          <p:cNvPr id="25" name="Rounded Rectangle 24"/>
-          <p:cNvSpPr/>
-          <p:nvPr/>
-        </p:nvSpPr>
-        <p:spPr>
-          <a:xfrm>
-            <a:off x="3781426" y="3312796"/>
-            <a:ext cx="2581274" cy="381000"/>
-          </a:xfrm>
-          <a:prstGeom prst="roundRect">
-            <a:avLst/>
-          </a:prstGeom>
-          <a:solidFill>
-            <a:srgbClr val="B5FFFF"/>
-          </a:solidFill>
-        </p:spPr>
-        <p:txBody>
-          <a:bodyPr wrap="square" rtlCol="0">
-            <a:spAutoFit/>
-          </a:bodyPr>
-          <a:lstStyle/>
-          <a:p>
-            <a:r>
-              <a:rPr lang="en-US" dirty="0" err="1">
-                <a:solidFill>
-                  <a:schemeClr val="bg1"/>
-                </a:solidFill>
-              </a:rPr>
-              <a:t>DriverNid</a:t>
-            </a:r>
-            <a:endParaRPr lang="en-US" dirty="0">
-              <a:solidFill>
-                <a:schemeClr val="bg1"/>
-              </a:solidFill>
-            </a:endParaRPr>
-          </a:p>
-        </p:txBody>
-      </p:sp>
-      <p:sp>
-        <p:nvSpPr>
-          <p:cNvPr id="26" name="Rounded Rectangle 25"/>
-          <p:cNvSpPr/>
-          <p:nvPr/>
-        </p:nvSpPr>
-        <p:spPr>
-          <a:xfrm>
-            <a:off x="6905626" y="2886075"/>
-            <a:ext cx="2581274" cy="285749"/>
-          </a:xfrm>
-          <a:prstGeom prst="roundRect">
-            <a:avLst/>
-          </a:prstGeom>
-          <a:solidFill>
-            <a:srgbClr val="B5FFFF"/>
-          </a:solidFill>
-        </p:spPr>
-        <p:txBody>
-          <a:bodyPr wrap="square" rtlCol="0">
-            <a:spAutoFit/>
-          </a:bodyPr>
-          <a:lstStyle/>
-          <a:p>
-            <a:r>
-              <a:rPr lang="en-US" dirty="0" err="1">
-                <a:solidFill>
-                  <a:schemeClr val="bg1"/>
-                </a:solidFill>
-              </a:rPr>
-              <a:t>DrivingLicenseNo</a:t>
-            </a:r>
-            <a:endParaRPr lang="en-US" dirty="0">
-              <a:solidFill>
-                <a:schemeClr val="bg1"/>
-              </a:solidFill>
-            </a:endParaRPr>
-          </a:p>
-        </p:txBody>
-      </p:sp>
-      <p:sp>
-        <p:nvSpPr>
-          <p:cNvPr id="28" name="Rounded Rectangle 27"/>
-          <p:cNvSpPr/>
-          <p:nvPr/>
-        </p:nvSpPr>
-        <p:spPr>
-          <a:xfrm>
-            <a:off x="6922769" y="2149794"/>
-            <a:ext cx="2581274" cy="381000"/>
-          </a:xfrm>
-          <a:prstGeom prst="roundRect">
-            <a:avLst/>
-          </a:prstGeom>
-          <a:solidFill>
-            <a:srgbClr val="B5FFFF"/>
-          </a:solidFill>
-        </p:spPr>
-        <p:txBody>
-          <a:bodyPr wrap="square" rtlCol="0">
-            <a:spAutoFit/>
-          </a:bodyPr>
-          <a:lstStyle/>
-          <a:p>
-            <a:r>
-              <a:rPr lang="en-US" dirty="0" err="1">
-                <a:solidFill>
-                  <a:schemeClr val="bg1"/>
-                </a:solidFill>
-              </a:rPr>
-              <a:t>PhoneNumber</a:t>
-            </a:r>
-            <a:endParaRPr lang="en-US" dirty="0">
-              <a:solidFill>
-                <a:schemeClr val="bg1"/>
-              </a:solidFill>
-            </a:endParaRPr>
-          </a:p>
-        </p:txBody>
-      </p:sp>
-      <p:sp>
-        <p:nvSpPr>
-          <p:cNvPr id="29" name="Rounded Rectangle 28"/>
-          <p:cNvSpPr/>
-          <p:nvPr/>
-        </p:nvSpPr>
-        <p:spPr>
-          <a:xfrm>
-            <a:off x="6905626" y="3408047"/>
-            <a:ext cx="2581274" cy="285749"/>
-          </a:xfrm>
-          <a:prstGeom prst="roundRect">
-            <a:avLst/>
-          </a:prstGeom>
-          <a:solidFill>
-            <a:srgbClr val="B5FFFF"/>
-          </a:solidFill>
-        </p:spPr>
-        <p:txBody>
-          <a:bodyPr wrap="square" rtlCol="0">
-            <a:spAutoFit/>
-          </a:bodyPr>
-          <a:lstStyle/>
-          <a:p>
-            <a:r>
-              <a:rPr lang="en-US" dirty="0" err="1">
-                <a:solidFill>
-                  <a:schemeClr val="bg1"/>
-                </a:solidFill>
-              </a:rPr>
-              <a:t>DriverImage</a:t>
-            </a:r>
-            <a:endParaRPr lang="en-US" dirty="0">
-              <a:solidFill>
-                <a:schemeClr val="bg1"/>
-              </a:solidFill>
-            </a:endParaRPr>
-          </a:p>
-        </p:txBody>
-      </p:sp>
-      <p:sp>
-        <p:nvSpPr>
-          <p:cNvPr id="30" name="Rounded Rectangle 29"/>
-          <p:cNvSpPr/>
-          <p:nvPr/>
-        </p:nvSpPr>
-        <p:spPr>
-          <a:xfrm>
-            <a:off x="3762376" y="3970015"/>
-            <a:ext cx="2727324" cy="396249"/>
-          </a:xfrm>
-          <a:prstGeom prst="roundRect">
-            <a:avLst/>
-          </a:prstGeom>
-          <a:solidFill>
-            <a:srgbClr val="B5FFFF"/>
-          </a:solidFill>
-        </p:spPr>
-        <p:txBody>
-          <a:bodyPr wrap="square" rtlCol="0">
-            <a:spAutoFit/>
-          </a:bodyPr>
-          <a:lstStyle/>
-          <a:p>
-            <a:r>
-              <a:rPr lang="en-US" dirty="0" err="1">
-                <a:solidFill>
-                  <a:schemeClr val="bg1"/>
-                </a:solidFill>
-              </a:rPr>
-              <a:t>CompanyId</a:t>
-            </a:r>
-            <a:endParaRPr lang="en-US" dirty="0">
-              <a:solidFill>
-                <a:schemeClr val="bg1"/>
-              </a:solidFill>
-            </a:endParaRPr>
-          </a:p>
-        </p:txBody>
-      </p:sp>
-      <p:sp>
-        <p:nvSpPr>
-          <p:cNvPr id="31" name="Rounded Rectangle 30"/>
-          <p:cNvSpPr/>
-          <p:nvPr/>
-        </p:nvSpPr>
-        <p:spPr>
-          <a:xfrm>
-            <a:off x="6922769" y="4002421"/>
-            <a:ext cx="2581274" cy="285749"/>
-          </a:xfrm>
-          <a:prstGeom prst="roundRect">
-            <a:avLst/>
-          </a:prstGeom>
-          <a:solidFill>
-            <a:srgbClr val="B5FFFF"/>
-          </a:solidFill>
-        </p:spPr>
-        <p:txBody>
-          <a:bodyPr wrap="square" rtlCol="0">
-            <a:spAutoFit/>
-          </a:bodyPr>
-          <a:lstStyle/>
-          <a:p>
-            <a:r>
-              <a:rPr lang="en-US" dirty="0">
-                <a:solidFill>
-                  <a:schemeClr val="bg1"/>
-                </a:solidFill>
-              </a:rPr>
-              <a:t>Status</a:t>
-            </a:r>
-          </a:p>
-        </p:txBody>
-      </p:sp>
-      <p:sp>
-        <p:nvSpPr>
-          <p:cNvPr id="32" name="Rounded Rectangle 31"/>
-          <p:cNvSpPr/>
-          <p:nvPr/>
-        </p:nvSpPr>
-        <p:spPr>
-          <a:xfrm>
-            <a:off x="5734050" y="5173991"/>
-            <a:ext cx="1752600" cy="313379"/>
-          </a:xfrm>
-          <a:prstGeom prst="roundRect">
+            <a:off x="4457700" y="1358900"/>
+            <a:ext cx="2324100" cy="431800"/>
+          </a:xfrm>
+          <a:prstGeom prst="rect">
             <a:avLst/>
           </a:prstGeom>
         </p:spPr>
@@ -6658,141 +6468,17 @@
           <a:p>
             <a:pPr algn="ctr"/>
             <a:r>
-              <a:rPr lang="en-US" dirty="0"/>
-              <a:t>Create</a:t>
-            </a:r>
-          </a:p>
-        </p:txBody>
-      </p:sp>
-      <p:sp>
-        <p:nvSpPr>
-          <p:cNvPr id="33" name="Rounded Rectangle 32"/>
-          <p:cNvSpPr/>
-          <p:nvPr/>
-        </p:nvSpPr>
-        <p:spPr>
-          <a:xfrm>
-            <a:off x="3781426" y="4627253"/>
-            <a:ext cx="2581274" cy="285749"/>
-          </a:xfrm>
-          <a:prstGeom prst="roundRect">
-            <a:avLst/>
-          </a:prstGeom>
-          <a:solidFill>
-            <a:srgbClr val="B5FFFF"/>
-          </a:solidFill>
-        </p:spPr>
-        <p:txBody>
-          <a:bodyPr wrap="square" rtlCol="0">
-            <a:spAutoFit/>
-          </a:bodyPr>
-          <a:lstStyle/>
-          <a:p>
-            <a:r>
-              <a:rPr lang="en-US" dirty="0" err="1">
-                <a:solidFill>
-                  <a:schemeClr val="bg1"/>
-                </a:solidFill>
-              </a:rPr>
-              <a:t>DriverLaitude</a:t>
-            </a:r>
-            <a:endParaRPr lang="en-US" dirty="0">
-              <a:solidFill>
-                <a:schemeClr val="bg1"/>
-              </a:solidFill>
-            </a:endParaRPr>
-          </a:p>
-        </p:txBody>
-      </p:sp>
-      <p:sp>
-        <p:nvSpPr>
-          <p:cNvPr id="34" name="Rounded Rectangle 33"/>
-          <p:cNvSpPr/>
-          <p:nvPr/>
-        </p:nvSpPr>
-        <p:spPr>
-          <a:xfrm>
-            <a:off x="6922769" y="4612980"/>
-            <a:ext cx="2581274" cy="285749"/>
-          </a:xfrm>
-          <a:prstGeom prst="roundRect">
-            <a:avLst/>
-          </a:prstGeom>
-          <a:solidFill>
-            <a:srgbClr val="B5FFFF"/>
-          </a:solidFill>
-        </p:spPr>
-        <p:txBody>
-          <a:bodyPr wrap="square" rtlCol="0">
-            <a:spAutoFit/>
-          </a:bodyPr>
-          <a:lstStyle/>
-          <a:p>
-            <a:r>
-              <a:rPr lang="en-US" dirty="0" err="1">
-                <a:solidFill>
-                  <a:schemeClr val="bg1"/>
-                </a:solidFill>
-              </a:rPr>
-              <a:t>DriverLongtiude</a:t>
-            </a:r>
-            <a:endParaRPr lang="en-US" dirty="0">
-              <a:solidFill>
-                <a:schemeClr val="bg1"/>
-              </a:solidFill>
-            </a:endParaRPr>
-          </a:p>
-        </p:txBody>
-      </p:sp>
-      <p:sp>
-        <p:nvSpPr>
-          <p:cNvPr id="35" name="Down Arrow 34"/>
-          <p:cNvSpPr/>
-          <p:nvPr/>
-        </p:nvSpPr>
-        <p:spPr>
-          <a:xfrm>
-            <a:off x="5943600" y="4002421"/>
-            <a:ext cx="419100" cy="232396"/>
-          </a:xfrm>
-          <a:prstGeom prst="downArrow">
-            <a:avLst/>
-          </a:prstGeom>
-          <a:solidFill>
-            <a:schemeClr val="accent4">
-              <a:lumMod val="50000"/>
-            </a:schemeClr>
-          </a:solidFill>
-        </p:spPr>
-        <p:style>
-          <a:lnRef idx="2">
-            <a:schemeClr val="accent1">
-              <a:shade val="50000"/>
-            </a:schemeClr>
-          </a:lnRef>
-          <a:fillRef idx="1">
-            <a:schemeClr val="accent1"/>
-          </a:fillRef>
-          <a:effectRef idx="0">
-            <a:schemeClr val="accent1"/>
-          </a:effectRef>
-          <a:fontRef idx="minor">
-            <a:schemeClr val="lt1"/>
-          </a:fontRef>
-        </p:style>
-        <p:txBody>
-          <a:bodyPr rtlCol="0" anchor="ctr"/>
-          <a:lstStyle/>
-          <a:p>
-            <a:pPr algn="ctr"/>
-            <a:endParaRPr lang="en-US"/>
+              <a:rPr lang="en-US" dirty="0" err="1"/>
+              <a:t>VehicleType</a:t>
+            </a:r>
+            <a:endParaRPr lang="en-US" dirty="0"/>
           </a:p>
         </p:txBody>
       </p:sp>
     </p:spTree>
     <p:extLst>
       <p:ext uri="{BB962C8B-B14F-4D97-AF65-F5344CB8AC3E}">
-        <p14:creationId xmlns:p14="http://schemas.microsoft.com/office/powerpoint/2010/main" val="1847604047"/>
+        <p14:creationId xmlns:p14="http://schemas.microsoft.com/office/powerpoint/2010/main" val="2060821224"/>
       </p:ext>
     </p:extLst>
   </p:cSld>
@@ -6821,24 +6507,18 @@
       </p:grpSpPr>
       <p:sp>
         <p:nvSpPr>
-          <p:cNvPr id="5" name="Rectangle 4"/>
+          <p:cNvPr id="5" name="Rounded Rectangle 4"/>
           <p:cNvSpPr/>
           <p:nvPr/>
         </p:nvSpPr>
         <p:spPr>
           <a:xfrm>
-            <a:off x="2554921" y="990600"/>
-            <a:ext cx="7797800" cy="5372100"/>
-          </a:xfrm>
-          <a:prstGeom prst="rect">
-            <a:avLst/>
-          </a:prstGeom>
-          <a:solidFill>
-            <a:schemeClr val="accent5"/>
-          </a:solidFill>
-          <a:ln>
-            <a:noFill/>
-          </a:ln>
+            <a:off x="2844800" y="1270000"/>
+            <a:ext cx="76200" cy="45719"/>
+          </a:xfrm>
+          <a:prstGeom prst="roundRect">
+            <a:avLst/>
+          </a:prstGeom>
         </p:spPr>
         <p:style>
           <a:lnRef idx="2">
@@ -6867,14 +6547,62 @@
       </p:sp>
       <p:sp>
         <p:nvSpPr>
-          <p:cNvPr id="11" name="Rounded Rectangle 10"/>
+          <p:cNvPr id="6" name="Rectangle 5"/>
           <p:cNvSpPr/>
           <p:nvPr/>
         </p:nvSpPr>
         <p:spPr>
           <a:xfrm>
-            <a:off x="4508500" y="1094112"/>
-            <a:ext cx="3890644" cy="365760"/>
+            <a:off x="2844800" y="1315719"/>
+            <a:ext cx="7137400" cy="5097781"/>
+          </a:xfrm>
+          <a:prstGeom prst="rect">
+            <a:avLst/>
+          </a:prstGeom>
+          <a:solidFill>
+            <a:schemeClr val="accent5">
+              <a:lumMod val="75000"/>
+            </a:schemeClr>
+          </a:solidFill>
+          <a:ln>
+            <a:noFill/>
+          </a:ln>
+        </p:spPr>
+        <p:style>
+          <a:lnRef idx="2">
+            <a:schemeClr val="accent1">
+              <a:shade val="50000"/>
+            </a:schemeClr>
+          </a:lnRef>
+          <a:fillRef idx="1">
+            <a:schemeClr val="accent1"/>
+          </a:fillRef>
+          <a:effectRef idx="0">
+            <a:schemeClr val="accent1"/>
+          </a:effectRef>
+          <a:fontRef idx="minor">
+            <a:schemeClr val="lt1"/>
+          </a:fontRef>
+        </p:style>
+        <p:txBody>
+          <a:bodyPr rtlCol="0" anchor="ctr"/>
+          <a:lstStyle/>
+          <a:p>
+            <a:pPr algn="ctr"/>
+            <a:endParaRPr lang="en-US"/>
+          </a:p>
+        </p:txBody>
+      </p:sp>
+      <p:sp>
+        <p:nvSpPr>
+          <p:cNvPr id="23" name="Rounded Rectangle 22"/>
+          <p:cNvSpPr/>
+          <p:nvPr/>
+        </p:nvSpPr>
+        <p:spPr>
+          <a:xfrm>
+            <a:off x="4524375" y="1254034"/>
+            <a:ext cx="4171950" cy="365760"/>
           </a:xfrm>
           <a:prstGeom prst="roundRect">
             <a:avLst/>
@@ -6902,23 +6630,22 @@
           <a:p>
             <a:pPr algn="ctr"/>
             <a:r>
-              <a:rPr lang="en-US" dirty="0" err="1"/>
-              <a:t>DriverVehicle</a:t>
-            </a:r>
-            <a:endParaRPr lang="en-US" dirty="0"/>
-          </a:p>
-        </p:txBody>
-      </p:sp>
-      <p:sp>
-        <p:nvSpPr>
-          <p:cNvPr id="13" name="Rounded Rectangle 12"/>
+              <a:rPr lang="en-US" dirty="0"/>
+              <a:t>Vehicle</a:t>
+            </a:r>
+          </a:p>
+        </p:txBody>
+      </p:sp>
+      <p:sp>
+        <p:nvSpPr>
+          <p:cNvPr id="24" name="Rounded Rectangle 23"/>
           <p:cNvSpPr/>
           <p:nvPr/>
         </p:nvSpPr>
         <p:spPr>
           <a:xfrm>
-            <a:off x="3380103" y="2245359"/>
-            <a:ext cx="2499998" cy="402592"/>
+            <a:off x="3502026" y="2130113"/>
+            <a:ext cx="2581274" cy="295275"/>
           </a:xfrm>
           <a:prstGeom prst="roundRect">
             <a:avLst/>
@@ -6939,7 +6666,7 @@
                   <a:schemeClr val="bg1"/>
                 </a:solidFill>
               </a:rPr>
-              <a:t> </a:t>
+              <a:t>       </a:t>
             </a:r>
             <a:r>
               <a:rPr lang="en-US" dirty="0" err="1">
@@ -6947,85 +6674,7 @@
                   <a:schemeClr val="bg1"/>
                 </a:solidFill>
               </a:rPr>
-              <a:t>DriverId</a:t>
-            </a:r>
-            <a:r>
-              <a:rPr lang="en-US" dirty="0">
-                <a:solidFill>
-                  <a:schemeClr val="bg1"/>
-                </a:solidFill>
-              </a:rPr>
-              <a:t>   </a:t>
-            </a:r>
-          </a:p>
-        </p:txBody>
-      </p:sp>
-      <p:sp>
-        <p:nvSpPr>
-          <p:cNvPr id="14" name="Rounded Rectangle 13"/>
-          <p:cNvSpPr/>
-          <p:nvPr/>
-        </p:nvSpPr>
-        <p:spPr>
-          <a:xfrm>
-            <a:off x="3388994" y="3051489"/>
-            <a:ext cx="2581274" cy="285749"/>
-          </a:xfrm>
-          <a:prstGeom prst="roundRect">
-            <a:avLst/>
-          </a:prstGeom>
-          <a:solidFill>
-            <a:srgbClr val="B5FFFF"/>
-          </a:solidFill>
-        </p:spPr>
-        <p:txBody>
-          <a:bodyPr wrap="square" rtlCol="0">
-            <a:spAutoFit/>
-          </a:bodyPr>
-          <a:lstStyle/>
-          <a:p>
-            <a:r>
-              <a:rPr lang="en-US" dirty="0">
-                <a:solidFill>
-                  <a:schemeClr val="bg1"/>
-                </a:solidFill>
-              </a:rPr>
-              <a:t>Status</a:t>
-            </a:r>
-          </a:p>
-        </p:txBody>
-      </p:sp>
-      <p:sp>
-        <p:nvSpPr>
-          <p:cNvPr id="16" name="Rounded Rectangle 15"/>
-          <p:cNvSpPr/>
-          <p:nvPr/>
-        </p:nvSpPr>
-        <p:spPr>
-          <a:xfrm>
-            <a:off x="6453821" y="2647950"/>
-            <a:ext cx="2581274" cy="381000"/>
-          </a:xfrm>
-          <a:prstGeom prst="roundRect">
-            <a:avLst/>
-          </a:prstGeom>
-          <a:solidFill>
-            <a:srgbClr val="B5FFFF"/>
-          </a:solidFill>
-        </p:spPr>
-        <p:txBody>
-          <a:bodyPr wrap="square" rtlCol="0">
-            <a:spAutoFit/>
-          </a:bodyPr>
-          <a:lstStyle/>
-          <a:p>
-            <a:r>
-              <a:rPr lang="en-US" dirty="0" err="1">
-                <a:solidFill>
-                  <a:schemeClr val="bg1"/>
-                </a:solidFill>
-              </a:rPr>
-              <a:t>VehicleId</a:t>
+              <a:t>VehicleBrand</a:t>
             </a:r>
             <a:endParaRPr lang="en-US" dirty="0">
               <a:solidFill>
@@ -7037,19 +6686,257 @@
       </p:sp>
       <p:sp>
         <p:nvSpPr>
-          <p:cNvPr id="17" name="Rounded Rectangle 16"/>
+          <p:cNvPr id="25" name="Rounded Rectangle 24"/>
           <p:cNvSpPr/>
           <p:nvPr/>
         </p:nvSpPr>
         <p:spPr>
           <a:xfrm>
-            <a:off x="5474969" y="3916669"/>
-            <a:ext cx="1209675" cy="323850"/>
+            <a:off x="3502026" y="2798766"/>
+            <a:ext cx="2581274" cy="285749"/>
           </a:xfrm>
           <a:prstGeom prst="roundRect">
-            <a:avLst>
-              <a:gd name="adj" fmla="val 20589"/>
-            </a:avLst>
+            <a:avLst/>
+          </a:prstGeom>
+          <a:solidFill>
+            <a:srgbClr val="B5FFFF"/>
+          </a:solidFill>
+        </p:spPr>
+        <p:txBody>
+          <a:bodyPr wrap="square" rtlCol="0">
+            <a:spAutoFit/>
+          </a:bodyPr>
+          <a:lstStyle/>
+          <a:p>
+            <a:r>
+              <a:rPr lang="en-US" dirty="0" err="1">
+                <a:solidFill>
+                  <a:schemeClr val="bg1"/>
+                </a:solidFill>
+              </a:rPr>
+              <a:t>VehicleCapacity</a:t>
+            </a:r>
+            <a:endParaRPr lang="en-US" dirty="0">
+              <a:solidFill>
+                <a:schemeClr val="bg1"/>
+              </a:solidFill>
+            </a:endParaRPr>
+          </a:p>
+        </p:txBody>
+      </p:sp>
+      <p:sp>
+        <p:nvSpPr>
+          <p:cNvPr id="27" name="Rounded Rectangle 26"/>
+          <p:cNvSpPr/>
+          <p:nvPr/>
+        </p:nvSpPr>
+        <p:spPr>
+          <a:xfrm>
+            <a:off x="3502026" y="3312796"/>
+            <a:ext cx="2581274" cy="381000"/>
+          </a:xfrm>
+          <a:prstGeom prst="roundRect">
+            <a:avLst/>
+          </a:prstGeom>
+          <a:solidFill>
+            <a:srgbClr val="B5FFFF"/>
+          </a:solidFill>
+        </p:spPr>
+        <p:txBody>
+          <a:bodyPr wrap="square" rtlCol="0">
+            <a:spAutoFit/>
+          </a:bodyPr>
+          <a:lstStyle/>
+          <a:p>
+            <a:r>
+              <a:rPr lang="en-US" dirty="0" err="1">
+                <a:solidFill>
+                  <a:schemeClr val="bg1"/>
+                </a:solidFill>
+              </a:rPr>
+              <a:t>VehicleChassisNo</a:t>
+            </a:r>
+            <a:endParaRPr lang="en-US" dirty="0">
+              <a:solidFill>
+                <a:schemeClr val="bg1"/>
+              </a:solidFill>
+            </a:endParaRPr>
+          </a:p>
+        </p:txBody>
+      </p:sp>
+      <p:sp>
+        <p:nvSpPr>
+          <p:cNvPr id="28" name="Rounded Rectangle 27"/>
+          <p:cNvSpPr/>
+          <p:nvPr/>
+        </p:nvSpPr>
+        <p:spPr>
+          <a:xfrm>
+            <a:off x="6914196" y="2872171"/>
+            <a:ext cx="2713129" cy="464437"/>
+          </a:xfrm>
+          <a:prstGeom prst="roundRect">
+            <a:avLst/>
+          </a:prstGeom>
+          <a:solidFill>
+            <a:srgbClr val="B5FFFF"/>
+          </a:solidFill>
+        </p:spPr>
+        <p:txBody>
+          <a:bodyPr wrap="square" rtlCol="0">
+            <a:spAutoFit/>
+          </a:bodyPr>
+          <a:lstStyle/>
+          <a:p>
+            <a:r>
+              <a:rPr lang="en-US" dirty="0" err="1">
+                <a:solidFill>
+                  <a:schemeClr val="bg1"/>
+                </a:solidFill>
+              </a:rPr>
+              <a:t>VehicleRegistrationNo</a:t>
+            </a:r>
+            <a:endParaRPr lang="en-US" dirty="0">
+              <a:solidFill>
+                <a:schemeClr val="bg1"/>
+              </a:solidFill>
+            </a:endParaRPr>
+          </a:p>
+        </p:txBody>
+      </p:sp>
+      <p:sp>
+        <p:nvSpPr>
+          <p:cNvPr id="30" name="Rounded Rectangle 29"/>
+          <p:cNvSpPr/>
+          <p:nvPr/>
+        </p:nvSpPr>
+        <p:spPr>
+          <a:xfrm>
+            <a:off x="6905626" y="2117646"/>
+            <a:ext cx="2598417" cy="381000"/>
+          </a:xfrm>
+          <a:prstGeom prst="roundRect">
+            <a:avLst/>
+          </a:prstGeom>
+          <a:solidFill>
+            <a:srgbClr val="B5FFFF"/>
+          </a:solidFill>
+        </p:spPr>
+        <p:txBody>
+          <a:bodyPr wrap="square" rtlCol="0">
+            <a:spAutoFit/>
+          </a:bodyPr>
+          <a:lstStyle/>
+          <a:p>
+            <a:r>
+              <a:rPr lang="en-US" dirty="0" err="1">
+                <a:solidFill>
+                  <a:schemeClr val="bg1"/>
+                </a:solidFill>
+              </a:rPr>
+              <a:t>VehicleModel</a:t>
+            </a:r>
+            <a:endParaRPr lang="en-US" dirty="0">
+              <a:solidFill>
+                <a:schemeClr val="bg1"/>
+              </a:solidFill>
+            </a:endParaRPr>
+          </a:p>
+        </p:txBody>
+      </p:sp>
+      <p:sp>
+        <p:nvSpPr>
+          <p:cNvPr id="31" name="Rounded Rectangle 30"/>
+          <p:cNvSpPr/>
+          <p:nvPr/>
+        </p:nvSpPr>
+        <p:spPr>
+          <a:xfrm>
+            <a:off x="6905626" y="3488692"/>
+            <a:ext cx="2581274" cy="285749"/>
+          </a:xfrm>
+          <a:prstGeom prst="roundRect">
+            <a:avLst/>
+          </a:prstGeom>
+          <a:solidFill>
+            <a:srgbClr val="B5FFFF"/>
+          </a:solidFill>
+        </p:spPr>
+        <p:txBody>
+          <a:bodyPr wrap="square" rtlCol="0">
+            <a:spAutoFit/>
+          </a:bodyPr>
+          <a:lstStyle/>
+          <a:p>
+            <a:r>
+              <a:rPr lang="en-US" dirty="0" err="1">
+                <a:solidFill>
+                  <a:schemeClr val="bg1"/>
+                </a:solidFill>
+              </a:rPr>
+              <a:t>VehicleLicence</a:t>
+            </a:r>
+            <a:endParaRPr lang="en-US" dirty="0">
+              <a:solidFill>
+                <a:schemeClr val="bg1"/>
+              </a:solidFill>
+            </a:endParaRPr>
+          </a:p>
+        </p:txBody>
+      </p:sp>
+      <p:sp>
+        <p:nvSpPr>
+          <p:cNvPr id="32" name="Rounded Rectangle 31"/>
+          <p:cNvSpPr/>
+          <p:nvPr/>
+        </p:nvSpPr>
+        <p:spPr>
+          <a:xfrm>
+            <a:off x="3375026" y="3885092"/>
+            <a:ext cx="2708274" cy="393286"/>
+          </a:xfrm>
+          <a:prstGeom prst="roundRect">
+            <a:avLst/>
+          </a:prstGeom>
+          <a:solidFill>
+            <a:srgbClr val="B5FFFF"/>
+          </a:solidFill>
+        </p:spPr>
+        <p:txBody>
+          <a:bodyPr wrap="square" rtlCol="0">
+            <a:spAutoFit/>
+          </a:bodyPr>
+          <a:lstStyle/>
+          <a:p>
+            <a:r>
+              <a:rPr lang="en-US" dirty="0" err="1">
+                <a:solidFill>
+                  <a:schemeClr val="bg1"/>
+                </a:solidFill>
+              </a:rPr>
+              <a:t>VehicleTypeId</a:t>
+            </a:r>
+            <a:endParaRPr lang="en-US" dirty="0">
+              <a:solidFill>
+                <a:schemeClr val="bg1"/>
+              </a:solidFill>
+            </a:endParaRPr>
+          </a:p>
+        </p:txBody>
+      </p:sp>
+      <p:sp>
+        <p:nvSpPr>
+          <p:cNvPr id="33" name="Rounded Rectangle 32"/>
+          <p:cNvSpPr/>
+          <p:nvPr/>
+        </p:nvSpPr>
+        <p:spPr>
+          <a:xfrm>
+            <a:off x="5734050" y="5083972"/>
+            <a:ext cx="1752600" cy="313379"/>
+          </a:xfrm>
+          <a:prstGeom prst="roundRect">
+            <a:avLst/>
           </a:prstGeom>
         </p:spPr>
         <p:style>
@@ -7082,59 +6969,49 @@
       </p:sp>
       <p:sp>
         <p:nvSpPr>
-          <p:cNvPr id="18" name="Down Arrow 17"/>
+          <p:cNvPr id="34" name="Rounded Rectangle 33"/>
           <p:cNvSpPr/>
           <p:nvPr/>
         </p:nvSpPr>
         <p:spPr>
           <a:xfrm>
-            <a:off x="5429250" y="2347591"/>
-            <a:ext cx="400050" cy="300359"/>
-          </a:xfrm>
-          <a:prstGeom prst="downArrow">
+            <a:off x="6922769" y="3960261"/>
+            <a:ext cx="2581274" cy="285749"/>
+          </a:xfrm>
+          <a:prstGeom prst="roundRect">
             <a:avLst/>
           </a:prstGeom>
           <a:solidFill>
-            <a:schemeClr val="accent2">
-              <a:lumMod val="50000"/>
-            </a:schemeClr>
+            <a:srgbClr val="B5FFFF"/>
           </a:solidFill>
         </p:spPr>
-        <p:style>
-          <a:lnRef idx="2">
-            <a:schemeClr val="accent1">
-              <a:shade val="50000"/>
-            </a:schemeClr>
-          </a:lnRef>
-          <a:fillRef idx="1">
-            <a:schemeClr val="accent1"/>
-          </a:fillRef>
-          <a:effectRef idx="0">
-            <a:schemeClr val="accent1"/>
-          </a:effectRef>
-          <a:fontRef idx="minor">
-            <a:schemeClr val="lt1"/>
-          </a:fontRef>
-        </p:style>
-        <p:txBody>
-          <a:bodyPr rtlCol="0" anchor="ctr"/>
-          <a:lstStyle/>
-          <a:p>
-            <a:pPr algn="ctr"/>
-            <a:endParaRPr lang="en-US"/>
-          </a:p>
-        </p:txBody>
-      </p:sp>
-      <p:sp>
-        <p:nvSpPr>
-          <p:cNvPr id="6" name="Down Arrow 5"/>
+        <p:txBody>
+          <a:bodyPr wrap="square" rtlCol="0">
+            <a:spAutoFit/>
+          </a:bodyPr>
+          <a:lstStyle/>
+          <a:p>
+            <a:r>
+              <a:rPr lang="en-US" dirty="0">
+                <a:solidFill>
+                  <a:schemeClr val="bg1"/>
+                </a:solidFill>
+              </a:rPr>
+              <a:t>Status</a:t>
+            </a:r>
+          </a:p>
+        </p:txBody>
+      </p:sp>
+      <p:sp>
+        <p:nvSpPr>
+          <p:cNvPr id="35" name="Down Arrow 34"/>
           <p:cNvSpPr/>
           <p:nvPr/>
         </p:nvSpPr>
         <p:spPr>
           <a:xfrm>
-            <a:off x="8399144" y="2647950"/>
-            <a:ext cx="516256" cy="403539"/>
+            <a:off x="5627369" y="3960261"/>
+            <a:ext cx="455931" cy="285749"/>
           </a:xfrm>
           <a:prstGeom prst="downArrow">
             <a:avLst/>
@@ -7147,18 +7024,16 @@
         </p:spPr>
         <p:style>
           <a:lnRef idx="2">
-            <a:schemeClr val="accent1">
-              <a:shade val="50000"/>
-            </a:schemeClr>
+            <a:schemeClr val="accent6"/>
           </a:lnRef>
           <a:fillRef idx="1">
-            <a:schemeClr val="accent1"/>
+            <a:schemeClr val="lt1"/>
           </a:fillRef>
           <a:effectRef idx="0">
-            <a:schemeClr val="accent1"/>
+            <a:schemeClr val="accent6"/>
           </a:effectRef>
           <a:fontRef idx="minor">
-            <a:schemeClr val="lt1"/>
+            <a:schemeClr val="dk1"/>
           </a:fontRef>
         </p:style>
         <p:txBody>
@@ -7166,14 +7041,20 @@
           <a:lstStyle/>
           <a:p>
             <a:pPr algn="ctr"/>
-            <a:endParaRPr lang="en-US"/>
+            <a:endParaRPr lang="en-US">
+              <a:solidFill>
+                <a:schemeClr val="accent4">
+                  <a:lumMod val="75000"/>
+                </a:schemeClr>
+              </a:solidFill>
+            </a:endParaRPr>
           </a:p>
         </p:txBody>
       </p:sp>
     </p:spTree>
     <p:extLst>
       <p:ext uri="{BB962C8B-B14F-4D97-AF65-F5344CB8AC3E}">
-        <p14:creationId xmlns:p14="http://schemas.microsoft.com/office/powerpoint/2010/main" val="1243093046"/>
+        <p14:creationId xmlns:p14="http://schemas.microsoft.com/office/powerpoint/2010/main" val="507870120"/>
       </p:ext>
     </p:extLst>
   </p:cSld>
@@ -7202,20 +7083,22 @@
       </p:grpSpPr>
       <p:sp>
         <p:nvSpPr>
-          <p:cNvPr id="2" name="Rectangle 1"/>
+          <p:cNvPr id="3" name="Rectangle 2"/>
           <p:cNvSpPr/>
           <p:nvPr/>
         </p:nvSpPr>
         <p:spPr>
           <a:xfrm>
-            <a:off x="2209800" y="850900"/>
-            <a:ext cx="8445500" cy="5461000"/>
+            <a:off x="1803400" y="850900"/>
+            <a:ext cx="8978900" cy="5575300"/>
           </a:xfrm>
           <a:prstGeom prst="rect">
             <a:avLst/>
           </a:prstGeom>
           <a:solidFill>
-            <a:schemeClr val="accent5"/>
+            <a:schemeClr val="accent5">
+              <a:lumMod val="50000"/>
+            </a:schemeClr>
           </a:solidFill>
           <a:ln>
             <a:noFill/>
@@ -7248,7 +7131,7 @@
       </p:sp>
       <p:sp>
         <p:nvSpPr>
-          <p:cNvPr id="17" name="Rounded Rectangle 16"/>
+          <p:cNvPr id="21" name="Rounded Rectangle 20"/>
           <p:cNvSpPr/>
           <p:nvPr/>
         </p:nvSpPr>
@@ -7284,14 +7167,14 @@
             <a:pPr algn="ctr"/>
             <a:r>
               <a:rPr lang="en-US" dirty="0"/>
-              <a:t>Customer</a:t>
-            </a:r>
-          </a:p>
-        </p:txBody>
-      </p:sp>
-      <p:sp>
-        <p:nvSpPr>
-          <p:cNvPr id="19" name="Rounded Rectangle 18"/>
+              <a:t>Driver</a:t>
+            </a:r>
+          </a:p>
+        </p:txBody>
+      </p:sp>
+      <p:sp>
+        <p:nvSpPr>
+          <p:cNvPr id="22" name="Rounded Rectangle 21"/>
           <p:cNvSpPr/>
           <p:nvPr/>
         </p:nvSpPr>
@@ -7319,7 +7202,7 @@
                   <a:schemeClr val="bg1"/>
                 </a:solidFill>
               </a:rPr>
-              <a:t>         </a:t>
+              <a:t>        </a:t>
             </a:r>
             <a:r>
               <a:rPr lang="en-US" dirty="0" err="1">
@@ -7327,7 +7210,7 @@
                   <a:schemeClr val="bg1"/>
                 </a:solidFill>
               </a:rPr>
-              <a:t>CustomerName</a:t>
+              <a:t>DriverName</a:t>
             </a:r>
             <a:endParaRPr lang="en-US" dirty="0">
               <a:solidFill>
@@ -7362,12 +7245,47 @@
           <a:lstStyle/>
           <a:p>
             <a:r>
+              <a:rPr lang="en-US" dirty="0">
+                <a:solidFill>
+                  <a:schemeClr val="bg1"/>
+                </a:solidFill>
+              </a:rPr>
+              <a:t>Email</a:t>
+            </a:r>
+          </a:p>
+        </p:txBody>
+      </p:sp>
+      <p:sp>
+        <p:nvSpPr>
+          <p:cNvPr id="25" name="Rounded Rectangle 24"/>
+          <p:cNvSpPr/>
+          <p:nvPr/>
+        </p:nvSpPr>
+        <p:spPr>
+          <a:xfrm>
+            <a:off x="3781426" y="3312796"/>
+            <a:ext cx="2581274" cy="381000"/>
+          </a:xfrm>
+          <a:prstGeom prst="roundRect">
+            <a:avLst/>
+          </a:prstGeom>
+          <a:solidFill>
+            <a:srgbClr val="B5FFFF"/>
+          </a:solidFill>
+        </p:spPr>
+        <p:txBody>
+          <a:bodyPr wrap="square" rtlCol="0">
+            <a:spAutoFit/>
+          </a:bodyPr>
+          <a:lstStyle/>
+          <a:p>
+            <a:r>
               <a:rPr lang="en-US" dirty="0" err="1">
                 <a:solidFill>
                   <a:schemeClr val="bg1"/>
                 </a:solidFill>
               </a:rPr>
-              <a:t>CustomerEmail</a:t>
+              <a:t>DriverNid</a:t>
             </a:r>
             <a:endParaRPr lang="en-US" dirty="0">
               <a:solidFill>
@@ -7379,14 +7297,14 @@
       </p:sp>
       <p:sp>
         <p:nvSpPr>
-          <p:cNvPr id="25" name="Rounded Rectangle 24"/>
+          <p:cNvPr id="26" name="Rounded Rectangle 25"/>
           <p:cNvSpPr/>
           <p:nvPr/>
         </p:nvSpPr>
         <p:spPr>
           <a:xfrm>
-            <a:off x="3781426" y="3312796"/>
-            <a:ext cx="2581274" cy="381000"/>
+            <a:off x="6905626" y="2886075"/>
+            <a:ext cx="2581274" cy="285749"/>
           </a:xfrm>
           <a:prstGeom prst="roundRect">
             <a:avLst/>
@@ -7407,7 +7325,7 @@
                   <a:schemeClr val="bg1"/>
                 </a:solidFill>
               </a:rPr>
-              <a:t>CustomerImage</a:t>
+              <a:t>DrivingLicenseNo</a:t>
             </a:r>
             <a:endParaRPr lang="en-US" dirty="0">
               <a:solidFill>
@@ -7419,14 +7337,14 @@
       </p:sp>
       <p:sp>
         <p:nvSpPr>
-          <p:cNvPr id="26" name="Rounded Rectangle 25"/>
+          <p:cNvPr id="28" name="Rounded Rectangle 27"/>
           <p:cNvSpPr/>
           <p:nvPr/>
         </p:nvSpPr>
         <p:spPr>
           <a:xfrm>
-            <a:off x="6905626" y="2886075"/>
-            <a:ext cx="2581274" cy="285749"/>
+            <a:off x="6922769" y="2149794"/>
+            <a:ext cx="2581274" cy="381000"/>
           </a:xfrm>
           <a:prstGeom prst="roundRect">
             <a:avLst/>
@@ -7447,7 +7365,7 @@
                   <a:schemeClr val="bg1"/>
                 </a:solidFill>
               </a:rPr>
-              <a:t>CustomerNID</a:t>
+              <a:t>PhoneNumber</a:t>
             </a:r>
             <a:endParaRPr lang="en-US" dirty="0">
               <a:solidFill>
@@ -7459,19 +7377,17 @@
       </p:sp>
       <p:sp>
         <p:nvSpPr>
-          <p:cNvPr id="28" name="Rounded Rectangle 27"/>
+          <p:cNvPr id="29" name="Rounded Rectangle 28"/>
           <p:cNvSpPr/>
           <p:nvPr/>
         </p:nvSpPr>
         <p:spPr>
           <a:xfrm>
-            <a:off x="6847838" y="2196464"/>
-            <a:ext cx="2931162" cy="381000"/>
+            <a:off x="6905626" y="3408047"/>
+            <a:ext cx="2581274" cy="285749"/>
           </a:xfrm>
           <a:prstGeom prst="roundRect">
-            <a:avLst>
-              <a:gd name="adj" fmla="val 0"/>
-            </a:avLst>
+            <a:avLst/>
           </a:prstGeom>
           <a:solidFill>
             <a:srgbClr val="B5FFFF"/>
@@ -7489,7 +7405,7 @@
                   <a:schemeClr val="bg1"/>
                 </a:solidFill>
               </a:rPr>
-              <a:t>CustomerPhoneNumber</a:t>
+              <a:t>DriverImage</a:t>
             </a:r>
             <a:endParaRPr lang="en-US" dirty="0">
               <a:solidFill>
@@ -7501,14 +7417,14 @@
       </p:sp>
       <p:sp>
         <p:nvSpPr>
-          <p:cNvPr id="29" name="Rounded Rectangle 28"/>
+          <p:cNvPr id="30" name="Rounded Rectangle 29"/>
           <p:cNvSpPr/>
           <p:nvPr/>
         </p:nvSpPr>
         <p:spPr>
           <a:xfrm>
-            <a:off x="6905626" y="3408047"/>
-            <a:ext cx="2581274" cy="285749"/>
+            <a:off x="3762376" y="3970015"/>
+            <a:ext cx="2727324" cy="396249"/>
           </a:xfrm>
           <a:prstGeom prst="roundRect">
             <a:avLst/>
@@ -7529,7 +7445,7 @@
                   <a:schemeClr val="bg1"/>
                 </a:solidFill>
               </a:rPr>
-              <a:t>CustomerImage</a:t>
+              <a:t>CompanyId</a:t>
             </a:r>
             <a:endParaRPr lang="en-US" dirty="0">
               <a:solidFill>
@@ -7541,13 +7457,13 @@
       </p:sp>
       <p:sp>
         <p:nvSpPr>
-          <p:cNvPr id="30" name="Rounded Rectangle 29"/>
+          <p:cNvPr id="31" name="Rounded Rectangle 30"/>
           <p:cNvSpPr/>
           <p:nvPr/>
         </p:nvSpPr>
         <p:spPr>
           <a:xfrm>
-            <a:off x="3781426" y="3949068"/>
+            <a:off x="6922769" y="4002421"/>
             <a:ext cx="2581274" cy="285749"/>
           </a:xfrm>
           <a:prstGeom prst="roundRect">
@@ -7564,30 +7480,25 @@
           <a:lstStyle/>
           <a:p>
             <a:r>
-              <a:rPr lang="en-US" dirty="0" err="1">
+              <a:rPr lang="en-US" dirty="0">
                 <a:solidFill>
                   <a:schemeClr val="bg1"/>
                 </a:solidFill>
               </a:rPr>
-              <a:t>CustomerLaitude</a:t>
-            </a:r>
-            <a:endParaRPr lang="en-US" dirty="0">
-              <a:solidFill>
-                <a:schemeClr val="bg1"/>
-              </a:solidFill>
-            </a:endParaRPr>
-          </a:p>
-        </p:txBody>
-      </p:sp>
-      <p:sp>
-        <p:nvSpPr>
-          <p:cNvPr id="31" name="Rounded Rectangle 30"/>
+              <a:t>Status</a:t>
+            </a:r>
+          </a:p>
+        </p:txBody>
+      </p:sp>
+      <p:sp>
+        <p:nvSpPr>
+          <p:cNvPr id="32" name="Rounded Rectangle 31"/>
           <p:cNvSpPr/>
           <p:nvPr/>
         </p:nvSpPr>
         <p:spPr>
           <a:xfrm>
-            <a:off x="5734050" y="5083972"/>
+            <a:off x="5734050" y="5173991"/>
             <a:ext cx="1752600" cy="313379"/>
           </a:xfrm>
           <a:prstGeom prst="roundRect">
@@ -7624,13 +7535,13 @@
       </p:sp>
       <p:sp>
         <p:nvSpPr>
-          <p:cNvPr id="32" name="Rounded Rectangle 31"/>
+          <p:cNvPr id="33" name="Rounded Rectangle 32"/>
           <p:cNvSpPr/>
           <p:nvPr/>
         </p:nvSpPr>
         <p:spPr>
           <a:xfrm>
-            <a:off x="6922769" y="3954785"/>
+            <a:off x="3781426" y="4627253"/>
             <a:ext cx="2581274" cy="285749"/>
           </a:xfrm>
           <a:prstGeom prst="roundRect">
@@ -7652,7 +7563,7 @@
                   <a:schemeClr val="bg1"/>
                 </a:solidFill>
               </a:rPr>
-              <a:t>CustomerLongitude</a:t>
+              <a:t>DriverLaitude</a:t>
             </a:r>
             <a:endParaRPr lang="en-US" dirty="0">
               <a:solidFill>
@@ -7662,10 +7573,95 @@
           </a:p>
         </p:txBody>
       </p:sp>
+      <p:sp>
+        <p:nvSpPr>
+          <p:cNvPr id="34" name="Rounded Rectangle 33"/>
+          <p:cNvSpPr/>
+          <p:nvPr/>
+        </p:nvSpPr>
+        <p:spPr>
+          <a:xfrm>
+            <a:off x="6922769" y="4612980"/>
+            <a:ext cx="2581274" cy="285749"/>
+          </a:xfrm>
+          <a:prstGeom prst="roundRect">
+            <a:avLst/>
+          </a:prstGeom>
+          <a:solidFill>
+            <a:srgbClr val="B5FFFF"/>
+          </a:solidFill>
+        </p:spPr>
+        <p:txBody>
+          <a:bodyPr wrap="square" rtlCol="0">
+            <a:spAutoFit/>
+          </a:bodyPr>
+          <a:lstStyle/>
+          <a:p>
+            <a:r>
+              <a:rPr lang="en-US" dirty="0" err="1">
+                <a:solidFill>
+                  <a:schemeClr val="bg1"/>
+                </a:solidFill>
+              </a:rPr>
+              <a:t>DriverLongtiude</a:t>
+            </a:r>
+            <a:endParaRPr lang="en-US" dirty="0">
+              <a:solidFill>
+                <a:schemeClr val="bg1"/>
+              </a:solidFill>
+            </a:endParaRPr>
+          </a:p>
+        </p:txBody>
+      </p:sp>
+      <p:sp>
+        <p:nvSpPr>
+          <p:cNvPr id="35" name="Down Arrow 34"/>
+          <p:cNvSpPr/>
+          <p:nvPr/>
+        </p:nvSpPr>
+        <p:spPr>
+          <a:xfrm>
+            <a:off x="5943600" y="4002421"/>
+            <a:ext cx="419100" cy="232396"/>
+          </a:xfrm>
+          <a:prstGeom prst="downArrow">
+            <a:avLst/>
+          </a:prstGeom>
+          <a:solidFill>
+            <a:schemeClr val="accent4">
+              <a:lumMod val="50000"/>
+            </a:schemeClr>
+          </a:solidFill>
+        </p:spPr>
+        <p:style>
+          <a:lnRef idx="2">
+            <a:schemeClr val="accent1">
+              <a:shade val="50000"/>
+            </a:schemeClr>
+          </a:lnRef>
+          <a:fillRef idx="1">
+            <a:schemeClr val="accent1"/>
+          </a:fillRef>
+          <a:effectRef idx="0">
+            <a:schemeClr val="accent1"/>
+          </a:effectRef>
+          <a:fontRef idx="minor">
+            <a:schemeClr val="lt1"/>
+          </a:fontRef>
+        </p:style>
+        <p:txBody>
+          <a:bodyPr rtlCol="0" anchor="ctr"/>
+          <a:lstStyle/>
+          <a:p>
+            <a:pPr algn="ctr"/>
+            <a:endParaRPr lang="en-US"/>
+          </a:p>
+        </p:txBody>
+      </p:sp>
     </p:spTree>
     <p:extLst>
       <p:ext uri="{BB962C8B-B14F-4D97-AF65-F5344CB8AC3E}">
-        <p14:creationId xmlns:p14="http://schemas.microsoft.com/office/powerpoint/2010/main" val="2320740655"/>
+        <p14:creationId xmlns:p14="http://schemas.microsoft.com/office/powerpoint/2010/main" val="1847604047"/>
       </p:ext>
     </p:extLst>
   </p:cSld>
@@ -7694,16 +7690,106 @@
       </p:grpSpPr>
       <p:sp>
         <p:nvSpPr>
-          <p:cNvPr id="5" name="TextBox 4"/>
-          <p:cNvSpPr txBox="1"/>
-          <p:nvPr/>
-        </p:nvSpPr>
-        <p:spPr>
-          <a:xfrm>
-            <a:off x="4064000" y="3059668"/>
-            <a:ext cx="4064000" cy="369332"/>
+          <p:cNvPr id="5" name="Rectangle 4"/>
+          <p:cNvSpPr/>
+          <p:nvPr/>
+        </p:nvSpPr>
+        <p:spPr>
+          <a:xfrm>
+            <a:off x="2554921" y="990600"/>
+            <a:ext cx="7797800" cy="5372100"/>
           </a:xfrm>
           <a:prstGeom prst="rect">
+            <a:avLst/>
+          </a:prstGeom>
+          <a:solidFill>
+            <a:schemeClr val="accent5"/>
+          </a:solidFill>
+          <a:ln>
+            <a:noFill/>
+          </a:ln>
+        </p:spPr>
+        <p:style>
+          <a:lnRef idx="2">
+            <a:schemeClr val="accent1">
+              <a:shade val="50000"/>
+            </a:schemeClr>
+          </a:lnRef>
+          <a:fillRef idx="1">
+            <a:schemeClr val="accent1"/>
+          </a:fillRef>
+          <a:effectRef idx="0">
+            <a:schemeClr val="accent1"/>
+          </a:effectRef>
+          <a:fontRef idx="minor">
+            <a:schemeClr val="lt1"/>
+          </a:fontRef>
+        </p:style>
+        <p:txBody>
+          <a:bodyPr rtlCol="0" anchor="ctr"/>
+          <a:lstStyle/>
+          <a:p>
+            <a:pPr algn="ctr"/>
+            <a:endParaRPr lang="en-US"/>
+          </a:p>
+        </p:txBody>
+      </p:sp>
+      <p:sp>
+        <p:nvSpPr>
+          <p:cNvPr id="11" name="Rounded Rectangle 10"/>
+          <p:cNvSpPr/>
+          <p:nvPr/>
+        </p:nvSpPr>
+        <p:spPr>
+          <a:xfrm>
+            <a:off x="4508500" y="1094112"/>
+            <a:ext cx="3890644" cy="365760"/>
+          </a:xfrm>
+          <a:prstGeom prst="roundRect">
+            <a:avLst/>
+          </a:prstGeom>
+        </p:spPr>
+        <p:style>
+          <a:lnRef idx="2">
+            <a:schemeClr val="dk1">
+              <a:shade val="50000"/>
+            </a:schemeClr>
+          </a:lnRef>
+          <a:fillRef idx="1">
+            <a:schemeClr val="dk1"/>
+          </a:fillRef>
+          <a:effectRef idx="0">
+            <a:schemeClr val="dk1"/>
+          </a:effectRef>
+          <a:fontRef idx="minor">
+            <a:schemeClr val="lt1"/>
+          </a:fontRef>
+        </p:style>
+        <p:txBody>
+          <a:bodyPr rtlCol="0" anchor="ctr"/>
+          <a:lstStyle/>
+          <a:p>
+            <a:pPr algn="ctr"/>
+            <a:r>
+              <a:rPr lang="en-US" dirty="0" err="1"/>
+              <a:t>DriverVehicle</a:t>
+            </a:r>
+            <a:endParaRPr lang="en-US" dirty="0"/>
+          </a:p>
+        </p:txBody>
+      </p:sp>
+      <p:sp>
+        <p:nvSpPr>
+          <p:cNvPr id="13" name="Rounded Rectangle 12"/>
+          <p:cNvSpPr/>
+          <p:nvPr/>
+        </p:nvSpPr>
+        <p:spPr>
+          <a:xfrm>
+            <a:off x="3380103" y="2245359"/>
+            <a:ext cx="2499998" cy="402592"/>
+          </a:xfrm>
+          <a:prstGeom prst="roundRect">
             <a:avLst/>
           </a:prstGeom>
           <a:solidFill>
@@ -7714,49 +7800,52 @@
           <a:bodyPr wrap="square" rtlCol="0">
             <a:spAutoFit/>
           </a:bodyPr>
-          <a:lstStyle>
-            <a:defPPr>
-              <a:defRPr lang="en-US"/>
-            </a:defPPr>
-            <a:lvl1pPr>
-              <a:defRPr>
+          <a:lstStyle/>
+          <a:p>
+            <a:r>
+              <a:rPr lang="en-US" dirty="0">
                 <a:solidFill>
                   <a:schemeClr val="bg1"/>
                 </a:solidFill>
-              </a:defRPr>
-            </a:lvl1pPr>
-          </a:lstStyle>
-          <a:p>
-            <a:r>
-              <a:rPr lang="en-US"/>
-              <a:t>MethodType </a:t>
-            </a:r>
-            <a:endParaRPr lang="en-US" dirty="0"/>
-          </a:p>
-        </p:txBody>
-      </p:sp>
-      <p:sp>
-        <p:nvSpPr>
-          <p:cNvPr id="6" name="TextBox 5"/>
-          <p:cNvSpPr txBox="1"/>
-          <p:nvPr/>
-        </p:nvSpPr>
-        <p:spPr>
-          <a:xfrm>
-            <a:off x="0" y="229051"/>
-            <a:ext cx="12192000" cy="369332"/>
-          </a:xfrm>
-          <a:prstGeom prst="rect">
+              </a:rPr>
+              <a:t> </a:t>
+            </a:r>
+            <a:r>
+              <a:rPr lang="en-US" dirty="0" err="1">
+                <a:solidFill>
+                  <a:schemeClr val="bg1"/>
+                </a:solidFill>
+              </a:rPr>
+              <a:t>DriverId</a:t>
+            </a:r>
+            <a:r>
+              <a:rPr lang="en-US" dirty="0">
+                <a:solidFill>
+                  <a:schemeClr val="bg1"/>
+                </a:solidFill>
+              </a:rPr>
+              <a:t>   </a:t>
+            </a:r>
+          </a:p>
+        </p:txBody>
+      </p:sp>
+      <p:sp>
+        <p:nvSpPr>
+          <p:cNvPr id="14" name="Rounded Rectangle 13"/>
+          <p:cNvSpPr/>
+          <p:nvPr/>
+        </p:nvSpPr>
+        <p:spPr>
+          <a:xfrm>
+            <a:off x="3388994" y="3051489"/>
+            <a:ext cx="2581274" cy="285749"/>
+          </a:xfrm>
+          <a:prstGeom prst="roundRect">
             <a:avLst/>
           </a:prstGeom>
           <a:solidFill>
-            <a:schemeClr val="tx1"/>
+            <a:srgbClr val="B5FFFF"/>
           </a:solidFill>
-          <a:ln>
-            <a:solidFill>
-              <a:schemeClr val="tx1"/>
-            </a:solidFill>
-          </a:ln>
         </p:spPr>
         <p:txBody>
           <a:bodyPr wrap="square" rtlCol="0">
@@ -7764,14 +7853,48 @@
           </a:bodyPr>
           <a:lstStyle/>
           <a:p>
-            <a:pPr algn="ctr"/>
+            <a:r>
+              <a:rPr lang="en-US" dirty="0">
+                <a:solidFill>
+                  <a:schemeClr val="bg1"/>
+                </a:solidFill>
+              </a:rPr>
+              <a:t>Status</a:t>
+            </a:r>
+          </a:p>
+        </p:txBody>
+      </p:sp>
+      <p:sp>
+        <p:nvSpPr>
+          <p:cNvPr id="16" name="Rounded Rectangle 15"/>
+          <p:cNvSpPr/>
+          <p:nvPr/>
+        </p:nvSpPr>
+        <p:spPr>
+          <a:xfrm>
+            <a:off x="6453821" y="2647950"/>
+            <a:ext cx="2581274" cy="381000"/>
+          </a:xfrm>
+          <a:prstGeom prst="roundRect">
+            <a:avLst/>
+          </a:prstGeom>
+          <a:solidFill>
+            <a:srgbClr val="B5FFFF"/>
+          </a:solidFill>
+        </p:spPr>
+        <p:txBody>
+          <a:bodyPr wrap="square" rtlCol="0">
+            <a:spAutoFit/>
+          </a:bodyPr>
+          <a:lstStyle/>
+          <a:p>
             <a:r>
               <a:rPr lang="en-US" dirty="0" err="1">
                 <a:solidFill>
                   <a:schemeClr val="bg1"/>
                 </a:solidFill>
               </a:rPr>
-              <a:t>PaymentMethod</a:t>
+              <a:t>VehicleId</a:t>
             </a:r>
             <a:endParaRPr lang="en-US" dirty="0">
               <a:solidFill>
@@ -7783,96 +7906,143 @@
       </p:sp>
       <p:sp>
         <p:nvSpPr>
-          <p:cNvPr id="10" name="TextBox 9"/>
-          <p:cNvSpPr txBox="1"/>
-          <p:nvPr/>
-        </p:nvSpPr>
-        <p:spPr>
-          <a:xfrm>
-            <a:off x="5046361" y="4541147"/>
-            <a:ext cx="1578429" cy="369332"/>
-          </a:xfrm>
-          <a:prstGeom prst="rect">
+          <p:cNvPr id="17" name="Rounded Rectangle 16"/>
+          <p:cNvSpPr/>
+          <p:nvPr/>
+        </p:nvSpPr>
+        <p:spPr>
+          <a:xfrm>
+            <a:off x="5474969" y="3916669"/>
+            <a:ext cx="1209675" cy="323850"/>
+          </a:xfrm>
+          <a:prstGeom prst="roundRect">
+            <a:avLst>
+              <a:gd name="adj" fmla="val 20589"/>
+            </a:avLst>
+          </a:prstGeom>
+        </p:spPr>
+        <p:style>
+          <a:lnRef idx="2">
+            <a:schemeClr val="dk1">
+              <a:shade val="50000"/>
+            </a:schemeClr>
+          </a:lnRef>
+          <a:fillRef idx="1">
+            <a:schemeClr val="dk1"/>
+          </a:fillRef>
+          <a:effectRef idx="0">
+            <a:schemeClr val="dk1"/>
+          </a:effectRef>
+          <a:fontRef idx="minor">
+            <a:schemeClr val="lt1"/>
+          </a:fontRef>
+        </p:style>
+        <p:txBody>
+          <a:bodyPr rtlCol="0" anchor="ctr"/>
+          <a:lstStyle/>
+          <a:p>
+            <a:pPr algn="ctr"/>
+            <a:r>
+              <a:rPr lang="en-US" dirty="0"/>
+              <a:t>Create</a:t>
+            </a:r>
+          </a:p>
+        </p:txBody>
+      </p:sp>
+      <p:sp>
+        <p:nvSpPr>
+          <p:cNvPr id="18" name="Down Arrow 17"/>
+          <p:cNvSpPr/>
+          <p:nvPr/>
+        </p:nvSpPr>
+        <p:spPr>
+          <a:xfrm>
+            <a:off x="5429250" y="2347591"/>
+            <a:ext cx="400050" cy="300359"/>
+          </a:xfrm>
+          <a:prstGeom prst="downArrow">
             <a:avLst/>
           </a:prstGeom>
           <a:solidFill>
-            <a:schemeClr val="bg1">
-              <a:lumMod val="85000"/>
+            <a:schemeClr val="accent2">
+              <a:lumMod val="50000"/>
             </a:schemeClr>
           </a:solidFill>
-          <a:ln>
-            <a:solidFill>
-              <a:schemeClr val="tx1"/>
-            </a:solidFill>
-          </a:ln>
-        </p:spPr>
-        <p:txBody>
-          <a:bodyPr wrap="square" rtlCol="0">
-            <a:spAutoFit/>
-          </a:bodyPr>
+        </p:spPr>
+        <p:style>
+          <a:lnRef idx="2">
+            <a:schemeClr val="accent1">
+              <a:shade val="50000"/>
+            </a:schemeClr>
+          </a:lnRef>
+          <a:fillRef idx="1">
+            <a:schemeClr val="accent1"/>
+          </a:fillRef>
+          <a:effectRef idx="0">
+            <a:schemeClr val="accent1"/>
+          </a:effectRef>
+          <a:fontRef idx="minor">
+            <a:schemeClr val="lt1"/>
+          </a:fontRef>
+        </p:style>
+        <p:txBody>
+          <a:bodyPr rtlCol="0" anchor="ctr"/>
           <a:lstStyle/>
           <a:p>
             <a:pPr algn="ctr"/>
-            <a:r>
-              <a:rPr lang="en-US" dirty="0"/>
-              <a:t>Create </a:t>
-            </a:r>
-          </a:p>
-        </p:txBody>
-      </p:sp>
-      <p:sp>
-        <p:nvSpPr>
-          <p:cNvPr id="7" name="TextBox 6">
-            <a:extLst>
-              <a:ext uri="{FF2B5EF4-FFF2-40B4-BE49-F238E27FC236}">
-                <a16:creationId xmlns:a16="http://schemas.microsoft.com/office/drawing/2014/main" id="{0FD523DD-05ED-3E51-2B41-4C649A870CCD}"/>
-              </a:ext>
-            </a:extLst>
-          </p:cNvPr>
-          <p:cNvSpPr txBox="1"/>
-          <p:nvPr/>
-        </p:nvSpPr>
-        <p:spPr>
-          <a:xfrm>
-            <a:off x="4064000" y="2353715"/>
-            <a:ext cx="4064000" cy="369332"/>
-          </a:xfrm>
-          <a:prstGeom prst="rect">
+            <a:endParaRPr lang="en-US"/>
+          </a:p>
+        </p:txBody>
+      </p:sp>
+      <p:sp>
+        <p:nvSpPr>
+          <p:cNvPr id="6" name="Down Arrow 5"/>
+          <p:cNvSpPr/>
+          <p:nvPr/>
+        </p:nvSpPr>
+        <p:spPr>
+          <a:xfrm>
+            <a:off x="8399144" y="2647950"/>
+            <a:ext cx="516256" cy="403539"/>
+          </a:xfrm>
+          <a:prstGeom prst="downArrow">
             <a:avLst/>
           </a:prstGeom>
           <a:solidFill>
-            <a:srgbClr val="B5FFFF"/>
+            <a:schemeClr val="accent4">
+              <a:lumMod val="75000"/>
+            </a:schemeClr>
           </a:solidFill>
         </p:spPr>
-        <p:txBody>
-          <a:bodyPr wrap="square" rtlCol="0">
-            <a:spAutoFit/>
-          </a:bodyPr>
-          <a:lstStyle>
-            <a:defPPr>
-              <a:defRPr lang="en-US"/>
-            </a:defPPr>
-            <a:lvl1pPr>
-              <a:defRPr>
-                <a:solidFill>
-                  <a:schemeClr val="bg1"/>
-                </a:solidFill>
-              </a:defRPr>
-            </a:lvl1pPr>
-          </a:lstStyle>
-          <a:p>
-            <a:r>
-              <a:rPr lang="en-US" dirty="0" err="1"/>
-              <a:t>MethodTypeId</a:t>
-            </a:r>
-            <a:endParaRPr lang="en-US" dirty="0"/>
+        <p:style>
+          <a:lnRef idx="2">
+            <a:schemeClr val="accent1">
+              <a:shade val="50000"/>
+            </a:schemeClr>
+          </a:lnRef>
+          <a:fillRef idx="1">
+            <a:schemeClr val="accent1"/>
+          </a:fillRef>
+          <a:effectRef idx="0">
+            <a:schemeClr val="accent1"/>
+          </a:effectRef>
+          <a:fontRef idx="minor">
+            <a:schemeClr val="lt1"/>
+          </a:fontRef>
+        </p:style>
+        <p:txBody>
+          <a:bodyPr rtlCol="0" anchor="ctr"/>
+          <a:lstStyle/>
+          <a:p>
+            <a:pPr algn="ctr"/>
+            <a:endParaRPr lang="en-US"/>
           </a:p>
         </p:txBody>
       </p:sp>
     </p:spTree>
     <p:extLst>
       <p:ext uri="{BB962C8B-B14F-4D97-AF65-F5344CB8AC3E}">
-        <p14:creationId xmlns:p14="http://schemas.microsoft.com/office/powerpoint/2010/main" val="2480206238"/>
+        <p14:creationId xmlns:p14="http://schemas.microsoft.com/office/powerpoint/2010/main" val="1243093046"/>
       </p:ext>
     </p:extLst>
   </p:cSld>
@@ -7901,285 +8071,29 @@
       </p:grpSpPr>
       <p:sp>
         <p:nvSpPr>
-          <p:cNvPr id="5" name="TextBox 4"/>
-          <p:cNvSpPr txBox="1"/>
-          <p:nvPr/>
-        </p:nvSpPr>
-        <p:spPr>
-          <a:xfrm>
-            <a:off x="3663362" y="2502343"/>
-            <a:ext cx="4064000" cy="369332"/>
+          <p:cNvPr id="2" name="Rectangle 1"/>
+          <p:cNvSpPr/>
+          <p:nvPr/>
+        </p:nvSpPr>
+        <p:spPr>
+          <a:xfrm>
+            <a:off x="2209800" y="850900"/>
+            <a:ext cx="8445500" cy="5461000"/>
           </a:xfrm>
           <a:prstGeom prst="rect">
             <a:avLst/>
           </a:prstGeom>
           <a:solidFill>
-            <a:srgbClr val="B5FFFF"/>
-          </a:solidFill>
-        </p:spPr>
-        <p:txBody>
-          <a:bodyPr wrap="square" rtlCol="0">
-            <a:spAutoFit/>
-          </a:bodyPr>
-          <a:lstStyle>
-            <a:defPPr>
-              <a:defRPr lang="en-US"/>
-            </a:defPPr>
-            <a:lvl1pPr>
-              <a:defRPr>
-                <a:solidFill>
-                  <a:schemeClr val="bg1"/>
-                </a:solidFill>
-              </a:defRPr>
-            </a:lvl1pPr>
-          </a:lstStyle>
-          <a:p>
-            <a:r>
-              <a:rPr lang="en-US"/>
-              <a:t>InvoiceId </a:t>
-            </a:r>
-            <a:endParaRPr lang="en-US" dirty="0"/>
-          </a:p>
-        </p:txBody>
-      </p:sp>
-      <p:sp>
-        <p:nvSpPr>
-          <p:cNvPr id="6" name="TextBox 5"/>
-          <p:cNvSpPr txBox="1"/>
-          <p:nvPr/>
-        </p:nvSpPr>
-        <p:spPr>
-          <a:xfrm>
-            <a:off x="1" y="405088"/>
-            <a:ext cx="12192000" cy="369332"/>
-          </a:xfrm>
-          <a:prstGeom prst="rect">
-            <a:avLst/>
-          </a:prstGeom>
-          <a:solidFill>
-            <a:schemeClr val="tx1"/>
+            <a:schemeClr val="accent5"/>
           </a:solidFill>
           <a:ln>
-            <a:solidFill>
-              <a:schemeClr val="tx1"/>
-            </a:solidFill>
+            <a:noFill/>
           </a:ln>
-        </p:spPr>
-        <p:txBody>
-          <a:bodyPr wrap="square" rtlCol="0">
-            <a:spAutoFit/>
-          </a:bodyPr>
-          <a:lstStyle/>
-          <a:p>
-            <a:pPr algn="ctr"/>
-            <a:r>
-              <a:rPr lang="en-US" dirty="0">
-                <a:solidFill>
-                  <a:schemeClr val="bg1"/>
-                </a:solidFill>
-              </a:rPr>
-              <a:t>Payment</a:t>
-            </a:r>
-          </a:p>
-        </p:txBody>
-      </p:sp>
-      <p:sp>
-        <p:nvSpPr>
-          <p:cNvPr id="7" name="TextBox 6"/>
-          <p:cNvSpPr txBox="1"/>
-          <p:nvPr/>
-        </p:nvSpPr>
-        <p:spPr>
-          <a:xfrm>
-            <a:off x="3663362" y="3095699"/>
-            <a:ext cx="4064000" cy="369332"/>
-          </a:xfrm>
-          <a:prstGeom prst="rect">
-            <a:avLst/>
-          </a:prstGeom>
-          <a:solidFill>
-            <a:srgbClr val="B5FFFF"/>
-          </a:solidFill>
-        </p:spPr>
-        <p:txBody>
-          <a:bodyPr wrap="square" rtlCol="0">
-            <a:spAutoFit/>
-          </a:bodyPr>
-          <a:lstStyle>
-            <a:defPPr>
-              <a:defRPr lang="en-US"/>
-            </a:defPPr>
-            <a:lvl1pPr>
-              <a:defRPr>
-                <a:solidFill>
-                  <a:schemeClr val="bg1"/>
-                </a:solidFill>
-              </a:defRPr>
-            </a:lvl1pPr>
-          </a:lstStyle>
-          <a:p>
-            <a:r>
-              <a:rPr lang="en-US" dirty="0"/>
-              <a:t>Amount </a:t>
-            </a:r>
-          </a:p>
-        </p:txBody>
-      </p:sp>
-      <p:sp>
-        <p:nvSpPr>
-          <p:cNvPr id="8" name="TextBox 7"/>
-          <p:cNvSpPr txBox="1"/>
-          <p:nvPr/>
-        </p:nvSpPr>
-        <p:spPr>
-          <a:xfrm>
-            <a:off x="3663362" y="4428658"/>
-            <a:ext cx="4064000" cy="369332"/>
-          </a:xfrm>
-          <a:prstGeom prst="rect">
-            <a:avLst/>
-          </a:prstGeom>
-          <a:solidFill>
-            <a:srgbClr val="B5FFFF"/>
-          </a:solidFill>
-        </p:spPr>
-        <p:txBody>
-          <a:bodyPr wrap="square" rtlCol="0">
-            <a:spAutoFit/>
-          </a:bodyPr>
-          <a:lstStyle>
-            <a:defPPr>
-              <a:defRPr lang="en-US"/>
-            </a:defPPr>
-            <a:lvl1pPr>
-              <a:defRPr>
-                <a:solidFill>
-                  <a:schemeClr val="bg1"/>
-                </a:solidFill>
-              </a:defRPr>
-            </a:lvl1pPr>
-          </a:lstStyle>
-          <a:p>
-            <a:r>
-              <a:rPr lang="en-US"/>
-              <a:t>PaymentDate </a:t>
-            </a:r>
-            <a:endParaRPr lang="en-US" dirty="0"/>
-          </a:p>
-        </p:txBody>
-      </p:sp>
-      <p:sp>
-        <p:nvSpPr>
-          <p:cNvPr id="10" name="TextBox 9"/>
-          <p:cNvSpPr txBox="1"/>
-          <p:nvPr/>
-        </p:nvSpPr>
-        <p:spPr>
-          <a:xfrm>
-            <a:off x="5390860" y="5752665"/>
-            <a:ext cx="1578429" cy="369332"/>
-          </a:xfrm>
-          <a:prstGeom prst="rect">
-            <a:avLst/>
-          </a:prstGeom>
-          <a:solidFill>
-            <a:schemeClr val="bg1">
-              <a:lumMod val="85000"/>
-            </a:schemeClr>
-          </a:solidFill>
-          <a:ln>
-            <a:solidFill>
-              <a:schemeClr val="tx1"/>
-            </a:solidFill>
-          </a:ln>
-        </p:spPr>
-        <p:txBody>
-          <a:bodyPr wrap="square" rtlCol="0">
-            <a:spAutoFit/>
-          </a:bodyPr>
-          <a:lstStyle/>
-          <a:p>
-            <a:pPr algn="ctr"/>
-            <a:r>
-              <a:rPr lang="en-US" dirty="0"/>
-              <a:t>Create </a:t>
-            </a:r>
-          </a:p>
-        </p:txBody>
-      </p:sp>
-      <p:sp>
-        <p:nvSpPr>
-          <p:cNvPr id="9" name="TextBox 8"/>
-          <p:cNvSpPr txBox="1"/>
-          <p:nvPr/>
-        </p:nvSpPr>
-        <p:spPr>
-          <a:xfrm>
-            <a:off x="3663362" y="3696259"/>
-            <a:ext cx="4064000" cy="369332"/>
-          </a:xfrm>
-          <a:prstGeom prst="rect">
-            <a:avLst/>
-          </a:prstGeom>
-          <a:solidFill>
-            <a:srgbClr val="B5FFFF"/>
-          </a:solidFill>
-        </p:spPr>
-        <p:txBody>
-          <a:bodyPr wrap="square" rtlCol="0">
-            <a:spAutoFit/>
-          </a:bodyPr>
-          <a:lstStyle>
-            <a:defPPr>
-              <a:defRPr lang="en-US"/>
-            </a:defPPr>
-            <a:lvl1pPr>
-              <a:defRPr>
-                <a:solidFill>
-                  <a:schemeClr val="bg1"/>
-                </a:solidFill>
-              </a:defRPr>
-            </a:lvl1pPr>
-          </a:lstStyle>
-          <a:p>
-            <a:r>
-              <a:rPr lang="en-US" dirty="0"/>
-              <a:t>Status </a:t>
-            </a:r>
-          </a:p>
-        </p:txBody>
-      </p:sp>
-      <p:sp>
-        <p:nvSpPr>
-          <p:cNvPr id="2" name="Arrow: Down 1">
-            <a:extLst>
-              <a:ext uri="{FF2B5EF4-FFF2-40B4-BE49-F238E27FC236}">
-                <a16:creationId xmlns:a16="http://schemas.microsoft.com/office/drawing/2014/main" id="{EA96DAA8-3FC8-8A98-F2EE-73FFADF95585}"/>
-              </a:ext>
-            </a:extLst>
-          </p:cNvPr>
-          <p:cNvSpPr/>
-          <p:nvPr/>
-        </p:nvSpPr>
-        <p:spPr>
-          <a:xfrm>
-            <a:off x="6515561" y="2534548"/>
-            <a:ext cx="309562" cy="247650"/>
-          </a:xfrm>
-          <a:prstGeom prst="downArrow">
-            <a:avLst/>
-          </a:prstGeom>
-          <a:solidFill>
-            <a:schemeClr val="tx2">
-              <a:lumMod val="60000"/>
-              <a:lumOff val="40000"/>
-            </a:schemeClr>
-          </a:solidFill>
         </p:spPr>
         <p:style>
           <a:lnRef idx="2">
             <a:schemeClr val="accent1">
-              <a:shade val="15000"/>
+              <a:shade val="50000"/>
             </a:schemeClr>
           </a:lnRef>
           <a:fillRef idx="1">
@@ -8197,6 +8111,93 @@
           <a:lstStyle/>
           <a:p>
             <a:pPr algn="ctr"/>
+            <a:endParaRPr lang="en-US"/>
+          </a:p>
+        </p:txBody>
+      </p:sp>
+      <p:sp>
+        <p:nvSpPr>
+          <p:cNvPr id="17" name="Rounded Rectangle 16"/>
+          <p:cNvSpPr/>
+          <p:nvPr/>
+        </p:nvSpPr>
+        <p:spPr>
+          <a:xfrm>
+            <a:off x="4524375" y="1254034"/>
+            <a:ext cx="4171950" cy="365760"/>
+          </a:xfrm>
+          <a:prstGeom prst="roundRect">
+            <a:avLst/>
+          </a:prstGeom>
+        </p:spPr>
+        <p:style>
+          <a:lnRef idx="2">
+            <a:schemeClr val="dk1">
+              <a:shade val="50000"/>
+            </a:schemeClr>
+          </a:lnRef>
+          <a:fillRef idx="1">
+            <a:schemeClr val="dk1"/>
+          </a:fillRef>
+          <a:effectRef idx="0">
+            <a:schemeClr val="dk1"/>
+          </a:effectRef>
+          <a:fontRef idx="minor">
+            <a:schemeClr val="lt1"/>
+          </a:fontRef>
+        </p:style>
+        <p:txBody>
+          <a:bodyPr rtlCol="0" anchor="ctr"/>
+          <a:lstStyle/>
+          <a:p>
+            <a:pPr algn="ctr"/>
+            <a:r>
+              <a:rPr lang="en-US" dirty="0"/>
+              <a:t>Customer</a:t>
+            </a:r>
+          </a:p>
+        </p:txBody>
+      </p:sp>
+      <p:sp>
+        <p:nvSpPr>
+          <p:cNvPr id="19" name="Rounded Rectangle 18"/>
+          <p:cNvSpPr/>
+          <p:nvPr/>
+        </p:nvSpPr>
+        <p:spPr>
+          <a:xfrm>
+            <a:off x="3781426" y="2139316"/>
+            <a:ext cx="2581274" cy="295275"/>
+          </a:xfrm>
+          <a:prstGeom prst="roundRect">
+            <a:avLst/>
+          </a:prstGeom>
+          <a:solidFill>
+            <a:srgbClr val="B5FFFF"/>
+          </a:solidFill>
+        </p:spPr>
+        <p:txBody>
+          <a:bodyPr wrap="square" rtlCol="0">
+            <a:spAutoFit/>
+          </a:bodyPr>
+          <a:lstStyle/>
+          <a:p>
+            <a:r>
+              <a:rPr lang="en-US" dirty="0">
+                <a:solidFill>
+                  <a:schemeClr val="bg1"/>
+                </a:solidFill>
+              </a:rPr>
+              <a:t>         </a:t>
+            </a:r>
+            <a:r>
+              <a:rPr lang="en-US" dirty="0" err="1">
+                <a:solidFill>
+                  <a:schemeClr val="bg1"/>
+                </a:solidFill>
+              </a:rPr>
+              <a:t>CustomerName</a:t>
+            </a:r>
             <a:endParaRPr lang="en-US" dirty="0">
               <a:solidFill>
                 <a:schemeClr val="bg1"/>
@@ -8207,22 +8208,16 @@
       </p:sp>
       <p:sp>
         <p:nvSpPr>
-          <p:cNvPr id="12" name="TextBox 11">
-            <a:extLst>
-              <a:ext uri="{FF2B5EF4-FFF2-40B4-BE49-F238E27FC236}">
-                <a16:creationId xmlns:a16="http://schemas.microsoft.com/office/drawing/2014/main" id="{2A0412CF-D6D3-612A-50F0-389326F1F7EB}"/>
-              </a:ext>
-            </a:extLst>
-          </p:cNvPr>
-          <p:cNvSpPr txBox="1"/>
-          <p:nvPr/>
-        </p:nvSpPr>
-        <p:spPr>
-          <a:xfrm>
-            <a:off x="3663362" y="1934640"/>
-            <a:ext cx="4064000" cy="369332"/>
-          </a:xfrm>
-          <a:prstGeom prst="rect">
+          <p:cNvPr id="23" name="Rounded Rectangle 22"/>
+          <p:cNvSpPr/>
+          <p:nvPr/>
+        </p:nvSpPr>
+        <p:spPr>
+          <a:xfrm>
+            <a:off x="3781426" y="2809874"/>
+            <a:ext cx="2581274" cy="285749"/>
+          </a:xfrm>
+          <a:prstGeom prst="roundRect">
             <a:avLst/>
           </a:prstGeom>
           <a:solidFill>
@@ -8233,31 +8228,313 @@
           <a:bodyPr wrap="square" rtlCol="0">
             <a:spAutoFit/>
           </a:bodyPr>
-          <a:lstStyle>
-            <a:defPPr>
-              <a:defRPr lang="en-US"/>
-            </a:defPPr>
-            <a:lvl1pPr>
-              <a:defRPr>
+          <a:lstStyle/>
+          <a:p>
+            <a:r>
+              <a:rPr lang="en-US" dirty="0" err="1">
                 <a:solidFill>
                   <a:schemeClr val="bg1"/>
                 </a:solidFill>
-              </a:defRPr>
-            </a:lvl1pPr>
-          </a:lstStyle>
-          <a:p>
-            <a:r>
-              <a:rPr lang="en-US" dirty="0" err="1"/>
-              <a:t>PaymentId</a:t>
-            </a:r>
-            <a:endParaRPr lang="en-US" dirty="0"/>
+              </a:rPr>
+              <a:t>CustomerEmail</a:t>
+            </a:r>
+            <a:endParaRPr lang="en-US" dirty="0">
+              <a:solidFill>
+                <a:schemeClr val="bg1"/>
+              </a:solidFill>
+            </a:endParaRPr>
+          </a:p>
+        </p:txBody>
+      </p:sp>
+      <p:sp>
+        <p:nvSpPr>
+          <p:cNvPr id="25" name="Rounded Rectangle 24"/>
+          <p:cNvSpPr/>
+          <p:nvPr/>
+        </p:nvSpPr>
+        <p:spPr>
+          <a:xfrm>
+            <a:off x="3781426" y="3312796"/>
+            <a:ext cx="2581274" cy="381000"/>
+          </a:xfrm>
+          <a:prstGeom prst="roundRect">
+            <a:avLst/>
+          </a:prstGeom>
+          <a:solidFill>
+            <a:srgbClr val="B5FFFF"/>
+          </a:solidFill>
+        </p:spPr>
+        <p:txBody>
+          <a:bodyPr wrap="square" rtlCol="0">
+            <a:spAutoFit/>
+          </a:bodyPr>
+          <a:lstStyle/>
+          <a:p>
+            <a:r>
+              <a:rPr lang="en-US" dirty="0" err="1">
+                <a:solidFill>
+                  <a:schemeClr val="bg1"/>
+                </a:solidFill>
+              </a:rPr>
+              <a:t>CustomerImage</a:t>
+            </a:r>
+            <a:endParaRPr lang="en-US" dirty="0">
+              <a:solidFill>
+                <a:schemeClr val="bg1"/>
+              </a:solidFill>
+            </a:endParaRPr>
+          </a:p>
+        </p:txBody>
+      </p:sp>
+      <p:sp>
+        <p:nvSpPr>
+          <p:cNvPr id="26" name="Rounded Rectangle 25"/>
+          <p:cNvSpPr/>
+          <p:nvPr/>
+        </p:nvSpPr>
+        <p:spPr>
+          <a:xfrm>
+            <a:off x="6905626" y="2886075"/>
+            <a:ext cx="2581274" cy="285749"/>
+          </a:xfrm>
+          <a:prstGeom prst="roundRect">
+            <a:avLst/>
+          </a:prstGeom>
+          <a:solidFill>
+            <a:srgbClr val="B5FFFF"/>
+          </a:solidFill>
+        </p:spPr>
+        <p:txBody>
+          <a:bodyPr wrap="square" rtlCol="0">
+            <a:spAutoFit/>
+          </a:bodyPr>
+          <a:lstStyle/>
+          <a:p>
+            <a:r>
+              <a:rPr lang="en-US" dirty="0" err="1">
+                <a:solidFill>
+                  <a:schemeClr val="bg1"/>
+                </a:solidFill>
+              </a:rPr>
+              <a:t>CustomerNID</a:t>
+            </a:r>
+            <a:endParaRPr lang="en-US" dirty="0">
+              <a:solidFill>
+                <a:schemeClr val="bg1"/>
+              </a:solidFill>
+            </a:endParaRPr>
+          </a:p>
+        </p:txBody>
+      </p:sp>
+      <p:sp>
+        <p:nvSpPr>
+          <p:cNvPr id="28" name="Rounded Rectangle 27"/>
+          <p:cNvSpPr/>
+          <p:nvPr/>
+        </p:nvSpPr>
+        <p:spPr>
+          <a:xfrm>
+            <a:off x="6847838" y="2196464"/>
+            <a:ext cx="2931162" cy="381000"/>
+          </a:xfrm>
+          <a:prstGeom prst="roundRect">
+            <a:avLst>
+              <a:gd name="adj" fmla="val 0"/>
+            </a:avLst>
+          </a:prstGeom>
+          <a:solidFill>
+            <a:srgbClr val="B5FFFF"/>
+          </a:solidFill>
+        </p:spPr>
+        <p:txBody>
+          <a:bodyPr wrap="square" rtlCol="0">
+            <a:spAutoFit/>
+          </a:bodyPr>
+          <a:lstStyle/>
+          <a:p>
+            <a:r>
+              <a:rPr lang="en-US" dirty="0" err="1">
+                <a:solidFill>
+                  <a:schemeClr val="bg1"/>
+                </a:solidFill>
+              </a:rPr>
+              <a:t>CustomerPhoneNumber</a:t>
+            </a:r>
+            <a:endParaRPr lang="en-US" dirty="0">
+              <a:solidFill>
+                <a:schemeClr val="bg1"/>
+              </a:solidFill>
+            </a:endParaRPr>
+          </a:p>
+        </p:txBody>
+      </p:sp>
+      <p:sp>
+        <p:nvSpPr>
+          <p:cNvPr id="29" name="Rounded Rectangle 28"/>
+          <p:cNvSpPr/>
+          <p:nvPr/>
+        </p:nvSpPr>
+        <p:spPr>
+          <a:xfrm>
+            <a:off x="6905626" y="3408047"/>
+            <a:ext cx="2581274" cy="285749"/>
+          </a:xfrm>
+          <a:prstGeom prst="roundRect">
+            <a:avLst/>
+          </a:prstGeom>
+          <a:solidFill>
+            <a:srgbClr val="B5FFFF"/>
+          </a:solidFill>
+        </p:spPr>
+        <p:txBody>
+          <a:bodyPr wrap="square" rtlCol="0">
+            <a:spAutoFit/>
+          </a:bodyPr>
+          <a:lstStyle/>
+          <a:p>
+            <a:r>
+              <a:rPr lang="en-US" dirty="0" err="1">
+                <a:solidFill>
+                  <a:schemeClr val="bg1"/>
+                </a:solidFill>
+              </a:rPr>
+              <a:t>CustomerImage</a:t>
+            </a:r>
+            <a:endParaRPr lang="en-US" dirty="0">
+              <a:solidFill>
+                <a:schemeClr val="bg1"/>
+              </a:solidFill>
+            </a:endParaRPr>
+          </a:p>
+        </p:txBody>
+      </p:sp>
+      <p:sp>
+        <p:nvSpPr>
+          <p:cNvPr id="30" name="Rounded Rectangle 29"/>
+          <p:cNvSpPr/>
+          <p:nvPr/>
+        </p:nvSpPr>
+        <p:spPr>
+          <a:xfrm>
+            <a:off x="3781426" y="3949068"/>
+            <a:ext cx="2581274" cy="285749"/>
+          </a:xfrm>
+          <a:prstGeom prst="roundRect">
+            <a:avLst/>
+          </a:prstGeom>
+          <a:solidFill>
+            <a:srgbClr val="B5FFFF"/>
+          </a:solidFill>
+        </p:spPr>
+        <p:txBody>
+          <a:bodyPr wrap="square" rtlCol="0">
+            <a:spAutoFit/>
+          </a:bodyPr>
+          <a:lstStyle/>
+          <a:p>
+            <a:r>
+              <a:rPr lang="en-US" dirty="0" err="1">
+                <a:solidFill>
+                  <a:schemeClr val="bg1"/>
+                </a:solidFill>
+              </a:rPr>
+              <a:t>CustomerLaitude</a:t>
+            </a:r>
+            <a:endParaRPr lang="en-US" dirty="0">
+              <a:solidFill>
+                <a:schemeClr val="bg1"/>
+              </a:solidFill>
+            </a:endParaRPr>
+          </a:p>
+        </p:txBody>
+      </p:sp>
+      <p:sp>
+        <p:nvSpPr>
+          <p:cNvPr id="31" name="Rounded Rectangle 30"/>
+          <p:cNvSpPr/>
+          <p:nvPr/>
+        </p:nvSpPr>
+        <p:spPr>
+          <a:xfrm>
+            <a:off x="5734050" y="5083972"/>
+            <a:ext cx="1752600" cy="313379"/>
+          </a:xfrm>
+          <a:prstGeom prst="roundRect">
+            <a:avLst/>
+          </a:prstGeom>
+        </p:spPr>
+        <p:style>
+          <a:lnRef idx="2">
+            <a:schemeClr val="dk1">
+              <a:shade val="50000"/>
+            </a:schemeClr>
+          </a:lnRef>
+          <a:fillRef idx="1">
+            <a:schemeClr val="dk1"/>
+          </a:fillRef>
+          <a:effectRef idx="0">
+            <a:schemeClr val="dk1"/>
+          </a:effectRef>
+          <a:fontRef idx="minor">
+            <a:schemeClr val="lt1"/>
+          </a:fontRef>
+        </p:style>
+        <p:txBody>
+          <a:bodyPr rtlCol="0" anchor="ctr"/>
+          <a:lstStyle/>
+          <a:p>
+            <a:pPr algn="ctr"/>
+            <a:r>
+              <a:rPr lang="en-US" dirty="0"/>
+              <a:t>Create</a:t>
+            </a:r>
+          </a:p>
+        </p:txBody>
+      </p:sp>
+      <p:sp>
+        <p:nvSpPr>
+          <p:cNvPr id="32" name="Rounded Rectangle 31"/>
+          <p:cNvSpPr/>
+          <p:nvPr/>
+        </p:nvSpPr>
+        <p:spPr>
+          <a:xfrm>
+            <a:off x="6922769" y="3954785"/>
+            <a:ext cx="2581274" cy="285749"/>
+          </a:xfrm>
+          <a:prstGeom prst="roundRect">
+            <a:avLst/>
+          </a:prstGeom>
+          <a:solidFill>
+            <a:srgbClr val="B5FFFF"/>
+          </a:solidFill>
+        </p:spPr>
+        <p:txBody>
+          <a:bodyPr wrap="square" rtlCol="0">
+            <a:spAutoFit/>
+          </a:bodyPr>
+          <a:lstStyle/>
+          <a:p>
+            <a:r>
+              <a:rPr lang="en-US" dirty="0" err="1">
+                <a:solidFill>
+                  <a:schemeClr val="bg1"/>
+                </a:solidFill>
+              </a:rPr>
+              <a:t>CustomerLongitude</a:t>
+            </a:r>
+            <a:endParaRPr lang="en-US" dirty="0">
+              <a:solidFill>
+                <a:schemeClr val="bg1"/>
+              </a:solidFill>
+            </a:endParaRPr>
           </a:p>
         </p:txBody>
       </p:sp>
     </p:spTree>
     <p:extLst>
       <p:ext uri="{BB962C8B-B14F-4D97-AF65-F5344CB8AC3E}">
-        <p14:creationId xmlns:p14="http://schemas.microsoft.com/office/powerpoint/2010/main" val="3257461211"/>
+        <p14:creationId xmlns:p14="http://schemas.microsoft.com/office/powerpoint/2010/main" val="2320740655"/>
       </p:ext>
     </p:extLst>
   </p:cSld>
@@ -8292,7 +8569,7 @@
         </p:nvSpPr>
         <p:spPr>
           <a:xfrm>
-            <a:off x="3966541" y="2733201"/>
+            <a:off x="4064000" y="3059668"/>
             <a:ext cx="4064000" cy="369332"/>
           </a:xfrm>
           <a:prstGeom prst="rect">
@@ -8320,9 +8597,10 @@
           </a:lstStyle>
           <a:p>
             <a:r>
-              <a:rPr lang="en-US" dirty="0"/>
-              <a:t>Message </a:t>
-            </a:r>
+              <a:rPr lang="en-US"/>
+              <a:t>MethodType </a:t>
+            </a:r>
+            <a:endParaRPr lang="en-US" dirty="0"/>
           </a:p>
         </p:txBody>
       </p:sp>
@@ -8334,8 +8612,8 @@
         </p:nvSpPr>
         <p:spPr>
           <a:xfrm>
-            <a:off x="0" y="338495"/>
-            <a:ext cx="12192000" cy="400110"/>
+            <a:off x="0" y="229051"/>
+            <a:ext cx="12192000" cy="369332"/>
           </a:xfrm>
           <a:prstGeom prst="rect">
             <a:avLst/>
@@ -8357,13 +8635,18 @@
           <a:p>
             <a:pPr algn="ctr"/>
             <a:r>
-              <a:rPr lang="en-US" sz="2000" dirty="0">
+              <a:rPr lang="en-US" dirty="0" err="1">
                 <a:solidFill>
                   <a:schemeClr val="bg1"/>
                 </a:solidFill>
               </a:rPr>
-              <a:t>Chat</a:t>
-            </a:r>
+              <a:t>PaymentMethod</a:t>
+            </a:r>
+            <a:endParaRPr lang="en-US" dirty="0">
+              <a:solidFill>
+                <a:schemeClr val="bg1"/>
+              </a:solidFill>
+            </a:endParaRPr>
           </a:p>
         </p:txBody>
       </p:sp>
@@ -8375,7 +8658,7 @@
         </p:nvSpPr>
         <p:spPr>
           <a:xfrm>
-            <a:off x="5638215" y="6223197"/>
+            <a:off x="5046361" y="4541147"/>
             <a:ext cx="1578429" cy="369332"/>
           </a:xfrm>
           <a:prstGeom prst="rect">
@@ -8408,10 +8691,10 @@
       </p:sp>
       <p:sp>
         <p:nvSpPr>
-          <p:cNvPr id="4" name="TextBox 3">
+          <p:cNvPr id="7" name="TextBox 6">
             <a:extLst>
               <a:ext uri="{FF2B5EF4-FFF2-40B4-BE49-F238E27FC236}">
-                <a16:creationId xmlns:a16="http://schemas.microsoft.com/office/drawing/2014/main" id="{411E71CA-858D-4F04-6CA5-3DA2C33D5BEF}"/>
+                <a16:creationId xmlns:a16="http://schemas.microsoft.com/office/drawing/2014/main" id="{0FD523DD-05ED-3E51-2B41-4C649A870CCD}"/>
               </a:ext>
             </a:extLst>
           </p:cNvPr>
@@ -8420,7 +8703,7 @@
         </p:nvSpPr>
         <p:spPr>
           <a:xfrm>
-            <a:off x="3966541" y="2078542"/>
+            <a:off x="4064000" y="2353715"/>
             <a:ext cx="4064000" cy="369332"/>
           </a:xfrm>
           <a:prstGeom prst="rect">
@@ -8449,328 +8732,16 @@
           <a:p>
             <a:r>
               <a:rPr lang="en-US" dirty="0" err="1"/>
-              <a:t>ChatId</a:t>
-            </a:r>
-            <a:r>
-              <a:rPr lang="en-US" dirty="0"/>
-              <a:t>  </a:t>
-            </a:r>
-          </a:p>
-        </p:txBody>
-      </p:sp>
-      <p:sp>
-        <p:nvSpPr>
-          <p:cNvPr id="12" name="TextBox 11">
-            <a:extLst>
-              <a:ext uri="{FF2B5EF4-FFF2-40B4-BE49-F238E27FC236}">
-                <a16:creationId xmlns:a16="http://schemas.microsoft.com/office/drawing/2014/main" id="{992A9678-0EAC-E334-3AA8-C159F4041972}"/>
-              </a:ext>
-            </a:extLst>
-          </p:cNvPr>
-          <p:cNvSpPr txBox="1"/>
-          <p:nvPr/>
-        </p:nvSpPr>
-        <p:spPr>
-          <a:xfrm>
-            <a:off x="3966541" y="3272435"/>
-            <a:ext cx="4064000" cy="369332"/>
-          </a:xfrm>
-          <a:prstGeom prst="rect">
-            <a:avLst/>
-          </a:prstGeom>
-          <a:solidFill>
-            <a:srgbClr val="B5FFFF"/>
-          </a:solidFill>
-        </p:spPr>
-        <p:txBody>
-          <a:bodyPr wrap="square" rtlCol="0">
-            <a:spAutoFit/>
-          </a:bodyPr>
-          <a:lstStyle>
-            <a:defPPr>
-              <a:defRPr lang="en-US"/>
-            </a:defPPr>
-            <a:lvl1pPr>
-              <a:defRPr>
-                <a:solidFill>
-                  <a:schemeClr val="bg1"/>
-                </a:solidFill>
-              </a:defRPr>
-            </a:lvl1pPr>
-          </a:lstStyle>
-          <a:p>
-            <a:r>
-              <a:rPr lang="en-US"/>
-              <a:t>ChatTime </a:t>
+              <a:t>MethodTypeId</a:t>
             </a:r>
             <a:endParaRPr lang="en-US" dirty="0"/>
-          </a:p>
-        </p:txBody>
-      </p:sp>
-      <p:sp>
-        <p:nvSpPr>
-          <p:cNvPr id="13" name="TextBox 12">
-            <a:extLst>
-              <a:ext uri="{FF2B5EF4-FFF2-40B4-BE49-F238E27FC236}">
-                <a16:creationId xmlns:a16="http://schemas.microsoft.com/office/drawing/2014/main" id="{B71D189E-574A-A66D-3908-E455C3CD78DA}"/>
-              </a:ext>
-            </a:extLst>
-          </p:cNvPr>
-          <p:cNvSpPr txBox="1"/>
-          <p:nvPr/>
-        </p:nvSpPr>
-        <p:spPr>
-          <a:xfrm>
-            <a:off x="3966541" y="4450880"/>
-            <a:ext cx="4064000" cy="369332"/>
-          </a:xfrm>
-          <a:prstGeom prst="rect">
-            <a:avLst/>
-          </a:prstGeom>
-          <a:solidFill>
-            <a:srgbClr val="B5FFFF"/>
-          </a:solidFill>
-        </p:spPr>
-        <p:txBody>
-          <a:bodyPr wrap="square" rtlCol="0">
-            <a:spAutoFit/>
-          </a:bodyPr>
-          <a:lstStyle>
-            <a:defPPr>
-              <a:defRPr lang="en-US"/>
-            </a:defPPr>
-            <a:lvl1pPr>
-              <a:defRPr>
-                <a:solidFill>
-                  <a:schemeClr val="bg1"/>
-                </a:solidFill>
-              </a:defRPr>
-            </a:lvl1pPr>
-          </a:lstStyle>
-          <a:p>
-            <a:r>
-              <a:rPr lang="en-US" dirty="0" err="1"/>
-              <a:t>CustomerId</a:t>
-            </a:r>
-            <a:r>
-              <a:rPr lang="en-US" dirty="0"/>
-              <a:t> </a:t>
-            </a:r>
-          </a:p>
-        </p:txBody>
-      </p:sp>
-      <p:sp>
-        <p:nvSpPr>
-          <p:cNvPr id="14" name="TextBox 13">
-            <a:extLst>
-              <a:ext uri="{FF2B5EF4-FFF2-40B4-BE49-F238E27FC236}">
-                <a16:creationId xmlns:a16="http://schemas.microsoft.com/office/drawing/2014/main" id="{CEA4598C-D6FD-E612-9E14-E0671CFB3511}"/>
-              </a:ext>
-            </a:extLst>
-          </p:cNvPr>
-          <p:cNvSpPr txBox="1"/>
-          <p:nvPr/>
-        </p:nvSpPr>
-        <p:spPr>
-          <a:xfrm>
-            <a:off x="3966541" y="3861357"/>
-            <a:ext cx="4064000" cy="369332"/>
-          </a:xfrm>
-          <a:prstGeom prst="rect">
-            <a:avLst/>
-          </a:prstGeom>
-          <a:solidFill>
-            <a:srgbClr val="B5FFFF"/>
-          </a:solidFill>
-        </p:spPr>
-        <p:txBody>
-          <a:bodyPr wrap="square" rtlCol="0">
-            <a:spAutoFit/>
-          </a:bodyPr>
-          <a:lstStyle>
-            <a:defPPr>
-              <a:defRPr lang="en-US"/>
-            </a:defPPr>
-            <a:lvl1pPr>
-              <a:defRPr>
-                <a:solidFill>
-                  <a:schemeClr val="bg1"/>
-                </a:solidFill>
-              </a:defRPr>
-            </a:lvl1pPr>
-          </a:lstStyle>
-          <a:p>
-            <a:r>
-              <a:rPr lang="en-US"/>
-              <a:t>EmployeeId </a:t>
-            </a:r>
-            <a:endParaRPr lang="en-US" dirty="0"/>
-          </a:p>
-        </p:txBody>
-      </p:sp>
-      <p:sp>
-        <p:nvSpPr>
-          <p:cNvPr id="15" name="TextBox 14">
-            <a:extLst>
-              <a:ext uri="{FF2B5EF4-FFF2-40B4-BE49-F238E27FC236}">
-                <a16:creationId xmlns:a16="http://schemas.microsoft.com/office/drawing/2014/main" id="{C5814EA3-70E8-0BDC-0C69-EB39ED51BD77}"/>
-              </a:ext>
-            </a:extLst>
-          </p:cNvPr>
-          <p:cNvSpPr txBox="1"/>
-          <p:nvPr/>
-        </p:nvSpPr>
-        <p:spPr>
-          <a:xfrm>
-            <a:off x="4017924" y="5087978"/>
-            <a:ext cx="4064000" cy="369332"/>
-          </a:xfrm>
-          <a:prstGeom prst="rect">
-            <a:avLst/>
-          </a:prstGeom>
-          <a:solidFill>
-            <a:srgbClr val="B5FFFF"/>
-          </a:solidFill>
-        </p:spPr>
-        <p:txBody>
-          <a:bodyPr wrap="square" rtlCol="0">
-            <a:spAutoFit/>
-          </a:bodyPr>
-          <a:lstStyle>
-            <a:defPPr>
-              <a:defRPr lang="en-US"/>
-            </a:defPPr>
-            <a:lvl1pPr>
-              <a:defRPr>
-                <a:solidFill>
-                  <a:schemeClr val="bg1"/>
-                </a:solidFill>
-              </a:defRPr>
-            </a:lvl1pPr>
-          </a:lstStyle>
-          <a:p>
-            <a:r>
-              <a:rPr lang="en-US"/>
-              <a:t>SenderType </a:t>
-            </a:r>
-            <a:endParaRPr lang="en-US" dirty="0"/>
-          </a:p>
-        </p:txBody>
-      </p:sp>
-      <p:sp>
-        <p:nvSpPr>
-          <p:cNvPr id="16" name="Arrow: Down 15">
-            <a:extLst>
-              <a:ext uri="{FF2B5EF4-FFF2-40B4-BE49-F238E27FC236}">
-                <a16:creationId xmlns:a16="http://schemas.microsoft.com/office/drawing/2014/main" id="{69462848-E4E0-A07F-5EF6-7E539526EA91}"/>
-              </a:ext>
-            </a:extLst>
-          </p:cNvPr>
-          <p:cNvSpPr/>
-          <p:nvPr/>
-        </p:nvSpPr>
-        <p:spPr>
-          <a:xfrm>
-            <a:off x="6966527" y="4471732"/>
-            <a:ext cx="322036" cy="369332"/>
-          </a:xfrm>
-          <a:prstGeom prst="downArrow">
-            <a:avLst/>
-          </a:prstGeom>
-          <a:solidFill>
-            <a:schemeClr val="tx2">
-              <a:lumMod val="60000"/>
-              <a:lumOff val="40000"/>
-            </a:schemeClr>
-          </a:solidFill>
-        </p:spPr>
-        <p:style>
-          <a:lnRef idx="2">
-            <a:schemeClr val="accent1">
-              <a:shade val="15000"/>
-            </a:schemeClr>
-          </a:lnRef>
-          <a:fillRef idx="1">
-            <a:schemeClr val="accent1"/>
-          </a:fillRef>
-          <a:effectRef idx="0">
-            <a:schemeClr val="accent1"/>
-          </a:effectRef>
-          <a:fontRef idx="minor">
-            <a:schemeClr val="lt1"/>
-          </a:fontRef>
-        </p:style>
-        <p:txBody>
-          <a:bodyPr rtlCol="0" anchor="ctr"/>
-          <a:lstStyle/>
-          <a:p>
-            <a:endParaRPr lang="en-US" dirty="0">
-              <a:solidFill>
-                <a:schemeClr val="bg1"/>
-              </a:solidFill>
-            </a:endParaRPr>
-          </a:p>
-        </p:txBody>
-      </p:sp>
-      <p:sp>
-        <p:nvSpPr>
-          <p:cNvPr id="17" name="Arrow: Down 16">
-            <a:extLst>
-              <a:ext uri="{FF2B5EF4-FFF2-40B4-BE49-F238E27FC236}">
-                <a16:creationId xmlns:a16="http://schemas.microsoft.com/office/drawing/2014/main" id="{985FE1E2-EA1D-582F-DEF9-BF6ADF2B2E48}"/>
-              </a:ext>
-            </a:extLst>
-          </p:cNvPr>
-          <p:cNvSpPr/>
-          <p:nvPr/>
-        </p:nvSpPr>
-        <p:spPr>
-          <a:xfrm>
-            <a:off x="6962833" y="3883885"/>
-            <a:ext cx="290513" cy="318406"/>
-          </a:xfrm>
-          <a:prstGeom prst="downArrow">
-            <a:avLst/>
-          </a:prstGeom>
-          <a:solidFill>
-            <a:schemeClr val="tx2">
-              <a:lumMod val="60000"/>
-              <a:lumOff val="40000"/>
-            </a:schemeClr>
-          </a:solidFill>
-        </p:spPr>
-        <p:style>
-          <a:lnRef idx="2">
-            <a:schemeClr val="accent1">
-              <a:shade val="15000"/>
-            </a:schemeClr>
-          </a:lnRef>
-          <a:fillRef idx="1">
-            <a:schemeClr val="accent1"/>
-          </a:fillRef>
-          <a:effectRef idx="0">
-            <a:schemeClr val="accent1"/>
-          </a:effectRef>
-          <a:fontRef idx="minor">
-            <a:schemeClr val="lt1"/>
-          </a:fontRef>
-        </p:style>
-        <p:txBody>
-          <a:bodyPr rtlCol="0" anchor="ctr"/>
-          <a:lstStyle/>
-          <a:p>
-            <a:endParaRPr lang="en-US">
-              <a:solidFill>
-                <a:schemeClr val="bg1"/>
-              </a:solidFill>
-            </a:endParaRPr>
           </a:p>
         </p:txBody>
       </p:sp>
     </p:spTree>
     <p:extLst>
       <p:ext uri="{BB962C8B-B14F-4D97-AF65-F5344CB8AC3E}">
-        <p14:creationId xmlns:p14="http://schemas.microsoft.com/office/powerpoint/2010/main" val="998108768"/>
+        <p14:creationId xmlns:p14="http://schemas.microsoft.com/office/powerpoint/2010/main" val="2480206238"/>
       </p:ext>
     </p:extLst>
   </p:cSld>
@@ -8805,7 +8776,7 @@
         </p:nvSpPr>
         <p:spPr>
           <a:xfrm>
-            <a:off x="3913800" y="2968279"/>
+            <a:off x="3663362" y="2502343"/>
             <a:ext cx="4064000" cy="369332"/>
           </a:xfrm>
           <a:prstGeom prst="rect">
@@ -8834,7 +8805,7 @@
           <a:p>
             <a:r>
               <a:rPr lang="en-US"/>
-              <a:t>CompanyName </a:t>
+              <a:t>InvoiceId </a:t>
             </a:r>
             <a:endParaRPr lang="en-US" dirty="0"/>
           </a:p>
@@ -8848,8 +8819,8 @@
         </p:nvSpPr>
         <p:spPr>
           <a:xfrm>
-            <a:off x="0" y="543003"/>
-            <a:ext cx="12192000" cy="400110"/>
+            <a:off x="1" y="405088"/>
+            <a:ext cx="12192000" cy="369332"/>
           </a:xfrm>
           <a:prstGeom prst="rect">
             <a:avLst/>
@@ -8871,12 +8842,12 @@
           <a:p>
             <a:pPr algn="ctr"/>
             <a:r>
-              <a:rPr lang="en-US" sz="2000" dirty="0">
+              <a:rPr lang="en-US" dirty="0">
                 <a:solidFill>
                   <a:schemeClr val="bg1"/>
                 </a:solidFill>
               </a:rPr>
-              <a:t>Company</a:t>
+              <a:t>Payment</a:t>
             </a:r>
           </a:p>
         </p:txBody>
@@ -8889,7 +8860,7 @@
         </p:nvSpPr>
         <p:spPr>
           <a:xfrm>
-            <a:off x="3913800" y="4056777"/>
+            <a:off x="3663362" y="3095699"/>
             <a:ext cx="4064000" cy="369332"/>
           </a:xfrm>
           <a:prstGeom prst="rect">
@@ -8918,7 +8889,7 @@
           <a:p>
             <a:r>
               <a:rPr lang="en-US" dirty="0"/>
-              <a:t>Address </a:t>
+              <a:t>Amount </a:t>
             </a:r>
           </a:p>
         </p:txBody>
@@ -8931,7 +8902,7 @@
         </p:nvSpPr>
         <p:spPr>
           <a:xfrm>
-            <a:off x="3913801" y="3502779"/>
+            <a:off x="3663362" y="4428658"/>
             <a:ext cx="4064000" cy="369332"/>
           </a:xfrm>
           <a:prstGeom prst="rect">
@@ -8960,7 +8931,7 @@
           <a:p>
             <a:r>
               <a:rPr lang="en-US"/>
-              <a:t>PhoneNumber </a:t>
+              <a:t>PaymentDate </a:t>
             </a:r>
             <a:endParaRPr lang="en-US" dirty="0"/>
           </a:p>
@@ -8974,7 +8945,7 @@
         </p:nvSpPr>
         <p:spPr>
           <a:xfrm>
-            <a:off x="5009244" y="6005923"/>
+            <a:off x="5390860" y="5752665"/>
             <a:ext cx="1578429" cy="369332"/>
           </a:xfrm>
           <a:prstGeom prst="rect">
@@ -9013,7 +8984,7 @@
         </p:nvSpPr>
         <p:spPr>
           <a:xfrm>
-            <a:off x="3913800" y="4685720"/>
+            <a:off x="3663362" y="3696259"/>
             <a:ext cx="4064000" cy="369332"/>
           </a:xfrm>
           <a:prstGeom prst="rect">
@@ -9042,17 +9013,73 @@
           <a:p>
             <a:r>
               <a:rPr lang="en-US" dirty="0"/>
-              <a:t>Email </a:t>
-            </a:r>
-          </a:p>
-        </p:txBody>
-      </p:sp>
-      <p:sp>
-        <p:nvSpPr>
-          <p:cNvPr id="2" name="TextBox 1">
+              <a:t>Status </a:t>
+            </a:r>
+          </a:p>
+        </p:txBody>
+      </p:sp>
+      <p:sp>
+        <p:nvSpPr>
+          <p:cNvPr id="2" name="Arrow: Down 1">
             <a:extLst>
               <a:ext uri="{FF2B5EF4-FFF2-40B4-BE49-F238E27FC236}">
-                <a16:creationId xmlns:a16="http://schemas.microsoft.com/office/drawing/2014/main" id="{2C585FEE-9816-E0EC-FF44-A174829AD66B}"/>
+                <a16:creationId xmlns:a16="http://schemas.microsoft.com/office/drawing/2014/main" id="{EA96DAA8-3FC8-8A98-F2EE-73FFADF95585}"/>
+              </a:ext>
+            </a:extLst>
+          </p:cNvPr>
+          <p:cNvSpPr/>
+          <p:nvPr/>
+        </p:nvSpPr>
+        <p:spPr>
+          <a:xfrm>
+            <a:off x="6515561" y="2534548"/>
+            <a:ext cx="309562" cy="247650"/>
+          </a:xfrm>
+          <a:prstGeom prst="downArrow">
+            <a:avLst/>
+          </a:prstGeom>
+          <a:solidFill>
+            <a:schemeClr val="tx2">
+              <a:lumMod val="60000"/>
+              <a:lumOff val="40000"/>
+            </a:schemeClr>
+          </a:solidFill>
+        </p:spPr>
+        <p:style>
+          <a:lnRef idx="2">
+            <a:schemeClr val="accent1">
+              <a:shade val="15000"/>
+            </a:schemeClr>
+          </a:lnRef>
+          <a:fillRef idx="1">
+            <a:schemeClr val="accent1"/>
+          </a:fillRef>
+          <a:effectRef idx="0">
+            <a:schemeClr val="accent1"/>
+          </a:effectRef>
+          <a:fontRef idx="minor">
+            <a:schemeClr val="lt1"/>
+          </a:fontRef>
+        </p:style>
+        <p:txBody>
+          <a:bodyPr rtlCol="0" anchor="ctr"/>
+          <a:lstStyle/>
+          <a:p>
+            <a:pPr algn="ctr"/>
+            <a:endParaRPr lang="en-US" dirty="0">
+              <a:solidFill>
+                <a:schemeClr val="bg1"/>
+              </a:solidFill>
+            </a:endParaRPr>
+          </a:p>
+        </p:txBody>
+      </p:sp>
+      <p:sp>
+        <p:nvSpPr>
+          <p:cNvPr id="12" name="TextBox 11">
+            <a:extLst>
+              <a:ext uri="{FF2B5EF4-FFF2-40B4-BE49-F238E27FC236}">
+                <a16:creationId xmlns:a16="http://schemas.microsoft.com/office/drawing/2014/main" id="{2A0412CF-D6D3-612A-50F0-389326F1F7EB}"/>
               </a:ext>
             </a:extLst>
           </p:cNvPr>
@@ -9061,7 +9088,7 @@
         </p:nvSpPr>
         <p:spPr>
           <a:xfrm>
-            <a:off x="3913800" y="2433779"/>
+            <a:off x="3663362" y="1934640"/>
             <a:ext cx="4064000" cy="369332"/>
           </a:xfrm>
           <a:prstGeom prst="rect">
@@ -9090,19 +9117,16 @@
           <a:p>
             <a:r>
               <a:rPr lang="en-US" dirty="0" err="1"/>
-              <a:t>CompanyId</a:t>
-            </a:r>
-            <a:r>
-              <a:rPr lang="en-US" dirty="0"/>
-              <a:t> </a:t>
-            </a:r>
+              <a:t>PaymentId</a:t>
+            </a:r>
+            <a:endParaRPr lang="en-US" dirty="0"/>
           </a:p>
         </p:txBody>
       </p:sp>
     </p:spTree>
     <p:extLst>
       <p:ext uri="{BB962C8B-B14F-4D97-AF65-F5344CB8AC3E}">
-        <p14:creationId xmlns:p14="http://schemas.microsoft.com/office/powerpoint/2010/main" val="3519654255"/>
+        <p14:creationId xmlns:p14="http://schemas.microsoft.com/office/powerpoint/2010/main" val="3257461211"/>
       </p:ext>
     </p:extLst>
   </p:cSld>
@@ -9137,7 +9161,7 @@
         </p:nvSpPr>
         <p:spPr>
           <a:xfrm>
-            <a:off x="4064000" y="2542355"/>
+            <a:off x="3966541" y="2733201"/>
             <a:ext cx="4064000" cy="369332"/>
           </a:xfrm>
           <a:prstGeom prst="rect">
@@ -9165,10 +9189,9 @@
           </a:lstStyle>
           <a:p>
             <a:r>
-              <a:rPr lang="en-US"/>
-              <a:t>EmployeeName </a:t>
-            </a:r>
-            <a:endParaRPr lang="en-US" dirty="0"/>
+              <a:rPr lang="en-US" dirty="0"/>
+              <a:t>Message </a:t>
+            </a:r>
           </a:p>
         </p:txBody>
       </p:sp>
@@ -9180,8 +9203,8 @@
         </p:nvSpPr>
         <p:spPr>
           <a:xfrm>
-            <a:off x="0" y="445588"/>
-            <a:ext cx="12192000" cy="369332"/>
+            <a:off x="0" y="338495"/>
+            <a:ext cx="12192000" cy="400110"/>
           </a:xfrm>
           <a:prstGeom prst="rect">
             <a:avLst/>
@@ -9196,106 +9219,20 @@
           </a:ln>
         </p:spPr>
         <p:txBody>
-          <a:bodyPr wrap="square" rtlCol="0" anchor="ctr">
-            <a:spAutoFit/>
-          </a:bodyPr>
-          <a:lstStyle/>
-          <a:p>
-            <a:pPr algn="ctr"/>
-            <a:r>
-              <a:rPr lang="en-US" dirty="0">
-                <a:solidFill>
-                  <a:schemeClr val="bg1"/>
-                </a:solidFill>
-              </a:rPr>
-              <a:t>Employee</a:t>
-            </a:r>
-          </a:p>
-        </p:txBody>
-      </p:sp>
-      <p:sp>
-        <p:nvSpPr>
-          <p:cNvPr id="7" name="TextBox 6"/>
-          <p:cNvSpPr txBox="1"/>
-          <p:nvPr/>
-        </p:nvSpPr>
-        <p:spPr>
-          <a:xfrm>
-            <a:off x="4064000" y="4267034"/>
-            <a:ext cx="4064000" cy="369332"/>
-          </a:xfrm>
-          <a:prstGeom prst="rect">
-            <a:avLst/>
-          </a:prstGeom>
-          <a:solidFill>
-            <a:srgbClr val="B5FFFF"/>
-          </a:solidFill>
-        </p:spPr>
-        <p:txBody>
           <a:bodyPr wrap="square" rtlCol="0">
             <a:spAutoFit/>
           </a:bodyPr>
-          <a:lstStyle>
-            <a:defPPr>
-              <a:defRPr lang="en-US"/>
-            </a:defPPr>
-            <a:lvl1pPr>
-              <a:defRPr>
+          <a:lstStyle/>
+          <a:p>
+            <a:pPr algn="ctr"/>
+            <a:r>
+              <a:rPr lang="en-US" sz="2000" dirty="0">
                 <a:solidFill>
                   <a:schemeClr val="bg1"/>
                 </a:solidFill>
-              </a:defRPr>
-            </a:lvl1pPr>
-          </a:lstStyle>
-          <a:p>
-            <a:r>
-              <a:rPr lang="en-US"/>
-              <a:t>IsLive </a:t>
-            </a:r>
-            <a:endParaRPr lang="en-US" dirty="0"/>
-          </a:p>
-        </p:txBody>
-      </p:sp>
-      <p:sp>
-        <p:nvSpPr>
-          <p:cNvPr id="8" name="TextBox 7"/>
-          <p:cNvSpPr txBox="1"/>
-          <p:nvPr/>
-        </p:nvSpPr>
-        <p:spPr>
-          <a:xfrm>
-            <a:off x="4064000" y="3091265"/>
-            <a:ext cx="4064000" cy="369332"/>
-          </a:xfrm>
-          <a:prstGeom prst="rect">
-            <a:avLst/>
-          </a:prstGeom>
-          <a:solidFill>
-            <a:srgbClr val="B5FFFF"/>
-          </a:solidFill>
-        </p:spPr>
-        <p:txBody>
-          <a:bodyPr wrap="square" rtlCol="0">
-            <a:spAutoFit/>
-          </a:bodyPr>
-          <a:lstStyle>
-            <a:defPPr>
-              <a:defRPr lang="en-US"/>
-            </a:defPPr>
-            <a:lvl1pPr>
-              <a:defRPr>
-                <a:solidFill>
-                  <a:schemeClr val="bg1"/>
-                </a:solidFill>
-              </a:defRPr>
-            </a:lvl1pPr>
-          </a:lstStyle>
-          <a:p>
-            <a:r>
-              <a:rPr lang="en-US"/>
-              <a:t>PhoneNumber </a:t>
-            </a:r>
-            <a:endParaRPr lang="en-US" dirty="0"/>
+              </a:rPr>
+              <a:t>Chat</a:t>
+            </a:r>
           </a:p>
         </p:txBody>
       </p:sp>
@@ -9307,7 +9244,7 @@
         </p:nvSpPr>
         <p:spPr>
           <a:xfrm>
-            <a:off x="5168900" y="5572641"/>
+            <a:off x="5638215" y="6223197"/>
             <a:ext cx="1578429" cy="369332"/>
           </a:xfrm>
           <a:prstGeom prst="rect">
@@ -9325,7 +9262,7 @@
           </a:ln>
         </p:spPr>
         <p:txBody>
-          <a:bodyPr wrap="square" rtlCol="0" anchor="ctr">
+          <a:bodyPr wrap="square" rtlCol="0">
             <a:spAutoFit/>
           </a:bodyPr>
           <a:lstStyle/>
@@ -9340,13 +9277,19 @@
       </p:sp>
       <p:sp>
         <p:nvSpPr>
-          <p:cNvPr id="9" name="TextBox 8"/>
+          <p:cNvPr id="4" name="TextBox 3">
+            <a:extLst>
+              <a:ext uri="{FF2B5EF4-FFF2-40B4-BE49-F238E27FC236}">
+                <a16:creationId xmlns:a16="http://schemas.microsoft.com/office/drawing/2014/main" id="{411E71CA-858D-4F04-6CA5-3DA2C33D5BEF}"/>
+              </a:ext>
+            </a:extLst>
+          </p:cNvPr>
           <p:cNvSpPr txBox="1"/>
           <p:nvPr/>
         </p:nvSpPr>
         <p:spPr>
           <a:xfrm>
-            <a:off x="4064000" y="3660499"/>
+            <a:off x="3966541" y="2078542"/>
             <a:ext cx="4064000" cy="369332"/>
           </a:xfrm>
           <a:prstGeom prst="rect">
@@ -9374,19 +9317,22 @@
           </a:lstStyle>
           <a:p>
             <a:r>
-              <a:rPr lang="en-US"/>
-              <a:t>Email </a:t>
-            </a:r>
-            <a:endParaRPr lang="en-US" dirty="0"/>
-          </a:p>
-        </p:txBody>
-      </p:sp>
-      <p:sp>
-        <p:nvSpPr>
-          <p:cNvPr id="2" name="TextBox 1">
+              <a:rPr lang="en-US" dirty="0" err="1"/>
+              <a:t>ChatId</a:t>
+            </a:r>
+            <a:r>
+              <a:rPr lang="en-US" dirty="0"/>
+              <a:t>  </a:t>
+            </a:r>
+          </a:p>
+        </p:txBody>
+      </p:sp>
+      <p:sp>
+        <p:nvSpPr>
+          <p:cNvPr id="12" name="TextBox 11">
             <a:extLst>
               <a:ext uri="{FF2B5EF4-FFF2-40B4-BE49-F238E27FC236}">
-                <a16:creationId xmlns:a16="http://schemas.microsoft.com/office/drawing/2014/main" id="{64AAED60-2F42-8493-8E72-3D518BF0DD0E}"/>
+                <a16:creationId xmlns:a16="http://schemas.microsoft.com/office/drawing/2014/main" id="{992A9678-0EAC-E334-3AA8-C159F4041972}"/>
               </a:ext>
             </a:extLst>
           </p:cNvPr>
@@ -9395,7 +9341,7 @@
         </p:nvSpPr>
         <p:spPr>
           <a:xfrm>
-            <a:off x="4064000" y="2034368"/>
+            <a:off x="3966541" y="3272435"/>
             <a:ext cx="4064000" cy="369332"/>
           </a:xfrm>
           <a:prstGeom prst="rect">
@@ -9423,8 +9369,8 @@
           </a:lstStyle>
           <a:p>
             <a:r>
-              <a:rPr lang="en-US" dirty="0" err="1"/>
-              <a:t>EmployeeId</a:t>
+              <a:rPr lang="en-US"/>
+              <a:t>ChatTime </a:t>
             </a:r>
             <a:endParaRPr lang="en-US" dirty="0"/>
           </a:p>
@@ -9432,10 +9378,160 @@
       </p:sp>
       <p:sp>
         <p:nvSpPr>
-          <p:cNvPr id="3" name="Rectangle 2">
+          <p:cNvPr id="13" name="TextBox 12">
             <a:extLst>
               <a:ext uri="{FF2B5EF4-FFF2-40B4-BE49-F238E27FC236}">
-                <a16:creationId xmlns:a16="http://schemas.microsoft.com/office/drawing/2014/main" id="{DAC2A1CC-36D4-74B7-AE89-21DF2A6BB6BC}"/>
+                <a16:creationId xmlns:a16="http://schemas.microsoft.com/office/drawing/2014/main" id="{B71D189E-574A-A66D-3908-E455C3CD78DA}"/>
+              </a:ext>
+            </a:extLst>
+          </p:cNvPr>
+          <p:cNvSpPr txBox="1"/>
+          <p:nvPr/>
+        </p:nvSpPr>
+        <p:spPr>
+          <a:xfrm>
+            <a:off x="3966541" y="4450880"/>
+            <a:ext cx="4064000" cy="369332"/>
+          </a:xfrm>
+          <a:prstGeom prst="rect">
+            <a:avLst/>
+          </a:prstGeom>
+          <a:solidFill>
+            <a:srgbClr val="B5FFFF"/>
+          </a:solidFill>
+        </p:spPr>
+        <p:txBody>
+          <a:bodyPr wrap="square" rtlCol="0">
+            <a:spAutoFit/>
+          </a:bodyPr>
+          <a:lstStyle>
+            <a:defPPr>
+              <a:defRPr lang="en-US"/>
+            </a:defPPr>
+            <a:lvl1pPr>
+              <a:defRPr>
+                <a:solidFill>
+                  <a:schemeClr val="bg1"/>
+                </a:solidFill>
+              </a:defRPr>
+            </a:lvl1pPr>
+          </a:lstStyle>
+          <a:p>
+            <a:r>
+              <a:rPr lang="en-US" dirty="0" err="1"/>
+              <a:t>CustomerId</a:t>
+            </a:r>
+            <a:r>
+              <a:rPr lang="en-US" dirty="0"/>
+              <a:t> </a:t>
+            </a:r>
+          </a:p>
+        </p:txBody>
+      </p:sp>
+      <p:sp>
+        <p:nvSpPr>
+          <p:cNvPr id="14" name="TextBox 13">
+            <a:extLst>
+              <a:ext uri="{FF2B5EF4-FFF2-40B4-BE49-F238E27FC236}">
+                <a16:creationId xmlns:a16="http://schemas.microsoft.com/office/drawing/2014/main" id="{CEA4598C-D6FD-E612-9E14-E0671CFB3511}"/>
+              </a:ext>
+            </a:extLst>
+          </p:cNvPr>
+          <p:cNvSpPr txBox="1"/>
+          <p:nvPr/>
+        </p:nvSpPr>
+        <p:spPr>
+          <a:xfrm>
+            <a:off x="3966541" y="3861357"/>
+            <a:ext cx="4064000" cy="369332"/>
+          </a:xfrm>
+          <a:prstGeom prst="rect">
+            <a:avLst/>
+          </a:prstGeom>
+          <a:solidFill>
+            <a:srgbClr val="B5FFFF"/>
+          </a:solidFill>
+        </p:spPr>
+        <p:txBody>
+          <a:bodyPr wrap="square" rtlCol="0">
+            <a:spAutoFit/>
+          </a:bodyPr>
+          <a:lstStyle>
+            <a:defPPr>
+              <a:defRPr lang="en-US"/>
+            </a:defPPr>
+            <a:lvl1pPr>
+              <a:defRPr>
+                <a:solidFill>
+                  <a:schemeClr val="bg1"/>
+                </a:solidFill>
+              </a:defRPr>
+            </a:lvl1pPr>
+          </a:lstStyle>
+          <a:p>
+            <a:r>
+              <a:rPr lang="en-US"/>
+              <a:t>EmployeeId </a:t>
+            </a:r>
+            <a:endParaRPr lang="en-US" dirty="0"/>
+          </a:p>
+        </p:txBody>
+      </p:sp>
+      <p:sp>
+        <p:nvSpPr>
+          <p:cNvPr id="15" name="TextBox 14">
+            <a:extLst>
+              <a:ext uri="{FF2B5EF4-FFF2-40B4-BE49-F238E27FC236}">
+                <a16:creationId xmlns:a16="http://schemas.microsoft.com/office/drawing/2014/main" id="{C5814EA3-70E8-0BDC-0C69-EB39ED51BD77}"/>
+              </a:ext>
+            </a:extLst>
+          </p:cNvPr>
+          <p:cNvSpPr txBox="1"/>
+          <p:nvPr/>
+        </p:nvSpPr>
+        <p:spPr>
+          <a:xfrm>
+            <a:off x="4017924" y="5087978"/>
+            <a:ext cx="4064000" cy="369332"/>
+          </a:xfrm>
+          <a:prstGeom prst="rect">
+            <a:avLst/>
+          </a:prstGeom>
+          <a:solidFill>
+            <a:srgbClr val="B5FFFF"/>
+          </a:solidFill>
+        </p:spPr>
+        <p:txBody>
+          <a:bodyPr wrap="square" rtlCol="0">
+            <a:spAutoFit/>
+          </a:bodyPr>
+          <a:lstStyle>
+            <a:defPPr>
+              <a:defRPr lang="en-US"/>
+            </a:defPPr>
+            <a:lvl1pPr>
+              <a:defRPr>
+                <a:solidFill>
+                  <a:schemeClr val="bg1"/>
+                </a:solidFill>
+              </a:defRPr>
+            </a:lvl1pPr>
+          </a:lstStyle>
+          <a:p>
+            <a:r>
+              <a:rPr lang="en-US"/>
+              <a:t>SenderType </a:t>
+            </a:r>
+            <a:endParaRPr lang="en-US" dirty="0"/>
+          </a:p>
+        </p:txBody>
+      </p:sp>
+      <p:sp>
+        <p:nvSpPr>
+          <p:cNvPr id="16" name="Arrow: Down 15">
+            <a:extLst>
+              <a:ext uri="{FF2B5EF4-FFF2-40B4-BE49-F238E27FC236}">
+                <a16:creationId xmlns:a16="http://schemas.microsoft.com/office/drawing/2014/main" id="{69462848-E4E0-A07F-5EF6-7E539526EA91}"/>
               </a:ext>
             </a:extLst>
           </p:cNvPr>
@@ -9444,10 +9540,10 @@
         </p:nvSpPr>
         <p:spPr>
           <a:xfrm>
-            <a:off x="7053941" y="4289775"/>
-            <a:ext cx="344713" cy="323850"/>
-          </a:xfrm>
-          <a:prstGeom prst="rect">
+            <a:off x="6966527" y="4471732"/>
+            <a:ext cx="322036" cy="369332"/>
+          </a:xfrm>
+          <a:prstGeom prst="downArrow">
             <a:avLst/>
           </a:prstGeom>
           <a:solidFill>
@@ -9456,11 +9552,6 @@
               <a:lumOff val="40000"/>
             </a:schemeClr>
           </a:solidFill>
-          <a:ln>
-            <a:solidFill>
-              <a:schemeClr val="bg1"/>
-            </a:solidFill>
-          </a:ln>
         </p:spPr>
         <p:style>
           <a:lnRef idx="2">
@@ -9492,10 +9583,10 @@
       </p:sp>
       <p:sp>
         <p:nvSpPr>
-          <p:cNvPr id="11" name="Half Frame 10">
+          <p:cNvPr id="17" name="Arrow: Down 16">
             <a:extLst>
               <a:ext uri="{FF2B5EF4-FFF2-40B4-BE49-F238E27FC236}">
-                <a16:creationId xmlns:a16="http://schemas.microsoft.com/office/drawing/2014/main" id="{708DBF85-14F8-436E-C684-32A609C660F0}"/>
+                <a16:creationId xmlns:a16="http://schemas.microsoft.com/office/drawing/2014/main" id="{985FE1E2-EA1D-582F-DEF9-BF6ADF2B2E48}"/>
               </a:ext>
             </a:extLst>
           </p:cNvPr>
@@ -9503,29 +9594,24 @@
           <p:nvPr/>
         </p:nvSpPr>
         <p:spPr>
-          <a:xfrm rot="18490048" flipV="1">
-            <a:off x="7085298" y="4328664"/>
-            <a:ext cx="342064" cy="186030"/>
-          </a:xfrm>
-          <a:prstGeom prst="halfFrame">
-            <a:avLst>
-              <a:gd name="adj1" fmla="val 16151"/>
-              <a:gd name="adj2" fmla="val 33333"/>
-            </a:avLst>
+          <a:xfrm>
+            <a:off x="6962833" y="3883885"/>
+            <a:ext cx="290513" cy="318406"/>
+          </a:xfrm>
+          <a:prstGeom prst="downArrow">
+            <a:avLst/>
           </a:prstGeom>
           <a:solidFill>
-            <a:schemeClr val="bg2"/>
+            <a:schemeClr val="tx2">
+              <a:lumMod val="60000"/>
+              <a:lumOff val="40000"/>
+            </a:schemeClr>
           </a:solidFill>
-          <a:ln>
-            <a:solidFill>
-              <a:schemeClr val="tx1"/>
-            </a:solidFill>
-          </a:ln>
         </p:spPr>
         <p:style>
           <a:lnRef idx="2">
             <a:schemeClr val="accent1">
-              <a:shade val="50000"/>
+              <a:shade val="15000"/>
             </a:schemeClr>
           </a:lnRef>
           <a:fillRef idx="1">
@@ -9543,17 +9629,9 @@
           <a:lstStyle/>
           <a:p>
             <a:endParaRPr lang="en-US">
-              <a:ln w="0"/>
               <a:solidFill>
                 <a:schemeClr val="bg1"/>
               </a:solidFill>
-              <a:effectLst>
-                <a:outerShdw blurRad="38100" dist="19050" dir="2700000" algn="tl" rotWithShape="0">
-                  <a:schemeClr val="dk1">
-                    <a:alpha val="40000"/>
-                  </a:schemeClr>
-                </a:outerShdw>
-              </a:effectLst>
             </a:endParaRPr>
           </a:p>
         </p:txBody>
@@ -9561,7 +9639,7 @@
     </p:spTree>
     <p:extLst>
       <p:ext uri="{BB962C8B-B14F-4D97-AF65-F5344CB8AC3E}">
-        <p14:creationId xmlns:p14="http://schemas.microsoft.com/office/powerpoint/2010/main" val="3396862092"/>
+        <p14:creationId xmlns:p14="http://schemas.microsoft.com/office/powerpoint/2010/main" val="998108768"/>
       </p:ext>
     </p:extLst>
   </p:cSld>
@@ -9590,47 +9668,69 @@
       </p:grpSpPr>
       <p:sp>
         <p:nvSpPr>
-          <p:cNvPr id="8" name="TextBox 7"/>
+          <p:cNvPr id="5" name="TextBox 4"/>
           <p:cNvSpPr txBox="1"/>
           <p:nvPr/>
         </p:nvSpPr>
         <p:spPr>
           <a:xfrm>
-            <a:off x="111967" y="223935"/>
-            <a:ext cx="11952515" cy="522514"/>
+            <a:off x="3913800" y="2968279"/>
+            <a:ext cx="4064000" cy="369332"/>
           </a:xfrm>
           <a:prstGeom prst="rect">
             <a:avLst/>
           </a:prstGeom>
-          <a:noFill/>
+          <a:solidFill>
+            <a:srgbClr val="B5FFFF"/>
+          </a:solidFill>
         </p:spPr>
         <p:txBody>
           <a:bodyPr wrap="square" rtlCol="0">
             <a:spAutoFit/>
           </a:bodyPr>
-          <a:lstStyle/>
-          <a:p>
+          <a:lstStyle>
+            <a:defPPr>
+              <a:defRPr lang="en-US"/>
+            </a:defPPr>
+            <a:lvl1pPr>
+              <a:defRPr>
+                <a:solidFill>
+                  <a:schemeClr val="bg1"/>
+                </a:solidFill>
+              </a:defRPr>
+            </a:lvl1pPr>
+          </a:lstStyle>
+          <a:p>
+            <a:r>
+              <a:rPr lang="en-US"/>
+              <a:t>CompanyName </a:t>
+            </a:r>
             <a:endParaRPr lang="en-US" dirty="0"/>
           </a:p>
         </p:txBody>
       </p:sp>
       <p:sp>
         <p:nvSpPr>
-          <p:cNvPr id="11" name="TextBox 10"/>
+          <p:cNvPr id="6" name="TextBox 5"/>
           <p:cNvSpPr txBox="1"/>
           <p:nvPr/>
         </p:nvSpPr>
         <p:spPr>
           <a:xfrm>
-            <a:off x="111966" y="55986"/>
-            <a:ext cx="11952515" cy="523220"/>
+            <a:off x="0" y="543003"/>
+            <a:ext cx="12192000" cy="400110"/>
           </a:xfrm>
           <a:prstGeom prst="rect">
             <a:avLst/>
           </a:prstGeom>
           <a:solidFill>
-            <a:schemeClr val="bg1"/>
+            <a:schemeClr val="tx1"/>
           </a:solidFill>
+          <a:ln>
+            <a:solidFill>
+              <a:schemeClr val="tx1"/>
+            </a:solidFill>
+          </a:ln>
         </p:spPr>
         <p:txBody>
           <a:bodyPr wrap="square" rtlCol="0">
@@ -9640,23 +9740,26 @@
           <a:p>
             <a:pPr algn="ctr"/>
             <a:r>
-              <a:rPr lang="en-US" sz="2800" dirty="0" err="1"/>
-              <a:t>RideBook</a:t>
-            </a:r>
-            <a:endParaRPr lang="en-US" sz="2800" dirty="0"/>
-          </a:p>
-        </p:txBody>
-      </p:sp>
-      <p:sp>
-        <p:nvSpPr>
-          <p:cNvPr id="12" name="TextBox 11"/>
+              <a:rPr lang="en-US" sz="2000" dirty="0">
+                <a:solidFill>
+                  <a:schemeClr val="bg1"/>
+                </a:solidFill>
+              </a:rPr>
+              <a:t>Company</a:t>
+            </a:r>
+          </a:p>
+        </p:txBody>
+      </p:sp>
+      <p:sp>
+        <p:nvSpPr>
+          <p:cNvPr id="7" name="TextBox 6"/>
           <p:cNvSpPr txBox="1"/>
           <p:nvPr/>
         </p:nvSpPr>
         <p:spPr>
           <a:xfrm>
-            <a:off x="1688841" y="1147665"/>
-            <a:ext cx="3209731" cy="369332"/>
+            <a:off x="3913800" y="4056777"/>
+            <a:ext cx="4064000" cy="369332"/>
           </a:xfrm>
           <a:prstGeom prst="rect">
             <a:avLst/>
@@ -9669,34 +9772,36 @@
           <a:bodyPr wrap="square" rtlCol="0">
             <a:spAutoFit/>
           </a:bodyPr>
-          <a:lstStyle/>
-          <a:p>
-            <a:r>
-              <a:rPr lang="en-US">
+          <a:lstStyle>
+            <a:defPPr>
+              <a:defRPr lang="en-US"/>
+            </a:defPPr>
+            <a:lvl1pPr>
+              <a:defRPr>
                 <a:solidFill>
                   <a:schemeClr val="bg1"/>
                 </a:solidFill>
-              </a:rPr>
-              <a:t>CustomerId</a:t>
-            </a:r>
-            <a:endParaRPr lang="en-US" dirty="0">
-              <a:solidFill>
-                <a:schemeClr val="bg1"/>
-              </a:solidFill>
-            </a:endParaRPr>
-          </a:p>
-        </p:txBody>
-      </p:sp>
-      <p:sp>
-        <p:nvSpPr>
-          <p:cNvPr id="20" name="TextBox 19"/>
+              </a:defRPr>
+            </a:lvl1pPr>
+          </a:lstStyle>
+          <a:p>
+            <a:r>
+              <a:rPr lang="en-US" dirty="0"/>
+              <a:t>Address </a:t>
+            </a:r>
+          </a:p>
+        </p:txBody>
+      </p:sp>
+      <p:sp>
+        <p:nvSpPr>
+          <p:cNvPr id="8" name="TextBox 7"/>
           <p:cNvSpPr txBox="1"/>
           <p:nvPr/>
         </p:nvSpPr>
         <p:spPr>
           <a:xfrm>
-            <a:off x="6811347" y="1147665"/>
-            <a:ext cx="3209731" cy="369332"/>
+            <a:off x="3913801" y="3502779"/>
+            <a:ext cx="4064000" cy="369332"/>
           </a:xfrm>
           <a:prstGeom prst="rect">
             <a:avLst/>
@@ -9709,34 +9814,76 @@
           <a:bodyPr wrap="square" rtlCol="0">
             <a:spAutoFit/>
           </a:bodyPr>
-          <a:lstStyle/>
-          <a:p>
-            <a:r>
-              <a:rPr lang="en-US" dirty="0" err="1">
+          <a:lstStyle>
+            <a:defPPr>
+              <a:defRPr lang="en-US"/>
+            </a:defPPr>
+            <a:lvl1pPr>
+              <a:defRPr>
                 <a:solidFill>
                   <a:schemeClr val="bg1"/>
                 </a:solidFill>
-              </a:rPr>
-              <a:t>DriverVehicleId</a:t>
-            </a:r>
-            <a:endParaRPr lang="en-US" dirty="0">
-              <a:solidFill>
-                <a:schemeClr val="bg1"/>
-              </a:solidFill>
-            </a:endParaRPr>
-          </a:p>
-        </p:txBody>
-      </p:sp>
-      <p:sp>
-        <p:nvSpPr>
-          <p:cNvPr id="21" name="TextBox 20"/>
+              </a:defRPr>
+            </a:lvl1pPr>
+          </a:lstStyle>
+          <a:p>
+            <a:r>
+              <a:rPr lang="en-US"/>
+              <a:t>PhoneNumber </a:t>
+            </a:r>
+            <a:endParaRPr lang="en-US" dirty="0"/>
+          </a:p>
+        </p:txBody>
+      </p:sp>
+      <p:sp>
+        <p:nvSpPr>
+          <p:cNvPr id="10" name="TextBox 9"/>
           <p:cNvSpPr txBox="1"/>
           <p:nvPr/>
         </p:nvSpPr>
         <p:spPr>
           <a:xfrm>
-            <a:off x="1688841" y="1813258"/>
-            <a:ext cx="3209731" cy="369332"/>
+            <a:off x="5009244" y="6005923"/>
+            <a:ext cx="1578429" cy="369332"/>
+          </a:xfrm>
+          <a:prstGeom prst="rect">
+            <a:avLst/>
+          </a:prstGeom>
+          <a:solidFill>
+            <a:schemeClr val="bg1">
+              <a:lumMod val="85000"/>
+            </a:schemeClr>
+          </a:solidFill>
+          <a:ln>
+            <a:solidFill>
+              <a:schemeClr val="tx1"/>
+            </a:solidFill>
+          </a:ln>
+        </p:spPr>
+        <p:txBody>
+          <a:bodyPr wrap="square" rtlCol="0">
+            <a:spAutoFit/>
+          </a:bodyPr>
+          <a:lstStyle/>
+          <a:p>
+            <a:pPr algn="ctr"/>
+            <a:r>
+              <a:rPr lang="en-US" dirty="0"/>
+              <a:t>Create </a:t>
+            </a:r>
+          </a:p>
+        </p:txBody>
+      </p:sp>
+      <p:sp>
+        <p:nvSpPr>
+          <p:cNvPr id="9" name="TextBox 8"/>
+          <p:cNvSpPr txBox="1"/>
+          <p:nvPr/>
+        </p:nvSpPr>
+        <p:spPr>
+          <a:xfrm>
+            <a:off x="3913800" y="4685720"/>
+            <a:ext cx="4064000" cy="369332"/>
           </a:xfrm>
           <a:prstGeom prst="rect">
             <a:avLst/>
@@ -9749,34 +9896,42 @@
           <a:bodyPr wrap="square" rtlCol="0">
             <a:spAutoFit/>
           </a:bodyPr>
-          <a:lstStyle/>
-          <a:p>
-            <a:r>
-              <a:rPr lang="en-US" dirty="0" err="1">
+          <a:lstStyle>
+            <a:defPPr>
+              <a:defRPr lang="en-US"/>
+            </a:defPPr>
+            <a:lvl1pPr>
+              <a:defRPr>
                 <a:solidFill>
                   <a:schemeClr val="bg1"/>
                 </a:solidFill>
-              </a:rPr>
-              <a:t>SourceLaitude</a:t>
-            </a:r>
-            <a:endParaRPr lang="en-US" dirty="0">
-              <a:solidFill>
-                <a:schemeClr val="bg1"/>
-              </a:solidFill>
-            </a:endParaRPr>
-          </a:p>
-        </p:txBody>
-      </p:sp>
-      <p:sp>
-        <p:nvSpPr>
-          <p:cNvPr id="22" name="TextBox 21"/>
+              </a:defRPr>
+            </a:lvl1pPr>
+          </a:lstStyle>
+          <a:p>
+            <a:r>
+              <a:rPr lang="en-US" dirty="0"/>
+              <a:t>Email </a:t>
+            </a:r>
+          </a:p>
+        </p:txBody>
+      </p:sp>
+      <p:sp>
+        <p:nvSpPr>
+          <p:cNvPr id="2" name="TextBox 1">
+            <a:extLst>
+              <a:ext uri="{FF2B5EF4-FFF2-40B4-BE49-F238E27FC236}">
+                <a16:creationId xmlns:a16="http://schemas.microsoft.com/office/drawing/2014/main" id="{2C585FEE-9816-E0EC-FF44-A174829AD66B}"/>
+              </a:ext>
+            </a:extLst>
+          </p:cNvPr>
           <p:cNvSpPr txBox="1"/>
           <p:nvPr/>
         </p:nvSpPr>
         <p:spPr>
           <a:xfrm>
-            <a:off x="6848669" y="1813258"/>
-            <a:ext cx="3209731" cy="369332"/>
+            <a:off x="3913800" y="2433779"/>
+            <a:ext cx="4064000" cy="369332"/>
           </a:xfrm>
           <a:prstGeom prst="rect">
             <a:avLst/>
@@ -9789,662 +9944,34 @@
           <a:bodyPr wrap="square" rtlCol="0">
             <a:spAutoFit/>
           </a:bodyPr>
-          <a:lstStyle/>
-          <a:p>
-            <a:r>
-              <a:rPr lang="en-US" dirty="0" err="1">
+          <a:lstStyle>
+            <a:defPPr>
+              <a:defRPr lang="en-US"/>
+            </a:defPPr>
+            <a:lvl1pPr>
+              <a:defRPr>
                 <a:solidFill>
                   <a:schemeClr val="bg1"/>
                 </a:solidFill>
-              </a:rPr>
-              <a:t>SourceLongtiude</a:t>
-            </a:r>
-            <a:endParaRPr lang="en-US" dirty="0">
-              <a:solidFill>
-                <a:schemeClr val="bg1"/>
-              </a:solidFill>
-            </a:endParaRPr>
-          </a:p>
-        </p:txBody>
-      </p:sp>
-      <p:sp>
-        <p:nvSpPr>
-          <p:cNvPr id="23" name="TextBox 22"/>
-          <p:cNvSpPr txBox="1"/>
-          <p:nvPr/>
-        </p:nvSpPr>
-        <p:spPr>
-          <a:xfrm>
-            <a:off x="1688841" y="2425894"/>
-            <a:ext cx="3209731" cy="369332"/>
-          </a:xfrm>
-          <a:prstGeom prst="rect">
-            <a:avLst/>
-          </a:prstGeom>
-          <a:solidFill>
-            <a:srgbClr val="B5FFFF"/>
-          </a:solidFill>
-        </p:spPr>
-        <p:txBody>
-          <a:bodyPr wrap="square" rtlCol="0">
-            <a:spAutoFit/>
-          </a:bodyPr>
-          <a:lstStyle/>
-          <a:p>
-            <a:r>
-              <a:rPr lang="en-US" dirty="0" err="1">
-                <a:solidFill>
-                  <a:schemeClr val="bg1"/>
-                </a:solidFill>
-              </a:rPr>
-              <a:t>DestinationLatitude</a:t>
-            </a:r>
-            <a:endParaRPr lang="en-US" dirty="0">
-              <a:solidFill>
-                <a:schemeClr val="bg1"/>
-              </a:solidFill>
-            </a:endParaRPr>
-          </a:p>
-        </p:txBody>
-      </p:sp>
-      <p:sp>
-        <p:nvSpPr>
-          <p:cNvPr id="24" name="TextBox 23"/>
-          <p:cNvSpPr txBox="1"/>
-          <p:nvPr/>
-        </p:nvSpPr>
-        <p:spPr>
-          <a:xfrm>
-            <a:off x="6848669" y="2425894"/>
-            <a:ext cx="3209731" cy="369332"/>
-          </a:xfrm>
-          <a:prstGeom prst="rect">
-            <a:avLst/>
-          </a:prstGeom>
-          <a:solidFill>
-            <a:srgbClr val="B5FFFF"/>
-          </a:solidFill>
-        </p:spPr>
-        <p:txBody>
-          <a:bodyPr wrap="square" rtlCol="0">
-            <a:spAutoFit/>
-          </a:bodyPr>
-          <a:lstStyle/>
-          <a:p>
-            <a:r>
-              <a:rPr lang="en-US" dirty="0" err="1">
-                <a:solidFill>
-                  <a:schemeClr val="bg1"/>
-                </a:solidFill>
-              </a:rPr>
-              <a:t>CustomerId</a:t>
-            </a:r>
-            <a:endParaRPr lang="en-US" dirty="0">
-              <a:solidFill>
-                <a:schemeClr val="bg1"/>
-              </a:solidFill>
-            </a:endParaRPr>
-          </a:p>
-        </p:txBody>
-      </p:sp>
-      <p:sp>
-        <p:nvSpPr>
-          <p:cNvPr id="25" name="TextBox 24"/>
-          <p:cNvSpPr txBox="1"/>
-          <p:nvPr/>
-        </p:nvSpPr>
-        <p:spPr>
-          <a:xfrm>
-            <a:off x="1688841" y="3127668"/>
-            <a:ext cx="3209731" cy="369332"/>
-          </a:xfrm>
-          <a:prstGeom prst="rect">
-            <a:avLst/>
-          </a:prstGeom>
-          <a:solidFill>
-            <a:srgbClr val="B5FFFF"/>
-          </a:solidFill>
-        </p:spPr>
-        <p:txBody>
-          <a:bodyPr wrap="square" rtlCol="0">
-            <a:spAutoFit/>
-          </a:bodyPr>
-          <a:lstStyle/>
-          <a:p>
-            <a:r>
-              <a:rPr lang="en-US" dirty="0" err="1">
-                <a:solidFill>
-                  <a:schemeClr val="bg1"/>
-                </a:solidFill>
-              </a:rPr>
-              <a:t>CustomerLaitude</a:t>
-            </a:r>
-            <a:endParaRPr lang="en-US" dirty="0">
-              <a:solidFill>
-                <a:schemeClr val="bg1"/>
-              </a:solidFill>
-            </a:endParaRPr>
-          </a:p>
-        </p:txBody>
-      </p:sp>
-      <p:sp>
-        <p:nvSpPr>
-          <p:cNvPr id="26" name="TextBox 25"/>
-          <p:cNvSpPr txBox="1"/>
-          <p:nvPr/>
-        </p:nvSpPr>
-        <p:spPr>
-          <a:xfrm>
-            <a:off x="6848669" y="3127668"/>
-            <a:ext cx="3209731" cy="369332"/>
-          </a:xfrm>
-          <a:prstGeom prst="rect">
-            <a:avLst/>
-          </a:prstGeom>
-          <a:solidFill>
-            <a:srgbClr val="B5FFFF"/>
-          </a:solidFill>
-        </p:spPr>
-        <p:txBody>
-          <a:bodyPr wrap="square" rtlCol="0">
-            <a:spAutoFit/>
-          </a:bodyPr>
-          <a:lstStyle/>
-          <a:p>
-            <a:r>
-              <a:rPr lang="en-US" dirty="0" err="1">
-                <a:solidFill>
-                  <a:schemeClr val="bg1"/>
-                </a:solidFill>
-              </a:rPr>
-              <a:t>CustomerLongitude</a:t>
-            </a:r>
-            <a:endParaRPr lang="en-US" dirty="0">
-              <a:solidFill>
-                <a:schemeClr val="bg1"/>
-              </a:solidFill>
-            </a:endParaRPr>
-          </a:p>
-        </p:txBody>
-      </p:sp>
-      <p:sp>
-        <p:nvSpPr>
-          <p:cNvPr id="31" name="TextBox 30"/>
-          <p:cNvSpPr txBox="1"/>
-          <p:nvPr/>
-        </p:nvSpPr>
-        <p:spPr>
-          <a:xfrm>
-            <a:off x="1688841" y="3743488"/>
-            <a:ext cx="3209731" cy="369332"/>
-          </a:xfrm>
-          <a:prstGeom prst="rect">
-            <a:avLst/>
-          </a:prstGeom>
-          <a:solidFill>
-            <a:srgbClr val="B5FFFF"/>
-          </a:solidFill>
-        </p:spPr>
-        <p:txBody>
-          <a:bodyPr wrap="square" rtlCol="0">
-            <a:spAutoFit/>
-          </a:bodyPr>
-          <a:lstStyle/>
-          <a:p>
-            <a:r>
-              <a:rPr lang="en-US" dirty="0" err="1">
-                <a:solidFill>
-                  <a:schemeClr val="bg1"/>
-                </a:solidFill>
-              </a:rPr>
-              <a:t>StartTime</a:t>
-            </a:r>
-            <a:endParaRPr lang="en-US" dirty="0">
-              <a:solidFill>
-                <a:schemeClr val="bg1"/>
-              </a:solidFill>
-            </a:endParaRPr>
-          </a:p>
-        </p:txBody>
-      </p:sp>
-      <p:sp>
-        <p:nvSpPr>
-          <p:cNvPr id="32" name="TextBox 31"/>
-          <p:cNvSpPr txBox="1"/>
-          <p:nvPr/>
-        </p:nvSpPr>
-        <p:spPr>
-          <a:xfrm>
-            <a:off x="6848669" y="3743488"/>
-            <a:ext cx="3209731" cy="369332"/>
-          </a:xfrm>
-          <a:prstGeom prst="rect">
-            <a:avLst/>
-          </a:prstGeom>
-          <a:solidFill>
-            <a:srgbClr val="B5FFFF"/>
-          </a:solidFill>
-        </p:spPr>
-        <p:txBody>
-          <a:bodyPr wrap="square" rtlCol="0">
-            <a:spAutoFit/>
-          </a:bodyPr>
-          <a:lstStyle/>
-          <a:p>
-            <a:r>
-              <a:rPr lang="en-US" dirty="0" err="1">
-                <a:solidFill>
-                  <a:schemeClr val="bg1"/>
-                </a:solidFill>
-              </a:rPr>
-              <a:t>EndTime</a:t>
-            </a:r>
-            <a:endParaRPr lang="en-US" dirty="0">
-              <a:solidFill>
-                <a:schemeClr val="bg1"/>
-              </a:solidFill>
-            </a:endParaRPr>
-          </a:p>
-        </p:txBody>
-      </p:sp>
-      <p:sp>
-        <p:nvSpPr>
-          <p:cNvPr id="33" name="TextBox 32"/>
-          <p:cNvSpPr txBox="1"/>
-          <p:nvPr/>
-        </p:nvSpPr>
-        <p:spPr>
-          <a:xfrm>
-            <a:off x="1688841" y="4461944"/>
-            <a:ext cx="3209731" cy="369332"/>
-          </a:xfrm>
-          <a:prstGeom prst="rect">
-            <a:avLst/>
-          </a:prstGeom>
-          <a:solidFill>
-            <a:srgbClr val="B5FFFF"/>
-          </a:solidFill>
-        </p:spPr>
-        <p:txBody>
-          <a:bodyPr wrap="square" rtlCol="0">
-            <a:spAutoFit/>
-          </a:bodyPr>
-          <a:lstStyle/>
-          <a:p>
-            <a:r>
-              <a:rPr lang="en-US" dirty="0">
-                <a:solidFill>
-                  <a:schemeClr val="bg1"/>
-                </a:solidFill>
-              </a:rPr>
-              <a:t>Status</a:t>
-            </a:r>
-          </a:p>
-        </p:txBody>
-      </p:sp>
-      <p:sp>
-        <p:nvSpPr>
-          <p:cNvPr id="34" name="TextBox 33"/>
-          <p:cNvSpPr txBox="1"/>
-          <p:nvPr/>
-        </p:nvSpPr>
-        <p:spPr>
-          <a:xfrm>
-            <a:off x="6848669" y="4461944"/>
-            <a:ext cx="3209731" cy="369332"/>
-          </a:xfrm>
-          <a:prstGeom prst="rect">
-            <a:avLst/>
-          </a:prstGeom>
-          <a:solidFill>
-            <a:srgbClr val="B5FFFF"/>
-          </a:solidFill>
-        </p:spPr>
-        <p:txBody>
-          <a:bodyPr wrap="square" rtlCol="0">
-            <a:spAutoFit/>
-          </a:bodyPr>
-          <a:lstStyle/>
-          <a:p>
-            <a:r>
-              <a:rPr lang="en-US" dirty="0" err="1">
-                <a:solidFill>
-                  <a:schemeClr val="bg1"/>
-                </a:solidFill>
-              </a:rPr>
-              <a:t>TotalFare</a:t>
-            </a:r>
-            <a:endParaRPr lang="en-US" dirty="0">
-              <a:solidFill>
-                <a:schemeClr val="bg1"/>
-              </a:solidFill>
-            </a:endParaRPr>
-          </a:p>
-        </p:txBody>
-      </p:sp>
-      <p:sp>
-        <p:nvSpPr>
-          <p:cNvPr id="35" name="TextBox 34"/>
-          <p:cNvSpPr txBox="1"/>
-          <p:nvPr/>
-        </p:nvSpPr>
-        <p:spPr>
-          <a:xfrm>
-            <a:off x="1688841" y="5051497"/>
-            <a:ext cx="3209731" cy="369332"/>
-          </a:xfrm>
-          <a:prstGeom prst="rect">
-            <a:avLst/>
-          </a:prstGeom>
-          <a:solidFill>
-            <a:srgbClr val="B5FFFF"/>
-          </a:solidFill>
-        </p:spPr>
-        <p:txBody>
-          <a:bodyPr wrap="square" rtlCol="0">
-            <a:spAutoFit/>
-          </a:bodyPr>
-          <a:lstStyle/>
-          <a:p>
-            <a:r>
-              <a:rPr lang="en-US" dirty="0" err="1">
-                <a:solidFill>
-                  <a:schemeClr val="bg1"/>
-                </a:solidFill>
-              </a:rPr>
-              <a:t>IsPaid</a:t>
-            </a:r>
-            <a:endParaRPr lang="en-US" dirty="0">
-              <a:solidFill>
-                <a:schemeClr val="bg1"/>
-              </a:solidFill>
-            </a:endParaRPr>
-          </a:p>
-        </p:txBody>
-      </p:sp>
-      <p:sp>
-        <p:nvSpPr>
-          <p:cNvPr id="36" name="TextBox 35"/>
-          <p:cNvSpPr txBox="1"/>
-          <p:nvPr/>
-        </p:nvSpPr>
-        <p:spPr>
-          <a:xfrm>
-            <a:off x="6848669" y="5051497"/>
-            <a:ext cx="3209731" cy="369332"/>
-          </a:xfrm>
-          <a:prstGeom prst="rect">
-            <a:avLst/>
-          </a:prstGeom>
-          <a:solidFill>
-            <a:srgbClr val="B5FFFF"/>
-          </a:solidFill>
-        </p:spPr>
-        <p:txBody>
-          <a:bodyPr wrap="square" rtlCol="0">
-            <a:spAutoFit/>
-          </a:bodyPr>
-          <a:lstStyle/>
-          <a:p>
-            <a:r>
-              <a:rPr lang="en-US" dirty="0" err="1">
-                <a:solidFill>
-                  <a:schemeClr val="bg1"/>
-                </a:solidFill>
-              </a:rPr>
-              <a:t>DriverRating</a:t>
-            </a:r>
-            <a:endParaRPr lang="en-US" dirty="0">
-              <a:solidFill>
-                <a:schemeClr val="bg1"/>
-              </a:solidFill>
-            </a:endParaRPr>
-          </a:p>
-        </p:txBody>
-      </p:sp>
-      <p:sp>
-        <p:nvSpPr>
-          <p:cNvPr id="37" name="TextBox 36"/>
-          <p:cNvSpPr txBox="1"/>
-          <p:nvPr/>
-        </p:nvSpPr>
-        <p:spPr>
-          <a:xfrm>
-            <a:off x="1688841" y="5641050"/>
-            <a:ext cx="3209731" cy="369332"/>
-          </a:xfrm>
-          <a:prstGeom prst="rect">
-            <a:avLst/>
-          </a:prstGeom>
-          <a:solidFill>
-            <a:srgbClr val="B5FFFF"/>
-          </a:solidFill>
-        </p:spPr>
-        <p:txBody>
-          <a:bodyPr wrap="square" rtlCol="0">
-            <a:spAutoFit/>
-          </a:bodyPr>
-          <a:lstStyle/>
-          <a:p>
-            <a:r>
-              <a:rPr lang="en-US" dirty="0" err="1">
-                <a:solidFill>
-                  <a:schemeClr val="bg1"/>
-                </a:solidFill>
-              </a:rPr>
-              <a:t>CustomerRating</a:t>
-            </a:r>
-            <a:endParaRPr lang="en-US" dirty="0">
-              <a:solidFill>
-                <a:schemeClr val="bg1"/>
-              </a:solidFill>
-            </a:endParaRPr>
-          </a:p>
-        </p:txBody>
-      </p:sp>
-      <p:sp>
-        <p:nvSpPr>
-          <p:cNvPr id="38" name="TextBox 37"/>
-          <p:cNvSpPr txBox="1"/>
-          <p:nvPr/>
-        </p:nvSpPr>
-        <p:spPr>
-          <a:xfrm>
-            <a:off x="6848669" y="5641050"/>
-            <a:ext cx="3209731" cy="369332"/>
-          </a:xfrm>
-          <a:prstGeom prst="rect">
-            <a:avLst/>
-          </a:prstGeom>
-          <a:solidFill>
-            <a:srgbClr val="B5FFFF"/>
-          </a:solidFill>
-        </p:spPr>
-        <p:txBody>
-          <a:bodyPr wrap="square" rtlCol="0">
-            <a:spAutoFit/>
-          </a:bodyPr>
-          <a:lstStyle/>
-          <a:p>
-            <a:r>
-              <a:rPr lang="en-US" dirty="0" err="1">
-                <a:solidFill>
-                  <a:schemeClr val="bg1"/>
-                </a:solidFill>
-              </a:rPr>
-              <a:t>DistanceInMeter</a:t>
-            </a:r>
-            <a:endParaRPr lang="en-US" dirty="0">
-              <a:solidFill>
-                <a:schemeClr val="bg1"/>
-              </a:solidFill>
-            </a:endParaRPr>
-          </a:p>
-        </p:txBody>
-      </p:sp>
-      <p:sp>
-        <p:nvSpPr>
-          <p:cNvPr id="41" name="Isosceles Triangle 40"/>
-          <p:cNvSpPr/>
-          <p:nvPr/>
-        </p:nvSpPr>
-        <p:spPr>
-          <a:xfrm rot="10800000">
-            <a:off x="9386594" y="1284534"/>
-            <a:ext cx="270590" cy="120160"/>
-          </a:xfrm>
-          <a:prstGeom prst="triangle">
-            <a:avLst/>
-          </a:prstGeom>
-        </p:spPr>
-        <p:style>
-          <a:lnRef idx="2">
-            <a:schemeClr val="dk1">
-              <a:shade val="50000"/>
-            </a:schemeClr>
-          </a:lnRef>
-          <a:fillRef idx="1">
-            <a:schemeClr val="dk1"/>
-          </a:fillRef>
-          <a:effectRef idx="0">
-            <a:schemeClr val="dk1"/>
-          </a:effectRef>
-          <a:fontRef idx="minor">
-            <a:schemeClr val="lt1"/>
-          </a:fontRef>
-        </p:style>
-        <p:txBody>
-          <a:bodyPr rtlCol="0" anchor="ctr"/>
-          <a:lstStyle/>
-          <a:p>
-            <a:pPr algn="ctr"/>
-            <a:endParaRPr lang="en-US">
-              <a:solidFill>
-                <a:schemeClr val="bg1"/>
-              </a:solidFill>
-            </a:endParaRPr>
-          </a:p>
-        </p:txBody>
-      </p:sp>
-      <p:sp>
-        <p:nvSpPr>
-          <p:cNvPr id="42" name="Rectangle 41"/>
-          <p:cNvSpPr/>
-          <p:nvPr/>
-        </p:nvSpPr>
-        <p:spPr>
-          <a:xfrm>
-            <a:off x="4376058" y="5142060"/>
-            <a:ext cx="223934" cy="184666"/>
-          </a:xfrm>
-          <a:prstGeom prst="rect">
-            <a:avLst/>
-          </a:prstGeom>
-        </p:spPr>
-        <p:style>
-          <a:lnRef idx="2">
-            <a:schemeClr val="dk1">
-              <a:shade val="50000"/>
-            </a:schemeClr>
-          </a:lnRef>
-          <a:fillRef idx="1">
-            <a:schemeClr val="dk1"/>
-          </a:fillRef>
-          <a:effectRef idx="0">
-            <a:schemeClr val="dk1"/>
-          </a:effectRef>
-          <a:fontRef idx="minor">
-            <a:schemeClr val="lt1"/>
-          </a:fontRef>
-        </p:style>
-        <p:txBody>
-          <a:bodyPr rtlCol="0" anchor="ctr"/>
-          <a:lstStyle/>
-          <a:p>
-            <a:pPr algn="ctr"/>
-            <a:endParaRPr lang="en-US">
-              <a:solidFill>
-                <a:schemeClr val="bg1"/>
-              </a:solidFill>
-            </a:endParaRPr>
-          </a:p>
-        </p:txBody>
-      </p:sp>
-      <p:sp>
-        <p:nvSpPr>
-          <p:cNvPr id="47" name="L-Shape 46"/>
-          <p:cNvSpPr/>
-          <p:nvPr/>
-        </p:nvSpPr>
-        <p:spPr>
-          <a:xfrm rot="19074116">
-            <a:off x="4398234" y="5142386"/>
-            <a:ext cx="233265" cy="104547"/>
-          </a:xfrm>
-          <a:prstGeom prst="corner">
-            <a:avLst/>
-          </a:prstGeom>
-          <a:solidFill>
-            <a:schemeClr val="bg1"/>
-          </a:solidFill>
-        </p:spPr>
-        <p:style>
-          <a:lnRef idx="2">
-            <a:schemeClr val="accent1">
-              <a:shade val="50000"/>
-            </a:schemeClr>
-          </a:lnRef>
-          <a:fillRef idx="1">
-            <a:schemeClr val="accent1"/>
-          </a:fillRef>
-          <a:effectRef idx="0">
-            <a:schemeClr val="accent1"/>
-          </a:effectRef>
-          <a:fontRef idx="minor">
-            <a:schemeClr val="lt1"/>
-          </a:fontRef>
-        </p:style>
-        <p:txBody>
-          <a:bodyPr rtlCol="0" anchor="ctr"/>
-          <a:lstStyle/>
-          <a:p>
-            <a:pPr algn="ctr"/>
-            <a:endParaRPr lang="en-US">
-              <a:solidFill>
-                <a:schemeClr val="bg1"/>
-              </a:solidFill>
-            </a:endParaRPr>
-          </a:p>
-        </p:txBody>
-      </p:sp>
-      <p:pic>
-        <p:nvPicPr>
-          <p:cNvPr id="48" name="Picture 47"/>
-          <p:cNvPicPr>
-            <a:picLocks noChangeAspect="1"/>
-          </p:cNvPicPr>
-          <p:nvPr/>
-        </p:nvPicPr>
-        <p:blipFill>
-          <a:blip r:embed="rId2"/>
-          <a:stretch>
-            <a:fillRect/>
-          </a:stretch>
-        </p:blipFill>
-        <p:spPr>
-          <a:xfrm>
-            <a:off x="5079516" y="6146890"/>
-            <a:ext cx="1585097" cy="493819"/>
-          </a:xfrm>
-          <a:prstGeom prst="rect">
-            <a:avLst/>
-          </a:prstGeom>
-        </p:spPr>
-      </p:pic>
+              </a:defRPr>
+            </a:lvl1pPr>
+          </a:lstStyle>
+          <a:p>
+            <a:r>
+              <a:rPr lang="en-US" dirty="0" err="1"/>
+              <a:t>CompanyId</a:t>
+            </a:r>
+            <a:r>
+              <a:rPr lang="en-US" dirty="0"/>
+              <a:t> </a:t>
+            </a:r>
+          </a:p>
+        </p:txBody>
+      </p:sp>
     </p:spTree>
     <p:extLst>
       <p:ext uri="{BB962C8B-B14F-4D97-AF65-F5344CB8AC3E}">
-        <p14:creationId xmlns:p14="http://schemas.microsoft.com/office/powerpoint/2010/main" val="4288874005"/>
+        <p14:creationId xmlns:p14="http://schemas.microsoft.com/office/powerpoint/2010/main" val="3519654255"/>
       </p:ext>
     </p:extLst>
   </p:cSld>
@@ -10473,73 +10000,141 @@
       </p:grpSpPr>
       <p:sp>
         <p:nvSpPr>
-          <p:cNvPr id="4" name="TextBox 3"/>
+          <p:cNvPr id="5" name="TextBox 4"/>
           <p:cNvSpPr txBox="1"/>
           <p:nvPr/>
         </p:nvSpPr>
         <p:spPr>
           <a:xfrm>
-            <a:off x="111967" y="223935"/>
-            <a:ext cx="11952515" cy="522514"/>
+            <a:off x="4064000" y="2542355"/>
+            <a:ext cx="4064000" cy="369332"/>
           </a:xfrm>
           <a:prstGeom prst="rect">
             <a:avLst/>
           </a:prstGeom>
-          <a:noFill/>
+          <a:solidFill>
+            <a:srgbClr val="B5FFFF"/>
+          </a:solidFill>
         </p:spPr>
         <p:txBody>
           <a:bodyPr wrap="square" rtlCol="0">
             <a:spAutoFit/>
           </a:bodyPr>
-          <a:lstStyle/>
-          <a:p>
+          <a:lstStyle>
+            <a:defPPr>
+              <a:defRPr lang="en-US"/>
+            </a:defPPr>
+            <a:lvl1pPr>
+              <a:defRPr>
+                <a:solidFill>
+                  <a:schemeClr val="bg1"/>
+                </a:solidFill>
+              </a:defRPr>
+            </a:lvl1pPr>
+          </a:lstStyle>
+          <a:p>
+            <a:r>
+              <a:rPr lang="en-US"/>
+              <a:t>EmployeeName </a:t>
+            </a:r>
             <a:endParaRPr lang="en-US" dirty="0"/>
           </a:p>
         </p:txBody>
       </p:sp>
       <p:sp>
         <p:nvSpPr>
-          <p:cNvPr id="5" name="TextBox 4"/>
+          <p:cNvPr id="6" name="TextBox 5"/>
           <p:cNvSpPr txBox="1"/>
           <p:nvPr/>
         </p:nvSpPr>
         <p:spPr>
           <a:xfrm>
-            <a:off x="111966" y="55986"/>
-            <a:ext cx="11952515" cy="523220"/>
+            <a:off x="0" y="445588"/>
+            <a:ext cx="12192000" cy="369332"/>
           </a:xfrm>
           <a:prstGeom prst="rect">
             <a:avLst/>
           </a:prstGeom>
           <a:solidFill>
-            <a:schemeClr val="bg1"/>
+            <a:schemeClr val="tx1"/>
+          </a:solidFill>
+          <a:ln>
+            <a:solidFill>
+              <a:schemeClr val="tx1"/>
+            </a:solidFill>
+          </a:ln>
+        </p:spPr>
+        <p:txBody>
+          <a:bodyPr wrap="square" rtlCol="0" anchor="ctr">
+            <a:spAutoFit/>
+          </a:bodyPr>
+          <a:lstStyle/>
+          <a:p>
+            <a:pPr algn="ctr"/>
+            <a:r>
+              <a:rPr lang="en-US" dirty="0">
+                <a:solidFill>
+                  <a:schemeClr val="bg1"/>
+                </a:solidFill>
+              </a:rPr>
+              <a:t>Employee</a:t>
+            </a:r>
+          </a:p>
+        </p:txBody>
+      </p:sp>
+      <p:sp>
+        <p:nvSpPr>
+          <p:cNvPr id="7" name="TextBox 6"/>
+          <p:cNvSpPr txBox="1"/>
+          <p:nvPr/>
+        </p:nvSpPr>
+        <p:spPr>
+          <a:xfrm>
+            <a:off x="4064000" y="4267034"/>
+            <a:ext cx="4064000" cy="369332"/>
+          </a:xfrm>
+          <a:prstGeom prst="rect">
+            <a:avLst/>
+          </a:prstGeom>
+          <a:solidFill>
+            <a:srgbClr val="B5FFFF"/>
           </a:solidFill>
         </p:spPr>
         <p:txBody>
           <a:bodyPr wrap="square" rtlCol="0">
             <a:spAutoFit/>
           </a:bodyPr>
-          <a:lstStyle/>
-          <a:p>
-            <a:pPr algn="ctr"/>
-            <a:r>
-              <a:rPr lang="en-US" sz="2800" dirty="0" err="1"/>
-              <a:t>RideTrack</a:t>
-            </a:r>
-            <a:endParaRPr lang="en-US" sz="2800" dirty="0"/>
-          </a:p>
-        </p:txBody>
-      </p:sp>
-      <p:sp>
-        <p:nvSpPr>
-          <p:cNvPr id="6" name="TextBox 5"/>
+          <a:lstStyle>
+            <a:defPPr>
+              <a:defRPr lang="en-US"/>
+            </a:defPPr>
+            <a:lvl1pPr>
+              <a:defRPr>
+                <a:solidFill>
+                  <a:schemeClr val="bg1"/>
+                </a:solidFill>
+              </a:defRPr>
+            </a:lvl1pPr>
+          </a:lstStyle>
+          <a:p>
+            <a:r>
+              <a:rPr lang="en-US"/>
+              <a:t>IsLive </a:t>
+            </a:r>
+            <a:endParaRPr lang="en-US" dirty="0"/>
+          </a:p>
+        </p:txBody>
+      </p:sp>
+      <p:sp>
+        <p:nvSpPr>
+          <p:cNvPr id="8" name="TextBox 7"/>
           <p:cNvSpPr txBox="1"/>
           <p:nvPr/>
         </p:nvSpPr>
         <p:spPr>
           <a:xfrm>
-            <a:off x="1651518" y="2164702"/>
-            <a:ext cx="3209731" cy="369332"/>
+            <a:off x="4064000" y="3091265"/>
+            <a:ext cx="4064000" cy="369332"/>
           </a:xfrm>
           <a:prstGeom prst="rect">
             <a:avLst/>
@@ -10552,16 +10147,210 @@
           <a:bodyPr wrap="square" rtlCol="0">
             <a:spAutoFit/>
           </a:bodyPr>
-          <a:lstStyle/>
-          <a:p>
-            <a:r>
-              <a:rPr lang="en-US" dirty="0" err="1">
+          <a:lstStyle>
+            <a:defPPr>
+              <a:defRPr lang="en-US"/>
+            </a:defPPr>
+            <a:lvl1pPr>
+              <a:defRPr>
                 <a:solidFill>
                   <a:schemeClr val="bg1"/>
                 </a:solidFill>
-              </a:rPr>
-              <a:t>RideBookId</a:t>
-            </a:r>
+              </a:defRPr>
+            </a:lvl1pPr>
+          </a:lstStyle>
+          <a:p>
+            <a:r>
+              <a:rPr lang="en-US"/>
+              <a:t>PhoneNumber </a:t>
+            </a:r>
+            <a:endParaRPr lang="en-US" dirty="0"/>
+          </a:p>
+        </p:txBody>
+      </p:sp>
+      <p:sp>
+        <p:nvSpPr>
+          <p:cNvPr id="10" name="TextBox 9"/>
+          <p:cNvSpPr txBox="1"/>
+          <p:nvPr/>
+        </p:nvSpPr>
+        <p:spPr>
+          <a:xfrm>
+            <a:off x="5168900" y="5572641"/>
+            <a:ext cx="1578429" cy="369332"/>
+          </a:xfrm>
+          <a:prstGeom prst="rect">
+            <a:avLst/>
+          </a:prstGeom>
+          <a:solidFill>
+            <a:schemeClr val="bg1">
+              <a:lumMod val="85000"/>
+            </a:schemeClr>
+          </a:solidFill>
+          <a:ln>
+            <a:solidFill>
+              <a:schemeClr val="tx1"/>
+            </a:solidFill>
+          </a:ln>
+        </p:spPr>
+        <p:txBody>
+          <a:bodyPr wrap="square" rtlCol="0" anchor="ctr">
+            <a:spAutoFit/>
+          </a:bodyPr>
+          <a:lstStyle/>
+          <a:p>
+            <a:pPr algn="ctr"/>
+            <a:r>
+              <a:rPr lang="en-US" dirty="0"/>
+              <a:t>Create </a:t>
+            </a:r>
+          </a:p>
+        </p:txBody>
+      </p:sp>
+      <p:sp>
+        <p:nvSpPr>
+          <p:cNvPr id="9" name="TextBox 8"/>
+          <p:cNvSpPr txBox="1"/>
+          <p:nvPr/>
+        </p:nvSpPr>
+        <p:spPr>
+          <a:xfrm>
+            <a:off x="4064000" y="3660499"/>
+            <a:ext cx="4064000" cy="369332"/>
+          </a:xfrm>
+          <a:prstGeom prst="rect">
+            <a:avLst/>
+          </a:prstGeom>
+          <a:solidFill>
+            <a:srgbClr val="B5FFFF"/>
+          </a:solidFill>
+        </p:spPr>
+        <p:txBody>
+          <a:bodyPr wrap="square" rtlCol="0">
+            <a:spAutoFit/>
+          </a:bodyPr>
+          <a:lstStyle>
+            <a:defPPr>
+              <a:defRPr lang="en-US"/>
+            </a:defPPr>
+            <a:lvl1pPr>
+              <a:defRPr>
+                <a:solidFill>
+                  <a:schemeClr val="bg1"/>
+                </a:solidFill>
+              </a:defRPr>
+            </a:lvl1pPr>
+          </a:lstStyle>
+          <a:p>
+            <a:r>
+              <a:rPr lang="en-US"/>
+              <a:t>Email </a:t>
+            </a:r>
+            <a:endParaRPr lang="en-US" dirty="0"/>
+          </a:p>
+        </p:txBody>
+      </p:sp>
+      <p:sp>
+        <p:nvSpPr>
+          <p:cNvPr id="2" name="TextBox 1">
+            <a:extLst>
+              <a:ext uri="{FF2B5EF4-FFF2-40B4-BE49-F238E27FC236}">
+                <a16:creationId xmlns:a16="http://schemas.microsoft.com/office/drawing/2014/main" id="{64AAED60-2F42-8493-8E72-3D518BF0DD0E}"/>
+              </a:ext>
+            </a:extLst>
+          </p:cNvPr>
+          <p:cNvSpPr txBox="1"/>
+          <p:nvPr/>
+        </p:nvSpPr>
+        <p:spPr>
+          <a:xfrm>
+            <a:off x="4064000" y="2034368"/>
+            <a:ext cx="4064000" cy="369332"/>
+          </a:xfrm>
+          <a:prstGeom prst="rect">
+            <a:avLst/>
+          </a:prstGeom>
+          <a:solidFill>
+            <a:srgbClr val="B5FFFF"/>
+          </a:solidFill>
+        </p:spPr>
+        <p:txBody>
+          <a:bodyPr wrap="square" rtlCol="0">
+            <a:spAutoFit/>
+          </a:bodyPr>
+          <a:lstStyle>
+            <a:defPPr>
+              <a:defRPr lang="en-US"/>
+            </a:defPPr>
+            <a:lvl1pPr>
+              <a:defRPr>
+                <a:solidFill>
+                  <a:schemeClr val="bg1"/>
+                </a:solidFill>
+              </a:defRPr>
+            </a:lvl1pPr>
+          </a:lstStyle>
+          <a:p>
+            <a:r>
+              <a:rPr lang="en-US" dirty="0" err="1"/>
+              <a:t>EmployeeId</a:t>
+            </a:r>
+            <a:endParaRPr lang="en-US" dirty="0"/>
+          </a:p>
+        </p:txBody>
+      </p:sp>
+      <p:sp>
+        <p:nvSpPr>
+          <p:cNvPr id="3" name="Rectangle 2">
+            <a:extLst>
+              <a:ext uri="{FF2B5EF4-FFF2-40B4-BE49-F238E27FC236}">
+                <a16:creationId xmlns:a16="http://schemas.microsoft.com/office/drawing/2014/main" id="{DAC2A1CC-36D4-74B7-AE89-21DF2A6BB6BC}"/>
+              </a:ext>
+            </a:extLst>
+          </p:cNvPr>
+          <p:cNvSpPr/>
+          <p:nvPr/>
+        </p:nvSpPr>
+        <p:spPr>
+          <a:xfrm>
+            <a:off x="7053941" y="4289775"/>
+            <a:ext cx="344713" cy="323850"/>
+          </a:xfrm>
+          <a:prstGeom prst="rect">
+            <a:avLst/>
+          </a:prstGeom>
+          <a:solidFill>
+            <a:schemeClr val="tx2">
+              <a:lumMod val="60000"/>
+              <a:lumOff val="40000"/>
+            </a:schemeClr>
+          </a:solidFill>
+          <a:ln>
+            <a:solidFill>
+              <a:schemeClr val="bg1"/>
+            </a:solidFill>
+          </a:ln>
+        </p:spPr>
+        <p:style>
+          <a:lnRef idx="2">
+            <a:schemeClr val="accent1">
+              <a:shade val="15000"/>
+            </a:schemeClr>
+          </a:lnRef>
+          <a:fillRef idx="1">
+            <a:schemeClr val="accent1"/>
+          </a:fillRef>
+          <a:effectRef idx="0">
+            <a:schemeClr val="accent1"/>
+          </a:effectRef>
+          <a:fontRef idx="minor">
+            <a:schemeClr val="lt1"/>
+          </a:fontRef>
+        </p:style>
+        <p:txBody>
+          <a:bodyPr rtlCol="0" anchor="ctr"/>
+          <a:lstStyle/>
+          <a:p>
             <a:endParaRPr lang="en-US" dirty="0">
               <a:solidFill>
                 <a:schemeClr val="bg1"/>
@@ -10572,222 +10361,76 @@
       </p:sp>
       <p:sp>
         <p:nvSpPr>
-          <p:cNvPr id="7" name="TextBox 6"/>
-          <p:cNvSpPr txBox="1"/>
-          <p:nvPr/>
-        </p:nvSpPr>
-        <p:spPr>
-          <a:xfrm>
-            <a:off x="6774024" y="2164702"/>
-            <a:ext cx="3209731" cy="369332"/>
-          </a:xfrm>
-          <a:prstGeom prst="rect">
-            <a:avLst/>
+          <p:cNvPr id="11" name="Half Frame 10">
+            <a:extLst>
+              <a:ext uri="{FF2B5EF4-FFF2-40B4-BE49-F238E27FC236}">
+                <a16:creationId xmlns:a16="http://schemas.microsoft.com/office/drawing/2014/main" id="{708DBF85-14F8-436E-C684-32A609C660F0}"/>
+              </a:ext>
+            </a:extLst>
+          </p:cNvPr>
+          <p:cNvSpPr/>
+          <p:nvPr/>
+        </p:nvSpPr>
+        <p:spPr>
+          <a:xfrm rot="18490048" flipV="1">
+            <a:off x="7085298" y="4328664"/>
+            <a:ext cx="342064" cy="186030"/>
+          </a:xfrm>
+          <a:prstGeom prst="halfFrame">
+            <a:avLst>
+              <a:gd name="adj1" fmla="val 16151"/>
+              <a:gd name="adj2" fmla="val 33333"/>
+            </a:avLst>
           </a:prstGeom>
           <a:solidFill>
-            <a:srgbClr val="B5FFFF"/>
+            <a:schemeClr val="bg2"/>
           </a:solidFill>
-        </p:spPr>
-        <p:txBody>
-          <a:bodyPr wrap="square" rtlCol="0">
-            <a:spAutoFit/>
-          </a:bodyPr>
-          <a:lstStyle/>
-          <a:p>
-            <a:r>
-              <a:rPr lang="en-US" dirty="0" err="1">
-                <a:solidFill>
-                  <a:schemeClr val="bg1"/>
-                </a:solidFill>
-              </a:rPr>
-              <a:t>RideTrackLaitude</a:t>
-            </a:r>
-            <a:endParaRPr lang="en-US" dirty="0">
+          <a:ln>
+            <a:solidFill>
+              <a:schemeClr val="tx1"/>
+            </a:solidFill>
+          </a:ln>
+        </p:spPr>
+        <p:style>
+          <a:lnRef idx="2">
+            <a:schemeClr val="accent1">
+              <a:shade val="50000"/>
+            </a:schemeClr>
+          </a:lnRef>
+          <a:fillRef idx="1">
+            <a:schemeClr val="accent1"/>
+          </a:fillRef>
+          <a:effectRef idx="0">
+            <a:schemeClr val="accent1"/>
+          </a:effectRef>
+          <a:fontRef idx="minor">
+            <a:schemeClr val="lt1"/>
+          </a:fontRef>
+        </p:style>
+        <p:txBody>
+          <a:bodyPr rtlCol="0" anchor="ctr"/>
+          <a:lstStyle/>
+          <a:p>
+            <a:endParaRPr lang="en-US">
+              <a:ln w="0"/>
               <a:solidFill>
                 <a:schemeClr val="bg1"/>
               </a:solidFill>
+              <a:effectLst>
+                <a:outerShdw blurRad="38100" dist="19050" dir="2700000" algn="tl" rotWithShape="0">
+                  <a:schemeClr val="dk1">
+                    <a:alpha val="40000"/>
+                  </a:schemeClr>
+                </a:outerShdw>
+              </a:effectLst>
             </a:endParaRPr>
           </a:p>
         </p:txBody>
       </p:sp>
-      <p:sp>
-        <p:nvSpPr>
-          <p:cNvPr id="8" name="TextBox 7"/>
-          <p:cNvSpPr txBox="1"/>
-          <p:nvPr/>
-        </p:nvSpPr>
-        <p:spPr>
-          <a:xfrm>
-            <a:off x="1651518" y="2830295"/>
-            <a:ext cx="3209731" cy="369332"/>
-          </a:xfrm>
-          <a:prstGeom prst="rect">
-            <a:avLst/>
-          </a:prstGeom>
-          <a:solidFill>
-            <a:srgbClr val="B5FFFF"/>
-          </a:solidFill>
-        </p:spPr>
-        <p:txBody>
-          <a:bodyPr wrap="square" rtlCol="0">
-            <a:spAutoFit/>
-          </a:bodyPr>
-          <a:lstStyle/>
-          <a:p>
-            <a:r>
-              <a:rPr lang="en-US" dirty="0" err="1">
-                <a:solidFill>
-                  <a:schemeClr val="bg1"/>
-                </a:solidFill>
-              </a:rPr>
-              <a:t>RideTrackLongtiude</a:t>
-            </a:r>
-            <a:endParaRPr lang="en-US" dirty="0">
-              <a:solidFill>
-                <a:schemeClr val="bg1"/>
-              </a:solidFill>
-            </a:endParaRPr>
-          </a:p>
-        </p:txBody>
-      </p:sp>
-      <p:sp>
-        <p:nvSpPr>
-          <p:cNvPr id="9" name="TextBox 8"/>
-          <p:cNvSpPr txBox="1"/>
-          <p:nvPr/>
-        </p:nvSpPr>
-        <p:spPr>
-          <a:xfrm>
-            <a:off x="6811346" y="2830295"/>
-            <a:ext cx="3209731" cy="369332"/>
-          </a:xfrm>
-          <a:prstGeom prst="rect">
-            <a:avLst/>
-          </a:prstGeom>
-          <a:solidFill>
-            <a:srgbClr val="B5FFFF"/>
-          </a:solidFill>
-        </p:spPr>
-        <p:txBody>
-          <a:bodyPr wrap="square" rtlCol="0">
-            <a:spAutoFit/>
-          </a:bodyPr>
-          <a:lstStyle/>
-          <a:p>
-            <a:r>
-              <a:rPr lang="en-US" dirty="0">
-                <a:solidFill>
-                  <a:schemeClr val="bg1"/>
-                </a:solidFill>
-              </a:rPr>
-              <a:t>Timestamp</a:t>
-            </a:r>
-          </a:p>
-        </p:txBody>
-      </p:sp>
-      <p:sp>
-        <p:nvSpPr>
-          <p:cNvPr id="10" name="TextBox 9"/>
-          <p:cNvSpPr txBox="1"/>
-          <p:nvPr/>
-        </p:nvSpPr>
-        <p:spPr>
-          <a:xfrm>
-            <a:off x="1651518" y="3442931"/>
-            <a:ext cx="3209731" cy="369332"/>
-          </a:xfrm>
-          <a:prstGeom prst="rect">
-            <a:avLst/>
-          </a:prstGeom>
-          <a:solidFill>
-            <a:srgbClr val="B5FFFF"/>
-          </a:solidFill>
-        </p:spPr>
-        <p:txBody>
-          <a:bodyPr wrap="square" rtlCol="0">
-            <a:spAutoFit/>
-          </a:bodyPr>
-          <a:lstStyle/>
-          <a:p>
-            <a:r>
-              <a:rPr lang="en-US" dirty="0">
-                <a:solidFill>
-                  <a:schemeClr val="bg1"/>
-                </a:solidFill>
-              </a:rPr>
-              <a:t>Distance</a:t>
-            </a:r>
-          </a:p>
-        </p:txBody>
-      </p:sp>
-      <p:sp>
-        <p:nvSpPr>
-          <p:cNvPr id="11" name="TextBox 10"/>
-          <p:cNvSpPr txBox="1"/>
-          <p:nvPr/>
-        </p:nvSpPr>
-        <p:spPr>
-          <a:xfrm>
-            <a:off x="6811346" y="3442931"/>
-            <a:ext cx="3209731" cy="369332"/>
-          </a:xfrm>
-          <a:prstGeom prst="rect">
-            <a:avLst/>
-          </a:prstGeom>
-          <a:solidFill>
-            <a:srgbClr val="B5FFFF"/>
-          </a:solidFill>
-        </p:spPr>
-        <p:txBody>
-          <a:bodyPr wrap="square" rtlCol="0">
-            <a:spAutoFit/>
-          </a:bodyPr>
-          <a:lstStyle/>
-          <a:p>
-            <a:r>
-              <a:rPr lang="en-US" dirty="0" err="1">
-                <a:solidFill>
-                  <a:schemeClr val="bg1"/>
-                </a:solidFill>
-              </a:rPr>
-              <a:t>TrackTime</a:t>
-            </a:r>
-            <a:endParaRPr lang="en-US" dirty="0">
-              <a:solidFill>
-                <a:schemeClr val="bg1"/>
-              </a:solidFill>
-            </a:endParaRPr>
-          </a:p>
-        </p:txBody>
-      </p:sp>
-      <p:pic>
-        <p:nvPicPr>
-          <p:cNvPr id="25" name="Picture 24"/>
-          <p:cNvPicPr>
-            <a:picLocks noChangeAspect="1"/>
-          </p:cNvPicPr>
-          <p:nvPr/>
-        </p:nvPicPr>
-        <p:blipFill>
-          <a:blip r:embed="rId2"/>
-          <a:stretch>
-            <a:fillRect/>
-          </a:stretch>
-        </p:blipFill>
-        <p:spPr>
-          <a:xfrm>
-            <a:off x="4997095" y="4542025"/>
-            <a:ext cx="1585097" cy="493819"/>
-          </a:xfrm>
-          <a:prstGeom prst="rect">
-            <a:avLst/>
-          </a:prstGeom>
-        </p:spPr>
-      </p:pic>
     </p:spTree>
     <p:extLst>
       <p:ext uri="{BB962C8B-B14F-4D97-AF65-F5344CB8AC3E}">
-        <p14:creationId xmlns:p14="http://schemas.microsoft.com/office/powerpoint/2010/main" val="265695104"/>
+        <p14:creationId xmlns:p14="http://schemas.microsoft.com/office/powerpoint/2010/main" val="3396862092"/>
       </p:ext>
     </p:extLst>
   </p:cSld>
@@ -10999,7 +10642,7 @@
                 <a:effectLst/>
                 <a:latin typeface="Roboto" panose="02000000000000000000" pitchFamily="2" charset="0"/>
               </a:rPr>
-              <a:t>Pickup Location</a:t>
+              <a:t>Dropoff Location</a:t>
             </a:r>
             <a:endParaRPr lang="en-US" dirty="0">
               <a:solidFill>
@@ -11229,7 +10872,7 @@
       </p:grpSpPr>
       <p:sp>
         <p:nvSpPr>
-          <p:cNvPr id="4" name="TextBox 3"/>
+          <p:cNvPr id="8" name="TextBox 7"/>
           <p:cNvSpPr txBox="1"/>
           <p:nvPr/>
         </p:nvSpPr>
@@ -11249,43 +10892,13 @@
           </a:bodyPr>
           <a:lstStyle/>
           <a:p>
-            <a:pPr marL="0" marR="0" lvl="0" indent="0" algn="l" defTabSz="914400" rtl="0" eaLnBrk="1" fontAlgn="auto" latinLnBrk="0" hangingPunct="1">
-              <a:lnSpc>
-                <a:spcPct val="100000"/>
-              </a:lnSpc>
-              <a:spcBef>
-                <a:spcPts val="0"/>
-              </a:spcBef>
-              <a:spcAft>
-                <a:spcPts val="0"/>
-              </a:spcAft>
-              <a:buClrTx/>
-              <a:buSzTx/>
-              <a:buFontTx/>
-              <a:buNone/>
-              <a:tabLst/>
-              <a:defRPr/>
-            </a:pPr>
-            <a:endParaRPr kumimoji="0" lang="en-US" sz="1800" b="0" i="0" u="none" strike="noStrike" kern="1200" cap="none" spc="0" normalizeH="0" baseline="0" noProof="0" dirty="0">
-              <a:ln>
-                <a:noFill/>
-              </a:ln>
-              <a:solidFill>
-                <a:prstClr val="black"/>
-              </a:solidFill>
-              <a:effectLst/>
-              <a:uLnTx/>
-              <a:uFillTx/>
-              <a:latin typeface="Calibri" panose="020F0502020204030204"/>
-              <a:ea typeface="+mn-ea"/>
-              <a:cs typeface="+mn-cs"/>
-            </a:endParaRPr>
-          </a:p>
-        </p:txBody>
-      </p:sp>
-      <p:sp>
-        <p:nvSpPr>
-          <p:cNvPr id="5" name="TextBox 4"/>
+            <a:endParaRPr lang="en-US" dirty="0"/>
+          </a:p>
+        </p:txBody>
+      </p:sp>
+      <p:sp>
+        <p:nvSpPr>
+          <p:cNvPr id="11" name="TextBox 10"/>
           <p:cNvSpPr txBox="1"/>
           <p:nvPr/>
         </p:nvSpPr>
@@ -11307,35 +10920,24 @@
           </a:bodyPr>
           <a:lstStyle/>
           <a:p>
-            <a:pPr lvl="0" algn="ctr"/>
+            <a:pPr algn="ctr"/>
             <a:r>
               <a:rPr lang="en-US" sz="2800" dirty="0" err="1"/>
-              <a:t>FareDetail</a:t>
-            </a:r>
-            <a:endParaRPr kumimoji="0" lang="en-US" sz="2800" b="0" i="0" u="none" strike="noStrike" kern="1200" cap="none" spc="0" normalizeH="0" baseline="0" noProof="0" dirty="0">
-              <a:ln>
-                <a:noFill/>
-              </a:ln>
-              <a:solidFill>
-                <a:prstClr val="black"/>
-              </a:solidFill>
-              <a:effectLst/>
-              <a:uLnTx/>
-              <a:uFillTx/>
-              <a:latin typeface="Calibri" panose="020F0502020204030204"/>
-            </a:endParaRPr>
-          </a:p>
-        </p:txBody>
-      </p:sp>
-      <p:sp>
-        <p:nvSpPr>
-          <p:cNvPr id="6" name="TextBox 5"/>
+              <a:t>RideBook</a:t>
+            </a:r>
+            <a:endParaRPr lang="en-US" sz="2800" dirty="0"/>
+          </a:p>
+        </p:txBody>
+      </p:sp>
+      <p:sp>
+        <p:nvSpPr>
+          <p:cNvPr id="12" name="TextBox 11"/>
           <p:cNvSpPr txBox="1"/>
           <p:nvPr/>
         </p:nvSpPr>
         <p:spPr>
           <a:xfrm>
-            <a:off x="4483357" y="1657385"/>
+            <a:off x="1688841" y="1147665"/>
             <a:ext cx="3209731" cy="369332"/>
           </a:xfrm>
           <a:prstGeom prst="rect">
@@ -11351,41 +10953,31 @@
           </a:bodyPr>
           <a:lstStyle/>
           <a:p>
-            <a:pPr lvl="0"/>
-            <a:r>
-              <a:rPr lang="en-US" dirty="0" err="1">
+            <a:r>
+              <a:rPr lang="en-US">
                 <a:solidFill>
                   <a:schemeClr val="bg1"/>
                 </a:solidFill>
               </a:rPr>
-              <a:t>VehicleTypeId</a:t>
-            </a:r>
-            <a:endParaRPr kumimoji="0" lang="en-US" sz="1800" b="0" i="0" u="none" strike="noStrike" kern="1200" cap="none" spc="0" normalizeH="0" baseline="0" noProof="0" dirty="0">
-              <a:ln>
-                <a:noFill/>
-              </a:ln>
+              <a:t>CustomerId</a:t>
+            </a:r>
+            <a:endParaRPr lang="en-US" dirty="0">
               <a:solidFill>
                 <a:schemeClr val="bg1"/>
               </a:solidFill>
-              <a:effectLst/>
-              <a:uLnTx/>
-              <a:uFillTx/>
-              <a:latin typeface="Calibri" panose="020F0502020204030204"/>
-              <a:ea typeface="+mn-ea"/>
-              <a:cs typeface="+mn-cs"/>
             </a:endParaRPr>
           </a:p>
         </p:txBody>
       </p:sp>
       <p:sp>
         <p:nvSpPr>
-          <p:cNvPr id="7" name="TextBox 6"/>
+          <p:cNvPr id="20" name="TextBox 19"/>
           <p:cNvSpPr txBox="1"/>
           <p:nvPr/>
         </p:nvSpPr>
         <p:spPr>
           <a:xfrm>
-            <a:off x="4483356" y="3673719"/>
+            <a:off x="6811347" y="1147665"/>
             <a:ext cx="3209731" cy="369332"/>
           </a:xfrm>
           <a:prstGeom prst="rect">
@@ -11401,41 +10993,31 @@
           </a:bodyPr>
           <a:lstStyle/>
           <a:p>
-            <a:pPr lvl="0"/>
             <a:r>
               <a:rPr lang="en-US" dirty="0" err="1">
                 <a:solidFill>
                   <a:schemeClr val="bg1"/>
                 </a:solidFill>
               </a:rPr>
-              <a:t>BaseFare</a:t>
-            </a:r>
-            <a:endParaRPr kumimoji="0" lang="en-US" sz="1800" b="0" i="0" u="none" strike="noStrike" kern="1200" cap="none" spc="0" normalizeH="0" baseline="0" noProof="0" dirty="0">
-              <a:ln>
-                <a:noFill/>
-              </a:ln>
+              <a:t>DriverVehicleId</a:t>
+            </a:r>
+            <a:endParaRPr lang="en-US" dirty="0">
               <a:solidFill>
                 <a:schemeClr val="bg1"/>
               </a:solidFill>
-              <a:effectLst/>
-              <a:uLnTx/>
-              <a:uFillTx/>
-              <a:latin typeface="Calibri" panose="020F0502020204030204"/>
-              <a:ea typeface="+mn-ea"/>
-              <a:cs typeface="+mn-cs"/>
             </a:endParaRPr>
           </a:p>
         </p:txBody>
       </p:sp>
       <p:sp>
         <p:nvSpPr>
-          <p:cNvPr id="8" name="TextBox 7"/>
+          <p:cNvPr id="21" name="TextBox 20"/>
           <p:cNvSpPr txBox="1"/>
           <p:nvPr/>
         </p:nvSpPr>
         <p:spPr>
           <a:xfrm>
-            <a:off x="4483357" y="2322978"/>
+            <a:off x="1688841" y="1813258"/>
             <a:ext cx="3209731" cy="369332"/>
           </a:xfrm>
           <a:prstGeom prst="rect">
@@ -11451,41 +11033,31 @@
           </a:bodyPr>
           <a:lstStyle/>
           <a:p>
-            <a:pPr lvl="0"/>
             <a:r>
               <a:rPr lang="en-US" dirty="0" err="1">
                 <a:solidFill>
                   <a:schemeClr val="bg1"/>
                 </a:solidFill>
               </a:rPr>
-              <a:t>TotalFare</a:t>
-            </a:r>
-            <a:endParaRPr kumimoji="0" lang="en-US" sz="1800" b="0" i="0" u="none" strike="noStrike" kern="1200" cap="none" spc="0" normalizeH="0" baseline="0" noProof="0" dirty="0">
-              <a:ln>
-                <a:noFill/>
-              </a:ln>
+              <a:t>SourceLaitude</a:t>
+            </a:r>
+            <a:endParaRPr lang="en-US" dirty="0">
               <a:solidFill>
                 <a:schemeClr val="bg1"/>
               </a:solidFill>
-              <a:effectLst/>
-              <a:uLnTx/>
-              <a:uFillTx/>
-              <a:latin typeface="Calibri" panose="020F0502020204030204"/>
-              <a:ea typeface="+mn-ea"/>
-              <a:cs typeface="+mn-cs"/>
             </a:endParaRPr>
           </a:p>
         </p:txBody>
       </p:sp>
       <p:sp>
         <p:nvSpPr>
-          <p:cNvPr id="10" name="TextBox 9"/>
+          <p:cNvPr id="22" name="TextBox 21"/>
           <p:cNvSpPr txBox="1"/>
           <p:nvPr/>
         </p:nvSpPr>
         <p:spPr>
           <a:xfrm>
-            <a:off x="4483357" y="2935614"/>
+            <a:off x="6848669" y="1813258"/>
             <a:ext cx="3209731" cy="369332"/>
           </a:xfrm>
           <a:prstGeom prst="rect">
@@ -11501,76 +11073,506 @@
           </a:bodyPr>
           <a:lstStyle/>
           <a:p>
-            <a:pPr marL="0" marR="0" lvl="0" indent="0" algn="l" defTabSz="914400" rtl="0" eaLnBrk="1" fontAlgn="auto" latinLnBrk="0" hangingPunct="1">
-              <a:lnSpc>
-                <a:spcPct val="100000"/>
-              </a:lnSpc>
-              <a:spcBef>
-                <a:spcPts val="0"/>
-              </a:spcBef>
-              <a:spcAft>
-                <a:spcPts val="0"/>
-              </a:spcAft>
-              <a:buClrTx/>
-              <a:buSzTx/>
-              <a:buFontTx/>
-              <a:buNone/>
-              <a:tabLst/>
-              <a:defRPr/>
-            </a:pPr>
-            <a:r>
-              <a:rPr kumimoji="0" lang="en-US" sz="1800" b="0" i="0" u="none" strike="noStrike" kern="1200" cap="none" spc="0" normalizeH="0" baseline="0" noProof="0" dirty="0">
-                <a:ln>
-                  <a:noFill/>
-                </a:ln>
+            <a:r>
+              <a:rPr lang="en-US" dirty="0" err="1">
                 <a:solidFill>
                   <a:schemeClr val="bg1"/>
                 </a:solidFill>
-                <a:effectLst/>
-                <a:uLnTx/>
-                <a:uFillTx/>
-                <a:latin typeface="Calibri" panose="020F0502020204030204"/>
-                <a:ea typeface="+mn-ea"/>
-                <a:cs typeface="+mn-cs"/>
               </a:rPr>
-              <a:t>Distance</a:t>
-            </a:r>
-          </a:p>
-        </p:txBody>
-      </p:sp>
-      <p:pic>
-        <p:nvPicPr>
-          <p:cNvPr id="25" name="Picture 24"/>
-          <p:cNvPicPr>
-            <a:picLocks noChangeAspect="1"/>
-          </p:cNvPicPr>
-          <p:nvPr/>
-        </p:nvPicPr>
-        <p:blipFill>
-          <a:blip r:embed="rId2"/>
-          <a:stretch>
-            <a:fillRect/>
-          </a:stretch>
-        </p:blipFill>
-        <p:spPr>
-          <a:xfrm>
-            <a:off x="5295675" y="4530641"/>
-            <a:ext cx="1585097" cy="493819"/>
+              <a:t>SourceLongtiude</a:t>
+            </a:r>
+            <a:endParaRPr lang="en-US" dirty="0">
+              <a:solidFill>
+                <a:schemeClr val="bg1"/>
+              </a:solidFill>
+            </a:endParaRPr>
+          </a:p>
+        </p:txBody>
+      </p:sp>
+      <p:sp>
+        <p:nvSpPr>
+          <p:cNvPr id="23" name="TextBox 22"/>
+          <p:cNvSpPr txBox="1"/>
+          <p:nvPr/>
+        </p:nvSpPr>
+        <p:spPr>
+          <a:xfrm>
+            <a:off x="1688841" y="2425894"/>
+            <a:ext cx="3209731" cy="369332"/>
           </a:xfrm>
           <a:prstGeom prst="rect">
             <a:avLst/>
           </a:prstGeom>
-        </p:spPr>
-      </p:pic>
-      <p:sp>
-        <p:nvSpPr>
-          <p:cNvPr id="15" name="Isosceles Triangle 14"/>
+          <a:solidFill>
+            <a:srgbClr val="B5FFFF"/>
+          </a:solidFill>
+        </p:spPr>
+        <p:txBody>
+          <a:bodyPr wrap="square" rtlCol="0">
+            <a:spAutoFit/>
+          </a:bodyPr>
+          <a:lstStyle/>
+          <a:p>
+            <a:r>
+              <a:rPr lang="en-US" dirty="0" err="1">
+                <a:solidFill>
+                  <a:schemeClr val="bg1"/>
+                </a:solidFill>
+              </a:rPr>
+              <a:t>DestinationLatitude</a:t>
+            </a:r>
+            <a:endParaRPr lang="en-US" dirty="0">
+              <a:solidFill>
+                <a:schemeClr val="bg1"/>
+              </a:solidFill>
+            </a:endParaRPr>
+          </a:p>
+        </p:txBody>
+      </p:sp>
+      <p:sp>
+        <p:nvSpPr>
+          <p:cNvPr id="24" name="TextBox 23"/>
+          <p:cNvSpPr txBox="1"/>
+          <p:nvPr/>
+        </p:nvSpPr>
+        <p:spPr>
+          <a:xfrm>
+            <a:off x="6848669" y="2425894"/>
+            <a:ext cx="3209731" cy="369332"/>
+          </a:xfrm>
+          <a:prstGeom prst="rect">
+            <a:avLst/>
+          </a:prstGeom>
+          <a:solidFill>
+            <a:srgbClr val="B5FFFF"/>
+          </a:solidFill>
+        </p:spPr>
+        <p:txBody>
+          <a:bodyPr wrap="square" rtlCol="0">
+            <a:spAutoFit/>
+          </a:bodyPr>
+          <a:lstStyle/>
+          <a:p>
+            <a:r>
+              <a:rPr lang="en-US" dirty="0" err="1">
+                <a:solidFill>
+                  <a:schemeClr val="bg1"/>
+                </a:solidFill>
+              </a:rPr>
+              <a:t>CustomerId</a:t>
+            </a:r>
+            <a:endParaRPr lang="en-US" dirty="0">
+              <a:solidFill>
+                <a:schemeClr val="bg1"/>
+              </a:solidFill>
+            </a:endParaRPr>
+          </a:p>
+        </p:txBody>
+      </p:sp>
+      <p:sp>
+        <p:nvSpPr>
+          <p:cNvPr id="25" name="TextBox 24"/>
+          <p:cNvSpPr txBox="1"/>
+          <p:nvPr/>
+        </p:nvSpPr>
+        <p:spPr>
+          <a:xfrm>
+            <a:off x="1688841" y="3127668"/>
+            <a:ext cx="3209731" cy="369332"/>
+          </a:xfrm>
+          <a:prstGeom prst="rect">
+            <a:avLst/>
+          </a:prstGeom>
+          <a:solidFill>
+            <a:srgbClr val="B5FFFF"/>
+          </a:solidFill>
+        </p:spPr>
+        <p:txBody>
+          <a:bodyPr wrap="square" rtlCol="0">
+            <a:spAutoFit/>
+          </a:bodyPr>
+          <a:lstStyle/>
+          <a:p>
+            <a:r>
+              <a:rPr lang="en-US" dirty="0" err="1">
+                <a:solidFill>
+                  <a:schemeClr val="bg1"/>
+                </a:solidFill>
+              </a:rPr>
+              <a:t>CustomerLaitude</a:t>
+            </a:r>
+            <a:endParaRPr lang="en-US" dirty="0">
+              <a:solidFill>
+                <a:schemeClr val="bg1"/>
+              </a:solidFill>
+            </a:endParaRPr>
+          </a:p>
+        </p:txBody>
+      </p:sp>
+      <p:sp>
+        <p:nvSpPr>
+          <p:cNvPr id="26" name="TextBox 25"/>
+          <p:cNvSpPr txBox="1"/>
+          <p:nvPr/>
+        </p:nvSpPr>
+        <p:spPr>
+          <a:xfrm>
+            <a:off x="6848669" y="3127668"/>
+            <a:ext cx="3209731" cy="369332"/>
+          </a:xfrm>
+          <a:prstGeom prst="rect">
+            <a:avLst/>
+          </a:prstGeom>
+          <a:solidFill>
+            <a:srgbClr val="B5FFFF"/>
+          </a:solidFill>
+        </p:spPr>
+        <p:txBody>
+          <a:bodyPr wrap="square" rtlCol="0">
+            <a:spAutoFit/>
+          </a:bodyPr>
+          <a:lstStyle/>
+          <a:p>
+            <a:r>
+              <a:rPr lang="en-US" dirty="0" err="1">
+                <a:solidFill>
+                  <a:schemeClr val="bg1"/>
+                </a:solidFill>
+              </a:rPr>
+              <a:t>CustomerLongitude</a:t>
+            </a:r>
+            <a:endParaRPr lang="en-US" dirty="0">
+              <a:solidFill>
+                <a:schemeClr val="bg1"/>
+              </a:solidFill>
+            </a:endParaRPr>
+          </a:p>
+        </p:txBody>
+      </p:sp>
+      <p:sp>
+        <p:nvSpPr>
+          <p:cNvPr id="31" name="TextBox 30"/>
+          <p:cNvSpPr txBox="1"/>
+          <p:nvPr/>
+        </p:nvSpPr>
+        <p:spPr>
+          <a:xfrm>
+            <a:off x="1688841" y="3743488"/>
+            <a:ext cx="3209731" cy="369332"/>
+          </a:xfrm>
+          <a:prstGeom prst="rect">
+            <a:avLst/>
+          </a:prstGeom>
+          <a:solidFill>
+            <a:srgbClr val="B5FFFF"/>
+          </a:solidFill>
+        </p:spPr>
+        <p:txBody>
+          <a:bodyPr wrap="square" rtlCol="0">
+            <a:spAutoFit/>
+          </a:bodyPr>
+          <a:lstStyle/>
+          <a:p>
+            <a:r>
+              <a:rPr lang="en-US" dirty="0" err="1">
+                <a:solidFill>
+                  <a:schemeClr val="bg1"/>
+                </a:solidFill>
+              </a:rPr>
+              <a:t>StartTime</a:t>
+            </a:r>
+            <a:endParaRPr lang="en-US" dirty="0">
+              <a:solidFill>
+                <a:schemeClr val="bg1"/>
+              </a:solidFill>
+            </a:endParaRPr>
+          </a:p>
+        </p:txBody>
+      </p:sp>
+      <p:sp>
+        <p:nvSpPr>
+          <p:cNvPr id="32" name="TextBox 31"/>
+          <p:cNvSpPr txBox="1"/>
+          <p:nvPr/>
+        </p:nvSpPr>
+        <p:spPr>
+          <a:xfrm>
+            <a:off x="6848669" y="3743488"/>
+            <a:ext cx="3209731" cy="369332"/>
+          </a:xfrm>
+          <a:prstGeom prst="rect">
+            <a:avLst/>
+          </a:prstGeom>
+          <a:solidFill>
+            <a:srgbClr val="B5FFFF"/>
+          </a:solidFill>
+        </p:spPr>
+        <p:txBody>
+          <a:bodyPr wrap="square" rtlCol="0">
+            <a:spAutoFit/>
+          </a:bodyPr>
+          <a:lstStyle/>
+          <a:p>
+            <a:r>
+              <a:rPr lang="en-US" dirty="0" err="1">
+                <a:solidFill>
+                  <a:schemeClr val="bg1"/>
+                </a:solidFill>
+              </a:rPr>
+              <a:t>EndTime</a:t>
+            </a:r>
+            <a:endParaRPr lang="en-US" dirty="0">
+              <a:solidFill>
+                <a:schemeClr val="bg1"/>
+              </a:solidFill>
+            </a:endParaRPr>
+          </a:p>
+        </p:txBody>
+      </p:sp>
+      <p:sp>
+        <p:nvSpPr>
+          <p:cNvPr id="33" name="TextBox 32"/>
+          <p:cNvSpPr txBox="1"/>
+          <p:nvPr/>
+        </p:nvSpPr>
+        <p:spPr>
+          <a:xfrm>
+            <a:off x="1688841" y="4461944"/>
+            <a:ext cx="3209731" cy="369332"/>
+          </a:xfrm>
+          <a:prstGeom prst="rect">
+            <a:avLst/>
+          </a:prstGeom>
+          <a:solidFill>
+            <a:srgbClr val="B5FFFF"/>
+          </a:solidFill>
+        </p:spPr>
+        <p:txBody>
+          <a:bodyPr wrap="square" rtlCol="0">
+            <a:spAutoFit/>
+          </a:bodyPr>
+          <a:lstStyle/>
+          <a:p>
+            <a:r>
+              <a:rPr lang="en-US" dirty="0">
+                <a:solidFill>
+                  <a:schemeClr val="bg1"/>
+                </a:solidFill>
+              </a:rPr>
+              <a:t>Status</a:t>
+            </a:r>
+          </a:p>
+        </p:txBody>
+      </p:sp>
+      <p:sp>
+        <p:nvSpPr>
+          <p:cNvPr id="34" name="TextBox 33"/>
+          <p:cNvSpPr txBox="1"/>
+          <p:nvPr/>
+        </p:nvSpPr>
+        <p:spPr>
+          <a:xfrm>
+            <a:off x="6848669" y="4461944"/>
+            <a:ext cx="3209731" cy="369332"/>
+          </a:xfrm>
+          <a:prstGeom prst="rect">
+            <a:avLst/>
+          </a:prstGeom>
+          <a:solidFill>
+            <a:srgbClr val="B5FFFF"/>
+          </a:solidFill>
+        </p:spPr>
+        <p:txBody>
+          <a:bodyPr wrap="square" rtlCol="0">
+            <a:spAutoFit/>
+          </a:bodyPr>
+          <a:lstStyle/>
+          <a:p>
+            <a:r>
+              <a:rPr lang="en-US" dirty="0" err="1">
+                <a:solidFill>
+                  <a:schemeClr val="bg1"/>
+                </a:solidFill>
+              </a:rPr>
+              <a:t>TotalFare</a:t>
+            </a:r>
+            <a:endParaRPr lang="en-US" dirty="0">
+              <a:solidFill>
+                <a:schemeClr val="bg1"/>
+              </a:solidFill>
+            </a:endParaRPr>
+          </a:p>
+        </p:txBody>
+      </p:sp>
+      <p:sp>
+        <p:nvSpPr>
+          <p:cNvPr id="35" name="TextBox 34"/>
+          <p:cNvSpPr txBox="1"/>
+          <p:nvPr/>
+        </p:nvSpPr>
+        <p:spPr>
+          <a:xfrm>
+            <a:off x="1688841" y="5051497"/>
+            <a:ext cx="3209731" cy="369332"/>
+          </a:xfrm>
+          <a:prstGeom prst="rect">
+            <a:avLst/>
+          </a:prstGeom>
+          <a:solidFill>
+            <a:srgbClr val="B5FFFF"/>
+          </a:solidFill>
+        </p:spPr>
+        <p:txBody>
+          <a:bodyPr wrap="square" rtlCol="0">
+            <a:spAutoFit/>
+          </a:bodyPr>
+          <a:lstStyle/>
+          <a:p>
+            <a:r>
+              <a:rPr lang="en-US" dirty="0" err="1">
+                <a:solidFill>
+                  <a:schemeClr val="bg1"/>
+                </a:solidFill>
+              </a:rPr>
+              <a:t>IsPaid</a:t>
+            </a:r>
+            <a:endParaRPr lang="en-US" dirty="0">
+              <a:solidFill>
+                <a:schemeClr val="bg1"/>
+              </a:solidFill>
+            </a:endParaRPr>
+          </a:p>
+        </p:txBody>
+      </p:sp>
+      <p:sp>
+        <p:nvSpPr>
+          <p:cNvPr id="36" name="TextBox 35"/>
+          <p:cNvSpPr txBox="1"/>
+          <p:nvPr/>
+        </p:nvSpPr>
+        <p:spPr>
+          <a:xfrm>
+            <a:off x="6848669" y="5051497"/>
+            <a:ext cx="3209731" cy="369332"/>
+          </a:xfrm>
+          <a:prstGeom prst="rect">
+            <a:avLst/>
+          </a:prstGeom>
+          <a:solidFill>
+            <a:srgbClr val="B5FFFF"/>
+          </a:solidFill>
+        </p:spPr>
+        <p:txBody>
+          <a:bodyPr wrap="square" rtlCol="0">
+            <a:spAutoFit/>
+          </a:bodyPr>
+          <a:lstStyle/>
+          <a:p>
+            <a:r>
+              <a:rPr lang="en-US" dirty="0" err="1">
+                <a:solidFill>
+                  <a:schemeClr val="bg1"/>
+                </a:solidFill>
+              </a:rPr>
+              <a:t>DriverRating</a:t>
+            </a:r>
+            <a:endParaRPr lang="en-US" dirty="0">
+              <a:solidFill>
+                <a:schemeClr val="bg1"/>
+              </a:solidFill>
+            </a:endParaRPr>
+          </a:p>
+        </p:txBody>
+      </p:sp>
+      <p:sp>
+        <p:nvSpPr>
+          <p:cNvPr id="37" name="TextBox 36"/>
+          <p:cNvSpPr txBox="1"/>
+          <p:nvPr/>
+        </p:nvSpPr>
+        <p:spPr>
+          <a:xfrm>
+            <a:off x="1688841" y="5641050"/>
+            <a:ext cx="3209731" cy="369332"/>
+          </a:xfrm>
+          <a:prstGeom prst="rect">
+            <a:avLst/>
+          </a:prstGeom>
+          <a:solidFill>
+            <a:srgbClr val="B5FFFF"/>
+          </a:solidFill>
+        </p:spPr>
+        <p:txBody>
+          <a:bodyPr wrap="square" rtlCol="0">
+            <a:spAutoFit/>
+          </a:bodyPr>
+          <a:lstStyle/>
+          <a:p>
+            <a:r>
+              <a:rPr lang="en-US" dirty="0" err="1">
+                <a:solidFill>
+                  <a:schemeClr val="bg1"/>
+                </a:solidFill>
+              </a:rPr>
+              <a:t>CustomerRating</a:t>
+            </a:r>
+            <a:endParaRPr lang="en-US" dirty="0">
+              <a:solidFill>
+                <a:schemeClr val="bg1"/>
+              </a:solidFill>
+            </a:endParaRPr>
+          </a:p>
+        </p:txBody>
+      </p:sp>
+      <p:sp>
+        <p:nvSpPr>
+          <p:cNvPr id="38" name="TextBox 37"/>
+          <p:cNvSpPr txBox="1"/>
+          <p:nvPr/>
+        </p:nvSpPr>
+        <p:spPr>
+          <a:xfrm>
+            <a:off x="6848669" y="5641050"/>
+            <a:ext cx="3209731" cy="369332"/>
+          </a:xfrm>
+          <a:prstGeom prst="rect">
+            <a:avLst/>
+          </a:prstGeom>
+          <a:solidFill>
+            <a:srgbClr val="B5FFFF"/>
+          </a:solidFill>
+        </p:spPr>
+        <p:txBody>
+          <a:bodyPr wrap="square" rtlCol="0">
+            <a:spAutoFit/>
+          </a:bodyPr>
+          <a:lstStyle/>
+          <a:p>
+            <a:r>
+              <a:rPr lang="en-US" dirty="0" err="1">
+                <a:solidFill>
+                  <a:schemeClr val="bg1"/>
+                </a:solidFill>
+              </a:rPr>
+              <a:t>DistanceInMeter</a:t>
+            </a:r>
+            <a:endParaRPr lang="en-US" dirty="0">
+              <a:solidFill>
+                <a:schemeClr val="bg1"/>
+              </a:solidFill>
+            </a:endParaRPr>
+          </a:p>
+        </p:txBody>
+      </p:sp>
+      <p:sp>
+        <p:nvSpPr>
+          <p:cNvPr id="41" name="Isosceles Triangle 40"/>
           <p:cNvSpPr/>
           <p:nvPr/>
         </p:nvSpPr>
         <p:spPr>
           <a:xfrm rot="10800000">
-            <a:off x="7175239" y="1781971"/>
+            <a:off x="9386594" y="1284534"/>
             <a:ext cx="270590" cy="120160"/>
           </a:xfrm>
           <a:prstGeom prst="triangle">
@@ -11606,10 +11608,125 @@
           </a:p>
         </p:txBody>
       </p:sp>
+      <p:sp>
+        <p:nvSpPr>
+          <p:cNvPr id="42" name="Rectangle 41"/>
+          <p:cNvSpPr/>
+          <p:nvPr/>
+        </p:nvSpPr>
+        <p:spPr>
+          <a:xfrm>
+            <a:off x="4376058" y="5142060"/>
+            <a:ext cx="223934" cy="184666"/>
+          </a:xfrm>
+          <a:prstGeom prst="rect">
+            <a:avLst/>
+          </a:prstGeom>
+        </p:spPr>
+        <p:style>
+          <a:lnRef idx="2">
+            <a:schemeClr val="dk1">
+              <a:shade val="50000"/>
+            </a:schemeClr>
+          </a:lnRef>
+          <a:fillRef idx="1">
+            <a:schemeClr val="dk1"/>
+          </a:fillRef>
+          <a:effectRef idx="0">
+            <a:schemeClr val="dk1"/>
+          </a:effectRef>
+          <a:fontRef idx="minor">
+            <a:schemeClr val="lt1"/>
+          </a:fontRef>
+        </p:style>
+        <p:txBody>
+          <a:bodyPr rtlCol="0" anchor="ctr"/>
+          <a:lstStyle/>
+          <a:p>
+            <a:pPr algn="ctr"/>
+            <a:endParaRPr lang="en-US">
+              <a:solidFill>
+                <a:schemeClr val="bg1"/>
+              </a:solidFill>
+            </a:endParaRPr>
+          </a:p>
+        </p:txBody>
+      </p:sp>
+      <p:sp>
+        <p:nvSpPr>
+          <p:cNvPr id="47" name="L-Shape 46"/>
+          <p:cNvSpPr/>
+          <p:nvPr/>
+        </p:nvSpPr>
+        <p:spPr>
+          <a:xfrm rot="19074116">
+            <a:off x="4398234" y="5142386"/>
+            <a:ext cx="233265" cy="104547"/>
+          </a:xfrm>
+          <a:prstGeom prst="corner">
+            <a:avLst/>
+          </a:prstGeom>
+          <a:solidFill>
+            <a:schemeClr val="bg1"/>
+          </a:solidFill>
+        </p:spPr>
+        <p:style>
+          <a:lnRef idx="2">
+            <a:schemeClr val="accent1">
+              <a:shade val="50000"/>
+            </a:schemeClr>
+          </a:lnRef>
+          <a:fillRef idx="1">
+            <a:schemeClr val="accent1"/>
+          </a:fillRef>
+          <a:effectRef idx="0">
+            <a:schemeClr val="accent1"/>
+          </a:effectRef>
+          <a:fontRef idx="minor">
+            <a:schemeClr val="lt1"/>
+          </a:fontRef>
+        </p:style>
+        <p:txBody>
+          <a:bodyPr rtlCol="0" anchor="ctr"/>
+          <a:lstStyle/>
+          <a:p>
+            <a:pPr algn="ctr"/>
+            <a:endParaRPr lang="en-US">
+              <a:solidFill>
+                <a:schemeClr val="bg1"/>
+              </a:solidFill>
+            </a:endParaRPr>
+          </a:p>
+        </p:txBody>
+      </p:sp>
+      <p:pic>
+        <p:nvPicPr>
+          <p:cNvPr id="48" name="Picture 47"/>
+          <p:cNvPicPr>
+            <a:picLocks noChangeAspect="1"/>
+          </p:cNvPicPr>
+          <p:nvPr/>
+        </p:nvPicPr>
+        <p:blipFill>
+          <a:blip r:embed="rId2"/>
+          <a:stretch>
+            <a:fillRect/>
+          </a:stretch>
+        </p:blipFill>
+        <p:spPr>
+          <a:xfrm>
+            <a:off x="5079516" y="6146890"/>
+            <a:ext cx="1585097" cy="493819"/>
+          </a:xfrm>
+          <a:prstGeom prst="rect">
+            <a:avLst/>
+          </a:prstGeom>
+        </p:spPr>
+      </p:pic>
     </p:spTree>
     <p:extLst>
       <p:ext uri="{BB962C8B-B14F-4D97-AF65-F5344CB8AC3E}">
-        <p14:creationId xmlns:p14="http://schemas.microsoft.com/office/powerpoint/2010/main" val="1460589516"/>
+        <p14:creationId xmlns:p14="http://schemas.microsoft.com/office/powerpoint/2010/main" val="4288874005"/>
       </p:ext>
     </p:extLst>
   </p:cSld>
@@ -11658,6 +11775,349 @@
           </a:bodyPr>
           <a:lstStyle/>
           <a:p>
+            <a:endParaRPr lang="en-US" dirty="0"/>
+          </a:p>
+        </p:txBody>
+      </p:sp>
+      <p:sp>
+        <p:nvSpPr>
+          <p:cNvPr id="5" name="TextBox 4"/>
+          <p:cNvSpPr txBox="1"/>
+          <p:nvPr/>
+        </p:nvSpPr>
+        <p:spPr>
+          <a:xfrm>
+            <a:off x="111966" y="55986"/>
+            <a:ext cx="11952515" cy="523220"/>
+          </a:xfrm>
+          <a:prstGeom prst="rect">
+            <a:avLst/>
+          </a:prstGeom>
+          <a:solidFill>
+            <a:schemeClr val="bg1"/>
+          </a:solidFill>
+        </p:spPr>
+        <p:txBody>
+          <a:bodyPr wrap="square" rtlCol="0">
+            <a:spAutoFit/>
+          </a:bodyPr>
+          <a:lstStyle/>
+          <a:p>
+            <a:pPr algn="ctr"/>
+            <a:r>
+              <a:rPr lang="en-US" sz="2800" dirty="0" err="1"/>
+              <a:t>RideTrack</a:t>
+            </a:r>
+            <a:endParaRPr lang="en-US" sz="2800" dirty="0"/>
+          </a:p>
+        </p:txBody>
+      </p:sp>
+      <p:sp>
+        <p:nvSpPr>
+          <p:cNvPr id="6" name="TextBox 5"/>
+          <p:cNvSpPr txBox="1"/>
+          <p:nvPr/>
+        </p:nvSpPr>
+        <p:spPr>
+          <a:xfrm>
+            <a:off x="1651518" y="2164702"/>
+            <a:ext cx="3209731" cy="369332"/>
+          </a:xfrm>
+          <a:prstGeom prst="rect">
+            <a:avLst/>
+          </a:prstGeom>
+          <a:solidFill>
+            <a:srgbClr val="B5FFFF"/>
+          </a:solidFill>
+        </p:spPr>
+        <p:txBody>
+          <a:bodyPr wrap="square" rtlCol="0">
+            <a:spAutoFit/>
+          </a:bodyPr>
+          <a:lstStyle/>
+          <a:p>
+            <a:r>
+              <a:rPr lang="en-US" dirty="0" err="1">
+                <a:solidFill>
+                  <a:schemeClr val="bg1"/>
+                </a:solidFill>
+              </a:rPr>
+              <a:t>RideBookId</a:t>
+            </a:r>
+            <a:endParaRPr lang="en-US" dirty="0">
+              <a:solidFill>
+                <a:schemeClr val="bg1"/>
+              </a:solidFill>
+            </a:endParaRPr>
+          </a:p>
+        </p:txBody>
+      </p:sp>
+      <p:sp>
+        <p:nvSpPr>
+          <p:cNvPr id="7" name="TextBox 6"/>
+          <p:cNvSpPr txBox="1"/>
+          <p:nvPr/>
+        </p:nvSpPr>
+        <p:spPr>
+          <a:xfrm>
+            <a:off x="6774024" y="2164702"/>
+            <a:ext cx="3209731" cy="369332"/>
+          </a:xfrm>
+          <a:prstGeom prst="rect">
+            <a:avLst/>
+          </a:prstGeom>
+          <a:solidFill>
+            <a:srgbClr val="B5FFFF"/>
+          </a:solidFill>
+        </p:spPr>
+        <p:txBody>
+          <a:bodyPr wrap="square" rtlCol="0">
+            <a:spAutoFit/>
+          </a:bodyPr>
+          <a:lstStyle/>
+          <a:p>
+            <a:r>
+              <a:rPr lang="en-US" dirty="0" err="1">
+                <a:solidFill>
+                  <a:schemeClr val="bg1"/>
+                </a:solidFill>
+              </a:rPr>
+              <a:t>RideTrackLaitude</a:t>
+            </a:r>
+            <a:endParaRPr lang="en-US" dirty="0">
+              <a:solidFill>
+                <a:schemeClr val="bg1"/>
+              </a:solidFill>
+            </a:endParaRPr>
+          </a:p>
+        </p:txBody>
+      </p:sp>
+      <p:sp>
+        <p:nvSpPr>
+          <p:cNvPr id="8" name="TextBox 7"/>
+          <p:cNvSpPr txBox="1"/>
+          <p:nvPr/>
+        </p:nvSpPr>
+        <p:spPr>
+          <a:xfrm>
+            <a:off x="1651518" y="2830295"/>
+            <a:ext cx="3209731" cy="369332"/>
+          </a:xfrm>
+          <a:prstGeom prst="rect">
+            <a:avLst/>
+          </a:prstGeom>
+          <a:solidFill>
+            <a:srgbClr val="B5FFFF"/>
+          </a:solidFill>
+        </p:spPr>
+        <p:txBody>
+          <a:bodyPr wrap="square" rtlCol="0">
+            <a:spAutoFit/>
+          </a:bodyPr>
+          <a:lstStyle/>
+          <a:p>
+            <a:r>
+              <a:rPr lang="en-US" dirty="0" err="1">
+                <a:solidFill>
+                  <a:schemeClr val="bg1"/>
+                </a:solidFill>
+              </a:rPr>
+              <a:t>RideTrackLongtiude</a:t>
+            </a:r>
+            <a:endParaRPr lang="en-US" dirty="0">
+              <a:solidFill>
+                <a:schemeClr val="bg1"/>
+              </a:solidFill>
+            </a:endParaRPr>
+          </a:p>
+        </p:txBody>
+      </p:sp>
+      <p:sp>
+        <p:nvSpPr>
+          <p:cNvPr id="9" name="TextBox 8"/>
+          <p:cNvSpPr txBox="1"/>
+          <p:nvPr/>
+        </p:nvSpPr>
+        <p:spPr>
+          <a:xfrm>
+            <a:off x="6811346" y="2830295"/>
+            <a:ext cx="3209731" cy="369332"/>
+          </a:xfrm>
+          <a:prstGeom prst="rect">
+            <a:avLst/>
+          </a:prstGeom>
+          <a:solidFill>
+            <a:srgbClr val="B5FFFF"/>
+          </a:solidFill>
+        </p:spPr>
+        <p:txBody>
+          <a:bodyPr wrap="square" rtlCol="0">
+            <a:spAutoFit/>
+          </a:bodyPr>
+          <a:lstStyle/>
+          <a:p>
+            <a:r>
+              <a:rPr lang="en-US" dirty="0">
+                <a:solidFill>
+                  <a:schemeClr val="bg1"/>
+                </a:solidFill>
+              </a:rPr>
+              <a:t>Timestamp</a:t>
+            </a:r>
+          </a:p>
+        </p:txBody>
+      </p:sp>
+      <p:sp>
+        <p:nvSpPr>
+          <p:cNvPr id="10" name="TextBox 9"/>
+          <p:cNvSpPr txBox="1"/>
+          <p:nvPr/>
+        </p:nvSpPr>
+        <p:spPr>
+          <a:xfrm>
+            <a:off x="1651518" y="3442931"/>
+            <a:ext cx="3209731" cy="369332"/>
+          </a:xfrm>
+          <a:prstGeom prst="rect">
+            <a:avLst/>
+          </a:prstGeom>
+          <a:solidFill>
+            <a:srgbClr val="B5FFFF"/>
+          </a:solidFill>
+        </p:spPr>
+        <p:txBody>
+          <a:bodyPr wrap="square" rtlCol="0">
+            <a:spAutoFit/>
+          </a:bodyPr>
+          <a:lstStyle/>
+          <a:p>
+            <a:r>
+              <a:rPr lang="en-US" dirty="0">
+                <a:solidFill>
+                  <a:schemeClr val="bg1"/>
+                </a:solidFill>
+              </a:rPr>
+              <a:t>Distance</a:t>
+            </a:r>
+          </a:p>
+        </p:txBody>
+      </p:sp>
+      <p:sp>
+        <p:nvSpPr>
+          <p:cNvPr id="11" name="TextBox 10"/>
+          <p:cNvSpPr txBox="1"/>
+          <p:nvPr/>
+        </p:nvSpPr>
+        <p:spPr>
+          <a:xfrm>
+            <a:off x="6811346" y="3442931"/>
+            <a:ext cx="3209731" cy="369332"/>
+          </a:xfrm>
+          <a:prstGeom prst="rect">
+            <a:avLst/>
+          </a:prstGeom>
+          <a:solidFill>
+            <a:srgbClr val="B5FFFF"/>
+          </a:solidFill>
+        </p:spPr>
+        <p:txBody>
+          <a:bodyPr wrap="square" rtlCol="0">
+            <a:spAutoFit/>
+          </a:bodyPr>
+          <a:lstStyle/>
+          <a:p>
+            <a:r>
+              <a:rPr lang="en-US" dirty="0" err="1">
+                <a:solidFill>
+                  <a:schemeClr val="bg1"/>
+                </a:solidFill>
+              </a:rPr>
+              <a:t>TrackTime</a:t>
+            </a:r>
+            <a:endParaRPr lang="en-US" dirty="0">
+              <a:solidFill>
+                <a:schemeClr val="bg1"/>
+              </a:solidFill>
+            </a:endParaRPr>
+          </a:p>
+        </p:txBody>
+      </p:sp>
+      <p:pic>
+        <p:nvPicPr>
+          <p:cNvPr id="25" name="Picture 24"/>
+          <p:cNvPicPr>
+            <a:picLocks noChangeAspect="1"/>
+          </p:cNvPicPr>
+          <p:nvPr/>
+        </p:nvPicPr>
+        <p:blipFill>
+          <a:blip r:embed="rId2"/>
+          <a:stretch>
+            <a:fillRect/>
+          </a:stretch>
+        </p:blipFill>
+        <p:spPr>
+          <a:xfrm>
+            <a:off x="4997095" y="4542025"/>
+            <a:ext cx="1585097" cy="493819"/>
+          </a:xfrm>
+          <a:prstGeom prst="rect">
+            <a:avLst/>
+          </a:prstGeom>
+        </p:spPr>
+      </p:pic>
+    </p:spTree>
+    <p:extLst>
+      <p:ext uri="{BB962C8B-B14F-4D97-AF65-F5344CB8AC3E}">
+        <p14:creationId xmlns:p14="http://schemas.microsoft.com/office/powerpoint/2010/main" val="265695104"/>
+      </p:ext>
+    </p:extLst>
+  </p:cSld>
+  <p:clrMapOvr>
+    <a:masterClrMapping/>
+  </p:clrMapOvr>
+</p:sld>
+</file>
+
+<file path=ppt/slides/slide22.xml><?xml version="1.0" encoding="utf-8"?>
+<p:sld xmlns:a="http://schemas.openxmlformats.org/drawingml/2006/main" xmlns:r="http://schemas.openxmlformats.org/officeDocument/2006/relationships" xmlns:p="http://schemas.openxmlformats.org/presentationml/2006/main">
+  <p:cSld>
+    <p:spTree>
+      <p:nvGrpSpPr>
+        <p:cNvPr id="1" name=""/>
+        <p:cNvGrpSpPr/>
+        <p:nvPr/>
+      </p:nvGrpSpPr>
+      <p:grpSpPr>
+        <a:xfrm>
+          <a:off x="0" y="0"/>
+          <a:ext cx="0" cy="0"/>
+          <a:chOff x="0" y="0"/>
+          <a:chExt cx="0" cy="0"/>
+        </a:xfrm>
+      </p:grpSpPr>
+      <p:sp>
+        <p:nvSpPr>
+          <p:cNvPr id="4" name="TextBox 3"/>
+          <p:cNvSpPr txBox="1"/>
+          <p:nvPr/>
+        </p:nvSpPr>
+        <p:spPr>
+          <a:xfrm>
+            <a:off x="111967" y="223935"/>
+            <a:ext cx="11952515" cy="522514"/>
+          </a:xfrm>
+          <a:prstGeom prst="rect">
+            <a:avLst/>
+          </a:prstGeom>
+          <a:noFill/>
+        </p:spPr>
+        <p:txBody>
+          <a:bodyPr wrap="square" rtlCol="0">
+            <a:spAutoFit/>
+          </a:bodyPr>
+          <a:lstStyle/>
+          <a:p>
             <a:pPr marL="0" marR="0" lvl="0" indent="0" algn="l" defTabSz="914400" rtl="0" eaLnBrk="1" fontAlgn="auto" latinLnBrk="0" hangingPunct="1">
               <a:lnSpc>
                 <a:spcPct val="100000"/>
@@ -11718,8 +12178,8 @@
           <a:p>
             <a:pPr lvl="0" algn="ctr"/>
             <a:r>
-              <a:rPr lang="en-US" sz="2800" dirty="0"/>
-              <a:t>Invoice</a:t>
+              <a:rPr lang="en-US" sz="2800" dirty="0" err="1"/>
+              <a:t>FareDetail</a:t>
             </a:r>
             <a:endParaRPr kumimoji="0" lang="en-US" sz="2800" b="0" i="0" u="none" strike="noStrike" kern="1200" cap="none" spc="0" normalizeH="0" baseline="0" noProof="0" dirty="0">
               <a:ln>
@@ -11744,7 +12204,7 @@
         </p:nvSpPr>
         <p:spPr>
           <a:xfrm>
-            <a:off x="1651518" y="2164702"/>
+            <a:off x="4483357" y="1657385"/>
             <a:ext cx="3209731" cy="369332"/>
           </a:xfrm>
           <a:prstGeom prst="rect">
@@ -11767,7 +12227,7 @@
                   <a:schemeClr val="bg1"/>
                 </a:solidFill>
               </a:rPr>
-              <a:t>PaymentTime</a:t>
+              <a:t>VehicleTypeId</a:t>
             </a:r>
             <a:endParaRPr kumimoji="0" lang="en-US" sz="1800" b="0" i="0" u="none" strike="noStrike" kern="1200" cap="none" spc="0" normalizeH="0" baseline="0" noProof="0" dirty="0">
               <a:ln>
@@ -11794,7 +12254,7 @@
         </p:nvSpPr>
         <p:spPr>
           <a:xfrm>
-            <a:off x="6774024" y="2164702"/>
+            <a:off x="4483356" y="3673719"/>
             <a:ext cx="3209731" cy="369332"/>
           </a:xfrm>
           <a:prstGeom prst="rect">
@@ -11812,12 +12272,12 @@
           <a:p>
             <a:pPr lvl="0"/>
             <a:r>
-              <a:rPr lang="en-US" dirty="0">
+              <a:rPr lang="en-US" dirty="0" err="1">
                 <a:solidFill>
                   <a:schemeClr val="bg1"/>
                 </a:solidFill>
               </a:rPr>
-              <a:t>Amount</a:t>
+              <a:t>BaseFare</a:t>
             </a:r>
             <a:endParaRPr kumimoji="0" lang="en-US" sz="1800" b="0" i="0" u="none" strike="noStrike" kern="1200" cap="none" spc="0" normalizeH="0" baseline="0" noProof="0" dirty="0">
               <a:ln>
@@ -11844,7 +12304,7 @@
         </p:nvSpPr>
         <p:spPr>
           <a:xfrm>
-            <a:off x="1651518" y="2830295"/>
+            <a:off x="4483357" y="2322978"/>
             <a:ext cx="3209731" cy="369332"/>
           </a:xfrm>
           <a:prstGeom prst="rect">
@@ -11862,12 +12322,12 @@
           <a:p>
             <a:pPr lvl="0"/>
             <a:r>
-              <a:rPr lang="en-US" dirty="0">
+              <a:rPr lang="en-US" dirty="0" err="1">
                 <a:solidFill>
                   <a:schemeClr val="bg1"/>
                 </a:solidFill>
               </a:rPr>
-              <a:t>Particular</a:t>
+              <a:t>TotalFare</a:t>
             </a:r>
             <a:endParaRPr kumimoji="0" lang="en-US" sz="1800" b="0" i="0" u="none" strike="noStrike" kern="1200" cap="none" spc="0" normalizeH="0" baseline="0" noProof="0" dirty="0">
               <a:ln>
@@ -11888,13 +12348,13 @@
       </p:sp>
       <p:sp>
         <p:nvSpPr>
-          <p:cNvPr id="9" name="TextBox 8"/>
+          <p:cNvPr id="10" name="TextBox 9"/>
           <p:cNvSpPr txBox="1"/>
           <p:nvPr/>
         </p:nvSpPr>
         <p:spPr>
           <a:xfrm>
-            <a:off x="6811346" y="2830295"/>
+            <a:off x="4483357" y="2935614"/>
             <a:ext cx="3209731" cy="369332"/>
           </a:xfrm>
           <a:prstGeom prst="rect">
@@ -11910,6 +12370,265 @@
           </a:bodyPr>
           <a:lstStyle/>
           <a:p>
+            <a:pPr marL="0" marR="0" lvl="0" indent="0" algn="l" defTabSz="914400" rtl="0" eaLnBrk="1" fontAlgn="auto" latinLnBrk="0" hangingPunct="1">
+              <a:lnSpc>
+                <a:spcPct val="100000"/>
+              </a:lnSpc>
+              <a:spcBef>
+                <a:spcPts val="0"/>
+              </a:spcBef>
+              <a:spcAft>
+                <a:spcPts val="0"/>
+              </a:spcAft>
+              <a:buClrTx/>
+              <a:buSzTx/>
+              <a:buFontTx/>
+              <a:buNone/>
+              <a:tabLst/>
+              <a:defRPr/>
+            </a:pPr>
+            <a:r>
+              <a:rPr kumimoji="0" lang="en-US" sz="1800" b="0" i="0" u="none" strike="noStrike" kern="1200" cap="none" spc="0" normalizeH="0" baseline="0" noProof="0" dirty="0">
+                <a:ln>
+                  <a:noFill/>
+                </a:ln>
+                <a:solidFill>
+                  <a:schemeClr val="bg1"/>
+                </a:solidFill>
+                <a:effectLst/>
+                <a:uLnTx/>
+                <a:uFillTx/>
+                <a:latin typeface="Calibri" panose="020F0502020204030204"/>
+                <a:ea typeface="+mn-ea"/>
+                <a:cs typeface="+mn-cs"/>
+              </a:rPr>
+              <a:t>Distance</a:t>
+            </a:r>
+          </a:p>
+        </p:txBody>
+      </p:sp>
+      <p:pic>
+        <p:nvPicPr>
+          <p:cNvPr id="25" name="Picture 24"/>
+          <p:cNvPicPr>
+            <a:picLocks noChangeAspect="1"/>
+          </p:cNvPicPr>
+          <p:nvPr/>
+        </p:nvPicPr>
+        <p:blipFill>
+          <a:blip r:embed="rId2"/>
+          <a:stretch>
+            <a:fillRect/>
+          </a:stretch>
+        </p:blipFill>
+        <p:spPr>
+          <a:xfrm>
+            <a:off x="5295675" y="4530641"/>
+            <a:ext cx="1585097" cy="493819"/>
+          </a:xfrm>
+          <a:prstGeom prst="rect">
+            <a:avLst/>
+          </a:prstGeom>
+        </p:spPr>
+      </p:pic>
+      <p:sp>
+        <p:nvSpPr>
+          <p:cNvPr id="15" name="Isosceles Triangle 14"/>
+          <p:cNvSpPr/>
+          <p:nvPr/>
+        </p:nvSpPr>
+        <p:spPr>
+          <a:xfrm rot="10800000">
+            <a:off x="7175239" y="1781971"/>
+            <a:ext cx="270590" cy="120160"/>
+          </a:xfrm>
+          <a:prstGeom prst="triangle">
+            <a:avLst/>
+          </a:prstGeom>
+        </p:spPr>
+        <p:style>
+          <a:lnRef idx="2">
+            <a:schemeClr val="dk1">
+              <a:shade val="50000"/>
+            </a:schemeClr>
+          </a:lnRef>
+          <a:fillRef idx="1">
+            <a:schemeClr val="dk1"/>
+          </a:fillRef>
+          <a:effectRef idx="0">
+            <a:schemeClr val="dk1"/>
+          </a:effectRef>
+          <a:fontRef idx="minor">
+            <a:schemeClr val="lt1"/>
+          </a:fontRef>
+        </p:style>
+        <p:txBody>
+          <a:bodyPr rtlCol="0" anchor="ctr"/>
+          <a:lstStyle/>
+          <a:p>
+            <a:pPr algn="ctr"/>
+            <a:endParaRPr lang="en-US">
+              <a:solidFill>
+                <a:schemeClr val="bg1"/>
+              </a:solidFill>
+            </a:endParaRPr>
+          </a:p>
+        </p:txBody>
+      </p:sp>
+    </p:spTree>
+    <p:extLst>
+      <p:ext uri="{BB962C8B-B14F-4D97-AF65-F5344CB8AC3E}">
+        <p14:creationId xmlns:p14="http://schemas.microsoft.com/office/powerpoint/2010/main" val="1460589516"/>
+      </p:ext>
+    </p:extLst>
+  </p:cSld>
+  <p:clrMapOvr>
+    <a:masterClrMapping/>
+  </p:clrMapOvr>
+</p:sld>
+</file>
+
+<file path=ppt/slides/slide23.xml><?xml version="1.0" encoding="utf-8"?>
+<p:sld xmlns:a="http://schemas.openxmlformats.org/drawingml/2006/main" xmlns:r="http://schemas.openxmlformats.org/officeDocument/2006/relationships" xmlns:p="http://schemas.openxmlformats.org/presentationml/2006/main">
+  <p:cSld>
+    <p:spTree>
+      <p:nvGrpSpPr>
+        <p:cNvPr id="1" name=""/>
+        <p:cNvGrpSpPr/>
+        <p:nvPr/>
+      </p:nvGrpSpPr>
+      <p:grpSpPr>
+        <a:xfrm>
+          <a:off x="0" y="0"/>
+          <a:ext cx="0" cy="0"/>
+          <a:chOff x="0" y="0"/>
+          <a:chExt cx="0" cy="0"/>
+        </a:xfrm>
+      </p:grpSpPr>
+      <p:sp>
+        <p:nvSpPr>
+          <p:cNvPr id="4" name="TextBox 3"/>
+          <p:cNvSpPr txBox="1"/>
+          <p:nvPr/>
+        </p:nvSpPr>
+        <p:spPr>
+          <a:xfrm>
+            <a:off x="111967" y="223935"/>
+            <a:ext cx="11952515" cy="522514"/>
+          </a:xfrm>
+          <a:prstGeom prst="rect">
+            <a:avLst/>
+          </a:prstGeom>
+          <a:noFill/>
+        </p:spPr>
+        <p:txBody>
+          <a:bodyPr wrap="square" rtlCol="0">
+            <a:spAutoFit/>
+          </a:bodyPr>
+          <a:lstStyle/>
+          <a:p>
+            <a:pPr marL="0" marR="0" lvl="0" indent="0" algn="l" defTabSz="914400" rtl="0" eaLnBrk="1" fontAlgn="auto" latinLnBrk="0" hangingPunct="1">
+              <a:lnSpc>
+                <a:spcPct val="100000"/>
+              </a:lnSpc>
+              <a:spcBef>
+                <a:spcPts val="0"/>
+              </a:spcBef>
+              <a:spcAft>
+                <a:spcPts val="0"/>
+              </a:spcAft>
+              <a:buClrTx/>
+              <a:buSzTx/>
+              <a:buFontTx/>
+              <a:buNone/>
+              <a:tabLst/>
+              <a:defRPr/>
+            </a:pPr>
+            <a:endParaRPr kumimoji="0" lang="en-US" sz="1800" b="0" i="0" u="none" strike="noStrike" kern="1200" cap="none" spc="0" normalizeH="0" baseline="0" noProof="0" dirty="0">
+              <a:ln>
+                <a:noFill/>
+              </a:ln>
+              <a:solidFill>
+                <a:prstClr val="black"/>
+              </a:solidFill>
+              <a:effectLst/>
+              <a:uLnTx/>
+              <a:uFillTx/>
+              <a:latin typeface="Calibri" panose="020F0502020204030204"/>
+              <a:ea typeface="+mn-ea"/>
+              <a:cs typeface="+mn-cs"/>
+            </a:endParaRPr>
+          </a:p>
+        </p:txBody>
+      </p:sp>
+      <p:sp>
+        <p:nvSpPr>
+          <p:cNvPr id="5" name="TextBox 4"/>
+          <p:cNvSpPr txBox="1"/>
+          <p:nvPr/>
+        </p:nvSpPr>
+        <p:spPr>
+          <a:xfrm>
+            <a:off x="111966" y="55986"/>
+            <a:ext cx="11952515" cy="523220"/>
+          </a:xfrm>
+          <a:prstGeom prst="rect">
+            <a:avLst/>
+          </a:prstGeom>
+          <a:solidFill>
+            <a:schemeClr val="bg1"/>
+          </a:solidFill>
+        </p:spPr>
+        <p:txBody>
+          <a:bodyPr wrap="square" rtlCol="0">
+            <a:spAutoFit/>
+          </a:bodyPr>
+          <a:lstStyle/>
+          <a:p>
+            <a:pPr lvl="0" algn="ctr"/>
+            <a:r>
+              <a:rPr lang="en-US" sz="2800" dirty="0"/>
+              <a:t>Invoice</a:t>
+            </a:r>
+            <a:endParaRPr kumimoji="0" lang="en-US" sz="2800" b="0" i="0" u="none" strike="noStrike" kern="1200" cap="none" spc="0" normalizeH="0" baseline="0" noProof="0" dirty="0">
+              <a:ln>
+                <a:noFill/>
+              </a:ln>
+              <a:solidFill>
+                <a:prstClr val="black"/>
+              </a:solidFill>
+              <a:effectLst/>
+              <a:uLnTx/>
+              <a:uFillTx/>
+              <a:latin typeface="Calibri" panose="020F0502020204030204"/>
+            </a:endParaRPr>
+          </a:p>
+        </p:txBody>
+      </p:sp>
+      <p:sp>
+        <p:nvSpPr>
+          <p:cNvPr id="6" name="TextBox 5"/>
+          <p:cNvSpPr txBox="1"/>
+          <p:nvPr/>
+        </p:nvSpPr>
+        <p:spPr>
+          <a:xfrm>
+            <a:off x="1651518" y="2164702"/>
+            <a:ext cx="3209731" cy="369332"/>
+          </a:xfrm>
+          <a:prstGeom prst="rect">
+            <a:avLst/>
+          </a:prstGeom>
+          <a:solidFill>
+            <a:srgbClr val="B5FFFF"/>
+          </a:solidFill>
+        </p:spPr>
+        <p:txBody>
+          <a:bodyPr wrap="square" rtlCol="0">
+            <a:spAutoFit/>
+          </a:bodyPr>
+          <a:lstStyle/>
+          <a:p>
             <a:pPr lvl="0"/>
             <a:r>
               <a:rPr lang="en-US" dirty="0" err="1">
@@ -11917,7 +12636,7 @@
                   <a:schemeClr val="bg1"/>
                 </a:solidFill>
               </a:rPr>
-              <a:t>CustomerId</a:t>
+              <a:t>PaymentTime</a:t>
             </a:r>
             <a:endParaRPr kumimoji="0" lang="en-US" sz="1800" b="0" i="0" u="none" strike="noStrike" kern="1200" cap="none" spc="0" normalizeH="0" baseline="0" noProof="0" dirty="0">
               <a:ln>
@@ -11938,13 +12657,13 @@
       </p:sp>
       <p:sp>
         <p:nvSpPr>
-          <p:cNvPr id="10" name="TextBox 9"/>
+          <p:cNvPr id="7" name="TextBox 6"/>
           <p:cNvSpPr txBox="1"/>
           <p:nvPr/>
         </p:nvSpPr>
         <p:spPr>
           <a:xfrm>
-            <a:off x="1651518" y="3442931"/>
+            <a:off x="6774024" y="2164702"/>
             <a:ext cx="3209731" cy="369332"/>
           </a:xfrm>
           <a:prstGeom prst="rect">
@@ -11962,12 +12681,12 @@
           <a:p>
             <a:pPr lvl="0"/>
             <a:r>
-              <a:rPr lang="en-US" dirty="0" err="1">
+              <a:rPr lang="en-US" dirty="0">
                 <a:solidFill>
                   <a:schemeClr val="bg1"/>
                 </a:solidFill>
               </a:rPr>
-              <a:t>PaymentMethod</a:t>
+              <a:t>Amount</a:t>
             </a:r>
             <a:endParaRPr kumimoji="0" lang="en-US" sz="1800" b="0" i="0" u="none" strike="noStrike" kern="1200" cap="none" spc="0" normalizeH="0" baseline="0" noProof="0" dirty="0">
               <a:ln>
@@ -11986,6 +12705,156 @@
           </a:p>
         </p:txBody>
       </p:sp>
+      <p:sp>
+        <p:nvSpPr>
+          <p:cNvPr id="8" name="TextBox 7"/>
+          <p:cNvSpPr txBox="1"/>
+          <p:nvPr/>
+        </p:nvSpPr>
+        <p:spPr>
+          <a:xfrm>
+            <a:off x="1651518" y="2830295"/>
+            <a:ext cx="3209731" cy="369332"/>
+          </a:xfrm>
+          <a:prstGeom prst="rect">
+            <a:avLst/>
+          </a:prstGeom>
+          <a:solidFill>
+            <a:srgbClr val="B5FFFF"/>
+          </a:solidFill>
+        </p:spPr>
+        <p:txBody>
+          <a:bodyPr wrap="square" rtlCol="0">
+            <a:spAutoFit/>
+          </a:bodyPr>
+          <a:lstStyle/>
+          <a:p>
+            <a:pPr lvl="0"/>
+            <a:r>
+              <a:rPr lang="en-US" dirty="0">
+                <a:solidFill>
+                  <a:schemeClr val="bg1"/>
+                </a:solidFill>
+              </a:rPr>
+              <a:t>Particular</a:t>
+            </a:r>
+            <a:endParaRPr kumimoji="0" lang="en-US" sz="1800" b="0" i="0" u="none" strike="noStrike" kern="1200" cap="none" spc="0" normalizeH="0" baseline="0" noProof="0" dirty="0">
+              <a:ln>
+                <a:noFill/>
+              </a:ln>
+              <a:solidFill>
+                <a:schemeClr val="bg1"/>
+              </a:solidFill>
+              <a:effectLst/>
+              <a:uLnTx/>
+              <a:uFillTx/>
+              <a:latin typeface="Calibri" panose="020F0502020204030204"/>
+              <a:ea typeface="+mn-ea"/>
+              <a:cs typeface="+mn-cs"/>
+            </a:endParaRPr>
+          </a:p>
+        </p:txBody>
+      </p:sp>
+      <p:sp>
+        <p:nvSpPr>
+          <p:cNvPr id="9" name="TextBox 8"/>
+          <p:cNvSpPr txBox="1"/>
+          <p:nvPr/>
+        </p:nvSpPr>
+        <p:spPr>
+          <a:xfrm>
+            <a:off x="6811346" y="2830295"/>
+            <a:ext cx="3209731" cy="369332"/>
+          </a:xfrm>
+          <a:prstGeom prst="rect">
+            <a:avLst/>
+          </a:prstGeom>
+          <a:solidFill>
+            <a:srgbClr val="B5FFFF"/>
+          </a:solidFill>
+        </p:spPr>
+        <p:txBody>
+          <a:bodyPr wrap="square" rtlCol="0">
+            <a:spAutoFit/>
+          </a:bodyPr>
+          <a:lstStyle/>
+          <a:p>
+            <a:pPr lvl="0"/>
+            <a:r>
+              <a:rPr lang="en-US" dirty="0" err="1">
+                <a:solidFill>
+                  <a:schemeClr val="bg1"/>
+                </a:solidFill>
+              </a:rPr>
+              <a:t>CustomerId</a:t>
+            </a:r>
+            <a:endParaRPr kumimoji="0" lang="en-US" sz="1800" b="0" i="0" u="none" strike="noStrike" kern="1200" cap="none" spc="0" normalizeH="0" baseline="0" noProof="0" dirty="0">
+              <a:ln>
+                <a:noFill/>
+              </a:ln>
+              <a:solidFill>
+                <a:schemeClr val="bg1"/>
+              </a:solidFill>
+              <a:effectLst/>
+              <a:uLnTx/>
+              <a:uFillTx/>
+              <a:latin typeface="Calibri" panose="020F0502020204030204"/>
+              <a:ea typeface="+mn-ea"/>
+              <a:cs typeface="+mn-cs"/>
+            </a:endParaRPr>
+          </a:p>
+        </p:txBody>
+      </p:sp>
+      <p:sp>
+        <p:nvSpPr>
+          <p:cNvPr id="10" name="TextBox 9"/>
+          <p:cNvSpPr txBox="1"/>
+          <p:nvPr/>
+        </p:nvSpPr>
+        <p:spPr>
+          <a:xfrm>
+            <a:off x="1651518" y="3442931"/>
+            <a:ext cx="3209731" cy="369332"/>
+          </a:xfrm>
+          <a:prstGeom prst="rect">
+            <a:avLst/>
+          </a:prstGeom>
+          <a:solidFill>
+            <a:srgbClr val="B5FFFF"/>
+          </a:solidFill>
+        </p:spPr>
+        <p:txBody>
+          <a:bodyPr wrap="square" rtlCol="0">
+            <a:spAutoFit/>
+          </a:bodyPr>
+          <a:lstStyle/>
+          <a:p>
+            <a:pPr lvl="0"/>
+            <a:r>
+              <a:rPr lang="en-US" dirty="0" err="1">
+                <a:solidFill>
+                  <a:schemeClr val="bg1"/>
+                </a:solidFill>
+              </a:rPr>
+              <a:t>PaymentMethod</a:t>
+            </a:r>
+            <a:endParaRPr kumimoji="0" lang="en-US" sz="1800" b="0" i="0" u="none" strike="noStrike" kern="1200" cap="none" spc="0" normalizeH="0" baseline="0" noProof="0" dirty="0">
+              <a:ln>
+                <a:noFill/>
+              </a:ln>
+              <a:solidFill>
+                <a:schemeClr val="bg1"/>
+              </a:solidFill>
+              <a:effectLst/>
+              <a:uLnTx/>
+              <a:uFillTx/>
+              <a:latin typeface="Calibri" panose="020F0502020204030204"/>
+              <a:ea typeface="+mn-ea"/>
+              <a:cs typeface="+mn-cs"/>
+            </a:endParaRPr>
+          </a:p>
+        </p:txBody>
+      </p:sp>
       <p:pic>
         <p:nvPicPr>
           <p:cNvPr id="25" name="Picture 24"/>
@@ -12047,7 +12916,7 @@
 </p:sld>
 </file>
 
-<file path=ppt/slides/slide22.xml><?xml version="1.0" encoding="utf-8"?>
+<file path=ppt/slides/slide24.xml><?xml version="1.0" encoding="utf-8"?>
 <p:sld xmlns:a="http://schemas.openxmlformats.org/drawingml/2006/main" xmlns:r="http://schemas.openxmlformats.org/officeDocument/2006/relationships" xmlns:p="http://schemas.openxmlformats.org/presentationml/2006/main">
   <p:cSld>
     <p:spTree>
@@ -23148,18 +24017,83 @@
       </p:grpSpPr>
       <p:sp>
         <p:nvSpPr>
+          <p:cNvPr id="4" name="Rectangle: Rounded Corners 3">
+            <a:extLst>
+              <a:ext uri="{FF2B5EF4-FFF2-40B4-BE49-F238E27FC236}">
+                <a16:creationId xmlns:a16="http://schemas.microsoft.com/office/drawing/2014/main" id="{85326CA7-C984-4C41-95DE-6CB427288B74}"/>
+              </a:ext>
+            </a:extLst>
+          </p:cNvPr>
+          <p:cNvSpPr/>
+          <p:nvPr/>
+        </p:nvSpPr>
+        <p:spPr>
+          <a:xfrm>
+            <a:off x="2645181" y="1745932"/>
+            <a:ext cx="6883400" cy="3239187"/>
+          </a:xfrm>
+          <a:prstGeom prst="roundRect">
+            <a:avLst/>
+          </a:prstGeom>
+          <a:solidFill>
+            <a:schemeClr val="tx1">
+              <a:lumMod val="85000"/>
+            </a:schemeClr>
+          </a:solidFill>
+        </p:spPr>
+        <p:style>
+          <a:lnRef idx="2">
+            <a:schemeClr val="accent6">
+              <a:shade val="50000"/>
+            </a:schemeClr>
+          </a:lnRef>
+          <a:fillRef idx="1">
+            <a:schemeClr val="accent6"/>
+          </a:fillRef>
+          <a:effectRef idx="0">
+            <a:schemeClr val="accent6"/>
+          </a:effectRef>
+          <a:fontRef idx="minor">
+            <a:schemeClr val="lt1"/>
+          </a:fontRef>
+        </p:style>
+        <p:txBody>
+          <a:bodyPr rtlCol="0" anchor="ctr"/>
+          <a:lstStyle/>
+          <a:p>
+            <a:pPr algn="ctr"/>
+            <a:endParaRPr lang="en-US"/>
+          </a:p>
+        </p:txBody>
+      </p:sp>
+      <p:sp>
+        <p:nvSpPr>
           <p:cNvPr id="21" name="Rectangle 20"/>
           <p:cNvSpPr/>
           <p:nvPr/>
         </p:nvSpPr>
         <p:spPr>
           <a:xfrm>
-            <a:off x="1038858" y="542925"/>
-            <a:ext cx="9781541" cy="5308600"/>
+            <a:off x="0" y="631825"/>
+            <a:ext cx="12173762" cy="5308600"/>
           </a:xfrm>
           <a:prstGeom prst="rect">
             <a:avLst/>
           </a:prstGeom>
+          <a:blipFill dpi="0" rotWithShape="1">
+            <a:blip r:embed="rId2">
+              <a:alphaModFix amt="32000"/>
+              <a:extLst>
+                <a:ext uri="{28A0092B-C50C-407E-A947-70E740481C1C}">
+                  <a14:useLocalDpi xmlns:a14="http://schemas.microsoft.com/office/drawing/2010/main" val="0"/>
+                </a:ext>
+              </a:extLst>
+            </a:blip>
+            <a:srcRect/>
+            <a:stretch>
+              <a:fillRect/>
+            </a:stretch>
+          </a:blipFill>
           <a:ln>
             <a:noFill/>
           </a:ln>
@@ -23197,8 +24131,8 @@
         </p:nvSpPr>
         <p:spPr>
           <a:xfrm>
-            <a:off x="4365626" y="2154555"/>
-            <a:ext cx="2581274" cy="295275"/>
+            <a:off x="3337455" y="3224688"/>
+            <a:ext cx="2313515" cy="408623"/>
           </a:xfrm>
           <a:prstGeom prst="roundRect">
             <a:avLst/>
@@ -23214,63 +24148,14 @@
           <a:lstStyle/>
           <a:p>
             <a:r>
-              <a:rPr lang="en-US" dirty="0">
-                <a:solidFill>
-                  <a:schemeClr val="bg1"/>
-                </a:solidFill>
+              <a:rPr lang="en-US" b="1" i="0" dirty="0">
+                <a:solidFill>
+                  <a:srgbClr val="000000"/>
+                </a:solidFill>
+                <a:effectLst/>
+                <a:latin typeface="Roboto" panose="02000000000000000000" pitchFamily="2" charset="0"/>
               </a:rPr>
-              <a:t>        </a:t>
-            </a:r>
-            <a:r>
-              <a:rPr lang="en-US" dirty="0" err="1">
-                <a:solidFill>
-                  <a:schemeClr val="bg1"/>
-                </a:solidFill>
-              </a:rPr>
-              <a:t>VehicleTypeId</a:t>
-            </a:r>
-            <a:r>
-              <a:rPr lang="en-US" dirty="0">
-                <a:solidFill>
-                  <a:schemeClr val="bg1"/>
-                </a:solidFill>
-              </a:rPr>
-              <a:t>   </a:t>
-            </a:r>
-          </a:p>
-        </p:txBody>
-      </p:sp>
-      <p:sp>
-        <p:nvSpPr>
-          <p:cNvPr id="24" name="Rounded Rectangle 23"/>
-          <p:cNvSpPr/>
-          <p:nvPr/>
-        </p:nvSpPr>
-        <p:spPr>
-          <a:xfrm>
-            <a:off x="4365626" y="2657477"/>
-            <a:ext cx="2581274" cy="285749"/>
-          </a:xfrm>
-          <a:prstGeom prst="roundRect">
-            <a:avLst/>
-          </a:prstGeom>
-          <a:solidFill>
-            <a:srgbClr val="B5FFFF"/>
-          </a:solidFill>
-        </p:spPr>
-        <p:txBody>
-          <a:bodyPr wrap="square" rtlCol="0">
-            <a:spAutoFit/>
-          </a:bodyPr>
-          <a:lstStyle/>
-          <a:p>
-            <a:r>
-              <a:rPr lang="en-US" dirty="0" err="1">
-                <a:solidFill>
-                  <a:schemeClr val="bg1"/>
-                </a:solidFill>
-              </a:rPr>
-              <a:t>VehicleTypeName</a:t>
+              <a:t>Driver		</a:t>
             </a:r>
             <a:endParaRPr lang="en-US" dirty="0">
               <a:solidFill>
@@ -23282,14 +24167,14 @@
       </p:sp>
       <p:sp>
         <p:nvSpPr>
-          <p:cNvPr id="26" name="Rounded Rectangle 25"/>
+          <p:cNvPr id="24" name="Rounded Rectangle 23"/>
           <p:cNvSpPr/>
           <p:nvPr/>
         </p:nvSpPr>
         <p:spPr>
           <a:xfrm>
-            <a:off x="4333876" y="3286125"/>
-            <a:ext cx="2581274" cy="381000"/>
+            <a:off x="6096000" y="3224687"/>
+            <a:ext cx="2581274" cy="408623"/>
           </a:xfrm>
           <a:prstGeom prst="roundRect">
             <a:avLst/>
@@ -23305,12 +24190,14 @@
           <a:lstStyle/>
           <a:p>
             <a:r>
-              <a:rPr lang="en-US" dirty="0" err="1">
-                <a:solidFill>
-                  <a:schemeClr val="bg1"/>
-                </a:solidFill>
+              <a:rPr lang="en-US" b="1" i="0" dirty="0">
+                <a:solidFill>
+                  <a:srgbClr val="000000"/>
+                </a:solidFill>
+                <a:effectLst/>
+                <a:latin typeface="Roboto" panose="02000000000000000000" pitchFamily="2" charset="0"/>
               </a:rPr>
-              <a:t>PerKmFare</a:t>
+              <a:t>Rider</a:t>
             </a:r>
             <a:endParaRPr lang="en-US" dirty="0">
               <a:solidFill>
@@ -23322,16 +24209,16 @@
       </p:sp>
       <p:sp>
         <p:nvSpPr>
-          <p:cNvPr id="27" name="Rounded Rectangle 26"/>
+          <p:cNvPr id="28" name="Rectangle 27"/>
           <p:cNvSpPr/>
           <p:nvPr/>
         </p:nvSpPr>
         <p:spPr>
           <a:xfrm>
-            <a:off x="4824412" y="4303394"/>
-            <a:ext cx="1209675" cy="323850"/>
-          </a:xfrm>
-          <a:prstGeom prst="roundRect">
+            <a:off x="4494213" y="111602"/>
+            <a:ext cx="2324100" cy="431800"/>
+          </a:xfrm>
+          <a:prstGeom prst="rect">
             <a:avLst/>
           </a:prstGeom>
         </p:spPr>
@@ -23358,59 +24245,93 @@
             <a:pPr algn="ctr"/>
             <a:r>
               <a:rPr lang="en-US" dirty="0"/>
-              <a:t>Create</a:t>
-            </a:r>
-          </a:p>
-        </p:txBody>
-      </p:sp>
-      <p:sp>
-        <p:nvSpPr>
-          <p:cNvPr id="28" name="Rectangle 27"/>
-          <p:cNvSpPr/>
-          <p:nvPr/>
-        </p:nvSpPr>
-        <p:spPr>
-          <a:xfrm>
-            <a:off x="4457700" y="1358900"/>
-            <a:ext cx="2324100" cy="431800"/>
-          </a:xfrm>
-          <a:prstGeom prst="rect">
-            <a:avLst/>
-          </a:prstGeom>
+              <a:t>Login or Singin</a:t>
+            </a:r>
+          </a:p>
+        </p:txBody>
+      </p:sp>
+      <p:cxnSp>
+        <p:nvCxnSpPr>
+          <p:cNvPr id="3" name="Straight Arrow Connector 2">
+            <a:extLst>
+              <a:ext uri="{FF2B5EF4-FFF2-40B4-BE49-F238E27FC236}">
+                <a16:creationId xmlns:a16="http://schemas.microsoft.com/office/drawing/2014/main" id="{F1E22FB3-E75D-413C-BF69-702E322D22BA}"/>
+              </a:ext>
+            </a:extLst>
+          </p:cNvPr>
+          <p:cNvCxnSpPr/>
+          <p:nvPr/>
+        </p:nvCxnSpPr>
+        <p:spPr>
+          <a:xfrm>
+            <a:off x="5270093" y="3428998"/>
+            <a:ext cx="241707" cy="0"/>
+          </a:xfrm>
+          <a:prstGeom prst="straightConnector1">
+            <a:avLst/>
+          </a:prstGeom>
+          <a:ln>
+            <a:tailEnd type="triangle"/>
+          </a:ln>
         </p:spPr>
         <p:style>
-          <a:lnRef idx="2">
-            <a:schemeClr val="dk1">
-              <a:shade val="50000"/>
-            </a:schemeClr>
+          <a:lnRef idx="1">
+            <a:schemeClr val="dk1"/>
           </a:lnRef>
-          <a:fillRef idx="1">
+          <a:fillRef idx="0">
             <a:schemeClr val="dk1"/>
           </a:fillRef>
           <a:effectRef idx="0">
             <a:schemeClr val="dk1"/>
           </a:effectRef>
           <a:fontRef idx="minor">
-            <a:schemeClr val="lt1"/>
+            <a:schemeClr val="tx1"/>
           </a:fontRef>
         </p:style>
-        <p:txBody>
-          <a:bodyPr rtlCol="0" anchor="ctr"/>
-          <a:lstStyle/>
-          <a:p>
-            <a:pPr algn="ctr"/>
-            <a:r>
-              <a:rPr lang="en-US" dirty="0" err="1"/>
-              <a:t>VehicleType</a:t>
-            </a:r>
-            <a:endParaRPr lang="en-US" dirty="0"/>
-          </a:p>
-        </p:txBody>
-      </p:sp>
+      </p:cxnSp>
+      <p:cxnSp>
+        <p:nvCxnSpPr>
+          <p:cNvPr id="13" name="Straight Arrow Connector 12">
+            <a:extLst>
+              <a:ext uri="{FF2B5EF4-FFF2-40B4-BE49-F238E27FC236}">
+                <a16:creationId xmlns:a16="http://schemas.microsoft.com/office/drawing/2014/main" id="{6A29E5CA-1235-49D8-B779-D6ACFFFBC4F3}"/>
+              </a:ext>
+            </a:extLst>
+          </p:cNvPr>
+          <p:cNvCxnSpPr/>
+          <p:nvPr/>
+        </p:nvCxnSpPr>
+        <p:spPr>
+          <a:xfrm>
+            <a:off x="8260943" y="3428998"/>
+            <a:ext cx="241707" cy="0"/>
+          </a:xfrm>
+          <a:prstGeom prst="straightConnector1">
+            <a:avLst/>
+          </a:prstGeom>
+          <a:ln>
+            <a:tailEnd type="triangle"/>
+          </a:ln>
+        </p:spPr>
+        <p:style>
+          <a:lnRef idx="1">
+            <a:schemeClr val="dk1"/>
+          </a:lnRef>
+          <a:fillRef idx="0">
+            <a:schemeClr val="dk1"/>
+          </a:fillRef>
+          <a:effectRef idx="0">
+            <a:schemeClr val="dk1"/>
+          </a:effectRef>
+          <a:fontRef idx="minor">
+            <a:schemeClr val="tx1"/>
+          </a:fontRef>
+        </p:style>
+      </p:cxnSp>
     </p:spTree>
     <p:extLst>
       <p:ext uri="{BB962C8B-B14F-4D97-AF65-F5344CB8AC3E}">
-        <p14:creationId xmlns:p14="http://schemas.microsoft.com/office/powerpoint/2010/main" val="2060821224"/>
+        <p14:creationId xmlns:p14="http://schemas.microsoft.com/office/powerpoint/2010/main" val="1714517850"/>
       </p:ext>
     </p:extLst>
   </p:cSld>
@@ -23439,30 +24360,42 @@
       </p:grpSpPr>
       <p:sp>
         <p:nvSpPr>
-          <p:cNvPr id="5" name="Rounded Rectangle 4"/>
+          <p:cNvPr id="4" name="Rectangle: Rounded Corners 3">
+            <a:extLst>
+              <a:ext uri="{FF2B5EF4-FFF2-40B4-BE49-F238E27FC236}">
+                <a16:creationId xmlns:a16="http://schemas.microsoft.com/office/drawing/2014/main" id="{85326CA7-C984-4C41-95DE-6CB427288B74}"/>
+              </a:ext>
+            </a:extLst>
+          </p:cNvPr>
           <p:cNvSpPr/>
           <p:nvPr/>
         </p:nvSpPr>
         <p:spPr>
           <a:xfrm>
-            <a:off x="2844800" y="1270000"/>
-            <a:ext cx="76200" cy="45719"/>
+            <a:off x="2645181" y="1745932"/>
+            <a:ext cx="6883400" cy="3239187"/>
           </a:xfrm>
           <a:prstGeom prst="roundRect">
             <a:avLst/>
           </a:prstGeom>
+          <a:solidFill>
+            <a:schemeClr val="bg2">
+              <a:lumMod val="40000"/>
+              <a:lumOff val="60000"/>
+            </a:schemeClr>
+          </a:solidFill>
         </p:spPr>
         <p:style>
           <a:lnRef idx="2">
-            <a:schemeClr val="accent1">
+            <a:schemeClr val="accent6">
               <a:shade val="50000"/>
             </a:schemeClr>
           </a:lnRef>
           <a:fillRef idx="1">
-            <a:schemeClr val="accent1"/>
+            <a:schemeClr val="accent6"/>
           </a:fillRef>
           <a:effectRef idx="0">
-            <a:schemeClr val="accent1"/>
+            <a:schemeClr val="accent6"/>
           </a:effectRef>
           <a:fontRef idx="minor">
             <a:schemeClr val="lt1"/>
@@ -23479,38 +24412,47 @@
       </p:sp>
       <p:sp>
         <p:nvSpPr>
-          <p:cNvPr id="6" name="Rectangle 5"/>
+          <p:cNvPr id="21" name="Rectangle 20"/>
           <p:cNvSpPr/>
           <p:nvPr/>
         </p:nvSpPr>
         <p:spPr>
           <a:xfrm>
-            <a:off x="2844800" y="1315719"/>
-            <a:ext cx="7137400" cy="5097781"/>
+            <a:off x="0" y="711225"/>
+            <a:ext cx="12173762" cy="5308600"/>
           </a:xfrm>
           <a:prstGeom prst="rect">
             <a:avLst/>
           </a:prstGeom>
-          <a:solidFill>
-            <a:schemeClr val="accent5">
-              <a:lumMod val="75000"/>
-            </a:schemeClr>
-          </a:solidFill>
+          <a:blipFill dpi="0" rotWithShape="1">
+            <a:blip r:embed="rId2">
+              <a:alphaModFix amt="32000"/>
+              <a:extLst>
+                <a:ext uri="{28A0092B-C50C-407E-A947-70E740481C1C}">
+                  <a14:useLocalDpi xmlns:a14="http://schemas.microsoft.com/office/drawing/2010/main" val="0"/>
+                </a:ext>
+              </a:extLst>
+            </a:blip>
+            <a:srcRect/>
+            <a:stretch>
+              <a:fillRect/>
+            </a:stretch>
+          </a:blipFill>
           <a:ln>
             <a:noFill/>
           </a:ln>
         </p:spPr>
         <p:style>
           <a:lnRef idx="2">
-            <a:schemeClr val="accent1">
+            <a:schemeClr val="accent5">
               <a:shade val="50000"/>
             </a:schemeClr>
           </a:lnRef>
           <a:fillRef idx="1">
-            <a:schemeClr val="accent1"/>
+            <a:schemeClr val="accent5"/>
           </a:fillRef>
           <a:effectRef idx="0">
-            <a:schemeClr val="accent1"/>
+            <a:schemeClr val="accent5"/>
           </a:effectRef>
           <a:fontRef idx="minor">
             <a:schemeClr val="lt1"/>
@@ -23521,7 +24463,7 @@
           <a:lstStyle/>
           <a:p>
             <a:pPr algn="ctr"/>
-            <a:endParaRPr lang="en-US"/>
+            <a:endParaRPr lang="en-US" dirty="0"/>
           </a:p>
         </p:txBody>
       </p:sp>
@@ -23533,10 +24475,51 @@
         </p:nvSpPr>
         <p:spPr>
           <a:xfrm>
-            <a:off x="4524375" y="1254034"/>
-            <a:ext cx="4171950" cy="365760"/>
+            <a:off x="3912431" y="3224688"/>
+            <a:ext cx="4691921" cy="408623"/>
           </a:xfrm>
           <a:prstGeom prst="roundRect">
+            <a:avLst/>
+          </a:prstGeom>
+          <a:solidFill>
+            <a:srgbClr val="B5FFFF"/>
+          </a:solidFill>
+        </p:spPr>
+        <p:txBody>
+          <a:bodyPr wrap="square" rtlCol="0">
+            <a:spAutoFit/>
+          </a:bodyPr>
+          <a:lstStyle/>
+          <a:p>
+            <a:r>
+              <a:rPr lang="en-US" b="1" dirty="0">
+                <a:solidFill>
+                  <a:srgbClr val="000000"/>
+                </a:solidFill>
+                <a:latin typeface="Roboto" panose="02000000000000000000" pitchFamily="2" charset="0"/>
+              </a:rPr>
+              <a:t>Enter phone number or email</a:t>
+            </a:r>
+            <a:endParaRPr lang="en-US" dirty="0">
+              <a:solidFill>
+                <a:schemeClr val="bg1"/>
+              </a:solidFill>
+            </a:endParaRPr>
+          </a:p>
+        </p:txBody>
+      </p:sp>
+      <p:sp>
+        <p:nvSpPr>
+          <p:cNvPr id="28" name="Rectangle 27"/>
+          <p:cNvSpPr/>
+          <p:nvPr/>
+        </p:nvSpPr>
+        <p:spPr>
+          <a:xfrm>
+            <a:off x="4494213" y="111602"/>
+            <a:ext cx="2324100" cy="431800"/>
+          </a:xfrm>
+          <a:prstGeom prst="rect">
             <a:avLst/>
           </a:prstGeom>
         </p:spPr>
@@ -23563,21 +24546,66 @@
             <a:pPr algn="ctr"/>
             <a:r>
               <a:rPr lang="en-US" dirty="0"/>
-              <a:t>Vehicle</a:t>
-            </a:r>
-          </a:p>
-        </p:txBody>
-      </p:sp>
-      <p:sp>
-        <p:nvSpPr>
-          <p:cNvPr id="24" name="Rounded Rectangle 23"/>
+              <a:t>Driver</a:t>
+            </a:r>
+          </a:p>
+        </p:txBody>
+      </p:sp>
+      <p:sp>
+        <p:nvSpPr>
+          <p:cNvPr id="2" name="TextBox 1">
+            <a:extLst>
+              <a:ext uri="{FF2B5EF4-FFF2-40B4-BE49-F238E27FC236}">
+                <a16:creationId xmlns:a16="http://schemas.microsoft.com/office/drawing/2014/main" id="{82C19711-0EB2-40FD-940C-645286780C62}"/>
+              </a:ext>
+            </a:extLst>
+          </p:cNvPr>
+          <p:cNvSpPr txBox="1"/>
+          <p:nvPr/>
+        </p:nvSpPr>
+        <p:spPr>
+          <a:xfrm>
+            <a:off x="3912432" y="2162145"/>
+            <a:ext cx="4691921" cy="830997"/>
+          </a:xfrm>
+          <a:prstGeom prst="rect">
+            <a:avLst/>
+          </a:prstGeom>
+          <a:noFill/>
+        </p:spPr>
+        <p:txBody>
+          <a:bodyPr wrap="square" rtlCol="0">
+            <a:spAutoFit/>
+          </a:bodyPr>
+          <a:lstStyle/>
+          <a:p>
+            <a:r>
+              <a:rPr lang="en-US" sz="2400" b="1" dirty="0">
+                <a:solidFill>
+                  <a:schemeClr val="bg1"/>
+                </a:solidFill>
+              </a:rPr>
+              <a:t>What’s your phone number or email?</a:t>
+            </a:r>
+          </a:p>
+        </p:txBody>
+      </p:sp>
+      <p:sp>
+        <p:nvSpPr>
+          <p:cNvPr id="10" name="Rounded Rectangle 22">
+            <a:extLst>
+              <a:ext uri="{FF2B5EF4-FFF2-40B4-BE49-F238E27FC236}">
+                <a16:creationId xmlns:a16="http://schemas.microsoft.com/office/drawing/2014/main" id="{300495BF-3FB1-4EEC-A0E0-56CE9792842B}"/>
+              </a:ext>
+            </a:extLst>
+          </p:cNvPr>
           <p:cNvSpPr/>
           <p:nvPr/>
         </p:nvSpPr>
         <p:spPr>
           <a:xfrm>
-            <a:off x="3502026" y="2130113"/>
-            <a:ext cx="2581274" cy="295275"/>
+            <a:off x="3912431" y="3864857"/>
+            <a:ext cx="4691921" cy="408623"/>
           </a:xfrm>
           <a:prstGeom prst="roundRect">
             <a:avLst/>
@@ -23593,20 +24621,13 @@
           <a:lstStyle/>
           <a:p>
             <a:r>
-              <a:rPr lang="en-US" dirty="0">
-                <a:solidFill>
-                  <a:schemeClr val="bg1"/>
-                </a:solidFill>
+              <a:rPr lang="en-US" b="1">
+                <a:solidFill>
+                  <a:srgbClr val="000000"/>
+                </a:solidFill>
+                <a:latin typeface="Roboto" panose="02000000000000000000" pitchFamily="2" charset="0"/>
               </a:rPr>
-              <a:t>       </a:t>
-            </a:r>
-            <a:r>
-              <a:rPr lang="en-US" dirty="0" err="1">
-                <a:solidFill>
-                  <a:schemeClr val="bg1"/>
-                </a:solidFill>
-              </a:rPr>
-              <a:t>VehicleBrand</a:t>
+              <a:t>Continue</a:t>
             </a:r>
             <a:endParaRPr lang="en-US" dirty="0">
               <a:solidFill>
@@ -23616,377 +24637,10 @@
           </a:p>
         </p:txBody>
       </p:sp>
-      <p:sp>
-        <p:nvSpPr>
-          <p:cNvPr id="25" name="Rounded Rectangle 24"/>
-          <p:cNvSpPr/>
-          <p:nvPr/>
-        </p:nvSpPr>
-        <p:spPr>
-          <a:xfrm>
-            <a:off x="3502026" y="2798766"/>
-            <a:ext cx="2581274" cy="285749"/>
-          </a:xfrm>
-          <a:prstGeom prst="roundRect">
-            <a:avLst/>
-          </a:prstGeom>
-          <a:solidFill>
-            <a:srgbClr val="B5FFFF"/>
-          </a:solidFill>
-        </p:spPr>
-        <p:txBody>
-          <a:bodyPr wrap="square" rtlCol="0">
-            <a:spAutoFit/>
-          </a:bodyPr>
-          <a:lstStyle/>
-          <a:p>
-            <a:r>
-              <a:rPr lang="en-US" dirty="0" err="1">
-                <a:solidFill>
-                  <a:schemeClr val="bg1"/>
-                </a:solidFill>
-              </a:rPr>
-              <a:t>VehicleCapacity</a:t>
-            </a:r>
-            <a:endParaRPr lang="en-US" dirty="0">
-              <a:solidFill>
-                <a:schemeClr val="bg1"/>
-              </a:solidFill>
-            </a:endParaRPr>
-          </a:p>
-        </p:txBody>
-      </p:sp>
-      <p:sp>
-        <p:nvSpPr>
-          <p:cNvPr id="27" name="Rounded Rectangle 26"/>
-          <p:cNvSpPr/>
-          <p:nvPr/>
-        </p:nvSpPr>
-        <p:spPr>
-          <a:xfrm>
-            <a:off x="3502026" y="3312796"/>
-            <a:ext cx="2581274" cy="381000"/>
-          </a:xfrm>
-          <a:prstGeom prst="roundRect">
-            <a:avLst/>
-          </a:prstGeom>
-          <a:solidFill>
-            <a:srgbClr val="B5FFFF"/>
-          </a:solidFill>
-        </p:spPr>
-        <p:txBody>
-          <a:bodyPr wrap="square" rtlCol="0">
-            <a:spAutoFit/>
-          </a:bodyPr>
-          <a:lstStyle/>
-          <a:p>
-            <a:r>
-              <a:rPr lang="en-US" dirty="0" err="1">
-                <a:solidFill>
-                  <a:schemeClr val="bg1"/>
-                </a:solidFill>
-              </a:rPr>
-              <a:t>VehicleChassisNo</a:t>
-            </a:r>
-            <a:endParaRPr lang="en-US" dirty="0">
-              <a:solidFill>
-                <a:schemeClr val="bg1"/>
-              </a:solidFill>
-            </a:endParaRPr>
-          </a:p>
-        </p:txBody>
-      </p:sp>
-      <p:sp>
-        <p:nvSpPr>
-          <p:cNvPr id="28" name="Rounded Rectangle 27"/>
-          <p:cNvSpPr/>
-          <p:nvPr/>
-        </p:nvSpPr>
-        <p:spPr>
-          <a:xfrm>
-            <a:off x="6914196" y="2872171"/>
-            <a:ext cx="2713129" cy="464437"/>
-          </a:xfrm>
-          <a:prstGeom prst="roundRect">
-            <a:avLst/>
-          </a:prstGeom>
-          <a:solidFill>
-            <a:srgbClr val="B5FFFF"/>
-          </a:solidFill>
-        </p:spPr>
-        <p:txBody>
-          <a:bodyPr wrap="square" rtlCol="0">
-            <a:spAutoFit/>
-          </a:bodyPr>
-          <a:lstStyle/>
-          <a:p>
-            <a:r>
-              <a:rPr lang="en-US" dirty="0" err="1">
-                <a:solidFill>
-                  <a:schemeClr val="bg1"/>
-                </a:solidFill>
-              </a:rPr>
-              <a:t>VehicleRegistrationNo</a:t>
-            </a:r>
-            <a:endParaRPr lang="en-US" dirty="0">
-              <a:solidFill>
-                <a:schemeClr val="bg1"/>
-              </a:solidFill>
-            </a:endParaRPr>
-          </a:p>
-        </p:txBody>
-      </p:sp>
-      <p:sp>
-        <p:nvSpPr>
-          <p:cNvPr id="30" name="Rounded Rectangle 29"/>
-          <p:cNvSpPr/>
-          <p:nvPr/>
-        </p:nvSpPr>
-        <p:spPr>
-          <a:xfrm>
-            <a:off x="6905626" y="2117646"/>
-            <a:ext cx="2598417" cy="381000"/>
-          </a:xfrm>
-          <a:prstGeom prst="roundRect">
-            <a:avLst/>
-          </a:prstGeom>
-          <a:solidFill>
-            <a:srgbClr val="B5FFFF"/>
-          </a:solidFill>
-        </p:spPr>
-        <p:txBody>
-          <a:bodyPr wrap="square" rtlCol="0">
-            <a:spAutoFit/>
-          </a:bodyPr>
-          <a:lstStyle/>
-          <a:p>
-            <a:r>
-              <a:rPr lang="en-US" dirty="0" err="1">
-                <a:solidFill>
-                  <a:schemeClr val="bg1"/>
-                </a:solidFill>
-              </a:rPr>
-              <a:t>VehicleModel</a:t>
-            </a:r>
-            <a:endParaRPr lang="en-US" dirty="0">
-              <a:solidFill>
-                <a:schemeClr val="bg1"/>
-              </a:solidFill>
-            </a:endParaRPr>
-          </a:p>
-        </p:txBody>
-      </p:sp>
-      <p:sp>
-        <p:nvSpPr>
-          <p:cNvPr id="31" name="Rounded Rectangle 30"/>
-          <p:cNvSpPr/>
-          <p:nvPr/>
-        </p:nvSpPr>
-        <p:spPr>
-          <a:xfrm>
-            <a:off x="6905626" y="3488692"/>
-            <a:ext cx="2581274" cy="285749"/>
-          </a:xfrm>
-          <a:prstGeom prst="roundRect">
-            <a:avLst/>
-          </a:prstGeom>
-          <a:solidFill>
-            <a:srgbClr val="B5FFFF"/>
-          </a:solidFill>
-        </p:spPr>
-        <p:txBody>
-          <a:bodyPr wrap="square" rtlCol="0">
-            <a:spAutoFit/>
-          </a:bodyPr>
-          <a:lstStyle/>
-          <a:p>
-            <a:r>
-              <a:rPr lang="en-US" dirty="0" err="1">
-                <a:solidFill>
-                  <a:schemeClr val="bg1"/>
-                </a:solidFill>
-              </a:rPr>
-              <a:t>VehicleLicence</a:t>
-            </a:r>
-            <a:endParaRPr lang="en-US" dirty="0">
-              <a:solidFill>
-                <a:schemeClr val="bg1"/>
-              </a:solidFill>
-            </a:endParaRPr>
-          </a:p>
-        </p:txBody>
-      </p:sp>
-      <p:sp>
-        <p:nvSpPr>
-          <p:cNvPr id="32" name="Rounded Rectangle 31"/>
-          <p:cNvSpPr/>
-          <p:nvPr/>
-        </p:nvSpPr>
-        <p:spPr>
-          <a:xfrm>
-            <a:off x="3375026" y="3885092"/>
-            <a:ext cx="2708274" cy="393286"/>
-          </a:xfrm>
-          <a:prstGeom prst="roundRect">
-            <a:avLst/>
-          </a:prstGeom>
-          <a:solidFill>
-            <a:srgbClr val="B5FFFF"/>
-          </a:solidFill>
-        </p:spPr>
-        <p:txBody>
-          <a:bodyPr wrap="square" rtlCol="0">
-            <a:spAutoFit/>
-          </a:bodyPr>
-          <a:lstStyle/>
-          <a:p>
-            <a:r>
-              <a:rPr lang="en-US" dirty="0" err="1">
-                <a:solidFill>
-                  <a:schemeClr val="bg1"/>
-                </a:solidFill>
-              </a:rPr>
-              <a:t>VehicleTypeId</a:t>
-            </a:r>
-            <a:endParaRPr lang="en-US" dirty="0">
-              <a:solidFill>
-                <a:schemeClr val="bg1"/>
-              </a:solidFill>
-            </a:endParaRPr>
-          </a:p>
-        </p:txBody>
-      </p:sp>
-      <p:sp>
-        <p:nvSpPr>
-          <p:cNvPr id="33" name="Rounded Rectangle 32"/>
-          <p:cNvSpPr/>
-          <p:nvPr/>
-        </p:nvSpPr>
-        <p:spPr>
-          <a:xfrm>
-            <a:off x="5734050" y="5083972"/>
-            <a:ext cx="1752600" cy="313379"/>
-          </a:xfrm>
-          <a:prstGeom prst="roundRect">
-            <a:avLst/>
-          </a:prstGeom>
-        </p:spPr>
-        <p:style>
-          <a:lnRef idx="2">
-            <a:schemeClr val="dk1">
-              <a:shade val="50000"/>
-            </a:schemeClr>
-          </a:lnRef>
-          <a:fillRef idx="1">
-            <a:schemeClr val="dk1"/>
-          </a:fillRef>
-          <a:effectRef idx="0">
-            <a:schemeClr val="dk1"/>
-          </a:effectRef>
-          <a:fontRef idx="minor">
-            <a:schemeClr val="lt1"/>
-          </a:fontRef>
-        </p:style>
-        <p:txBody>
-          <a:bodyPr rtlCol="0" anchor="ctr"/>
-          <a:lstStyle/>
-          <a:p>
-            <a:pPr algn="ctr"/>
-            <a:r>
-              <a:rPr lang="en-US" dirty="0"/>
-              <a:t>Create</a:t>
-            </a:r>
-          </a:p>
-        </p:txBody>
-      </p:sp>
-      <p:sp>
-        <p:nvSpPr>
-          <p:cNvPr id="34" name="Rounded Rectangle 33"/>
-          <p:cNvSpPr/>
-          <p:nvPr/>
-        </p:nvSpPr>
-        <p:spPr>
-          <a:xfrm>
-            <a:off x="6922769" y="3960261"/>
-            <a:ext cx="2581274" cy="285749"/>
-          </a:xfrm>
-          <a:prstGeom prst="roundRect">
-            <a:avLst/>
-          </a:prstGeom>
-          <a:solidFill>
-            <a:srgbClr val="B5FFFF"/>
-          </a:solidFill>
-        </p:spPr>
-        <p:txBody>
-          <a:bodyPr wrap="square" rtlCol="0">
-            <a:spAutoFit/>
-          </a:bodyPr>
-          <a:lstStyle/>
-          <a:p>
-            <a:r>
-              <a:rPr lang="en-US" dirty="0">
-                <a:solidFill>
-                  <a:schemeClr val="bg1"/>
-                </a:solidFill>
-              </a:rPr>
-              <a:t>Status</a:t>
-            </a:r>
-          </a:p>
-        </p:txBody>
-      </p:sp>
-      <p:sp>
-        <p:nvSpPr>
-          <p:cNvPr id="35" name="Down Arrow 34"/>
-          <p:cNvSpPr/>
-          <p:nvPr/>
-        </p:nvSpPr>
-        <p:spPr>
-          <a:xfrm>
-            <a:off x="5627369" y="3960261"/>
-            <a:ext cx="455931" cy="285749"/>
-          </a:xfrm>
-          <a:prstGeom prst="downArrow">
-            <a:avLst/>
-          </a:prstGeom>
-          <a:solidFill>
-            <a:schemeClr val="accent4">
-              <a:lumMod val="75000"/>
-            </a:schemeClr>
-          </a:solidFill>
-        </p:spPr>
-        <p:style>
-          <a:lnRef idx="2">
-            <a:schemeClr val="accent6"/>
-          </a:lnRef>
-          <a:fillRef idx="1">
-            <a:schemeClr val="lt1"/>
-          </a:fillRef>
-          <a:effectRef idx="0">
-            <a:schemeClr val="accent6"/>
-          </a:effectRef>
-          <a:fontRef idx="minor">
-            <a:schemeClr val="dk1"/>
-          </a:fontRef>
-        </p:style>
-        <p:txBody>
-          <a:bodyPr rtlCol="0" anchor="ctr"/>
-          <a:lstStyle/>
-          <a:p>
-            <a:pPr algn="ctr"/>
-            <a:endParaRPr lang="en-US">
-              <a:solidFill>
-                <a:schemeClr val="accent4">
-                  <a:lumMod val="75000"/>
-                </a:schemeClr>
-              </a:solidFill>
-            </a:endParaRPr>
-          </a:p>
-        </p:txBody>
-      </p:sp>
     </p:spTree>
     <p:extLst>
       <p:ext uri="{BB962C8B-B14F-4D97-AF65-F5344CB8AC3E}">
-        <p14:creationId xmlns:p14="http://schemas.microsoft.com/office/powerpoint/2010/main" val="507870120"/>
+        <p14:creationId xmlns:p14="http://schemas.microsoft.com/office/powerpoint/2010/main" val="2243357408"/>
       </p:ext>
     </p:extLst>
   </p:cSld>

--- a/Document/OnlineRideSharingProject.pptx
+++ b/Document/OnlineRideSharingProject.pptx
@@ -12,21 +12,23 @@
     <p:sldId id="275" r:id="rId6"/>
     <p:sldId id="276" r:id="rId7"/>
     <p:sldId id="277" r:id="rId8"/>
-    <p:sldId id="256" r:id="rId9"/>
-    <p:sldId id="257" r:id="rId10"/>
-    <p:sldId id="258" r:id="rId11"/>
-    <p:sldId id="259" r:id="rId12"/>
-    <p:sldId id="260" r:id="rId13"/>
-    <p:sldId id="262" r:id="rId14"/>
-    <p:sldId id="263" r:id="rId15"/>
-    <p:sldId id="264" r:id="rId16"/>
-    <p:sldId id="266" r:id="rId17"/>
-    <p:sldId id="265" r:id="rId18"/>
-    <p:sldId id="267" r:id="rId19"/>
-    <p:sldId id="268" r:id="rId20"/>
-    <p:sldId id="269" r:id="rId21"/>
-    <p:sldId id="270" r:id="rId22"/>
-    <p:sldId id="271" r:id="rId23"/>
+    <p:sldId id="278" r:id="rId9"/>
+    <p:sldId id="279" r:id="rId10"/>
+    <p:sldId id="256" r:id="rId11"/>
+    <p:sldId id="257" r:id="rId12"/>
+    <p:sldId id="258" r:id="rId13"/>
+    <p:sldId id="259" r:id="rId14"/>
+    <p:sldId id="260" r:id="rId15"/>
+    <p:sldId id="262" r:id="rId16"/>
+    <p:sldId id="263" r:id="rId17"/>
+    <p:sldId id="264" r:id="rId18"/>
+    <p:sldId id="266" r:id="rId19"/>
+    <p:sldId id="265" r:id="rId20"/>
+    <p:sldId id="267" r:id="rId21"/>
+    <p:sldId id="268" r:id="rId22"/>
+    <p:sldId id="269" r:id="rId23"/>
+    <p:sldId id="270" r:id="rId24"/>
+    <p:sldId id="271" r:id="rId25"/>
   </p:sldIdLst>
   <p:sldSz cx="12192000" cy="6858000"/>
   <p:notesSz cx="6858000" cy="9144000"/>
@@ -319,7 +321,7 @@
           <a:p>
             <a:fld id="{A255833D-6050-4C4E-B549-87A0A8D37910}" type="datetimeFigureOut">
               <a:rPr lang="en-US" smtClean="0"/>
-              <a:t>12/11/2024</a:t>
+              <a:t>12/12/2024</a:t>
             </a:fld>
             <a:endParaRPr lang="en-US"/>
           </a:p>
@@ -594,7 +596,7 @@
           <a:p>
             <a:fld id="{A255833D-6050-4C4E-B549-87A0A8D37910}" type="datetimeFigureOut">
               <a:rPr lang="en-US" smtClean="0"/>
-              <a:t>12/11/2024</a:t>
+              <a:t>12/12/2024</a:t>
             </a:fld>
             <a:endParaRPr lang="en-US"/>
           </a:p>
@@ -788,7 +790,7 @@
           <a:p>
             <a:fld id="{A255833D-6050-4C4E-B549-87A0A8D37910}" type="datetimeFigureOut">
               <a:rPr lang="en-US" smtClean="0"/>
-              <a:t>12/11/2024</a:t>
+              <a:t>12/12/2024</a:t>
             </a:fld>
             <a:endParaRPr lang="en-US"/>
           </a:p>
@@ -1061,7 +1063,7 @@
           <a:p>
             <a:fld id="{A255833D-6050-4C4E-B549-87A0A8D37910}" type="datetimeFigureOut">
               <a:rPr lang="en-US" smtClean="0"/>
-              <a:t>12/11/2024</a:t>
+              <a:t>12/12/2024</a:t>
             </a:fld>
             <a:endParaRPr lang="en-US"/>
           </a:p>
@@ -1402,7 +1404,7 @@
           <a:p>
             <a:fld id="{A255833D-6050-4C4E-B549-87A0A8D37910}" type="datetimeFigureOut">
               <a:rPr lang="en-US" smtClean="0"/>
-              <a:t>12/11/2024</a:t>
+              <a:t>12/12/2024</a:t>
             </a:fld>
             <a:endParaRPr lang="en-US"/>
           </a:p>
@@ -2025,7 +2027,7 @@
           <a:p>
             <a:fld id="{A255833D-6050-4C4E-B549-87A0A8D37910}" type="datetimeFigureOut">
               <a:rPr lang="en-US" smtClean="0"/>
-              <a:t>12/11/2024</a:t>
+              <a:t>12/12/2024</a:t>
             </a:fld>
             <a:endParaRPr lang="en-US"/>
           </a:p>
@@ -2885,7 +2887,7 @@
           <a:p>
             <a:fld id="{A255833D-6050-4C4E-B549-87A0A8D37910}" type="datetimeFigureOut">
               <a:rPr lang="en-US" smtClean="0"/>
-              <a:t>12/11/2024</a:t>
+              <a:t>12/12/2024</a:t>
             </a:fld>
             <a:endParaRPr lang="en-US"/>
           </a:p>
@@ -3055,7 +3057,7 @@
           <a:p>
             <a:fld id="{A255833D-6050-4C4E-B549-87A0A8D37910}" type="datetimeFigureOut">
               <a:rPr lang="en-US" smtClean="0"/>
-              <a:t>12/11/2024</a:t>
+              <a:t>12/12/2024</a:t>
             </a:fld>
             <a:endParaRPr lang="en-US"/>
           </a:p>
@@ -3235,7 +3237,7 @@
           <a:p>
             <a:fld id="{A255833D-6050-4C4E-B549-87A0A8D37910}" type="datetimeFigureOut">
               <a:rPr lang="en-US" smtClean="0"/>
-              <a:t>12/11/2024</a:t>
+              <a:t>12/12/2024</a:t>
             </a:fld>
             <a:endParaRPr lang="en-US"/>
           </a:p>
@@ -3405,7 +3407,7 @@
           <a:p>
             <a:fld id="{A255833D-6050-4C4E-B549-87A0A8D37910}" type="datetimeFigureOut">
               <a:rPr lang="en-US" smtClean="0"/>
-              <a:t>12/11/2024</a:t>
+              <a:t>12/12/2024</a:t>
             </a:fld>
             <a:endParaRPr lang="en-US"/>
           </a:p>
@@ -3652,7 +3654,7 @@
           <a:p>
             <a:fld id="{A255833D-6050-4C4E-B549-87A0A8D37910}" type="datetimeFigureOut">
               <a:rPr lang="en-US" smtClean="0"/>
-              <a:t>12/11/2024</a:t>
+              <a:t>12/12/2024</a:t>
             </a:fld>
             <a:endParaRPr lang="en-US"/>
           </a:p>
@@ -3944,7 +3946,7 @@
           <a:p>
             <a:fld id="{A255833D-6050-4C4E-B549-87A0A8D37910}" type="datetimeFigureOut">
               <a:rPr lang="en-US" smtClean="0"/>
-              <a:t>12/11/2024</a:t>
+              <a:t>12/12/2024</a:t>
             </a:fld>
             <a:endParaRPr lang="en-US"/>
           </a:p>
@@ -4388,7 +4390,7 @@
           <a:p>
             <a:fld id="{A255833D-6050-4C4E-B549-87A0A8D37910}" type="datetimeFigureOut">
               <a:rPr lang="en-US" smtClean="0"/>
-              <a:t>12/11/2024</a:t>
+              <a:t>12/12/2024</a:t>
             </a:fld>
             <a:endParaRPr lang="en-US"/>
           </a:p>
@@ -4506,7 +4508,7 @@
           <a:p>
             <a:fld id="{A255833D-6050-4C4E-B549-87A0A8D37910}" type="datetimeFigureOut">
               <a:rPr lang="en-US" smtClean="0"/>
-              <a:t>12/11/2024</a:t>
+              <a:t>12/12/2024</a:t>
             </a:fld>
             <a:endParaRPr lang="en-US"/>
           </a:p>
@@ -4601,7 +4603,7 @@
           <a:p>
             <a:fld id="{A255833D-6050-4C4E-B549-87A0A8D37910}" type="datetimeFigureOut">
               <a:rPr lang="en-US" smtClean="0"/>
-              <a:t>12/11/2024</a:t>
+              <a:t>12/12/2024</a:t>
             </a:fld>
             <a:endParaRPr lang="en-US"/>
           </a:p>
@@ -4880,7 +4882,7 @@
           <a:p>
             <a:fld id="{A255833D-6050-4C4E-B549-87A0A8D37910}" type="datetimeFigureOut">
               <a:rPr lang="en-US" smtClean="0"/>
-              <a:t>12/11/2024</a:t>
+              <a:t>12/12/2024</a:t>
             </a:fld>
             <a:endParaRPr lang="en-US"/>
           </a:p>
@@ -5155,7 +5157,7 @@
           <a:p>
             <a:fld id="{A255833D-6050-4C4E-B549-87A0A8D37910}" type="datetimeFigureOut">
               <a:rPr lang="en-US" smtClean="0"/>
-              <a:t>12/11/2024</a:t>
+              <a:t>12/12/2024</a:t>
             </a:fld>
             <a:endParaRPr lang="en-US"/>
           </a:p>
@@ -5584,7 +5586,7 @@
           <a:p>
             <a:fld id="{A255833D-6050-4C4E-B549-87A0A8D37910}" type="datetimeFigureOut">
               <a:rPr lang="en-US" smtClean="0"/>
-              <a:t>12/11/2024</a:t>
+              <a:t>12/12/2024</a:t>
             </a:fld>
             <a:endParaRPr lang="en-US"/>
           </a:p>
@@ -6214,38 +6216,33 @@
       </p:grpSpPr>
       <p:sp>
         <p:nvSpPr>
-          <p:cNvPr id="3" name="Rectangle 2"/>
+          <p:cNvPr id="21" name="Rectangle 20"/>
           <p:cNvSpPr/>
           <p:nvPr/>
         </p:nvSpPr>
         <p:spPr>
           <a:xfrm>
-            <a:off x="1803400" y="850900"/>
-            <a:ext cx="8978900" cy="5575300"/>
+            <a:off x="1038858" y="542925"/>
+            <a:ext cx="9781541" cy="5308600"/>
           </a:xfrm>
           <a:prstGeom prst="rect">
             <a:avLst/>
           </a:prstGeom>
-          <a:solidFill>
-            <a:schemeClr val="accent5">
-              <a:lumMod val="50000"/>
-            </a:schemeClr>
-          </a:solidFill>
           <a:ln>
             <a:noFill/>
           </a:ln>
         </p:spPr>
         <p:style>
           <a:lnRef idx="2">
-            <a:schemeClr val="accent1">
+            <a:schemeClr val="accent5">
               <a:shade val="50000"/>
             </a:schemeClr>
           </a:lnRef>
           <a:fillRef idx="1">
-            <a:schemeClr val="accent1"/>
+            <a:schemeClr val="accent5"/>
           </a:fillRef>
           <a:effectRef idx="0">
-            <a:schemeClr val="accent1"/>
+            <a:schemeClr val="accent5"/>
           </a:effectRef>
           <a:fontRef idx="minor">
             <a:schemeClr val="lt1"/>
@@ -6256,20 +6253,151 @@
           <a:lstStyle/>
           <a:p>
             <a:pPr algn="ctr"/>
-            <a:endParaRPr lang="en-US"/>
-          </a:p>
-        </p:txBody>
-      </p:sp>
-      <p:sp>
-        <p:nvSpPr>
-          <p:cNvPr id="21" name="Rounded Rectangle 20"/>
+            <a:endParaRPr lang="en-US" dirty="0"/>
+          </a:p>
+        </p:txBody>
+      </p:sp>
+      <p:sp>
+        <p:nvSpPr>
+          <p:cNvPr id="23" name="Rounded Rectangle 22"/>
           <p:cNvSpPr/>
           <p:nvPr/>
         </p:nvSpPr>
         <p:spPr>
           <a:xfrm>
-            <a:off x="4524375" y="1254034"/>
-            <a:ext cx="4171950" cy="365760"/>
+            <a:off x="4365626" y="2154555"/>
+            <a:ext cx="2581274" cy="295275"/>
+          </a:xfrm>
+          <a:prstGeom prst="roundRect">
+            <a:avLst/>
+          </a:prstGeom>
+          <a:solidFill>
+            <a:srgbClr val="B5FFFF"/>
+          </a:solidFill>
+        </p:spPr>
+        <p:txBody>
+          <a:bodyPr wrap="square" rtlCol="0">
+            <a:spAutoFit/>
+          </a:bodyPr>
+          <a:lstStyle/>
+          <a:p>
+            <a:r>
+              <a:rPr lang="en-US" dirty="0">
+                <a:solidFill>
+                  <a:schemeClr val="bg1"/>
+                </a:solidFill>
+              </a:rPr>
+              <a:t>        </a:t>
+            </a:r>
+            <a:r>
+              <a:rPr lang="en-US" dirty="0" err="1">
+                <a:solidFill>
+                  <a:schemeClr val="bg1"/>
+                </a:solidFill>
+              </a:rPr>
+              <a:t>VehicleTypeId</a:t>
+            </a:r>
+            <a:r>
+              <a:rPr lang="en-US" dirty="0">
+                <a:solidFill>
+                  <a:schemeClr val="bg1"/>
+                </a:solidFill>
+              </a:rPr>
+              <a:t>   </a:t>
+            </a:r>
+          </a:p>
+        </p:txBody>
+      </p:sp>
+      <p:sp>
+        <p:nvSpPr>
+          <p:cNvPr id="24" name="Rounded Rectangle 23"/>
+          <p:cNvSpPr/>
+          <p:nvPr/>
+        </p:nvSpPr>
+        <p:spPr>
+          <a:xfrm>
+            <a:off x="4365626" y="2657477"/>
+            <a:ext cx="2581274" cy="285749"/>
+          </a:xfrm>
+          <a:prstGeom prst="roundRect">
+            <a:avLst/>
+          </a:prstGeom>
+          <a:solidFill>
+            <a:srgbClr val="B5FFFF"/>
+          </a:solidFill>
+        </p:spPr>
+        <p:txBody>
+          <a:bodyPr wrap="square" rtlCol="0">
+            <a:spAutoFit/>
+          </a:bodyPr>
+          <a:lstStyle/>
+          <a:p>
+            <a:r>
+              <a:rPr lang="en-US" dirty="0" err="1">
+                <a:solidFill>
+                  <a:schemeClr val="bg1"/>
+                </a:solidFill>
+              </a:rPr>
+              <a:t>VehicleTypeName</a:t>
+            </a:r>
+            <a:endParaRPr lang="en-US" dirty="0">
+              <a:solidFill>
+                <a:schemeClr val="bg1"/>
+              </a:solidFill>
+            </a:endParaRPr>
+          </a:p>
+        </p:txBody>
+      </p:sp>
+      <p:sp>
+        <p:nvSpPr>
+          <p:cNvPr id="26" name="Rounded Rectangle 25"/>
+          <p:cNvSpPr/>
+          <p:nvPr/>
+        </p:nvSpPr>
+        <p:spPr>
+          <a:xfrm>
+            <a:off x="4333876" y="3286125"/>
+            <a:ext cx="2581274" cy="381000"/>
+          </a:xfrm>
+          <a:prstGeom prst="roundRect">
+            <a:avLst/>
+          </a:prstGeom>
+          <a:solidFill>
+            <a:srgbClr val="B5FFFF"/>
+          </a:solidFill>
+        </p:spPr>
+        <p:txBody>
+          <a:bodyPr wrap="square" rtlCol="0">
+            <a:spAutoFit/>
+          </a:bodyPr>
+          <a:lstStyle/>
+          <a:p>
+            <a:r>
+              <a:rPr lang="en-US" dirty="0" err="1">
+                <a:solidFill>
+                  <a:schemeClr val="bg1"/>
+                </a:solidFill>
+              </a:rPr>
+              <a:t>PerKmFare</a:t>
+            </a:r>
+            <a:endParaRPr lang="en-US" dirty="0">
+              <a:solidFill>
+                <a:schemeClr val="bg1"/>
+              </a:solidFill>
+            </a:endParaRPr>
+          </a:p>
+        </p:txBody>
+      </p:sp>
+      <p:sp>
+        <p:nvSpPr>
+          <p:cNvPr id="27" name="Rounded Rectangle 26"/>
+          <p:cNvSpPr/>
+          <p:nvPr/>
+        </p:nvSpPr>
+        <p:spPr>
+          <a:xfrm>
+            <a:off x="4824412" y="4303394"/>
+            <a:ext cx="1209675" cy="323850"/>
           </a:xfrm>
           <a:prstGeom prst="roundRect">
             <a:avLst/>
@@ -6298,341 +6426,23 @@
             <a:pPr algn="ctr"/>
             <a:r>
               <a:rPr lang="en-US" dirty="0"/>
-              <a:t>Driver</a:t>
-            </a:r>
-          </a:p>
-        </p:txBody>
-      </p:sp>
-      <p:sp>
-        <p:nvSpPr>
-          <p:cNvPr id="22" name="Rounded Rectangle 21"/>
+              <a:t>Create</a:t>
+            </a:r>
+          </a:p>
+        </p:txBody>
+      </p:sp>
+      <p:sp>
+        <p:nvSpPr>
+          <p:cNvPr id="28" name="Rectangle 27"/>
           <p:cNvSpPr/>
           <p:nvPr/>
         </p:nvSpPr>
         <p:spPr>
           <a:xfrm>
-            <a:off x="3781426" y="2139316"/>
-            <a:ext cx="2581274" cy="295275"/>
-          </a:xfrm>
-          <a:prstGeom prst="roundRect">
-            <a:avLst/>
-          </a:prstGeom>
-          <a:solidFill>
-            <a:srgbClr val="B5FFFF"/>
-          </a:solidFill>
-        </p:spPr>
-        <p:txBody>
-          <a:bodyPr wrap="square" rtlCol="0">
-            <a:spAutoFit/>
-          </a:bodyPr>
-          <a:lstStyle/>
-          <a:p>
-            <a:r>
-              <a:rPr lang="en-US" dirty="0">
-                <a:solidFill>
-                  <a:schemeClr val="bg1"/>
-                </a:solidFill>
-              </a:rPr>
-              <a:t>        </a:t>
-            </a:r>
-            <a:r>
-              <a:rPr lang="en-US" dirty="0" err="1">
-                <a:solidFill>
-                  <a:schemeClr val="bg1"/>
-                </a:solidFill>
-              </a:rPr>
-              <a:t>DriverName</a:t>
-            </a:r>
-            <a:endParaRPr lang="en-US" dirty="0">
-              <a:solidFill>
-                <a:schemeClr val="bg1"/>
-              </a:solidFill>
-            </a:endParaRPr>
-          </a:p>
-        </p:txBody>
-      </p:sp>
-      <p:sp>
-        <p:nvSpPr>
-          <p:cNvPr id="23" name="Rounded Rectangle 22"/>
-          <p:cNvSpPr/>
-          <p:nvPr/>
-        </p:nvSpPr>
-        <p:spPr>
-          <a:xfrm>
-            <a:off x="3781426" y="2809874"/>
-            <a:ext cx="2581274" cy="285749"/>
-          </a:xfrm>
-          <a:prstGeom prst="roundRect">
-            <a:avLst/>
-          </a:prstGeom>
-          <a:solidFill>
-            <a:srgbClr val="B5FFFF"/>
-          </a:solidFill>
-        </p:spPr>
-        <p:txBody>
-          <a:bodyPr wrap="square" rtlCol="0">
-            <a:spAutoFit/>
-          </a:bodyPr>
-          <a:lstStyle/>
-          <a:p>
-            <a:r>
-              <a:rPr lang="en-US" dirty="0">
-                <a:solidFill>
-                  <a:schemeClr val="bg1"/>
-                </a:solidFill>
-              </a:rPr>
-              <a:t>Email</a:t>
-            </a:r>
-          </a:p>
-        </p:txBody>
-      </p:sp>
-      <p:sp>
-        <p:nvSpPr>
-          <p:cNvPr id="25" name="Rounded Rectangle 24"/>
-          <p:cNvSpPr/>
-          <p:nvPr/>
-        </p:nvSpPr>
-        <p:spPr>
-          <a:xfrm>
-            <a:off x="3781426" y="3312796"/>
-            <a:ext cx="2581274" cy="381000"/>
-          </a:xfrm>
-          <a:prstGeom prst="roundRect">
-            <a:avLst/>
-          </a:prstGeom>
-          <a:solidFill>
-            <a:srgbClr val="B5FFFF"/>
-          </a:solidFill>
-        </p:spPr>
-        <p:txBody>
-          <a:bodyPr wrap="square" rtlCol="0">
-            <a:spAutoFit/>
-          </a:bodyPr>
-          <a:lstStyle/>
-          <a:p>
-            <a:r>
-              <a:rPr lang="en-US" dirty="0" err="1">
-                <a:solidFill>
-                  <a:schemeClr val="bg1"/>
-                </a:solidFill>
-              </a:rPr>
-              <a:t>DriverNid</a:t>
-            </a:r>
-            <a:endParaRPr lang="en-US" dirty="0">
-              <a:solidFill>
-                <a:schemeClr val="bg1"/>
-              </a:solidFill>
-            </a:endParaRPr>
-          </a:p>
-        </p:txBody>
-      </p:sp>
-      <p:sp>
-        <p:nvSpPr>
-          <p:cNvPr id="26" name="Rounded Rectangle 25"/>
-          <p:cNvSpPr/>
-          <p:nvPr/>
-        </p:nvSpPr>
-        <p:spPr>
-          <a:xfrm>
-            <a:off x="6905626" y="2886075"/>
-            <a:ext cx="2581274" cy="285749"/>
-          </a:xfrm>
-          <a:prstGeom prst="roundRect">
-            <a:avLst/>
-          </a:prstGeom>
-          <a:solidFill>
-            <a:srgbClr val="B5FFFF"/>
-          </a:solidFill>
-        </p:spPr>
-        <p:txBody>
-          <a:bodyPr wrap="square" rtlCol="0">
-            <a:spAutoFit/>
-          </a:bodyPr>
-          <a:lstStyle/>
-          <a:p>
-            <a:r>
-              <a:rPr lang="en-US" dirty="0" err="1">
-                <a:solidFill>
-                  <a:schemeClr val="bg1"/>
-                </a:solidFill>
-              </a:rPr>
-              <a:t>DrivingLicenseNo</a:t>
-            </a:r>
-            <a:endParaRPr lang="en-US" dirty="0">
-              <a:solidFill>
-                <a:schemeClr val="bg1"/>
-              </a:solidFill>
-            </a:endParaRPr>
-          </a:p>
-        </p:txBody>
-      </p:sp>
-      <p:sp>
-        <p:nvSpPr>
-          <p:cNvPr id="28" name="Rounded Rectangle 27"/>
-          <p:cNvSpPr/>
-          <p:nvPr/>
-        </p:nvSpPr>
-        <p:spPr>
-          <a:xfrm>
-            <a:off x="6922769" y="2149794"/>
-            <a:ext cx="2581274" cy="381000"/>
-          </a:xfrm>
-          <a:prstGeom prst="roundRect">
-            <a:avLst/>
-          </a:prstGeom>
-          <a:solidFill>
-            <a:srgbClr val="B5FFFF"/>
-          </a:solidFill>
-        </p:spPr>
-        <p:txBody>
-          <a:bodyPr wrap="square" rtlCol="0">
-            <a:spAutoFit/>
-          </a:bodyPr>
-          <a:lstStyle/>
-          <a:p>
-            <a:r>
-              <a:rPr lang="en-US" dirty="0" err="1">
-                <a:solidFill>
-                  <a:schemeClr val="bg1"/>
-                </a:solidFill>
-              </a:rPr>
-              <a:t>PhoneNumber</a:t>
-            </a:r>
-            <a:endParaRPr lang="en-US" dirty="0">
-              <a:solidFill>
-                <a:schemeClr val="bg1"/>
-              </a:solidFill>
-            </a:endParaRPr>
-          </a:p>
-        </p:txBody>
-      </p:sp>
-      <p:sp>
-        <p:nvSpPr>
-          <p:cNvPr id="29" name="Rounded Rectangle 28"/>
-          <p:cNvSpPr/>
-          <p:nvPr/>
-        </p:nvSpPr>
-        <p:spPr>
-          <a:xfrm>
-            <a:off x="6905626" y="3408047"/>
-            <a:ext cx="2581274" cy="285749"/>
-          </a:xfrm>
-          <a:prstGeom prst="roundRect">
-            <a:avLst/>
-          </a:prstGeom>
-          <a:solidFill>
-            <a:srgbClr val="B5FFFF"/>
-          </a:solidFill>
-        </p:spPr>
-        <p:txBody>
-          <a:bodyPr wrap="square" rtlCol="0">
-            <a:spAutoFit/>
-          </a:bodyPr>
-          <a:lstStyle/>
-          <a:p>
-            <a:r>
-              <a:rPr lang="en-US" dirty="0" err="1">
-                <a:solidFill>
-                  <a:schemeClr val="bg1"/>
-                </a:solidFill>
-              </a:rPr>
-              <a:t>DriverImage</a:t>
-            </a:r>
-            <a:endParaRPr lang="en-US" dirty="0">
-              <a:solidFill>
-                <a:schemeClr val="bg1"/>
-              </a:solidFill>
-            </a:endParaRPr>
-          </a:p>
-        </p:txBody>
-      </p:sp>
-      <p:sp>
-        <p:nvSpPr>
-          <p:cNvPr id="30" name="Rounded Rectangle 29"/>
-          <p:cNvSpPr/>
-          <p:nvPr/>
-        </p:nvSpPr>
-        <p:spPr>
-          <a:xfrm>
-            <a:off x="3762376" y="3970015"/>
-            <a:ext cx="2727324" cy="396249"/>
-          </a:xfrm>
-          <a:prstGeom prst="roundRect">
-            <a:avLst/>
-          </a:prstGeom>
-          <a:solidFill>
-            <a:srgbClr val="B5FFFF"/>
-          </a:solidFill>
-        </p:spPr>
-        <p:txBody>
-          <a:bodyPr wrap="square" rtlCol="0">
-            <a:spAutoFit/>
-          </a:bodyPr>
-          <a:lstStyle/>
-          <a:p>
-            <a:r>
-              <a:rPr lang="en-US" dirty="0" err="1">
-                <a:solidFill>
-                  <a:schemeClr val="bg1"/>
-                </a:solidFill>
-              </a:rPr>
-              <a:t>CompanyId</a:t>
-            </a:r>
-            <a:endParaRPr lang="en-US" dirty="0">
-              <a:solidFill>
-                <a:schemeClr val="bg1"/>
-              </a:solidFill>
-            </a:endParaRPr>
-          </a:p>
-        </p:txBody>
-      </p:sp>
-      <p:sp>
-        <p:nvSpPr>
-          <p:cNvPr id="31" name="Rounded Rectangle 30"/>
-          <p:cNvSpPr/>
-          <p:nvPr/>
-        </p:nvSpPr>
-        <p:spPr>
-          <a:xfrm>
-            <a:off x="6922769" y="4002421"/>
-            <a:ext cx="2581274" cy="285749"/>
-          </a:xfrm>
-          <a:prstGeom prst="roundRect">
-            <a:avLst/>
-          </a:prstGeom>
-          <a:solidFill>
-            <a:srgbClr val="B5FFFF"/>
-          </a:solidFill>
-        </p:spPr>
-        <p:txBody>
-          <a:bodyPr wrap="square" rtlCol="0">
-            <a:spAutoFit/>
-          </a:bodyPr>
-          <a:lstStyle/>
-          <a:p>
-            <a:r>
-              <a:rPr lang="en-US" dirty="0">
-                <a:solidFill>
-                  <a:schemeClr val="bg1"/>
-                </a:solidFill>
-              </a:rPr>
-              <a:t>Status</a:t>
-            </a:r>
-          </a:p>
-        </p:txBody>
-      </p:sp>
-      <p:sp>
-        <p:nvSpPr>
-          <p:cNvPr id="32" name="Rounded Rectangle 31"/>
-          <p:cNvSpPr/>
-          <p:nvPr/>
-        </p:nvSpPr>
-        <p:spPr>
-          <a:xfrm>
-            <a:off x="5734050" y="5173991"/>
-            <a:ext cx="1752600" cy="313379"/>
-          </a:xfrm>
-          <a:prstGeom prst="roundRect">
+            <a:off x="4457700" y="1358900"/>
+            <a:ext cx="2324100" cy="431800"/>
+          </a:xfrm>
+          <a:prstGeom prst="rect">
             <a:avLst/>
           </a:prstGeom>
         </p:spPr>
@@ -6658,141 +6468,17 @@
           <a:p>
             <a:pPr algn="ctr"/>
             <a:r>
-              <a:rPr lang="en-US" dirty="0"/>
-              <a:t>Create</a:t>
-            </a:r>
-          </a:p>
-        </p:txBody>
-      </p:sp>
-      <p:sp>
-        <p:nvSpPr>
-          <p:cNvPr id="33" name="Rounded Rectangle 32"/>
-          <p:cNvSpPr/>
-          <p:nvPr/>
-        </p:nvSpPr>
-        <p:spPr>
-          <a:xfrm>
-            <a:off x="3781426" y="4627253"/>
-            <a:ext cx="2581274" cy="285749"/>
-          </a:xfrm>
-          <a:prstGeom prst="roundRect">
-            <a:avLst/>
-          </a:prstGeom>
-          <a:solidFill>
-            <a:srgbClr val="B5FFFF"/>
-          </a:solidFill>
-        </p:spPr>
-        <p:txBody>
-          <a:bodyPr wrap="square" rtlCol="0">
-            <a:spAutoFit/>
-          </a:bodyPr>
-          <a:lstStyle/>
-          <a:p>
-            <a:r>
-              <a:rPr lang="en-US" dirty="0" err="1">
-                <a:solidFill>
-                  <a:schemeClr val="bg1"/>
-                </a:solidFill>
-              </a:rPr>
-              <a:t>DriverLaitude</a:t>
-            </a:r>
-            <a:endParaRPr lang="en-US" dirty="0">
-              <a:solidFill>
-                <a:schemeClr val="bg1"/>
-              </a:solidFill>
-            </a:endParaRPr>
-          </a:p>
-        </p:txBody>
-      </p:sp>
-      <p:sp>
-        <p:nvSpPr>
-          <p:cNvPr id="34" name="Rounded Rectangle 33"/>
-          <p:cNvSpPr/>
-          <p:nvPr/>
-        </p:nvSpPr>
-        <p:spPr>
-          <a:xfrm>
-            <a:off x="6922769" y="4612980"/>
-            <a:ext cx="2581274" cy="285749"/>
-          </a:xfrm>
-          <a:prstGeom prst="roundRect">
-            <a:avLst/>
-          </a:prstGeom>
-          <a:solidFill>
-            <a:srgbClr val="B5FFFF"/>
-          </a:solidFill>
-        </p:spPr>
-        <p:txBody>
-          <a:bodyPr wrap="square" rtlCol="0">
-            <a:spAutoFit/>
-          </a:bodyPr>
-          <a:lstStyle/>
-          <a:p>
-            <a:r>
-              <a:rPr lang="en-US" dirty="0" err="1">
-                <a:solidFill>
-                  <a:schemeClr val="bg1"/>
-                </a:solidFill>
-              </a:rPr>
-              <a:t>DriverLongtiude</a:t>
-            </a:r>
-            <a:endParaRPr lang="en-US" dirty="0">
-              <a:solidFill>
-                <a:schemeClr val="bg1"/>
-              </a:solidFill>
-            </a:endParaRPr>
-          </a:p>
-        </p:txBody>
-      </p:sp>
-      <p:sp>
-        <p:nvSpPr>
-          <p:cNvPr id="35" name="Down Arrow 34"/>
-          <p:cNvSpPr/>
-          <p:nvPr/>
-        </p:nvSpPr>
-        <p:spPr>
-          <a:xfrm>
-            <a:off x="5943600" y="4002421"/>
-            <a:ext cx="419100" cy="232396"/>
-          </a:xfrm>
-          <a:prstGeom prst="downArrow">
-            <a:avLst/>
-          </a:prstGeom>
-          <a:solidFill>
-            <a:schemeClr val="accent4">
-              <a:lumMod val="50000"/>
-            </a:schemeClr>
-          </a:solidFill>
-        </p:spPr>
-        <p:style>
-          <a:lnRef idx="2">
-            <a:schemeClr val="accent1">
-              <a:shade val="50000"/>
-            </a:schemeClr>
-          </a:lnRef>
-          <a:fillRef idx="1">
-            <a:schemeClr val="accent1"/>
-          </a:fillRef>
-          <a:effectRef idx="0">
-            <a:schemeClr val="accent1"/>
-          </a:effectRef>
-          <a:fontRef idx="minor">
-            <a:schemeClr val="lt1"/>
-          </a:fontRef>
-        </p:style>
-        <p:txBody>
-          <a:bodyPr rtlCol="0" anchor="ctr"/>
-          <a:lstStyle/>
-          <a:p>
-            <a:pPr algn="ctr"/>
-            <a:endParaRPr lang="en-US"/>
+              <a:rPr lang="en-US" dirty="0" err="1"/>
+              <a:t>VehicleType</a:t>
+            </a:r>
+            <a:endParaRPr lang="en-US" dirty="0"/>
           </a:p>
         </p:txBody>
       </p:sp>
     </p:spTree>
     <p:extLst>
       <p:ext uri="{BB962C8B-B14F-4D97-AF65-F5344CB8AC3E}">
-        <p14:creationId xmlns:p14="http://schemas.microsoft.com/office/powerpoint/2010/main" val="1847604047"/>
+        <p14:creationId xmlns:p14="http://schemas.microsoft.com/office/powerpoint/2010/main" val="2060821224"/>
       </p:ext>
     </p:extLst>
   </p:cSld>
@@ -6821,24 +6507,18 @@
       </p:grpSpPr>
       <p:sp>
         <p:nvSpPr>
-          <p:cNvPr id="5" name="Rectangle 4"/>
+          <p:cNvPr id="5" name="Rounded Rectangle 4"/>
           <p:cNvSpPr/>
           <p:nvPr/>
         </p:nvSpPr>
         <p:spPr>
           <a:xfrm>
-            <a:off x="2554921" y="990600"/>
-            <a:ext cx="7797800" cy="5372100"/>
-          </a:xfrm>
-          <a:prstGeom prst="rect">
-            <a:avLst/>
-          </a:prstGeom>
-          <a:solidFill>
-            <a:schemeClr val="accent5"/>
-          </a:solidFill>
-          <a:ln>
-            <a:noFill/>
-          </a:ln>
+            <a:off x="2844800" y="1270000"/>
+            <a:ext cx="76200" cy="45719"/>
+          </a:xfrm>
+          <a:prstGeom prst="roundRect">
+            <a:avLst/>
+          </a:prstGeom>
         </p:spPr>
         <p:style>
           <a:lnRef idx="2">
@@ -6867,14 +6547,62 @@
       </p:sp>
       <p:sp>
         <p:nvSpPr>
-          <p:cNvPr id="11" name="Rounded Rectangle 10"/>
+          <p:cNvPr id="6" name="Rectangle 5"/>
           <p:cNvSpPr/>
           <p:nvPr/>
         </p:nvSpPr>
         <p:spPr>
           <a:xfrm>
-            <a:off x="4508500" y="1094112"/>
-            <a:ext cx="3890644" cy="365760"/>
+            <a:off x="2844800" y="1315719"/>
+            <a:ext cx="7137400" cy="5097781"/>
+          </a:xfrm>
+          <a:prstGeom prst="rect">
+            <a:avLst/>
+          </a:prstGeom>
+          <a:solidFill>
+            <a:schemeClr val="accent5">
+              <a:lumMod val="75000"/>
+            </a:schemeClr>
+          </a:solidFill>
+          <a:ln>
+            <a:noFill/>
+          </a:ln>
+        </p:spPr>
+        <p:style>
+          <a:lnRef idx="2">
+            <a:schemeClr val="accent1">
+              <a:shade val="50000"/>
+            </a:schemeClr>
+          </a:lnRef>
+          <a:fillRef idx="1">
+            <a:schemeClr val="accent1"/>
+          </a:fillRef>
+          <a:effectRef idx="0">
+            <a:schemeClr val="accent1"/>
+          </a:effectRef>
+          <a:fontRef idx="minor">
+            <a:schemeClr val="lt1"/>
+          </a:fontRef>
+        </p:style>
+        <p:txBody>
+          <a:bodyPr rtlCol="0" anchor="ctr"/>
+          <a:lstStyle/>
+          <a:p>
+            <a:pPr algn="ctr"/>
+            <a:endParaRPr lang="en-US"/>
+          </a:p>
+        </p:txBody>
+      </p:sp>
+      <p:sp>
+        <p:nvSpPr>
+          <p:cNvPr id="23" name="Rounded Rectangle 22"/>
+          <p:cNvSpPr/>
+          <p:nvPr/>
+        </p:nvSpPr>
+        <p:spPr>
+          <a:xfrm>
+            <a:off x="4524375" y="1254034"/>
+            <a:ext cx="4171950" cy="365760"/>
           </a:xfrm>
           <a:prstGeom prst="roundRect">
             <a:avLst/>
@@ -6902,23 +6630,22 @@
           <a:p>
             <a:pPr algn="ctr"/>
             <a:r>
-              <a:rPr lang="en-US" dirty="0" err="1"/>
-              <a:t>DriverVehicle</a:t>
-            </a:r>
-            <a:endParaRPr lang="en-US" dirty="0"/>
-          </a:p>
-        </p:txBody>
-      </p:sp>
-      <p:sp>
-        <p:nvSpPr>
-          <p:cNvPr id="13" name="Rounded Rectangle 12"/>
+              <a:rPr lang="en-US" dirty="0"/>
+              <a:t>Vehicle</a:t>
+            </a:r>
+          </a:p>
+        </p:txBody>
+      </p:sp>
+      <p:sp>
+        <p:nvSpPr>
+          <p:cNvPr id="24" name="Rounded Rectangle 23"/>
           <p:cNvSpPr/>
           <p:nvPr/>
         </p:nvSpPr>
         <p:spPr>
           <a:xfrm>
-            <a:off x="3380103" y="2245359"/>
-            <a:ext cx="2499998" cy="402592"/>
+            <a:off x="3502026" y="2130113"/>
+            <a:ext cx="2581274" cy="295275"/>
           </a:xfrm>
           <a:prstGeom prst="roundRect">
             <a:avLst/>
@@ -6939,7 +6666,7 @@
                   <a:schemeClr val="bg1"/>
                 </a:solidFill>
               </a:rPr>
-              <a:t> </a:t>
+              <a:t>       </a:t>
             </a:r>
             <a:r>
               <a:rPr lang="en-US" dirty="0" err="1">
@@ -6947,85 +6674,7 @@
                   <a:schemeClr val="bg1"/>
                 </a:solidFill>
               </a:rPr>
-              <a:t>DriverId</a:t>
-            </a:r>
-            <a:r>
-              <a:rPr lang="en-US" dirty="0">
-                <a:solidFill>
-                  <a:schemeClr val="bg1"/>
-                </a:solidFill>
-              </a:rPr>
-              <a:t>   </a:t>
-            </a:r>
-          </a:p>
-        </p:txBody>
-      </p:sp>
-      <p:sp>
-        <p:nvSpPr>
-          <p:cNvPr id="14" name="Rounded Rectangle 13"/>
-          <p:cNvSpPr/>
-          <p:nvPr/>
-        </p:nvSpPr>
-        <p:spPr>
-          <a:xfrm>
-            <a:off x="3388994" y="3051489"/>
-            <a:ext cx="2581274" cy="285749"/>
-          </a:xfrm>
-          <a:prstGeom prst="roundRect">
-            <a:avLst/>
-          </a:prstGeom>
-          <a:solidFill>
-            <a:srgbClr val="B5FFFF"/>
-          </a:solidFill>
-        </p:spPr>
-        <p:txBody>
-          <a:bodyPr wrap="square" rtlCol="0">
-            <a:spAutoFit/>
-          </a:bodyPr>
-          <a:lstStyle/>
-          <a:p>
-            <a:r>
-              <a:rPr lang="en-US" dirty="0">
-                <a:solidFill>
-                  <a:schemeClr val="bg1"/>
-                </a:solidFill>
-              </a:rPr>
-              <a:t>Status</a:t>
-            </a:r>
-          </a:p>
-        </p:txBody>
-      </p:sp>
-      <p:sp>
-        <p:nvSpPr>
-          <p:cNvPr id="16" name="Rounded Rectangle 15"/>
-          <p:cNvSpPr/>
-          <p:nvPr/>
-        </p:nvSpPr>
-        <p:spPr>
-          <a:xfrm>
-            <a:off x="6453821" y="2647950"/>
-            <a:ext cx="2581274" cy="381000"/>
-          </a:xfrm>
-          <a:prstGeom prst="roundRect">
-            <a:avLst/>
-          </a:prstGeom>
-          <a:solidFill>
-            <a:srgbClr val="B5FFFF"/>
-          </a:solidFill>
-        </p:spPr>
-        <p:txBody>
-          <a:bodyPr wrap="square" rtlCol="0">
-            <a:spAutoFit/>
-          </a:bodyPr>
-          <a:lstStyle/>
-          <a:p>
-            <a:r>
-              <a:rPr lang="en-US" dirty="0" err="1">
-                <a:solidFill>
-                  <a:schemeClr val="bg1"/>
-                </a:solidFill>
-              </a:rPr>
-              <a:t>VehicleId</a:t>
+              <a:t>VehicleBrand</a:t>
             </a:r>
             <a:endParaRPr lang="en-US" dirty="0">
               <a:solidFill>
@@ -7037,19 +6686,257 @@
       </p:sp>
       <p:sp>
         <p:nvSpPr>
-          <p:cNvPr id="17" name="Rounded Rectangle 16"/>
+          <p:cNvPr id="25" name="Rounded Rectangle 24"/>
           <p:cNvSpPr/>
           <p:nvPr/>
         </p:nvSpPr>
         <p:spPr>
           <a:xfrm>
-            <a:off x="5474969" y="3916669"/>
-            <a:ext cx="1209675" cy="323850"/>
+            <a:off x="3502026" y="2798766"/>
+            <a:ext cx="2581274" cy="285749"/>
           </a:xfrm>
           <a:prstGeom prst="roundRect">
-            <a:avLst>
-              <a:gd name="adj" fmla="val 20589"/>
-            </a:avLst>
+            <a:avLst/>
+          </a:prstGeom>
+          <a:solidFill>
+            <a:srgbClr val="B5FFFF"/>
+          </a:solidFill>
+        </p:spPr>
+        <p:txBody>
+          <a:bodyPr wrap="square" rtlCol="0">
+            <a:spAutoFit/>
+          </a:bodyPr>
+          <a:lstStyle/>
+          <a:p>
+            <a:r>
+              <a:rPr lang="en-US" dirty="0" err="1">
+                <a:solidFill>
+                  <a:schemeClr val="bg1"/>
+                </a:solidFill>
+              </a:rPr>
+              <a:t>VehicleCapacity</a:t>
+            </a:r>
+            <a:endParaRPr lang="en-US" dirty="0">
+              <a:solidFill>
+                <a:schemeClr val="bg1"/>
+              </a:solidFill>
+            </a:endParaRPr>
+          </a:p>
+        </p:txBody>
+      </p:sp>
+      <p:sp>
+        <p:nvSpPr>
+          <p:cNvPr id="27" name="Rounded Rectangle 26"/>
+          <p:cNvSpPr/>
+          <p:nvPr/>
+        </p:nvSpPr>
+        <p:spPr>
+          <a:xfrm>
+            <a:off x="3502026" y="3312796"/>
+            <a:ext cx="2581274" cy="381000"/>
+          </a:xfrm>
+          <a:prstGeom prst="roundRect">
+            <a:avLst/>
+          </a:prstGeom>
+          <a:solidFill>
+            <a:srgbClr val="B5FFFF"/>
+          </a:solidFill>
+        </p:spPr>
+        <p:txBody>
+          <a:bodyPr wrap="square" rtlCol="0">
+            <a:spAutoFit/>
+          </a:bodyPr>
+          <a:lstStyle/>
+          <a:p>
+            <a:r>
+              <a:rPr lang="en-US" dirty="0" err="1">
+                <a:solidFill>
+                  <a:schemeClr val="bg1"/>
+                </a:solidFill>
+              </a:rPr>
+              <a:t>VehicleChassisNo</a:t>
+            </a:r>
+            <a:endParaRPr lang="en-US" dirty="0">
+              <a:solidFill>
+                <a:schemeClr val="bg1"/>
+              </a:solidFill>
+            </a:endParaRPr>
+          </a:p>
+        </p:txBody>
+      </p:sp>
+      <p:sp>
+        <p:nvSpPr>
+          <p:cNvPr id="28" name="Rounded Rectangle 27"/>
+          <p:cNvSpPr/>
+          <p:nvPr/>
+        </p:nvSpPr>
+        <p:spPr>
+          <a:xfrm>
+            <a:off x="6914196" y="2872171"/>
+            <a:ext cx="2713129" cy="464437"/>
+          </a:xfrm>
+          <a:prstGeom prst="roundRect">
+            <a:avLst/>
+          </a:prstGeom>
+          <a:solidFill>
+            <a:srgbClr val="B5FFFF"/>
+          </a:solidFill>
+        </p:spPr>
+        <p:txBody>
+          <a:bodyPr wrap="square" rtlCol="0">
+            <a:spAutoFit/>
+          </a:bodyPr>
+          <a:lstStyle/>
+          <a:p>
+            <a:r>
+              <a:rPr lang="en-US" dirty="0" err="1">
+                <a:solidFill>
+                  <a:schemeClr val="bg1"/>
+                </a:solidFill>
+              </a:rPr>
+              <a:t>VehicleRegistrationNo</a:t>
+            </a:r>
+            <a:endParaRPr lang="en-US" dirty="0">
+              <a:solidFill>
+                <a:schemeClr val="bg1"/>
+              </a:solidFill>
+            </a:endParaRPr>
+          </a:p>
+        </p:txBody>
+      </p:sp>
+      <p:sp>
+        <p:nvSpPr>
+          <p:cNvPr id="30" name="Rounded Rectangle 29"/>
+          <p:cNvSpPr/>
+          <p:nvPr/>
+        </p:nvSpPr>
+        <p:spPr>
+          <a:xfrm>
+            <a:off x="6905626" y="2117646"/>
+            <a:ext cx="2598417" cy="381000"/>
+          </a:xfrm>
+          <a:prstGeom prst="roundRect">
+            <a:avLst/>
+          </a:prstGeom>
+          <a:solidFill>
+            <a:srgbClr val="B5FFFF"/>
+          </a:solidFill>
+        </p:spPr>
+        <p:txBody>
+          <a:bodyPr wrap="square" rtlCol="0">
+            <a:spAutoFit/>
+          </a:bodyPr>
+          <a:lstStyle/>
+          <a:p>
+            <a:r>
+              <a:rPr lang="en-US" dirty="0" err="1">
+                <a:solidFill>
+                  <a:schemeClr val="bg1"/>
+                </a:solidFill>
+              </a:rPr>
+              <a:t>VehicleModel</a:t>
+            </a:r>
+            <a:endParaRPr lang="en-US" dirty="0">
+              <a:solidFill>
+                <a:schemeClr val="bg1"/>
+              </a:solidFill>
+            </a:endParaRPr>
+          </a:p>
+        </p:txBody>
+      </p:sp>
+      <p:sp>
+        <p:nvSpPr>
+          <p:cNvPr id="31" name="Rounded Rectangle 30"/>
+          <p:cNvSpPr/>
+          <p:nvPr/>
+        </p:nvSpPr>
+        <p:spPr>
+          <a:xfrm>
+            <a:off x="6905626" y="3488692"/>
+            <a:ext cx="2581274" cy="285749"/>
+          </a:xfrm>
+          <a:prstGeom prst="roundRect">
+            <a:avLst/>
+          </a:prstGeom>
+          <a:solidFill>
+            <a:srgbClr val="B5FFFF"/>
+          </a:solidFill>
+        </p:spPr>
+        <p:txBody>
+          <a:bodyPr wrap="square" rtlCol="0">
+            <a:spAutoFit/>
+          </a:bodyPr>
+          <a:lstStyle/>
+          <a:p>
+            <a:r>
+              <a:rPr lang="en-US" dirty="0" err="1">
+                <a:solidFill>
+                  <a:schemeClr val="bg1"/>
+                </a:solidFill>
+              </a:rPr>
+              <a:t>VehicleLicence</a:t>
+            </a:r>
+            <a:endParaRPr lang="en-US" dirty="0">
+              <a:solidFill>
+                <a:schemeClr val="bg1"/>
+              </a:solidFill>
+            </a:endParaRPr>
+          </a:p>
+        </p:txBody>
+      </p:sp>
+      <p:sp>
+        <p:nvSpPr>
+          <p:cNvPr id="32" name="Rounded Rectangle 31"/>
+          <p:cNvSpPr/>
+          <p:nvPr/>
+        </p:nvSpPr>
+        <p:spPr>
+          <a:xfrm>
+            <a:off x="3375026" y="3885092"/>
+            <a:ext cx="2708274" cy="393286"/>
+          </a:xfrm>
+          <a:prstGeom prst="roundRect">
+            <a:avLst/>
+          </a:prstGeom>
+          <a:solidFill>
+            <a:srgbClr val="B5FFFF"/>
+          </a:solidFill>
+        </p:spPr>
+        <p:txBody>
+          <a:bodyPr wrap="square" rtlCol="0">
+            <a:spAutoFit/>
+          </a:bodyPr>
+          <a:lstStyle/>
+          <a:p>
+            <a:r>
+              <a:rPr lang="en-US" dirty="0" err="1">
+                <a:solidFill>
+                  <a:schemeClr val="bg1"/>
+                </a:solidFill>
+              </a:rPr>
+              <a:t>VehicleTypeId</a:t>
+            </a:r>
+            <a:endParaRPr lang="en-US" dirty="0">
+              <a:solidFill>
+                <a:schemeClr val="bg1"/>
+              </a:solidFill>
+            </a:endParaRPr>
+          </a:p>
+        </p:txBody>
+      </p:sp>
+      <p:sp>
+        <p:nvSpPr>
+          <p:cNvPr id="33" name="Rounded Rectangle 32"/>
+          <p:cNvSpPr/>
+          <p:nvPr/>
+        </p:nvSpPr>
+        <p:spPr>
+          <a:xfrm>
+            <a:off x="5734050" y="5083972"/>
+            <a:ext cx="1752600" cy="313379"/>
+          </a:xfrm>
+          <a:prstGeom prst="roundRect">
+            <a:avLst/>
           </a:prstGeom>
         </p:spPr>
         <p:style>
@@ -7082,59 +6969,49 @@
       </p:sp>
       <p:sp>
         <p:nvSpPr>
-          <p:cNvPr id="18" name="Down Arrow 17"/>
+          <p:cNvPr id="34" name="Rounded Rectangle 33"/>
           <p:cNvSpPr/>
           <p:nvPr/>
         </p:nvSpPr>
         <p:spPr>
           <a:xfrm>
-            <a:off x="5429250" y="2347591"/>
-            <a:ext cx="400050" cy="300359"/>
-          </a:xfrm>
-          <a:prstGeom prst="downArrow">
+            <a:off x="6922769" y="3960261"/>
+            <a:ext cx="2581274" cy="285749"/>
+          </a:xfrm>
+          <a:prstGeom prst="roundRect">
             <a:avLst/>
           </a:prstGeom>
           <a:solidFill>
-            <a:schemeClr val="accent2">
-              <a:lumMod val="50000"/>
-            </a:schemeClr>
+            <a:srgbClr val="B5FFFF"/>
           </a:solidFill>
         </p:spPr>
-        <p:style>
-          <a:lnRef idx="2">
-            <a:schemeClr val="accent1">
-              <a:shade val="50000"/>
-            </a:schemeClr>
-          </a:lnRef>
-          <a:fillRef idx="1">
-            <a:schemeClr val="accent1"/>
-          </a:fillRef>
-          <a:effectRef idx="0">
-            <a:schemeClr val="accent1"/>
-          </a:effectRef>
-          <a:fontRef idx="minor">
-            <a:schemeClr val="lt1"/>
-          </a:fontRef>
-        </p:style>
-        <p:txBody>
-          <a:bodyPr rtlCol="0" anchor="ctr"/>
-          <a:lstStyle/>
-          <a:p>
-            <a:pPr algn="ctr"/>
-            <a:endParaRPr lang="en-US"/>
-          </a:p>
-        </p:txBody>
-      </p:sp>
-      <p:sp>
-        <p:nvSpPr>
-          <p:cNvPr id="6" name="Down Arrow 5"/>
+        <p:txBody>
+          <a:bodyPr wrap="square" rtlCol="0">
+            <a:spAutoFit/>
+          </a:bodyPr>
+          <a:lstStyle/>
+          <a:p>
+            <a:r>
+              <a:rPr lang="en-US" dirty="0">
+                <a:solidFill>
+                  <a:schemeClr val="bg1"/>
+                </a:solidFill>
+              </a:rPr>
+              <a:t>Status</a:t>
+            </a:r>
+          </a:p>
+        </p:txBody>
+      </p:sp>
+      <p:sp>
+        <p:nvSpPr>
+          <p:cNvPr id="35" name="Down Arrow 34"/>
           <p:cNvSpPr/>
           <p:nvPr/>
         </p:nvSpPr>
         <p:spPr>
           <a:xfrm>
-            <a:off x="8399144" y="2647950"/>
-            <a:ext cx="516256" cy="403539"/>
+            <a:off x="5627369" y="3960261"/>
+            <a:ext cx="455931" cy="285749"/>
           </a:xfrm>
           <a:prstGeom prst="downArrow">
             <a:avLst/>
@@ -7147,18 +7024,16 @@
         </p:spPr>
         <p:style>
           <a:lnRef idx="2">
-            <a:schemeClr val="accent1">
-              <a:shade val="50000"/>
-            </a:schemeClr>
+            <a:schemeClr val="accent6"/>
           </a:lnRef>
           <a:fillRef idx="1">
-            <a:schemeClr val="accent1"/>
+            <a:schemeClr val="lt1"/>
           </a:fillRef>
           <a:effectRef idx="0">
-            <a:schemeClr val="accent1"/>
+            <a:schemeClr val="accent6"/>
           </a:effectRef>
           <a:fontRef idx="minor">
-            <a:schemeClr val="lt1"/>
+            <a:schemeClr val="dk1"/>
           </a:fontRef>
         </p:style>
         <p:txBody>
@@ -7166,14 +7041,20 @@
           <a:lstStyle/>
           <a:p>
             <a:pPr algn="ctr"/>
-            <a:endParaRPr lang="en-US"/>
+            <a:endParaRPr lang="en-US">
+              <a:solidFill>
+                <a:schemeClr val="accent4">
+                  <a:lumMod val="75000"/>
+                </a:schemeClr>
+              </a:solidFill>
+            </a:endParaRPr>
           </a:p>
         </p:txBody>
       </p:sp>
     </p:spTree>
     <p:extLst>
       <p:ext uri="{BB962C8B-B14F-4D97-AF65-F5344CB8AC3E}">
-        <p14:creationId xmlns:p14="http://schemas.microsoft.com/office/powerpoint/2010/main" val="1243093046"/>
+        <p14:creationId xmlns:p14="http://schemas.microsoft.com/office/powerpoint/2010/main" val="507870120"/>
       </p:ext>
     </p:extLst>
   </p:cSld>
@@ -7202,20 +7083,22 @@
       </p:grpSpPr>
       <p:sp>
         <p:nvSpPr>
-          <p:cNvPr id="2" name="Rectangle 1"/>
+          <p:cNvPr id="3" name="Rectangle 2"/>
           <p:cNvSpPr/>
           <p:nvPr/>
         </p:nvSpPr>
         <p:spPr>
           <a:xfrm>
-            <a:off x="2209800" y="850900"/>
-            <a:ext cx="8445500" cy="5461000"/>
+            <a:off x="1803400" y="850900"/>
+            <a:ext cx="8978900" cy="5575300"/>
           </a:xfrm>
           <a:prstGeom prst="rect">
             <a:avLst/>
           </a:prstGeom>
           <a:solidFill>
-            <a:schemeClr val="accent5"/>
+            <a:schemeClr val="accent5">
+              <a:lumMod val="50000"/>
+            </a:schemeClr>
           </a:solidFill>
           <a:ln>
             <a:noFill/>
@@ -7248,7 +7131,7 @@
       </p:sp>
       <p:sp>
         <p:nvSpPr>
-          <p:cNvPr id="17" name="Rounded Rectangle 16"/>
+          <p:cNvPr id="21" name="Rounded Rectangle 20"/>
           <p:cNvSpPr/>
           <p:nvPr/>
         </p:nvSpPr>
@@ -7284,14 +7167,14 @@
             <a:pPr algn="ctr"/>
             <a:r>
               <a:rPr lang="en-US" dirty="0"/>
-              <a:t>Customer</a:t>
-            </a:r>
-          </a:p>
-        </p:txBody>
-      </p:sp>
-      <p:sp>
-        <p:nvSpPr>
-          <p:cNvPr id="19" name="Rounded Rectangle 18"/>
+              <a:t>Driver</a:t>
+            </a:r>
+          </a:p>
+        </p:txBody>
+      </p:sp>
+      <p:sp>
+        <p:nvSpPr>
+          <p:cNvPr id="22" name="Rounded Rectangle 21"/>
           <p:cNvSpPr/>
           <p:nvPr/>
         </p:nvSpPr>
@@ -7319,7 +7202,7 @@
                   <a:schemeClr val="bg1"/>
                 </a:solidFill>
               </a:rPr>
-              <a:t>         </a:t>
+              <a:t>        </a:t>
             </a:r>
             <a:r>
               <a:rPr lang="en-US" dirty="0" err="1">
@@ -7327,7 +7210,7 @@
                   <a:schemeClr val="bg1"/>
                 </a:solidFill>
               </a:rPr>
-              <a:t>CustomerName</a:t>
+              <a:t>DriverName</a:t>
             </a:r>
             <a:endParaRPr lang="en-US" dirty="0">
               <a:solidFill>
@@ -7362,12 +7245,47 @@
           <a:lstStyle/>
           <a:p>
             <a:r>
+              <a:rPr lang="en-US" dirty="0">
+                <a:solidFill>
+                  <a:schemeClr val="bg1"/>
+                </a:solidFill>
+              </a:rPr>
+              <a:t>Email</a:t>
+            </a:r>
+          </a:p>
+        </p:txBody>
+      </p:sp>
+      <p:sp>
+        <p:nvSpPr>
+          <p:cNvPr id="25" name="Rounded Rectangle 24"/>
+          <p:cNvSpPr/>
+          <p:nvPr/>
+        </p:nvSpPr>
+        <p:spPr>
+          <a:xfrm>
+            <a:off x="3781426" y="3312796"/>
+            <a:ext cx="2581274" cy="381000"/>
+          </a:xfrm>
+          <a:prstGeom prst="roundRect">
+            <a:avLst/>
+          </a:prstGeom>
+          <a:solidFill>
+            <a:srgbClr val="B5FFFF"/>
+          </a:solidFill>
+        </p:spPr>
+        <p:txBody>
+          <a:bodyPr wrap="square" rtlCol="0">
+            <a:spAutoFit/>
+          </a:bodyPr>
+          <a:lstStyle/>
+          <a:p>
+            <a:r>
               <a:rPr lang="en-US" dirty="0" err="1">
                 <a:solidFill>
                   <a:schemeClr val="bg1"/>
                 </a:solidFill>
               </a:rPr>
-              <a:t>CustomerEmail</a:t>
+              <a:t>DriverNid</a:t>
             </a:r>
             <a:endParaRPr lang="en-US" dirty="0">
               <a:solidFill>
@@ -7379,14 +7297,14 @@
       </p:sp>
       <p:sp>
         <p:nvSpPr>
-          <p:cNvPr id="25" name="Rounded Rectangle 24"/>
+          <p:cNvPr id="26" name="Rounded Rectangle 25"/>
           <p:cNvSpPr/>
           <p:nvPr/>
         </p:nvSpPr>
         <p:spPr>
           <a:xfrm>
-            <a:off x="3781426" y="3312796"/>
-            <a:ext cx="2581274" cy="381000"/>
+            <a:off x="6905626" y="2886075"/>
+            <a:ext cx="2581274" cy="285749"/>
           </a:xfrm>
           <a:prstGeom prst="roundRect">
             <a:avLst/>
@@ -7407,7 +7325,7 @@
                   <a:schemeClr val="bg1"/>
                 </a:solidFill>
               </a:rPr>
-              <a:t>CustomerImage</a:t>
+              <a:t>DrivingLicenseNo</a:t>
             </a:r>
             <a:endParaRPr lang="en-US" dirty="0">
               <a:solidFill>
@@ -7419,14 +7337,14 @@
       </p:sp>
       <p:sp>
         <p:nvSpPr>
-          <p:cNvPr id="26" name="Rounded Rectangle 25"/>
+          <p:cNvPr id="28" name="Rounded Rectangle 27"/>
           <p:cNvSpPr/>
           <p:nvPr/>
         </p:nvSpPr>
         <p:spPr>
           <a:xfrm>
-            <a:off x="6905626" y="2886075"/>
-            <a:ext cx="2581274" cy="285749"/>
+            <a:off x="6922769" y="2149794"/>
+            <a:ext cx="2581274" cy="381000"/>
           </a:xfrm>
           <a:prstGeom prst="roundRect">
             <a:avLst/>
@@ -7447,7 +7365,7 @@
                   <a:schemeClr val="bg1"/>
                 </a:solidFill>
               </a:rPr>
-              <a:t>CustomerNID</a:t>
+              <a:t>PhoneNumber</a:t>
             </a:r>
             <a:endParaRPr lang="en-US" dirty="0">
               <a:solidFill>
@@ -7459,19 +7377,17 @@
       </p:sp>
       <p:sp>
         <p:nvSpPr>
-          <p:cNvPr id="28" name="Rounded Rectangle 27"/>
+          <p:cNvPr id="29" name="Rounded Rectangle 28"/>
           <p:cNvSpPr/>
           <p:nvPr/>
         </p:nvSpPr>
         <p:spPr>
           <a:xfrm>
-            <a:off x="6847838" y="2196464"/>
-            <a:ext cx="2931162" cy="381000"/>
+            <a:off x="6905626" y="3408047"/>
+            <a:ext cx="2581274" cy="285749"/>
           </a:xfrm>
           <a:prstGeom prst="roundRect">
-            <a:avLst>
-              <a:gd name="adj" fmla="val 0"/>
-            </a:avLst>
+            <a:avLst/>
           </a:prstGeom>
           <a:solidFill>
             <a:srgbClr val="B5FFFF"/>
@@ -7489,7 +7405,7 @@
                   <a:schemeClr val="bg1"/>
                 </a:solidFill>
               </a:rPr>
-              <a:t>CustomerPhoneNumber</a:t>
+              <a:t>DriverImage</a:t>
             </a:r>
             <a:endParaRPr lang="en-US" dirty="0">
               <a:solidFill>
@@ -7501,14 +7417,14 @@
       </p:sp>
       <p:sp>
         <p:nvSpPr>
-          <p:cNvPr id="29" name="Rounded Rectangle 28"/>
+          <p:cNvPr id="30" name="Rounded Rectangle 29"/>
           <p:cNvSpPr/>
           <p:nvPr/>
         </p:nvSpPr>
         <p:spPr>
           <a:xfrm>
-            <a:off x="6905626" y="3408047"/>
-            <a:ext cx="2581274" cy="285749"/>
+            <a:off x="3762376" y="3970015"/>
+            <a:ext cx="2727324" cy="396249"/>
           </a:xfrm>
           <a:prstGeom prst="roundRect">
             <a:avLst/>
@@ -7529,7 +7445,7 @@
                   <a:schemeClr val="bg1"/>
                 </a:solidFill>
               </a:rPr>
-              <a:t>CustomerImage</a:t>
+              <a:t>CompanyId</a:t>
             </a:r>
             <a:endParaRPr lang="en-US" dirty="0">
               <a:solidFill>
@@ -7541,13 +7457,13 @@
       </p:sp>
       <p:sp>
         <p:nvSpPr>
-          <p:cNvPr id="30" name="Rounded Rectangle 29"/>
+          <p:cNvPr id="31" name="Rounded Rectangle 30"/>
           <p:cNvSpPr/>
           <p:nvPr/>
         </p:nvSpPr>
         <p:spPr>
           <a:xfrm>
-            <a:off x="3781426" y="3949068"/>
+            <a:off x="6922769" y="4002421"/>
             <a:ext cx="2581274" cy="285749"/>
           </a:xfrm>
           <a:prstGeom prst="roundRect">
@@ -7564,30 +7480,25 @@
           <a:lstStyle/>
           <a:p>
             <a:r>
-              <a:rPr lang="en-US" dirty="0" err="1">
+              <a:rPr lang="en-US" dirty="0">
                 <a:solidFill>
                   <a:schemeClr val="bg1"/>
                 </a:solidFill>
               </a:rPr>
-              <a:t>CustomerLaitude</a:t>
-            </a:r>
-            <a:endParaRPr lang="en-US" dirty="0">
-              <a:solidFill>
-                <a:schemeClr val="bg1"/>
-              </a:solidFill>
-            </a:endParaRPr>
-          </a:p>
-        </p:txBody>
-      </p:sp>
-      <p:sp>
-        <p:nvSpPr>
-          <p:cNvPr id="31" name="Rounded Rectangle 30"/>
+              <a:t>Status</a:t>
+            </a:r>
+          </a:p>
+        </p:txBody>
+      </p:sp>
+      <p:sp>
+        <p:nvSpPr>
+          <p:cNvPr id="32" name="Rounded Rectangle 31"/>
           <p:cNvSpPr/>
           <p:nvPr/>
         </p:nvSpPr>
         <p:spPr>
           <a:xfrm>
-            <a:off x="5734050" y="5083972"/>
+            <a:off x="5734050" y="5173991"/>
             <a:ext cx="1752600" cy="313379"/>
           </a:xfrm>
           <a:prstGeom prst="roundRect">
@@ -7624,13 +7535,13 @@
       </p:sp>
       <p:sp>
         <p:nvSpPr>
-          <p:cNvPr id="32" name="Rounded Rectangle 31"/>
+          <p:cNvPr id="33" name="Rounded Rectangle 32"/>
           <p:cNvSpPr/>
           <p:nvPr/>
         </p:nvSpPr>
         <p:spPr>
           <a:xfrm>
-            <a:off x="6922769" y="3954785"/>
+            <a:off x="3781426" y="4627253"/>
             <a:ext cx="2581274" cy="285749"/>
           </a:xfrm>
           <a:prstGeom prst="roundRect">
@@ -7652,7 +7563,7 @@
                   <a:schemeClr val="bg1"/>
                 </a:solidFill>
               </a:rPr>
-              <a:t>CustomerLongitude</a:t>
+              <a:t>DriverLaitude</a:t>
             </a:r>
             <a:endParaRPr lang="en-US" dirty="0">
               <a:solidFill>
@@ -7662,10 +7573,95 @@
           </a:p>
         </p:txBody>
       </p:sp>
+      <p:sp>
+        <p:nvSpPr>
+          <p:cNvPr id="34" name="Rounded Rectangle 33"/>
+          <p:cNvSpPr/>
+          <p:nvPr/>
+        </p:nvSpPr>
+        <p:spPr>
+          <a:xfrm>
+            <a:off x="6922769" y="4612980"/>
+            <a:ext cx="2581274" cy="285749"/>
+          </a:xfrm>
+          <a:prstGeom prst="roundRect">
+            <a:avLst/>
+          </a:prstGeom>
+          <a:solidFill>
+            <a:srgbClr val="B5FFFF"/>
+          </a:solidFill>
+        </p:spPr>
+        <p:txBody>
+          <a:bodyPr wrap="square" rtlCol="0">
+            <a:spAutoFit/>
+          </a:bodyPr>
+          <a:lstStyle/>
+          <a:p>
+            <a:r>
+              <a:rPr lang="en-US" dirty="0" err="1">
+                <a:solidFill>
+                  <a:schemeClr val="bg1"/>
+                </a:solidFill>
+              </a:rPr>
+              <a:t>DriverLongtiude</a:t>
+            </a:r>
+            <a:endParaRPr lang="en-US" dirty="0">
+              <a:solidFill>
+                <a:schemeClr val="bg1"/>
+              </a:solidFill>
+            </a:endParaRPr>
+          </a:p>
+        </p:txBody>
+      </p:sp>
+      <p:sp>
+        <p:nvSpPr>
+          <p:cNvPr id="35" name="Down Arrow 34"/>
+          <p:cNvSpPr/>
+          <p:nvPr/>
+        </p:nvSpPr>
+        <p:spPr>
+          <a:xfrm>
+            <a:off x="5943600" y="4002421"/>
+            <a:ext cx="419100" cy="232396"/>
+          </a:xfrm>
+          <a:prstGeom prst="downArrow">
+            <a:avLst/>
+          </a:prstGeom>
+          <a:solidFill>
+            <a:schemeClr val="accent4">
+              <a:lumMod val="50000"/>
+            </a:schemeClr>
+          </a:solidFill>
+        </p:spPr>
+        <p:style>
+          <a:lnRef idx="2">
+            <a:schemeClr val="accent1">
+              <a:shade val="50000"/>
+            </a:schemeClr>
+          </a:lnRef>
+          <a:fillRef idx="1">
+            <a:schemeClr val="accent1"/>
+          </a:fillRef>
+          <a:effectRef idx="0">
+            <a:schemeClr val="accent1"/>
+          </a:effectRef>
+          <a:fontRef idx="minor">
+            <a:schemeClr val="lt1"/>
+          </a:fontRef>
+        </p:style>
+        <p:txBody>
+          <a:bodyPr rtlCol="0" anchor="ctr"/>
+          <a:lstStyle/>
+          <a:p>
+            <a:pPr algn="ctr"/>
+            <a:endParaRPr lang="en-US"/>
+          </a:p>
+        </p:txBody>
+      </p:sp>
     </p:spTree>
     <p:extLst>
       <p:ext uri="{BB962C8B-B14F-4D97-AF65-F5344CB8AC3E}">
-        <p14:creationId xmlns:p14="http://schemas.microsoft.com/office/powerpoint/2010/main" val="2320740655"/>
+        <p14:creationId xmlns:p14="http://schemas.microsoft.com/office/powerpoint/2010/main" val="1847604047"/>
       </p:ext>
     </p:extLst>
   </p:cSld>
@@ -7694,16 +7690,106 @@
       </p:grpSpPr>
       <p:sp>
         <p:nvSpPr>
-          <p:cNvPr id="5" name="TextBox 4"/>
-          <p:cNvSpPr txBox="1"/>
-          <p:nvPr/>
-        </p:nvSpPr>
-        <p:spPr>
-          <a:xfrm>
-            <a:off x="4064000" y="3059668"/>
-            <a:ext cx="4064000" cy="369332"/>
+          <p:cNvPr id="5" name="Rectangle 4"/>
+          <p:cNvSpPr/>
+          <p:nvPr/>
+        </p:nvSpPr>
+        <p:spPr>
+          <a:xfrm>
+            <a:off x="2554921" y="990600"/>
+            <a:ext cx="7797800" cy="5372100"/>
           </a:xfrm>
           <a:prstGeom prst="rect">
+            <a:avLst/>
+          </a:prstGeom>
+          <a:solidFill>
+            <a:schemeClr val="accent5"/>
+          </a:solidFill>
+          <a:ln>
+            <a:noFill/>
+          </a:ln>
+        </p:spPr>
+        <p:style>
+          <a:lnRef idx="2">
+            <a:schemeClr val="accent1">
+              <a:shade val="50000"/>
+            </a:schemeClr>
+          </a:lnRef>
+          <a:fillRef idx="1">
+            <a:schemeClr val="accent1"/>
+          </a:fillRef>
+          <a:effectRef idx="0">
+            <a:schemeClr val="accent1"/>
+          </a:effectRef>
+          <a:fontRef idx="minor">
+            <a:schemeClr val="lt1"/>
+          </a:fontRef>
+        </p:style>
+        <p:txBody>
+          <a:bodyPr rtlCol="0" anchor="ctr"/>
+          <a:lstStyle/>
+          <a:p>
+            <a:pPr algn="ctr"/>
+            <a:endParaRPr lang="en-US"/>
+          </a:p>
+        </p:txBody>
+      </p:sp>
+      <p:sp>
+        <p:nvSpPr>
+          <p:cNvPr id="11" name="Rounded Rectangle 10"/>
+          <p:cNvSpPr/>
+          <p:nvPr/>
+        </p:nvSpPr>
+        <p:spPr>
+          <a:xfrm>
+            <a:off x="4508500" y="1094112"/>
+            <a:ext cx="3890644" cy="365760"/>
+          </a:xfrm>
+          <a:prstGeom prst="roundRect">
+            <a:avLst/>
+          </a:prstGeom>
+        </p:spPr>
+        <p:style>
+          <a:lnRef idx="2">
+            <a:schemeClr val="dk1">
+              <a:shade val="50000"/>
+            </a:schemeClr>
+          </a:lnRef>
+          <a:fillRef idx="1">
+            <a:schemeClr val="dk1"/>
+          </a:fillRef>
+          <a:effectRef idx="0">
+            <a:schemeClr val="dk1"/>
+          </a:effectRef>
+          <a:fontRef idx="minor">
+            <a:schemeClr val="lt1"/>
+          </a:fontRef>
+        </p:style>
+        <p:txBody>
+          <a:bodyPr rtlCol="0" anchor="ctr"/>
+          <a:lstStyle/>
+          <a:p>
+            <a:pPr algn="ctr"/>
+            <a:r>
+              <a:rPr lang="en-US" dirty="0" err="1"/>
+              <a:t>DriverVehicle</a:t>
+            </a:r>
+            <a:endParaRPr lang="en-US" dirty="0"/>
+          </a:p>
+        </p:txBody>
+      </p:sp>
+      <p:sp>
+        <p:nvSpPr>
+          <p:cNvPr id="13" name="Rounded Rectangle 12"/>
+          <p:cNvSpPr/>
+          <p:nvPr/>
+        </p:nvSpPr>
+        <p:spPr>
+          <a:xfrm>
+            <a:off x="3380103" y="2245359"/>
+            <a:ext cx="2499998" cy="402592"/>
+          </a:xfrm>
+          <a:prstGeom prst="roundRect">
             <a:avLst/>
           </a:prstGeom>
           <a:solidFill>
@@ -7714,49 +7800,52 @@
           <a:bodyPr wrap="square" rtlCol="0">
             <a:spAutoFit/>
           </a:bodyPr>
-          <a:lstStyle>
-            <a:defPPr>
-              <a:defRPr lang="en-US"/>
-            </a:defPPr>
-            <a:lvl1pPr>
-              <a:defRPr>
+          <a:lstStyle/>
+          <a:p>
+            <a:r>
+              <a:rPr lang="en-US" dirty="0">
                 <a:solidFill>
                   <a:schemeClr val="bg1"/>
                 </a:solidFill>
-              </a:defRPr>
-            </a:lvl1pPr>
-          </a:lstStyle>
-          <a:p>
-            <a:r>
-              <a:rPr lang="en-US"/>
-              <a:t>MethodType </a:t>
-            </a:r>
-            <a:endParaRPr lang="en-US" dirty="0"/>
-          </a:p>
-        </p:txBody>
-      </p:sp>
-      <p:sp>
-        <p:nvSpPr>
-          <p:cNvPr id="6" name="TextBox 5"/>
-          <p:cNvSpPr txBox="1"/>
-          <p:nvPr/>
-        </p:nvSpPr>
-        <p:spPr>
-          <a:xfrm>
-            <a:off x="0" y="229051"/>
-            <a:ext cx="12192000" cy="369332"/>
-          </a:xfrm>
-          <a:prstGeom prst="rect">
+              </a:rPr>
+              <a:t> </a:t>
+            </a:r>
+            <a:r>
+              <a:rPr lang="en-US" dirty="0" err="1">
+                <a:solidFill>
+                  <a:schemeClr val="bg1"/>
+                </a:solidFill>
+              </a:rPr>
+              <a:t>DriverId</a:t>
+            </a:r>
+            <a:r>
+              <a:rPr lang="en-US" dirty="0">
+                <a:solidFill>
+                  <a:schemeClr val="bg1"/>
+                </a:solidFill>
+              </a:rPr>
+              <a:t>   </a:t>
+            </a:r>
+          </a:p>
+        </p:txBody>
+      </p:sp>
+      <p:sp>
+        <p:nvSpPr>
+          <p:cNvPr id="14" name="Rounded Rectangle 13"/>
+          <p:cNvSpPr/>
+          <p:nvPr/>
+        </p:nvSpPr>
+        <p:spPr>
+          <a:xfrm>
+            <a:off x="3388994" y="3051489"/>
+            <a:ext cx="2581274" cy="285749"/>
+          </a:xfrm>
+          <a:prstGeom prst="roundRect">
             <a:avLst/>
           </a:prstGeom>
           <a:solidFill>
-            <a:schemeClr val="tx1"/>
+            <a:srgbClr val="B5FFFF"/>
           </a:solidFill>
-          <a:ln>
-            <a:solidFill>
-              <a:schemeClr val="tx1"/>
-            </a:solidFill>
-          </a:ln>
         </p:spPr>
         <p:txBody>
           <a:bodyPr wrap="square" rtlCol="0">
@@ -7764,14 +7853,48 @@
           </a:bodyPr>
           <a:lstStyle/>
           <a:p>
-            <a:pPr algn="ctr"/>
+            <a:r>
+              <a:rPr lang="en-US" dirty="0">
+                <a:solidFill>
+                  <a:schemeClr val="bg1"/>
+                </a:solidFill>
+              </a:rPr>
+              <a:t>Status</a:t>
+            </a:r>
+          </a:p>
+        </p:txBody>
+      </p:sp>
+      <p:sp>
+        <p:nvSpPr>
+          <p:cNvPr id="16" name="Rounded Rectangle 15"/>
+          <p:cNvSpPr/>
+          <p:nvPr/>
+        </p:nvSpPr>
+        <p:spPr>
+          <a:xfrm>
+            <a:off x="6453821" y="2647950"/>
+            <a:ext cx="2581274" cy="381000"/>
+          </a:xfrm>
+          <a:prstGeom prst="roundRect">
+            <a:avLst/>
+          </a:prstGeom>
+          <a:solidFill>
+            <a:srgbClr val="B5FFFF"/>
+          </a:solidFill>
+        </p:spPr>
+        <p:txBody>
+          <a:bodyPr wrap="square" rtlCol="0">
+            <a:spAutoFit/>
+          </a:bodyPr>
+          <a:lstStyle/>
+          <a:p>
             <a:r>
               <a:rPr lang="en-US" dirty="0" err="1">
                 <a:solidFill>
                   <a:schemeClr val="bg1"/>
                 </a:solidFill>
               </a:rPr>
-              <a:t>PaymentMethod</a:t>
+              <a:t>VehicleId</a:t>
             </a:r>
             <a:endParaRPr lang="en-US" dirty="0">
               <a:solidFill>
@@ -7783,96 +7906,143 @@
       </p:sp>
       <p:sp>
         <p:nvSpPr>
-          <p:cNvPr id="10" name="TextBox 9"/>
-          <p:cNvSpPr txBox="1"/>
-          <p:nvPr/>
-        </p:nvSpPr>
-        <p:spPr>
-          <a:xfrm>
-            <a:off x="5046361" y="4541147"/>
-            <a:ext cx="1578429" cy="369332"/>
-          </a:xfrm>
-          <a:prstGeom prst="rect">
+          <p:cNvPr id="17" name="Rounded Rectangle 16"/>
+          <p:cNvSpPr/>
+          <p:nvPr/>
+        </p:nvSpPr>
+        <p:spPr>
+          <a:xfrm>
+            <a:off x="5474969" y="3916669"/>
+            <a:ext cx="1209675" cy="323850"/>
+          </a:xfrm>
+          <a:prstGeom prst="roundRect">
+            <a:avLst>
+              <a:gd name="adj" fmla="val 20589"/>
+            </a:avLst>
+          </a:prstGeom>
+        </p:spPr>
+        <p:style>
+          <a:lnRef idx="2">
+            <a:schemeClr val="dk1">
+              <a:shade val="50000"/>
+            </a:schemeClr>
+          </a:lnRef>
+          <a:fillRef idx="1">
+            <a:schemeClr val="dk1"/>
+          </a:fillRef>
+          <a:effectRef idx="0">
+            <a:schemeClr val="dk1"/>
+          </a:effectRef>
+          <a:fontRef idx="minor">
+            <a:schemeClr val="lt1"/>
+          </a:fontRef>
+        </p:style>
+        <p:txBody>
+          <a:bodyPr rtlCol="0" anchor="ctr"/>
+          <a:lstStyle/>
+          <a:p>
+            <a:pPr algn="ctr"/>
+            <a:r>
+              <a:rPr lang="en-US" dirty="0"/>
+              <a:t>Create</a:t>
+            </a:r>
+          </a:p>
+        </p:txBody>
+      </p:sp>
+      <p:sp>
+        <p:nvSpPr>
+          <p:cNvPr id="18" name="Down Arrow 17"/>
+          <p:cNvSpPr/>
+          <p:nvPr/>
+        </p:nvSpPr>
+        <p:spPr>
+          <a:xfrm>
+            <a:off x="5429250" y="2347591"/>
+            <a:ext cx="400050" cy="300359"/>
+          </a:xfrm>
+          <a:prstGeom prst="downArrow">
             <a:avLst/>
           </a:prstGeom>
           <a:solidFill>
-            <a:schemeClr val="bg1">
-              <a:lumMod val="85000"/>
+            <a:schemeClr val="accent2">
+              <a:lumMod val="50000"/>
             </a:schemeClr>
           </a:solidFill>
-          <a:ln>
-            <a:solidFill>
-              <a:schemeClr val="tx1"/>
-            </a:solidFill>
-          </a:ln>
-        </p:spPr>
-        <p:txBody>
-          <a:bodyPr wrap="square" rtlCol="0">
-            <a:spAutoFit/>
-          </a:bodyPr>
+        </p:spPr>
+        <p:style>
+          <a:lnRef idx="2">
+            <a:schemeClr val="accent1">
+              <a:shade val="50000"/>
+            </a:schemeClr>
+          </a:lnRef>
+          <a:fillRef idx="1">
+            <a:schemeClr val="accent1"/>
+          </a:fillRef>
+          <a:effectRef idx="0">
+            <a:schemeClr val="accent1"/>
+          </a:effectRef>
+          <a:fontRef idx="minor">
+            <a:schemeClr val="lt1"/>
+          </a:fontRef>
+        </p:style>
+        <p:txBody>
+          <a:bodyPr rtlCol="0" anchor="ctr"/>
           <a:lstStyle/>
           <a:p>
             <a:pPr algn="ctr"/>
-            <a:r>
-              <a:rPr lang="en-US" dirty="0"/>
-              <a:t>Create </a:t>
-            </a:r>
-          </a:p>
-        </p:txBody>
-      </p:sp>
-      <p:sp>
-        <p:nvSpPr>
-          <p:cNvPr id="7" name="TextBox 6">
-            <a:extLst>
-              <a:ext uri="{FF2B5EF4-FFF2-40B4-BE49-F238E27FC236}">
-                <a16:creationId xmlns:a16="http://schemas.microsoft.com/office/drawing/2014/main" id="{0FD523DD-05ED-3E51-2B41-4C649A870CCD}"/>
-              </a:ext>
-            </a:extLst>
-          </p:cNvPr>
-          <p:cNvSpPr txBox="1"/>
-          <p:nvPr/>
-        </p:nvSpPr>
-        <p:spPr>
-          <a:xfrm>
-            <a:off x="4064000" y="2353715"/>
-            <a:ext cx="4064000" cy="369332"/>
-          </a:xfrm>
-          <a:prstGeom prst="rect">
+            <a:endParaRPr lang="en-US"/>
+          </a:p>
+        </p:txBody>
+      </p:sp>
+      <p:sp>
+        <p:nvSpPr>
+          <p:cNvPr id="6" name="Down Arrow 5"/>
+          <p:cNvSpPr/>
+          <p:nvPr/>
+        </p:nvSpPr>
+        <p:spPr>
+          <a:xfrm>
+            <a:off x="8399144" y="2647950"/>
+            <a:ext cx="516256" cy="403539"/>
+          </a:xfrm>
+          <a:prstGeom prst="downArrow">
             <a:avLst/>
           </a:prstGeom>
           <a:solidFill>
-            <a:srgbClr val="B5FFFF"/>
+            <a:schemeClr val="accent4">
+              <a:lumMod val="75000"/>
+            </a:schemeClr>
           </a:solidFill>
         </p:spPr>
-        <p:txBody>
-          <a:bodyPr wrap="square" rtlCol="0">
-            <a:spAutoFit/>
-          </a:bodyPr>
-          <a:lstStyle>
-            <a:defPPr>
-              <a:defRPr lang="en-US"/>
-            </a:defPPr>
-            <a:lvl1pPr>
-              <a:defRPr>
-                <a:solidFill>
-                  <a:schemeClr val="bg1"/>
-                </a:solidFill>
-              </a:defRPr>
-            </a:lvl1pPr>
-          </a:lstStyle>
-          <a:p>
-            <a:r>
-              <a:rPr lang="en-US" dirty="0" err="1"/>
-              <a:t>MethodTypeId</a:t>
-            </a:r>
-            <a:endParaRPr lang="en-US" dirty="0"/>
+        <p:style>
+          <a:lnRef idx="2">
+            <a:schemeClr val="accent1">
+              <a:shade val="50000"/>
+            </a:schemeClr>
+          </a:lnRef>
+          <a:fillRef idx="1">
+            <a:schemeClr val="accent1"/>
+          </a:fillRef>
+          <a:effectRef idx="0">
+            <a:schemeClr val="accent1"/>
+          </a:effectRef>
+          <a:fontRef idx="minor">
+            <a:schemeClr val="lt1"/>
+          </a:fontRef>
+        </p:style>
+        <p:txBody>
+          <a:bodyPr rtlCol="0" anchor="ctr"/>
+          <a:lstStyle/>
+          <a:p>
+            <a:pPr algn="ctr"/>
+            <a:endParaRPr lang="en-US"/>
           </a:p>
         </p:txBody>
       </p:sp>
     </p:spTree>
     <p:extLst>
       <p:ext uri="{BB962C8B-B14F-4D97-AF65-F5344CB8AC3E}">
-        <p14:creationId xmlns:p14="http://schemas.microsoft.com/office/powerpoint/2010/main" val="2480206238"/>
+        <p14:creationId xmlns:p14="http://schemas.microsoft.com/office/powerpoint/2010/main" val="1243093046"/>
       </p:ext>
     </p:extLst>
   </p:cSld>
@@ -7901,285 +8071,29 @@
       </p:grpSpPr>
       <p:sp>
         <p:nvSpPr>
-          <p:cNvPr id="5" name="TextBox 4"/>
-          <p:cNvSpPr txBox="1"/>
-          <p:nvPr/>
-        </p:nvSpPr>
-        <p:spPr>
-          <a:xfrm>
-            <a:off x="3663362" y="2502343"/>
-            <a:ext cx="4064000" cy="369332"/>
+          <p:cNvPr id="2" name="Rectangle 1"/>
+          <p:cNvSpPr/>
+          <p:nvPr/>
+        </p:nvSpPr>
+        <p:spPr>
+          <a:xfrm>
+            <a:off x="2209800" y="850900"/>
+            <a:ext cx="8445500" cy="5461000"/>
           </a:xfrm>
           <a:prstGeom prst="rect">
             <a:avLst/>
           </a:prstGeom>
           <a:solidFill>
-            <a:srgbClr val="B5FFFF"/>
-          </a:solidFill>
-        </p:spPr>
-        <p:txBody>
-          <a:bodyPr wrap="square" rtlCol="0">
-            <a:spAutoFit/>
-          </a:bodyPr>
-          <a:lstStyle>
-            <a:defPPr>
-              <a:defRPr lang="en-US"/>
-            </a:defPPr>
-            <a:lvl1pPr>
-              <a:defRPr>
-                <a:solidFill>
-                  <a:schemeClr val="bg1"/>
-                </a:solidFill>
-              </a:defRPr>
-            </a:lvl1pPr>
-          </a:lstStyle>
-          <a:p>
-            <a:r>
-              <a:rPr lang="en-US"/>
-              <a:t>InvoiceId </a:t>
-            </a:r>
-            <a:endParaRPr lang="en-US" dirty="0"/>
-          </a:p>
-        </p:txBody>
-      </p:sp>
-      <p:sp>
-        <p:nvSpPr>
-          <p:cNvPr id="6" name="TextBox 5"/>
-          <p:cNvSpPr txBox="1"/>
-          <p:nvPr/>
-        </p:nvSpPr>
-        <p:spPr>
-          <a:xfrm>
-            <a:off x="1" y="405088"/>
-            <a:ext cx="12192000" cy="369332"/>
-          </a:xfrm>
-          <a:prstGeom prst="rect">
-            <a:avLst/>
-          </a:prstGeom>
-          <a:solidFill>
-            <a:schemeClr val="tx1"/>
+            <a:schemeClr val="accent5"/>
           </a:solidFill>
           <a:ln>
-            <a:solidFill>
-              <a:schemeClr val="tx1"/>
-            </a:solidFill>
+            <a:noFill/>
           </a:ln>
-        </p:spPr>
-        <p:txBody>
-          <a:bodyPr wrap="square" rtlCol="0">
-            <a:spAutoFit/>
-          </a:bodyPr>
-          <a:lstStyle/>
-          <a:p>
-            <a:pPr algn="ctr"/>
-            <a:r>
-              <a:rPr lang="en-US" dirty="0">
-                <a:solidFill>
-                  <a:schemeClr val="bg1"/>
-                </a:solidFill>
-              </a:rPr>
-              <a:t>Payment</a:t>
-            </a:r>
-          </a:p>
-        </p:txBody>
-      </p:sp>
-      <p:sp>
-        <p:nvSpPr>
-          <p:cNvPr id="7" name="TextBox 6"/>
-          <p:cNvSpPr txBox="1"/>
-          <p:nvPr/>
-        </p:nvSpPr>
-        <p:spPr>
-          <a:xfrm>
-            <a:off x="3663362" y="3095699"/>
-            <a:ext cx="4064000" cy="369332"/>
-          </a:xfrm>
-          <a:prstGeom prst="rect">
-            <a:avLst/>
-          </a:prstGeom>
-          <a:solidFill>
-            <a:srgbClr val="B5FFFF"/>
-          </a:solidFill>
-        </p:spPr>
-        <p:txBody>
-          <a:bodyPr wrap="square" rtlCol="0">
-            <a:spAutoFit/>
-          </a:bodyPr>
-          <a:lstStyle>
-            <a:defPPr>
-              <a:defRPr lang="en-US"/>
-            </a:defPPr>
-            <a:lvl1pPr>
-              <a:defRPr>
-                <a:solidFill>
-                  <a:schemeClr val="bg1"/>
-                </a:solidFill>
-              </a:defRPr>
-            </a:lvl1pPr>
-          </a:lstStyle>
-          <a:p>
-            <a:r>
-              <a:rPr lang="en-US" dirty="0"/>
-              <a:t>Amount </a:t>
-            </a:r>
-          </a:p>
-        </p:txBody>
-      </p:sp>
-      <p:sp>
-        <p:nvSpPr>
-          <p:cNvPr id="8" name="TextBox 7"/>
-          <p:cNvSpPr txBox="1"/>
-          <p:nvPr/>
-        </p:nvSpPr>
-        <p:spPr>
-          <a:xfrm>
-            <a:off x="3663362" y="4428658"/>
-            <a:ext cx="4064000" cy="369332"/>
-          </a:xfrm>
-          <a:prstGeom prst="rect">
-            <a:avLst/>
-          </a:prstGeom>
-          <a:solidFill>
-            <a:srgbClr val="B5FFFF"/>
-          </a:solidFill>
-        </p:spPr>
-        <p:txBody>
-          <a:bodyPr wrap="square" rtlCol="0">
-            <a:spAutoFit/>
-          </a:bodyPr>
-          <a:lstStyle>
-            <a:defPPr>
-              <a:defRPr lang="en-US"/>
-            </a:defPPr>
-            <a:lvl1pPr>
-              <a:defRPr>
-                <a:solidFill>
-                  <a:schemeClr val="bg1"/>
-                </a:solidFill>
-              </a:defRPr>
-            </a:lvl1pPr>
-          </a:lstStyle>
-          <a:p>
-            <a:r>
-              <a:rPr lang="en-US"/>
-              <a:t>PaymentDate </a:t>
-            </a:r>
-            <a:endParaRPr lang="en-US" dirty="0"/>
-          </a:p>
-        </p:txBody>
-      </p:sp>
-      <p:sp>
-        <p:nvSpPr>
-          <p:cNvPr id="10" name="TextBox 9"/>
-          <p:cNvSpPr txBox="1"/>
-          <p:nvPr/>
-        </p:nvSpPr>
-        <p:spPr>
-          <a:xfrm>
-            <a:off x="5390860" y="5752665"/>
-            <a:ext cx="1578429" cy="369332"/>
-          </a:xfrm>
-          <a:prstGeom prst="rect">
-            <a:avLst/>
-          </a:prstGeom>
-          <a:solidFill>
-            <a:schemeClr val="bg1">
-              <a:lumMod val="85000"/>
-            </a:schemeClr>
-          </a:solidFill>
-          <a:ln>
-            <a:solidFill>
-              <a:schemeClr val="tx1"/>
-            </a:solidFill>
-          </a:ln>
-        </p:spPr>
-        <p:txBody>
-          <a:bodyPr wrap="square" rtlCol="0">
-            <a:spAutoFit/>
-          </a:bodyPr>
-          <a:lstStyle/>
-          <a:p>
-            <a:pPr algn="ctr"/>
-            <a:r>
-              <a:rPr lang="en-US" dirty="0"/>
-              <a:t>Create </a:t>
-            </a:r>
-          </a:p>
-        </p:txBody>
-      </p:sp>
-      <p:sp>
-        <p:nvSpPr>
-          <p:cNvPr id="9" name="TextBox 8"/>
-          <p:cNvSpPr txBox="1"/>
-          <p:nvPr/>
-        </p:nvSpPr>
-        <p:spPr>
-          <a:xfrm>
-            <a:off x="3663362" y="3696259"/>
-            <a:ext cx="4064000" cy="369332"/>
-          </a:xfrm>
-          <a:prstGeom prst="rect">
-            <a:avLst/>
-          </a:prstGeom>
-          <a:solidFill>
-            <a:srgbClr val="B5FFFF"/>
-          </a:solidFill>
-        </p:spPr>
-        <p:txBody>
-          <a:bodyPr wrap="square" rtlCol="0">
-            <a:spAutoFit/>
-          </a:bodyPr>
-          <a:lstStyle>
-            <a:defPPr>
-              <a:defRPr lang="en-US"/>
-            </a:defPPr>
-            <a:lvl1pPr>
-              <a:defRPr>
-                <a:solidFill>
-                  <a:schemeClr val="bg1"/>
-                </a:solidFill>
-              </a:defRPr>
-            </a:lvl1pPr>
-          </a:lstStyle>
-          <a:p>
-            <a:r>
-              <a:rPr lang="en-US" dirty="0"/>
-              <a:t>Status </a:t>
-            </a:r>
-          </a:p>
-        </p:txBody>
-      </p:sp>
-      <p:sp>
-        <p:nvSpPr>
-          <p:cNvPr id="2" name="Arrow: Down 1">
-            <a:extLst>
-              <a:ext uri="{FF2B5EF4-FFF2-40B4-BE49-F238E27FC236}">
-                <a16:creationId xmlns:a16="http://schemas.microsoft.com/office/drawing/2014/main" id="{EA96DAA8-3FC8-8A98-F2EE-73FFADF95585}"/>
-              </a:ext>
-            </a:extLst>
-          </p:cNvPr>
-          <p:cNvSpPr/>
-          <p:nvPr/>
-        </p:nvSpPr>
-        <p:spPr>
-          <a:xfrm>
-            <a:off x="6515561" y="2534548"/>
-            <a:ext cx="309562" cy="247650"/>
-          </a:xfrm>
-          <a:prstGeom prst="downArrow">
-            <a:avLst/>
-          </a:prstGeom>
-          <a:solidFill>
-            <a:schemeClr val="tx2">
-              <a:lumMod val="60000"/>
-              <a:lumOff val="40000"/>
-            </a:schemeClr>
-          </a:solidFill>
         </p:spPr>
         <p:style>
           <a:lnRef idx="2">
             <a:schemeClr val="accent1">
-              <a:shade val="15000"/>
+              <a:shade val="50000"/>
             </a:schemeClr>
           </a:lnRef>
           <a:fillRef idx="1">
@@ -8197,6 +8111,93 @@
           <a:lstStyle/>
           <a:p>
             <a:pPr algn="ctr"/>
+            <a:endParaRPr lang="en-US"/>
+          </a:p>
+        </p:txBody>
+      </p:sp>
+      <p:sp>
+        <p:nvSpPr>
+          <p:cNvPr id="17" name="Rounded Rectangle 16"/>
+          <p:cNvSpPr/>
+          <p:nvPr/>
+        </p:nvSpPr>
+        <p:spPr>
+          <a:xfrm>
+            <a:off x="4524375" y="1254034"/>
+            <a:ext cx="4171950" cy="365760"/>
+          </a:xfrm>
+          <a:prstGeom prst="roundRect">
+            <a:avLst/>
+          </a:prstGeom>
+        </p:spPr>
+        <p:style>
+          <a:lnRef idx="2">
+            <a:schemeClr val="dk1">
+              <a:shade val="50000"/>
+            </a:schemeClr>
+          </a:lnRef>
+          <a:fillRef idx="1">
+            <a:schemeClr val="dk1"/>
+          </a:fillRef>
+          <a:effectRef idx="0">
+            <a:schemeClr val="dk1"/>
+          </a:effectRef>
+          <a:fontRef idx="minor">
+            <a:schemeClr val="lt1"/>
+          </a:fontRef>
+        </p:style>
+        <p:txBody>
+          <a:bodyPr rtlCol="0" anchor="ctr"/>
+          <a:lstStyle/>
+          <a:p>
+            <a:pPr algn="ctr"/>
+            <a:r>
+              <a:rPr lang="en-US" dirty="0"/>
+              <a:t>Customer</a:t>
+            </a:r>
+          </a:p>
+        </p:txBody>
+      </p:sp>
+      <p:sp>
+        <p:nvSpPr>
+          <p:cNvPr id="19" name="Rounded Rectangle 18"/>
+          <p:cNvSpPr/>
+          <p:nvPr/>
+        </p:nvSpPr>
+        <p:spPr>
+          <a:xfrm>
+            <a:off x="3781426" y="2139316"/>
+            <a:ext cx="2581274" cy="295275"/>
+          </a:xfrm>
+          <a:prstGeom prst="roundRect">
+            <a:avLst/>
+          </a:prstGeom>
+          <a:solidFill>
+            <a:srgbClr val="B5FFFF"/>
+          </a:solidFill>
+        </p:spPr>
+        <p:txBody>
+          <a:bodyPr wrap="square" rtlCol="0">
+            <a:spAutoFit/>
+          </a:bodyPr>
+          <a:lstStyle/>
+          <a:p>
+            <a:r>
+              <a:rPr lang="en-US" dirty="0">
+                <a:solidFill>
+                  <a:schemeClr val="bg1"/>
+                </a:solidFill>
+              </a:rPr>
+              <a:t>         </a:t>
+            </a:r>
+            <a:r>
+              <a:rPr lang="en-US" dirty="0" err="1">
+                <a:solidFill>
+                  <a:schemeClr val="bg1"/>
+                </a:solidFill>
+              </a:rPr>
+              <a:t>CustomerName</a:t>
+            </a:r>
             <a:endParaRPr lang="en-US" dirty="0">
               <a:solidFill>
                 <a:schemeClr val="bg1"/>
@@ -8207,22 +8208,16 @@
       </p:sp>
       <p:sp>
         <p:nvSpPr>
-          <p:cNvPr id="12" name="TextBox 11">
-            <a:extLst>
-              <a:ext uri="{FF2B5EF4-FFF2-40B4-BE49-F238E27FC236}">
-                <a16:creationId xmlns:a16="http://schemas.microsoft.com/office/drawing/2014/main" id="{2A0412CF-D6D3-612A-50F0-389326F1F7EB}"/>
-              </a:ext>
-            </a:extLst>
-          </p:cNvPr>
-          <p:cNvSpPr txBox="1"/>
-          <p:nvPr/>
-        </p:nvSpPr>
-        <p:spPr>
-          <a:xfrm>
-            <a:off x="3663362" y="1934640"/>
-            <a:ext cx="4064000" cy="369332"/>
-          </a:xfrm>
-          <a:prstGeom prst="rect">
+          <p:cNvPr id="23" name="Rounded Rectangle 22"/>
+          <p:cNvSpPr/>
+          <p:nvPr/>
+        </p:nvSpPr>
+        <p:spPr>
+          <a:xfrm>
+            <a:off x="3781426" y="2809874"/>
+            <a:ext cx="2581274" cy="285749"/>
+          </a:xfrm>
+          <a:prstGeom prst="roundRect">
             <a:avLst/>
           </a:prstGeom>
           <a:solidFill>
@@ -8233,31 +8228,313 @@
           <a:bodyPr wrap="square" rtlCol="0">
             <a:spAutoFit/>
           </a:bodyPr>
-          <a:lstStyle>
-            <a:defPPr>
-              <a:defRPr lang="en-US"/>
-            </a:defPPr>
-            <a:lvl1pPr>
-              <a:defRPr>
+          <a:lstStyle/>
+          <a:p>
+            <a:r>
+              <a:rPr lang="en-US" dirty="0" err="1">
                 <a:solidFill>
                   <a:schemeClr val="bg1"/>
                 </a:solidFill>
-              </a:defRPr>
-            </a:lvl1pPr>
-          </a:lstStyle>
-          <a:p>
-            <a:r>
-              <a:rPr lang="en-US" dirty="0" err="1"/>
-              <a:t>PaymentId</a:t>
-            </a:r>
-            <a:endParaRPr lang="en-US" dirty="0"/>
+              </a:rPr>
+              <a:t>CustomerEmail</a:t>
+            </a:r>
+            <a:endParaRPr lang="en-US" dirty="0">
+              <a:solidFill>
+                <a:schemeClr val="bg1"/>
+              </a:solidFill>
+            </a:endParaRPr>
+          </a:p>
+        </p:txBody>
+      </p:sp>
+      <p:sp>
+        <p:nvSpPr>
+          <p:cNvPr id="25" name="Rounded Rectangle 24"/>
+          <p:cNvSpPr/>
+          <p:nvPr/>
+        </p:nvSpPr>
+        <p:spPr>
+          <a:xfrm>
+            <a:off x="3781426" y="3312796"/>
+            <a:ext cx="2581274" cy="381000"/>
+          </a:xfrm>
+          <a:prstGeom prst="roundRect">
+            <a:avLst/>
+          </a:prstGeom>
+          <a:solidFill>
+            <a:srgbClr val="B5FFFF"/>
+          </a:solidFill>
+        </p:spPr>
+        <p:txBody>
+          <a:bodyPr wrap="square" rtlCol="0">
+            <a:spAutoFit/>
+          </a:bodyPr>
+          <a:lstStyle/>
+          <a:p>
+            <a:r>
+              <a:rPr lang="en-US" dirty="0" err="1">
+                <a:solidFill>
+                  <a:schemeClr val="bg1"/>
+                </a:solidFill>
+              </a:rPr>
+              <a:t>CustomerImage</a:t>
+            </a:r>
+            <a:endParaRPr lang="en-US" dirty="0">
+              <a:solidFill>
+                <a:schemeClr val="bg1"/>
+              </a:solidFill>
+            </a:endParaRPr>
+          </a:p>
+        </p:txBody>
+      </p:sp>
+      <p:sp>
+        <p:nvSpPr>
+          <p:cNvPr id="26" name="Rounded Rectangle 25"/>
+          <p:cNvSpPr/>
+          <p:nvPr/>
+        </p:nvSpPr>
+        <p:spPr>
+          <a:xfrm>
+            <a:off x="6905626" y="2886075"/>
+            <a:ext cx="2581274" cy="285749"/>
+          </a:xfrm>
+          <a:prstGeom prst="roundRect">
+            <a:avLst/>
+          </a:prstGeom>
+          <a:solidFill>
+            <a:srgbClr val="B5FFFF"/>
+          </a:solidFill>
+        </p:spPr>
+        <p:txBody>
+          <a:bodyPr wrap="square" rtlCol="0">
+            <a:spAutoFit/>
+          </a:bodyPr>
+          <a:lstStyle/>
+          <a:p>
+            <a:r>
+              <a:rPr lang="en-US" dirty="0" err="1">
+                <a:solidFill>
+                  <a:schemeClr val="bg1"/>
+                </a:solidFill>
+              </a:rPr>
+              <a:t>CustomerNID</a:t>
+            </a:r>
+            <a:endParaRPr lang="en-US" dirty="0">
+              <a:solidFill>
+                <a:schemeClr val="bg1"/>
+              </a:solidFill>
+            </a:endParaRPr>
+          </a:p>
+        </p:txBody>
+      </p:sp>
+      <p:sp>
+        <p:nvSpPr>
+          <p:cNvPr id="28" name="Rounded Rectangle 27"/>
+          <p:cNvSpPr/>
+          <p:nvPr/>
+        </p:nvSpPr>
+        <p:spPr>
+          <a:xfrm>
+            <a:off x="6847838" y="2196464"/>
+            <a:ext cx="2931162" cy="381000"/>
+          </a:xfrm>
+          <a:prstGeom prst="roundRect">
+            <a:avLst>
+              <a:gd name="adj" fmla="val 0"/>
+            </a:avLst>
+          </a:prstGeom>
+          <a:solidFill>
+            <a:srgbClr val="B5FFFF"/>
+          </a:solidFill>
+        </p:spPr>
+        <p:txBody>
+          <a:bodyPr wrap="square" rtlCol="0">
+            <a:spAutoFit/>
+          </a:bodyPr>
+          <a:lstStyle/>
+          <a:p>
+            <a:r>
+              <a:rPr lang="en-US" dirty="0" err="1">
+                <a:solidFill>
+                  <a:schemeClr val="bg1"/>
+                </a:solidFill>
+              </a:rPr>
+              <a:t>CustomerPhoneNumber</a:t>
+            </a:r>
+            <a:endParaRPr lang="en-US" dirty="0">
+              <a:solidFill>
+                <a:schemeClr val="bg1"/>
+              </a:solidFill>
+            </a:endParaRPr>
+          </a:p>
+        </p:txBody>
+      </p:sp>
+      <p:sp>
+        <p:nvSpPr>
+          <p:cNvPr id="29" name="Rounded Rectangle 28"/>
+          <p:cNvSpPr/>
+          <p:nvPr/>
+        </p:nvSpPr>
+        <p:spPr>
+          <a:xfrm>
+            <a:off x="6905626" y="3408047"/>
+            <a:ext cx="2581274" cy="285749"/>
+          </a:xfrm>
+          <a:prstGeom prst="roundRect">
+            <a:avLst/>
+          </a:prstGeom>
+          <a:solidFill>
+            <a:srgbClr val="B5FFFF"/>
+          </a:solidFill>
+        </p:spPr>
+        <p:txBody>
+          <a:bodyPr wrap="square" rtlCol="0">
+            <a:spAutoFit/>
+          </a:bodyPr>
+          <a:lstStyle/>
+          <a:p>
+            <a:r>
+              <a:rPr lang="en-US" dirty="0" err="1">
+                <a:solidFill>
+                  <a:schemeClr val="bg1"/>
+                </a:solidFill>
+              </a:rPr>
+              <a:t>CustomerImage</a:t>
+            </a:r>
+            <a:endParaRPr lang="en-US" dirty="0">
+              <a:solidFill>
+                <a:schemeClr val="bg1"/>
+              </a:solidFill>
+            </a:endParaRPr>
+          </a:p>
+        </p:txBody>
+      </p:sp>
+      <p:sp>
+        <p:nvSpPr>
+          <p:cNvPr id="30" name="Rounded Rectangle 29"/>
+          <p:cNvSpPr/>
+          <p:nvPr/>
+        </p:nvSpPr>
+        <p:spPr>
+          <a:xfrm>
+            <a:off x="3781426" y="3949068"/>
+            <a:ext cx="2581274" cy="285749"/>
+          </a:xfrm>
+          <a:prstGeom prst="roundRect">
+            <a:avLst/>
+          </a:prstGeom>
+          <a:solidFill>
+            <a:srgbClr val="B5FFFF"/>
+          </a:solidFill>
+        </p:spPr>
+        <p:txBody>
+          <a:bodyPr wrap="square" rtlCol="0">
+            <a:spAutoFit/>
+          </a:bodyPr>
+          <a:lstStyle/>
+          <a:p>
+            <a:r>
+              <a:rPr lang="en-US" dirty="0" err="1">
+                <a:solidFill>
+                  <a:schemeClr val="bg1"/>
+                </a:solidFill>
+              </a:rPr>
+              <a:t>CustomerLaitude</a:t>
+            </a:r>
+            <a:endParaRPr lang="en-US" dirty="0">
+              <a:solidFill>
+                <a:schemeClr val="bg1"/>
+              </a:solidFill>
+            </a:endParaRPr>
+          </a:p>
+        </p:txBody>
+      </p:sp>
+      <p:sp>
+        <p:nvSpPr>
+          <p:cNvPr id="31" name="Rounded Rectangle 30"/>
+          <p:cNvSpPr/>
+          <p:nvPr/>
+        </p:nvSpPr>
+        <p:spPr>
+          <a:xfrm>
+            <a:off x="5734050" y="5083972"/>
+            <a:ext cx="1752600" cy="313379"/>
+          </a:xfrm>
+          <a:prstGeom prst="roundRect">
+            <a:avLst/>
+          </a:prstGeom>
+        </p:spPr>
+        <p:style>
+          <a:lnRef idx="2">
+            <a:schemeClr val="dk1">
+              <a:shade val="50000"/>
+            </a:schemeClr>
+          </a:lnRef>
+          <a:fillRef idx="1">
+            <a:schemeClr val="dk1"/>
+          </a:fillRef>
+          <a:effectRef idx="0">
+            <a:schemeClr val="dk1"/>
+          </a:effectRef>
+          <a:fontRef idx="minor">
+            <a:schemeClr val="lt1"/>
+          </a:fontRef>
+        </p:style>
+        <p:txBody>
+          <a:bodyPr rtlCol="0" anchor="ctr"/>
+          <a:lstStyle/>
+          <a:p>
+            <a:pPr algn="ctr"/>
+            <a:r>
+              <a:rPr lang="en-US" dirty="0"/>
+              <a:t>Create</a:t>
+            </a:r>
+          </a:p>
+        </p:txBody>
+      </p:sp>
+      <p:sp>
+        <p:nvSpPr>
+          <p:cNvPr id="32" name="Rounded Rectangle 31"/>
+          <p:cNvSpPr/>
+          <p:nvPr/>
+        </p:nvSpPr>
+        <p:spPr>
+          <a:xfrm>
+            <a:off x="6922769" y="3954785"/>
+            <a:ext cx="2581274" cy="285749"/>
+          </a:xfrm>
+          <a:prstGeom prst="roundRect">
+            <a:avLst/>
+          </a:prstGeom>
+          <a:solidFill>
+            <a:srgbClr val="B5FFFF"/>
+          </a:solidFill>
+        </p:spPr>
+        <p:txBody>
+          <a:bodyPr wrap="square" rtlCol="0">
+            <a:spAutoFit/>
+          </a:bodyPr>
+          <a:lstStyle/>
+          <a:p>
+            <a:r>
+              <a:rPr lang="en-US" dirty="0" err="1">
+                <a:solidFill>
+                  <a:schemeClr val="bg1"/>
+                </a:solidFill>
+              </a:rPr>
+              <a:t>CustomerLongitude</a:t>
+            </a:r>
+            <a:endParaRPr lang="en-US" dirty="0">
+              <a:solidFill>
+                <a:schemeClr val="bg1"/>
+              </a:solidFill>
+            </a:endParaRPr>
           </a:p>
         </p:txBody>
       </p:sp>
     </p:spTree>
     <p:extLst>
       <p:ext uri="{BB962C8B-B14F-4D97-AF65-F5344CB8AC3E}">
-        <p14:creationId xmlns:p14="http://schemas.microsoft.com/office/powerpoint/2010/main" val="3257461211"/>
+        <p14:creationId xmlns:p14="http://schemas.microsoft.com/office/powerpoint/2010/main" val="2320740655"/>
       </p:ext>
     </p:extLst>
   </p:cSld>
@@ -8292,7 +8569,7 @@
         </p:nvSpPr>
         <p:spPr>
           <a:xfrm>
-            <a:off x="3966541" y="2733201"/>
+            <a:off x="4064000" y="3059668"/>
             <a:ext cx="4064000" cy="369332"/>
           </a:xfrm>
           <a:prstGeom prst="rect">
@@ -8320,9 +8597,10 @@
           </a:lstStyle>
           <a:p>
             <a:r>
-              <a:rPr lang="en-US" dirty="0"/>
-              <a:t>Message </a:t>
-            </a:r>
+              <a:rPr lang="en-US"/>
+              <a:t>MethodType </a:t>
+            </a:r>
+            <a:endParaRPr lang="en-US" dirty="0"/>
           </a:p>
         </p:txBody>
       </p:sp>
@@ -8334,8 +8612,8 @@
         </p:nvSpPr>
         <p:spPr>
           <a:xfrm>
-            <a:off x="0" y="338495"/>
-            <a:ext cx="12192000" cy="400110"/>
+            <a:off x="0" y="229051"/>
+            <a:ext cx="12192000" cy="369332"/>
           </a:xfrm>
           <a:prstGeom prst="rect">
             <a:avLst/>
@@ -8357,13 +8635,18 @@
           <a:p>
             <a:pPr algn="ctr"/>
             <a:r>
-              <a:rPr lang="en-US" sz="2000" dirty="0">
+              <a:rPr lang="en-US" dirty="0" err="1">
                 <a:solidFill>
                   <a:schemeClr val="bg1"/>
                 </a:solidFill>
               </a:rPr>
-              <a:t>Chat</a:t>
-            </a:r>
+              <a:t>PaymentMethod</a:t>
+            </a:r>
+            <a:endParaRPr lang="en-US" dirty="0">
+              <a:solidFill>
+                <a:schemeClr val="bg1"/>
+              </a:solidFill>
+            </a:endParaRPr>
           </a:p>
         </p:txBody>
       </p:sp>
@@ -8375,7 +8658,7 @@
         </p:nvSpPr>
         <p:spPr>
           <a:xfrm>
-            <a:off x="5638215" y="6223197"/>
+            <a:off x="5046361" y="4541147"/>
             <a:ext cx="1578429" cy="369332"/>
           </a:xfrm>
           <a:prstGeom prst="rect">
@@ -8408,10 +8691,10 @@
       </p:sp>
       <p:sp>
         <p:nvSpPr>
-          <p:cNvPr id="4" name="TextBox 3">
+          <p:cNvPr id="7" name="TextBox 6">
             <a:extLst>
               <a:ext uri="{FF2B5EF4-FFF2-40B4-BE49-F238E27FC236}">
-                <a16:creationId xmlns:a16="http://schemas.microsoft.com/office/drawing/2014/main" id="{411E71CA-858D-4F04-6CA5-3DA2C33D5BEF}"/>
+                <a16:creationId xmlns:a16="http://schemas.microsoft.com/office/drawing/2014/main" id="{0FD523DD-05ED-3E51-2B41-4C649A870CCD}"/>
               </a:ext>
             </a:extLst>
           </p:cNvPr>
@@ -8420,7 +8703,7 @@
         </p:nvSpPr>
         <p:spPr>
           <a:xfrm>
-            <a:off x="3966541" y="2078542"/>
+            <a:off x="4064000" y="2353715"/>
             <a:ext cx="4064000" cy="369332"/>
           </a:xfrm>
           <a:prstGeom prst="rect">
@@ -8449,328 +8732,16 @@
           <a:p>
             <a:r>
               <a:rPr lang="en-US" dirty="0" err="1"/>
-              <a:t>ChatId</a:t>
-            </a:r>
-            <a:r>
-              <a:rPr lang="en-US" dirty="0"/>
-              <a:t>  </a:t>
-            </a:r>
-          </a:p>
-        </p:txBody>
-      </p:sp>
-      <p:sp>
-        <p:nvSpPr>
-          <p:cNvPr id="12" name="TextBox 11">
-            <a:extLst>
-              <a:ext uri="{FF2B5EF4-FFF2-40B4-BE49-F238E27FC236}">
-                <a16:creationId xmlns:a16="http://schemas.microsoft.com/office/drawing/2014/main" id="{992A9678-0EAC-E334-3AA8-C159F4041972}"/>
-              </a:ext>
-            </a:extLst>
-          </p:cNvPr>
-          <p:cNvSpPr txBox="1"/>
-          <p:nvPr/>
-        </p:nvSpPr>
-        <p:spPr>
-          <a:xfrm>
-            <a:off x="3966541" y="3272435"/>
-            <a:ext cx="4064000" cy="369332"/>
-          </a:xfrm>
-          <a:prstGeom prst="rect">
-            <a:avLst/>
-          </a:prstGeom>
-          <a:solidFill>
-            <a:srgbClr val="B5FFFF"/>
-          </a:solidFill>
-        </p:spPr>
-        <p:txBody>
-          <a:bodyPr wrap="square" rtlCol="0">
-            <a:spAutoFit/>
-          </a:bodyPr>
-          <a:lstStyle>
-            <a:defPPr>
-              <a:defRPr lang="en-US"/>
-            </a:defPPr>
-            <a:lvl1pPr>
-              <a:defRPr>
-                <a:solidFill>
-                  <a:schemeClr val="bg1"/>
-                </a:solidFill>
-              </a:defRPr>
-            </a:lvl1pPr>
-          </a:lstStyle>
-          <a:p>
-            <a:r>
-              <a:rPr lang="en-US"/>
-              <a:t>ChatTime </a:t>
+              <a:t>MethodTypeId</a:t>
             </a:r>
             <a:endParaRPr lang="en-US" dirty="0"/>
-          </a:p>
-        </p:txBody>
-      </p:sp>
-      <p:sp>
-        <p:nvSpPr>
-          <p:cNvPr id="13" name="TextBox 12">
-            <a:extLst>
-              <a:ext uri="{FF2B5EF4-FFF2-40B4-BE49-F238E27FC236}">
-                <a16:creationId xmlns:a16="http://schemas.microsoft.com/office/drawing/2014/main" id="{B71D189E-574A-A66D-3908-E455C3CD78DA}"/>
-              </a:ext>
-            </a:extLst>
-          </p:cNvPr>
-          <p:cNvSpPr txBox="1"/>
-          <p:nvPr/>
-        </p:nvSpPr>
-        <p:spPr>
-          <a:xfrm>
-            <a:off x="3966541" y="4450880"/>
-            <a:ext cx="4064000" cy="369332"/>
-          </a:xfrm>
-          <a:prstGeom prst="rect">
-            <a:avLst/>
-          </a:prstGeom>
-          <a:solidFill>
-            <a:srgbClr val="B5FFFF"/>
-          </a:solidFill>
-        </p:spPr>
-        <p:txBody>
-          <a:bodyPr wrap="square" rtlCol="0">
-            <a:spAutoFit/>
-          </a:bodyPr>
-          <a:lstStyle>
-            <a:defPPr>
-              <a:defRPr lang="en-US"/>
-            </a:defPPr>
-            <a:lvl1pPr>
-              <a:defRPr>
-                <a:solidFill>
-                  <a:schemeClr val="bg1"/>
-                </a:solidFill>
-              </a:defRPr>
-            </a:lvl1pPr>
-          </a:lstStyle>
-          <a:p>
-            <a:r>
-              <a:rPr lang="en-US" dirty="0" err="1"/>
-              <a:t>CustomerId</a:t>
-            </a:r>
-            <a:r>
-              <a:rPr lang="en-US" dirty="0"/>
-              <a:t> </a:t>
-            </a:r>
-          </a:p>
-        </p:txBody>
-      </p:sp>
-      <p:sp>
-        <p:nvSpPr>
-          <p:cNvPr id="14" name="TextBox 13">
-            <a:extLst>
-              <a:ext uri="{FF2B5EF4-FFF2-40B4-BE49-F238E27FC236}">
-                <a16:creationId xmlns:a16="http://schemas.microsoft.com/office/drawing/2014/main" id="{CEA4598C-D6FD-E612-9E14-E0671CFB3511}"/>
-              </a:ext>
-            </a:extLst>
-          </p:cNvPr>
-          <p:cNvSpPr txBox="1"/>
-          <p:nvPr/>
-        </p:nvSpPr>
-        <p:spPr>
-          <a:xfrm>
-            <a:off x="3966541" y="3861357"/>
-            <a:ext cx="4064000" cy="369332"/>
-          </a:xfrm>
-          <a:prstGeom prst="rect">
-            <a:avLst/>
-          </a:prstGeom>
-          <a:solidFill>
-            <a:srgbClr val="B5FFFF"/>
-          </a:solidFill>
-        </p:spPr>
-        <p:txBody>
-          <a:bodyPr wrap="square" rtlCol="0">
-            <a:spAutoFit/>
-          </a:bodyPr>
-          <a:lstStyle>
-            <a:defPPr>
-              <a:defRPr lang="en-US"/>
-            </a:defPPr>
-            <a:lvl1pPr>
-              <a:defRPr>
-                <a:solidFill>
-                  <a:schemeClr val="bg1"/>
-                </a:solidFill>
-              </a:defRPr>
-            </a:lvl1pPr>
-          </a:lstStyle>
-          <a:p>
-            <a:r>
-              <a:rPr lang="en-US"/>
-              <a:t>EmployeeId </a:t>
-            </a:r>
-            <a:endParaRPr lang="en-US" dirty="0"/>
-          </a:p>
-        </p:txBody>
-      </p:sp>
-      <p:sp>
-        <p:nvSpPr>
-          <p:cNvPr id="15" name="TextBox 14">
-            <a:extLst>
-              <a:ext uri="{FF2B5EF4-FFF2-40B4-BE49-F238E27FC236}">
-                <a16:creationId xmlns:a16="http://schemas.microsoft.com/office/drawing/2014/main" id="{C5814EA3-70E8-0BDC-0C69-EB39ED51BD77}"/>
-              </a:ext>
-            </a:extLst>
-          </p:cNvPr>
-          <p:cNvSpPr txBox="1"/>
-          <p:nvPr/>
-        </p:nvSpPr>
-        <p:spPr>
-          <a:xfrm>
-            <a:off x="4017924" y="5087978"/>
-            <a:ext cx="4064000" cy="369332"/>
-          </a:xfrm>
-          <a:prstGeom prst="rect">
-            <a:avLst/>
-          </a:prstGeom>
-          <a:solidFill>
-            <a:srgbClr val="B5FFFF"/>
-          </a:solidFill>
-        </p:spPr>
-        <p:txBody>
-          <a:bodyPr wrap="square" rtlCol="0">
-            <a:spAutoFit/>
-          </a:bodyPr>
-          <a:lstStyle>
-            <a:defPPr>
-              <a:defRPr lang="en-US"/>
-            </a:defPPr>
-            <a:lvl1pPr>
-              <a:defRPr>
-                <a:solidFill>
-                  <a:schemeClr val="bg1"/>
-                </a:solidFill>
-              </a:defRPr>
-            </a:lvl1pPr>
-          </a:lstStyle>
-          <a:p>
-            <a:r>
-              <a:rPr lang="en-US"/>
-              <a:t>SenderType </a:t>
-            </a:r>
-            <a:endParaRPr lang="en-US" dirty="0"/>
-          </a:p>
-        </p:txBody>
-      </p:sp>
-      <p:sp>
-        <p:nvSpPr>
-          <p:cNvPr id="16" name="Arrow: Down 15">
-            <a:extLst>
-              <a:ext uri="{FF2B5EF4-FFF2-40B4-BE49-F238E27FC236}">
-                <a16:creationId xmlns:a16="http://schemas.microsoft.com/office/drawing/2014/main" id="{69462848-E4E0-A07F-5EF6-7E539526EA91}"/>
-              </a:ext>
-            </a:extLst>
-          </p:cNvPr>
-          <p:cNvSpPr/>
-          <p:nvPr/>
-        </p:nvSpPr>
-        <p:spPr>
-          <a:xfrm>
-            <a:off x="6966527" y="4471732"/>
-            <a:ext cx="322036" cy="369332"/>
-          </a:xfrm>
-          <a:prstGeom prst="downArrow">
-            <a:avLst/>
-          </a:prstGeom>
-          <a:solidFill>
-            <a:schemeClr val="tx2">
-              <a:lumMod val="60000"/>
-              <a:lumOff val="40000"/>
-            </a:schemeClr>
-          </a:solidFill>
-        </p:spPr>
-        <p:style>
-          <a:lnRef idx="2">
-            <a:schemeClr val="accent1">
-              <a:shade val="15000"/>
-            </a:schemeClr>
-          </a:lnRef>
-          <a:fillRef idx="1">
-            <a:schemeClr val="accent1"/>
-          </a:fillRef>
-          <a:effectRef idx="0">
-            <a:schemeClr val="accent1"/>
-          </a:effectRef>
-          <a:fontRef idx="minor">
-            <a:schemeClr val="lt1"/>
-          </a:fontRef>
-        </p:style>
-        <p:txBody>
-          <a:bodyPr rtlCol="0" anchor="ctr"/>
-          <a:lstStyle/>
-          <a:p>
-            <a:endParaRPr lang="en-US" dirty="0">
-              <a:solidFill>
-                <a:schemeClr val="bg1"/>
-              </a:solidFill>
-            </a:endParaRPr>
-          </a:p>
-        </p:txBody>
-      </p:sp>
-      <p:sp>
-        <p:nvSpPr>
-          <p:cNvPr id="17" name="Arrow: Down 16">
-            <a:extLst>
-              <a:ext uri="{FF2B5EF4-FFF2-40B4-BE49-F238E27FC236}">
-                <a16:creationId xmlns:a16="http://schemas.microsoft.com/office/drawing/2014/main" id="{985FE1E2-EA1D-582F-DEF9-BF6ADF2B2E48}"/>
-              </a:ext>
-            </a:extLst>
-          </p:cNvPr>
-          <p:cNvSpPr/>
-          <p:nvPr/>
-        </p:nvSpPr>
-        <p:spPr>
-          <a:xfrm>
-            <a:off x="6962833" y="3883885"/>
-            <a:ext cx="290513" cy="318406"/>
-          </a:xfrm>
-          <a:prstGeom prst="downArrow">
-            <a:avLst/>
-          </a:prstGeom>
-          <a:solidFill>
-            <a:schemeClr val="tx2">
-              <a:lumMod val="60000"/>
-              <a:lumOff val="40000"/>
-            </a:schemeClr>
-          </a:solidFill>
-        </p:spPr>
-        <p:style>
-          <a:lnRef idx="2">
-            <a:schemeClr val="accent1">
-              <a:shade val="15000"/>
-            </a:schemeClr>
-          </a:lnRef>
-          <a:fillRef idx="1">
-            <a:schemeClr val="accent1"/>
-          </a:fillRef>
-          <a:effectRef idx="0">
-            <a:schemeClr val="accent1"/>
-          </a:effectRef>
-          <a:fontRef idx="minor">
-            <a:schemeClr val="lt1"/>
-          </a:fontRef>
-        </p:style>
-        <p:txBody>
-          <a:bodyPr rtlCol="0" anchor="ctr"/>
-          <a:lstStyle/>
-          <a:p>
-            <a:endParaRPr lang="en-US">
-              <a:solidFill>
-                <a:schemeClr val="bg1"/>
-              </a:solidFill>
-            </a:endParaRPr>
           </a:p>
         </p:txBody>
       </p:sp>
     </p:spTree>
     <p:extLst>
       <p:ext uri="{BB962C8B-B14F-4D97-AF65-F5344CB8AC3E}">
-        <p14:creationId xmlns:p14="http://schemas.microsoft.com/office/powerpoint/2010/main" val="998108768"/>
+        <p14:creationId xmlns:p14="http://schemas.microsoft.com/office/powerpoint/2010/main" val="2480206238"/>
       </p:ext>
     </p:extLst>
   </p:cSld>
@@ -8805,7 +8776,7 @@
         </p:nvSpPr>
         <p:spPr>
           <a:xfrm>
-            <a:off x="3913800" y="2968279"/>
+            <a:off x="3663362" y="2502343"/>
             <a:ext cx="4064000" cy="369332"/>
           </a:xfrm>
           <a:prstGeom prst="rect">
@@ -8834,7 +8805,7 @@
           <a:p>
             <a:r>
               <a:rPr lang="en-US"/>
-              <a:t>CompanyName </a:t>
+              <a:t>InvoiceId </a:t>
             </a:r>
             <a:endParaRPr lang="en-US" dirty="0"/>
           </a:p>
@@ -8848,8 +8819,8 @@
         </p:nvSpPr>
         <p:spPr>
           <a:xfrm>
-            <a:off x="0" y="543003"/>
-            <a:ext cx="12192000" cy="400110"/>
+            <a:off x="1" y="405088"/>
+            <a:ext cx="12192000" cy="369332"/>
           </a:xfrm>
           <a:prstGeom prst="rect">
             <a:avLst/>
@@ -8871,12 +8842,12 @@
           <a:p>
             <a:pPr algn="ctr"/>
             <a:r>
-              <a:rPr lang="en-US" sz="2000" dirty="0">
+              <a:rPr lang="en-US" dirty="0">
                 <a:solidFill>
                   <a:schemeClr val="bg1"/>
                 </a:solidFill>
               </a:rPr>
-              <a:t>Company</a:t>
+              <a:t>Payment</a:t>
             </a:r>
           </a:p>
         </p:txBody>
@@ -8889,7 +8860,7 @@
         </p:nvSpPr>
         <p:spPr>
           <a:xfrm>
-            <a:off x="3913800" y="4056777"/>
+            <a:off x="3663362" y="3095699"/>
             <a:ext cx="4064000" cy="369332"/>
           </a:xfrm>
           <a:prstGeom prst="rect">
@@ -8918,7 +8889,7 @@
           <a:p>
             <a:r>
               <a:rPr lang="en-US" dirty="0"/>
-              <a:t>Address </a:t>
+              <a:t>Amount </a:t>
             </a:r>
           </a:p>
         </p:txBody>
@@ -8931,7 +8902,7 @@
         </p:nvSpPr>
         <p:spPr>
           <a:xfrm>
-            <a:off x="3913801" y="3502779"/>
+            <a:off x="3663362" y="4428658"/>
             <a:ext cx="4064000" cy="369332"/>
           </a:xfrm>
           <a:prstGeom prst="rect">
@@ -8960,7 +8931,7 @@
           <a:p>
             <a:r>
               <a:rPr lang="en-US"/>
-              <a:t>PhoneNumber </a:t>
+              <a:t>PaymentDate </a:t>
             </a:r>
             <a:endParaRPr lang="en-US" dirty="0"/>
           </a:p>
@@ -8974,7 +8945,7 @@
         </p:nvSpPr>
         <p:spPr>
           <a:xfrm>
-            <a:off x="5009244" y="6005923"/>
+            <a:off x="5390860" y="5752665"/>
             <a:ext cx="1578429" cy="369332"/>
           </a:xfrm>
           <a:prstGeom prst="rect">
@@ -9013,7 +8984,7 @@
         </p:nvSpPr>
         <p:spPr>
           <a:xfrm>
-            <a:off x="3913800" y="4685720"/>
+            <a:off x="3663362" y="3696259"/>
             <a:ext cx="4064000" cy="369332"/>
           </a:xfrm>
           <a:prstGeom prst="rect">
@@ -9042,17 +9013,73 @@
           <a:p>
             <a:r>
               <a:rPr lang="en-US" dirty="0"/>
-              <a:t>Email </a:t>
-            </a:r>
-          </a:p>
-        </p:txBody>
-      </p:sp>
-      <p:sp>
-        <p:nvSpPr>
-          <p:cNvPr id="2" name="TextBox 1">
+              <a:t>Status </a:t>
+            </a:r>
+          </a:p>
+        </p:txBody>
+      </p:sp>
+      <p:sp>
+        <p:nvSpPr>
+          <p:cNvPr id="2" name="Arrow: Down 1">
             <a:extLst>
               <a:ext uri="{FF2B5EF4-FFF2-40B4-BE49-F238E27FC236}">
-                <a16:creationId xmlns:a16="http://schemas.microsoft.com/office/drawing/2014/main" id="{2C585FEE-9816-E0EC-FF44-A174829AD66B}"/>
+                <a16:creationId xmlns:a16="http://schemas.microsoft.com/office/drawing/2014/main" id="{EA96DAA8-3FC8-8A98-F2EE-73FFADF95585}"/>
+              </a:ext>
+            </a:extLst>
+          </p:cNvPr>
+          <p:cNvSpPr/>
+          <p:nvPr/>
+        </p:nvSpPr>
+        <p:spPr>
+          <a:xfrm>
+            <a:off x="6515561" y="2534548"/>
+            <a:ext cx="309562" cy="247650"/>
+          </a:xfrm>
+          <a:prstGeom prst="downArrow">
+            <a:avLst/>
+          </a:prstGeom>
+          <a:solidFill>
+            <a:schemeClr val="tx2">
+              <a:lumMod val="60000"/>
+              <a:lumOff val="40000"/>
+            </a:schemeClr>
+          </a:solidFill>
+        </p:spPr>
+        <p:style>
+          <a:lnRef idx="2">
+            <a:schemeClr val="accent1">
+              <a:shade val="15000"/>
+            </a:schemeClr>
+          </a:lnRef>
+          <a:fillRef idx="1">
+            <a:schemeClr val="accent1"/>
+          </a:fillRef>
+          <a:effectRef idx="0">
+            <a:schemeClr val="accent1"/>
+          </a:effectRef>
+          <a:fontRef idx="minor">
+            <a:schemeClr val="lt1"/>
+          </a:fontRef>
+        </p:style>
+        <p:txBody>
+          <a:bodyPr rtlCol="0" anchor="ctr"/>
+          <a:lstStyle/>
+          <a:p>
+            <a:pPr algn="ctr"/>
+            <a:endParaRPr lang="en-US" dirty="0">
+              <a:solidFill>
+                <a:schemeClr val="bg1"/>
+              </a:solidFill>
+            </a:endParaRPr>
+          </a:p>
+        </p:txBody>
+      </p:sp>
+      <p:sp>
+        <p:nvSpPr>
+          <p:cNvPr id="12" name="TextBox 11">
+            <a:extLst>
+              <a:ext uri="{FF2B5EF4-FFF2-40B4-BE49-F238E27FC236}">
+                <a16:creationId xmlns:a16="http://schemas.microsoft.com/office/drawing/2014/main" id="{2A0412CF-D6D3-612A-50F0-389326F1F7EB}"/>
               </a:ext>
             </a:extLst>
           </p:cNvPr>
@@ -9061,7 +9088,7 @@
         </p:nvSpPr>
         <p:spPr>
           <a:xfrm>
-            <a:off x="3913800" y="2433779"/>
+            <a:off x="3663362" y="1934640"/>
             <a:ext cx="4064000" cy="369332"/>
           </a:xfrm>
           <a:prstGeom prst="rect">
@@ -9090,19 +9117,16 @@
           <a:p>
             <a:r>
               <a:rPr lang="en-US" dirty="0" err="1"/>
-              <a:t>CompanyId</a:t>
-            </a:r>
-            <a:r>
-              <a:rPr lang="en-US" dirty="0"/>
-              <a:t> </a:t>
-            </a:r>
+              <a:t>PaymentId</a:t>
+            </a:r>
+            <a:endParaRPr lang="en-US" dirty="0"/>
           </a:p>
         </p:txBody>
       </p:sp>
     </p:spTree>
     <p:extLst>
       <p:ext uri="{BB962C8B-B14F-4D97-AF65-F5344CB8AC3E}">
-        <p14:creationId xmlns:p14="http://schemas.microsoft.com/office/powerpoint/2010/main" val="3519654255"/>
+        <p14:creationId xmlns:p14="http://schemas.microsoft.com/office/powerpoint/2010/main" val="3257461211"/>
       </p:ext>
     </p:extLst>
   </p:cSld>
@@ -9137,7 +9161,7 @@
         </p:nvSpPr>
         <p:spPr>
           <a:xfrm>
-            <a:off x="4064000" y="2542355"/>
+            <a:off x="3966541" y="2733201"/>
             <a:ext cx="4064000" cy="369332"/>
           </a:xfrm>
           <a:prstGeom prst="rect">
@@ -9165,10 +9189,9 @@
           </a:lstStyle>
           <a:p>
             <a:r>
-              <a:rPr lang="en-US"/>
-              <a:t>EmployeeName </a:t>
-            </a:r>
-            <a:endParaRPr lang="en-US" dirty="0"/>
+              <a:rPr lang="en-US" dirty="0"/>
+              <a:t>Message </a:t>
+            </a:r>
           </a:p>
         </p:txBody>
       </p:sp>
@@ -9180,8 +9203,8 @@
         </p:nvSpPr>
         <p:spPr>
           <a:xfrm>
-            <a:off x="0" y="445588"/>
-            <a:ext cx="12192000" cy="369332"/>
+            <a:off x="0" y="338495"/>
+            <a:ext cx="12192000" cy="400110"/>
           </a:xfrm>
           <a:prstGeom prst="rect">
             <a:avLst/>
@@ -9196,106 +9219,20 @@
           </a:ln>
         </p:spPr>
         <p:txBody>
-          <a:bodyPr wrap="square" rtlCol="0" anchor="ctr">
-            <a:spAutoFit/>
-          </a:bodyPr>
-          <a:lstStyle/>
-          <a:p>
-            <a:pPr algn="ctr"/>
-            <a:r>
-              <a:rPr lang="en-US" dirty="0">
-                <a:solidFill>
-                  <a:schemeClr val="bg1"/>
-                </a:solidFill>
-              </a:rPr>
-              <a:t>Employee</a:t>
-            </a:r>
-          </a:p>
-        </p:txBody>
-      </p:sp>
-      <p:sp>
-        <p:nvSpPr>
-          <p:cNvPr id="7" name="TextBox 6"/>
-          <p:cNvSpPr txBox="1"/>
-          <p:nvPr/>
-        </p:nvSpPr>
-        <p:spPr>
-          <a:xfrm>
-            <a:off x="4064000" y="4267034"/>
-            <a:ext cx="4064000" cy="369332"/>
-          </a:xfrm>
-          <a:prstGeom prst="rect">
-            <a:avLst/>
-          </a:prstGeom>
-          <a:solidFill>
-            <a:srgbClr val="B5FFFF"/>
-          </a:solidFill>
-        </p:spPr>
-        <p:txBody>
           <a:bodyPr wrap="square" rtlCol="0">
             <a:spAutoFit/>
           </a:bodyPr>
-          <a:lstStyle>
-            <a:defPPr>
-              <a:defRPr lang="en-US"/>
-            </a:defPPr>
-            <a:lvl1pPr>
-              <a:defRPr>
+          <a:lstStyle/>
+          <a:p>
+            <a:pPr algn="ctr"/>
+            <a:r>
+              <a:rPr lang="en-US" sz="2000" dirty="0">
                 <a:solidFill>
                   <a:schemeClr val="bg1"/>
                 </a:solidFill>
-              </a:defRPr>
-            </a:lvl1pPr>
-          </a:lstStyle>
-          <a:p>
-            <a:r>
-              <a:rPr lang="en-US"/>
-              <a:t>IsLive </a:t>
-            </a:r>
-            <a:endParaRPr lang="en-US" dirty="0"/>
-          </a:p>
-        </p:txBody>
-      </p:sp>
-      <p:sp>
-        <p:nvSpPr>
-          <p:cNvPr id="8" name="TextBox 7"/>
-          <p:cNvSpPr txBox="1"/>
-          <p:nvPr/>
-        </p:nvSpPr>
-        <p:spPr>
-          <a:xfrm>
-            <a:off x="4064000" y="3091265"/>
-            <a:ext cx="4064000" cy="369332"/>
-          </a:xfrm>
-          <a:prstGeom prst="rect">
-            <a:avLst/>
-          </a:prstGeom>
-          <a:solidFill>
-            <a:srgbClr val="B5FFFF"/>
-          </a:solidFill>
-        </p:spPr>
-        <p:txBody>
-          <a:bodyPr wrap="square" rtlCol="0">
-            <a:spAutoFit/>
-          </a:bodyPr>
-          <a:lstStyle>
-            <a:defPPr>
-              <a:defRPr lang="en-US"/>
-            </a:defPPr>
-            <a:lvl1pPr>
-              <a:defRPr>
-                <a:solidFill>
-                  <a:schemeClr val="bg1"/>
-                </a:solidFill>
-              </a:defRPr>
-            </a:lvl1pPr>
-          </a:lstStyle>
-          <a:p>
-            <a:r>
-              <a:rPr lang="en-US"/>
-              <a:t>PhoneNumber </a:t>
-            </a:r>
-            <a:endParaRPr lang="en-US" dirty="0"/>
+              </a:rPr>
+              <a:t>Chat</a:t>
+            </a:r>
           </a:p>
         </p:txBody>
       </p:sp>
@@ -9307,7 +9244,7 @@
         </p:nvSpPr>
         <p:spPr>
           <a:xfrm>
-            <a:off x="5168900" y="5572641"/>
+            <a:off x="5638215" y="6223197"/>
             <a:ext cx="1578429" cy="369332"/>
           </a:xfrm>
           <a:prstGeom prst="rect">
@@ -9325,7 +9262,7 @@
           </a:ln>
         </p:spPr>
         <p:txBody>
-          <a:bodyPr wrap="square" rtlCol="0" anchor="ctr">
+          <a:bodyPr wrap="square" rtlCol="0">
             <a:spAutoFit/>
           </a:bodyPr>
           <a:lstStyle/>
@@ -9340,13 +9277,19 @@
       </p:sp>
       <p:sp>
         <p:nvSpPr>
-          <p:cNvPr id="9" name="TextBox 8"/>
+          <p:cNvPr id="4" name="TextBox 3">
+            <a:extLst>
+              <a:ext uri="{FF2B5EF4-FFF2-40B4-BE49-F238E27FC236}">
+                <a16:creationId xmlns:a16="http://schemas.microsoft.com/office/drawing/2014/main" id="{411E71CA-858D-4F04-6CA5-3DA2C33D5BEF}"/>
+              </a:ext>
+            </a:extLst>
+          </p:cNvPr>
           <p:cNvSpPr txBox="1"/>
           <p:nvPr/>
         </p:nvSpPr>
         <p:spPr>
           <a:xfrm>
-            <a:off x="4064000" y="3660499"/>
+            <a:off x="3966541" y="2078542"/>
             <a:ext cx="4064000" cy="369332"/>
           </a:xfrm>
           <a:prstGeom prst="rect">
@@ -9374,19 +9317,22 @@
           </a:lstStyle>
           <a:p>
             <a:r>
-              <a:rPr lang="en-US"/>
-              <a:t>Email </a:t>
-            </a:r>
-            <a:endParaRPr lang="en-US" dirty="0"/>
-          </a:p>
-        </p:txBody>
-      </p:sp>
-      <p:sp>
-        <p:nvSpPr>
-          <p:cNvPr id="2" name="TextBox 1">
+              <a:rPr lang="en-US" dirty="0" err="1"/>
+              <a:t>ChatId</a:t>
+            </a:r>
+            <a:r>
+              <a:rPr lang="en-US" dirty="0"/>
+              <a:t>  </a:t>
+            </a:r>
+          </a:p>
+        </p:txBody>
+      </p:sp>
+      <p:sp>
+        <p:nvSpPr>
+          <p:cNvPr id="12" name="TextBox 11">
             <a:extLst>
               <a:ext uri="{FF2B5EF4-FFF2-40B4-BE49-F238E27FC236}">
-                <a16:creationId xmlns:a16="http://schemas.microsoft.com/office/drawing/2014/main" id="{64AAED60-2F42-8493-8E72-3D518BF0DD0E}"/>
+                <a16:creationId xmlns:a16="http://schemas.microsoft.com/office/drawing/2014/main" id="{992A9678-0EAC-E334-3AA8-C159F4041972}"/>
               </a:ext>
             </a:extLst>
           </p:cNvPr>
@@ -9395,7 +9341,7 @@
         </p:nvSpPr>
         <p:spPr>
           <a:xfrm>
-            <a:off x="4064000" y="2034368"/>
+            <a:off x="3966541" y="3272435"/>
             <a:ext cx="4064000" cy="369332"/>
           </a:xfrm>
           <a:prstGeom prst="rect">
@@ -9423,8 +9369,8 @@
           </a:lstStyle>
           <a:p>
             <a:r>
-              <a:rPr lang="en-US" dirty="0" err="1"/>
-              <a:t>EmployeeId</a:t>
+              <a:rPr lang="en-US"/>
+              <a:t>ChatTime </a:t>
             </a:r>
             <a:endParaRPr lang="en-US" dirty="0"/>
           </a:p>
@@ -9432,10 +9378,160 @@
       </p:sp>
       <p:sp>
         <p:nvSpPr>
-          <p:cNvPr id="3" name="Rectangle 2">
+          <p:cNvPr id="13" name="TextBox 12">
             <a:extLst>
               <a:ext uri="{FF2B5EF4-FFF2-40B4-BE49-F238E27FC236}">
-                <a16:creationId xmlns:a16="http://schemas.microsoft.com/office/drawing/2014/main" id="{DAC2A1CC-36D4-74B7-AE89-21DF2A6BB6BC}"/>
+                <a16:creationId xmlns:a16="http://schemas.microsoft.com/office/drawing/2014/main" id="{B71D189E-574A-A66D-3908-E455C3CD78DA}"/>
+              </a:ext>
+            </a:extLst>
+          </p:cNvPr>
+          <p:cNvSpPr txBox="1"/>
+          <p:nvPr/>
+        </p:nvSpPr>
+        <p:spPr>
+          <a:xfrm>
+            <a:off x="3966541" y="4450880"/>
+            <a:ext cx="4064000" cy="369332"/>
+          </a:xfrm>
+          <a:prstGeom prst="rect">
+            <a:avLst/>
+          </a:prstGeom>
+          <a:solidFill>
+            <a:srgbClr val="B5FFFF"/>
+          </a:solidFill>
+        </p:spPr>
+        <p:txBody>
+          <a:bodyPr wrap="square" rtlCol="0">
+            <a:spAutoFit/>
+          </a:bodyPr>
+          <a:lstStyle>
+            <a:defPPr>
+              <a:defRPr lang="en-US"/>
+            </a:defPPr>
+            <a:lvl1pPr>
+              <a:defRPr>
+                <a:solidFill>
+                  <a:schemeClr val="bg1"/>
+                </a:solidFill>
+              </a:defRPr>
+            </a:lvl1pPr>
+          </a:lstStyle>
+          <a:p>
+            <a:r>
+              <a:rPr lang="en-US" dirty="0" err="1"/>
+              <a:t>CustomerId</a:t>
+            </a:r>
+            <a:r>
+              <a:rPr lang="en-US" dirty="0"/>
+              <a:t> </a:t>
+            </a:r>
+          </a:p>
+        </p:txBody>
+      </p:sp>
+      <p:sp>
+        <p:nvSpPr>
+          <p:cNvPr id="14" name="TextBox 13">
+            <a:extLst>
+              <a:ext uri="{FF2B5EF4-FFF2-40B4-BE49-F238E27FC236}">
+                <a16:creationId xmlns:a16="http://schemas.microsoft.com/office/drawing/2014/main" id="{CEA4598C-D6FD-E612-9E14-E0671CFB3511}"/>
+              </a:ext>
+            </a:extLst>
+          </p:cNvPr>
+          <p:cNvSpPr txBox="1"/>
+          <p:nvPr/>
+        </p:nvSpPr>
+        <p:spPr>
+          <a:xfrm>
+            <a:off x="3966541" y="3861357"/>
+            <a:ext cx="4064000" cy="369332"/>
+          </a:xfrm>
+          <a:prstGeom prst="rect">
+            <a:avLst/>
+          </a:prstGeom>
+          <a:solidFill>
+            <a:srgbClr val="B5FFFF"/>
+          </a:solidFill>
+        </p:spPr>
+        <p:txBody>
+          <a:bodyPr wrap="square" rtlCol="0">
+            <a:spAutoFit/>
+          </a:bodyPr>
+          <a:lstStyle>
+            <a:defPPr>
+              <a:defRPr lang="en-US"/>
+            </a:defPPr>
+            <a:lvl1pPr>
+              <a:defRPr>
+                <a:solidFill>
+                  <a:schemeClr val="bg1"/>
+                </a:solidFill>
+              </a:defRPr>
+            </a:lvl1pPr>
+          </a:lstStyle>
+          <a:p>
+            <a:r>
+              <a:rPr lang="en-US"/>
+              <a:t>EmployeeId </a:t>
+            </a:r>
+            <a:endParaRPr lang="en-US" dirty="0"/>
+          </a:p>
+        </p:txBody>
+      </p:sp>
+      <p:sp>
+        <p:nvSpPr>
+          <p:cNvPr id="15" name="TextBox 14">
+            <a:extLst>
+              <a:ext uri="{FF2B5EF4-FFF2-40B4-BE49-F238E27FC236}">
+                <a16:creationId xmlns:a16="http://schemas.microsoft.com/office/drawing/2014/main" id="{C5814EA3-70E8-0BDC-0C69-EB39ED51BD77}"/>
+              </a:ext>
+            </a:extLst>
+          </p:cNvPr>
+          <p:cNvSpPr txBox="1"/>
+          <p:nvPr/>
+        </p:nvSpPr>
+        <p:spPr>
+          <a:xfrm>
+            <a:off x="4017924" y="5087978"/>
+            <a:ext cx="4064000" cy="369332"/>
+          </a:xfrm>
+          <a:prstGeom prst="rect">
+            <a:avLst/>
+          </a:prstGeom>
+          <a:solidFill>
+            <a:srgbClr val="B5FFFF"/>
+          </a:solidFill>
+        </p:spPr>
+        <p:txBody>
+          <a:bodyPr wrap="square" rtlCol="0">
+            <a:spAutoFit/>
+          </a:bodyPr>
+          <a:lstStyle>
+            <a:defPPr>
+              <a:defRPr lang="en-US"/>
+            </a:defPPr>
+            <a:lvl1pPr>
+              <a:defRPr>
+                <a:solidFill>
+                  <a:schemeClr val="bg1"/>
+                </a:solidFill>
+              </a:defRPr>
+            </a:lvl1pPr>
+          </a:lstStyle>
+          <a:p>
+            <a:r>
+              <a:rPr lang="en-US"/>
+              <a:t>SenderType </a:t>
+            </a:r>
+            <a:endParaRPr lang="en-US" dirty="0"/>
+          </a:p>
+        </p:txBody>
+      </p:sp>
+      <p:sp>
+        <p:nvSpPr>
+          <p:cNvPr id="16" name="Arrow: Down 15">
+            <a:extLst>
+              <a:ext uri="{FF2B5EF4-FFF2-40B4-BE49-F238E27FC236}">
+                <a16:creationId xmlns:a16="http://schemas.microsoft.com/office/drawing/2014/main" id="{69462848-E4E0-A07F-5EF6-7E539526EA91}"/>
               </a:ext>
             </a:extLst>
           </p:cNvPr>
@@ -9444,10 +9540,10 @@
         </p:nvSpPr>
         <p:spPr>
           <a:xfrm>
-            <a:off x="7053941" y="4289775"/>
-            <a:ext cx="344713" cy="323850"/>
-          </a:xfrm>
-          <a:prstGeom prst="rect">
+            <a:off x="6966527" y="4471732"/>
+            <a:ext cx="322036" cy="369332"/>
+          </a:xfrm>
+          <a:prstGeom prst="downArrow">
             <a:avLst/>
           </a:prstGeom>
           <a:solidFill>
@@ -9456,11 +9552,6 @@
               <a:lumOff val="40000"/>
             </a:schemeClr>
           </a:solidFill>
-          <a:ln>
-            <a:solidFill>
-              <a:schemeClr val="bg1"/>
-            </a:solidFill>
-          </a:ln>
         </p:spPr>
         <p:style>
           <a:lnRef idx="2">
@@ -9492,10 +9583,10 @@
       </p:sp>
       <p:sp>
         <p:nvSpPr>
-          <p:cNvPr id="11" name="Half Frame 10">
+          <p:cNvPr id="17" name="Arrow: Down 16">
             <a:extLst>
               <a:ext uri="{FF2B5EF4-FFF2-40B4-BE49-F238E27FC236}">
-                <a16:creationId xmlns:a16="http://schemas.microsoft.com/office/drawing/2014/main" id="{708DBF85-14F8-436E-C684-32A609C660F0}"/>
+                <a16:creationId xmlns:a16="http://schemas.microsoft.com/office/drawing/2014/main" id="{985FE1E2-EA1D-582F-DEF9-BF6ADF2B2E48}"/>
               </a:ext>
             </a:extLst>
           </p:cNvPr>
@@ -9503,29 +9594,24 @@
           <p:nvPr/>
         </p:nvSpPr>
         <p:spPr>
-          <a:xfrm rot="18490048" flipV="1">
-            <a:off x="7085298" y="4328664"/>
-            <a:ext cx="342064" cy="186030"/>
-          </a:xfrm>
-          <a:prstGeom prst="halfFrame">
-            <a:avLst>
-              <a:gd name="adj1" fmla="val 16151"/>
-              <a:gd name="adj2" fmla="val 33333"/>
-            </a:avLst>
+          <a:xfrm>
+            <a:off x="6962833" y="3883885"/>
+            <a:ext cx="290513" cy="318406"/>
+          </a:xfrm>
+          <a:prstGeom prst="downArrow">
+            <a:avLst/>
           </a:prstGeom>
           <a:solidFill>
-            <a:schemeClr val="bg2"/>
+            <a:schemeClr val="tx2">
+              <a:lumMod val="60000"/>
+              <a:lumOff val="40000"/>
+            </a:schemeClr>
           </a:solidFill>
-          <a:ln>
-            <a:solidFill>
-              <a:schemeClr val="tx1"/>
-            </a:solidFill>
-          </a:ln>
         </p:spPr>
         <p:style>
           <a:lnRef idx="2">
             <a:schemeClr val="accent1">
-              <a:shade val="50000"/>
+              <a:shade val="15000"/>
             </a:schemeClr>
           </a:lnRef>
           <a:fillRef idx="1">
@@ -9543,17 +9629,9 @@
           <a:lstStyle/>
           <a:p>
             <a:endParaRPr lang="en-US">
-              <a:ln w="0"/>
               <a:solidFill>
                 <a:schemeClr val="bg1"/>
               </a:solidFill>
-              <a:effectLst>
-                <a:outerShdw blurRad="38100" dist="19050" dir="2700000" algn="tl" rotWithShape="0">
-                  <a:schemeClr val="dk1">
-                    <a:alpha val="40000"/>
-                  </a:schemeClr>
-                </a:outerShdw>
-              </a:effectLst>
             </a:endParaRPr>
           </a:p>
         </p:txBody>
@@ -9561,7 +9639,7 @@
     </p:spTree>
     <p:extLst>
       <p:ext uri="{BB962C8B-B14F-4D97-AF65-F5344CB8AC3E}">
-        <p14:creationId xmlns:p14="http://schemas.microsoft.com/office/powerpoint/2010/main" val="3396862092"/>
+        <p14:creationId xmlns:p14="http://schemas.microsoft.com/office/powerpoint/2010/main" val="998108768"/>
       </p:ext>
     </p:extLst>
   </p:cSld>
@@ -9590,47 +9668,69 @@
       </p:grpSpPr>
       <p:sp>
         <p:nvSpPr>
-          <p:cNvPr id="8" name="TextBox 7"/>
+          <p:cNvPr id="5" name="TextBox 4"/>
           <p:cNvSpPr txBox="1"/>
           <p:nvPr/>
         </p:nvSpPr>
         <p:spPr>
           <a:xfrm>
-            <a:off x="111967" y="223935"/>
-            <a:ext cx="11952515" cy="522514"/>
+            <a:off x="3913800" y="2968279"/>
+            <a:ext cx="4064000" cy="369332"/>
           </a:xfrm>
           <a:prstGeom prst="rect">
             <a:avLst/>
           </a:prstGeom>
-          <a:noFill/>
+          <a:solidFill>
+            <a:srgbClr val="B5FFFF"/>
+          </a:solidFill>
         </p:spPr>
         <p:txBody>
           <a:bodyPr wrap="square" rtlCol="0">
             <a:spAutoFit/>
           </a:bodyPr>
-          <a:lstStyle/>
-          <a:p>
+          <a:lstStyle>
+            <a:defPPr>
+              <a:defRPr lang="en-US"/>
+            </a:defPPr>
+            <a:lvl1pPr>
+              <a:defRPr>
+                <a:solidFill>
+                  <a:schemeClr val="bg1"/>
+                </a:solidFill>
+              </a:defRPr>
+            </a:lvl1pPr>
+          </a:lstStyle>
+          <a:p>
+            <a:r>
+              <a:rPr lang="en-US"/>
+              <a:t>CompanyName </a:t>
+            </a:r>
             <a:endParaRPr lang="en-US" dirty="0"/>
           </a:p>
         </p:txBody>
       </p:sp>
       <p:sp>
         <p:nvSpPr>
-          <p:cNvPr id="11" name="TextBox 10"/>
+          <p:cNvPr id="6" name="TextBox 5"/>
           <p:cNvSpPr txBox="1"/>
           <p:nvPr/>
         </p:nvSpPr>
         <p:spPr>
           <a:xfrm>
-            <a:off x="111966" y="55986"/>
-            <a:ext cx="11952515" cy="523220"/>
+            <a:off x="0" y="543003"/>
+            <a:ext cx="12192000" cy="400110"/>
           </a:xfrm>
           <a:prstGeom prst="rect">
             <a:avLst/>
           </a:prstGeom>
           <a:solidFill>
-            <a:schemeClr val="bg1"/>
+            <a:schemeClr val="tx1"/>
           </a:solidFill>
+          <a:ln>
+            <a:solidFill>
+              <a:schemeClr val="tx1"/>
+            </a:solidFill>
+          </a:ln>
         </p:spPr>
         <p:txBody>
           <a:bodyPr wrap="square" rtlCol="0">
@@ -9640,23 +9740,26 @@
           <a:p>
             <a:pPr algn="ctr"/>
             <a:r>
-              <a:rPr lang="en-US" sz="2800" dirty="0" err="1"/>
-              <a:t>RideBook</a:t>
-            </a:r>
-            <a:endParaRPr lang="en-US" sz="2800" dirty="0"/>
-          </a:p>
-        </p:txBody>
-      </p:sp>
-      <p:sp>
-        <p:nvSpPr>
-          <p:cNvPr id="12" name="TextBox 11"/>
+              <a:rPr lang="en-US" sz="2000" dirty="0">
+                <a:solidFill>
+                  <a:schemeClr val="bg1"/>
+                </a:solidFill>
+              </a:rPr>
+              <a:t>Company</a:t>
+            </a:r>
+          </a:p>
+        </p:txBody>
+      </p:sp>
+      <p:sp>
+        <p:nvSpPr>
+          <p:cNvPr id="7" name="TextBox 6"/>
           <p:cNvSpPr txBox="1"/>
           <p:nvPr/>
         </p:nvSpPr>
         <p:spPr>
           <a:xfrm>
-            <a:off x="1688841" y="1147665"/>
-            <a:ext cx="3209731" cy="369332"/>
+            <a:off x="3913800" y="4056777"/>
+            <a:ext cx="4064000" cy="369332"/>
           </a:xfrm>
           <a:prstGeom prst="rect">
             <a:avLst/>
@@ -9669,34 +9772,36 @@
           <a:bodyPr wrap="square" rtlCol="0">
             <a:spAutoFit/>
           </a:bodyPr>
-          <a:lstStyle/>
-          <a:p>
-            <a:r>
-              <a:rPr lang="en-US">
+          <a:lstStyle>
+            <a:defPPr>
+              <a:defRPr lang="en-US"/>
+            </a:defPPr>
+            <a:lvl1pPr>
+              <a:defRPr>
                 <a:solidFill>
                   <a:schemeClr val="bg1"/>
                 </a:solidFill>
-              </a:rPr>
-              <a:t>CustomerId</a:t>
-            </a:r>
-            <a:endParaRPr lang="en-US" dirty="0">
-              <a:solidFill>
-                <a:schemeClr val="bg1"/>
-              </a:solidFill>
-            </a:endParaRPr>
-          </a:p>
-        </p:txBody>
-      </p:sp>
-      <p:sp>
-        <p:nvSpPr>
-          <p:cNvPr id="20" name="TextBox 19"/>
+              </a:defRPr>
+            </a:lvl1pPr>
+          </a:lstStyle>
+          <a:p>
+            <a:r>
+              <a:rPr lang="en-US" dirty="0"/>
+              <a:t>Address </a:t>
+            </a:r>
+          </a:p>
+        </p:txBody>
+      </p:sp>
+      <p:sp>
+        <p:nvSpPr>
+          <p:cNvPr id="8" name="TextBox 7"/>
           <p:cNvSpPr txBox="1"/>
           <p:nvPr/>
         </p:nvSpPr>
         <p:spPr>
           <a:xfrm>
-            <a:off x="6811347" y="1147665"/>
-            <a:ext cx="3209731" cy="369332"/>
+            <a:off x="3913801" y="3502779"/>
+            <a:ext cx="4064000" cy="369332"/>
           </a:xfrm>
           <a:prstGeom prst="rect">
             <a:avLst/>
@@ -9709,34 +9814,76 @@
           <a:bodyPr wrap="square" rtlCol="0">
             <a:spAutoFit/>
           </a:bodyPr>
-          <a:lstStyle/>
-          <a:p>
-            <a:r>
-              <a:rPr lang="en-US" dirty="0" err="1">
+          <a:lstStyle>
+            <a:defPPr>
+              <a:defRPr lang="en-US"/>
+            </a:defPPr>
+            <a:lvl1pPr>
+              <a:defRPr>
                 <a:solidFill>
                   <a:schemeClr val="bg1"/>
                 </a:solidFill>
-              </a:rPr>
-              <a:t>DriverVehicleId</a:t>
-            </a:r>
-            <a:endParaRPr lang="en-US" dirty="0">
-              <a:solidFill>
-                <a:schemeClr val="bg1"/>
-              </a:solidFill>
-            </a:endParaRPr>
-          </a:p>
-        </p:txBody>
-      </p:sp>
-      <p:sp>
-        <p:nvSpPr>
-          <p:cNvPr id="21" name="TextBox 20"/>
+              </a:defRPr>
+            </a:lvl1pPr>
+          </a:lstStyle>
+          <a:p>
+            <a:r>
+              <a:rPr lang="en-US"/>
+              <a:t>PhoneNumber </a:t>
+            </a:r>
+            <a:endParaRPr lang="en-US" dirty="0"/>
+          </a:p>
+        </p:txBody>
+      </p:sp>
+      <p:sp>
+        <p:nvSpPr>
+          <p:cNvPr id="10" name="TextBox 9"/>
           <p:cNvSpPr txBox="1"/>
           <p:nvPr/>
         </p:nvSpPr>
         <p:spPr>
           <a:xfrm>
-            <a:off x="1688841" y="1813258"/>
-            <a:ext cx="3209731" cy="369332"/>
+            <a:off x="5009244" y="6005923"/>
+            <a:ext cx="1578429" cy="369332"/>
+          </a:xfrm>
+          <a:prstGeom prst="rect">
+            <a:avLst/>
+          </a:prstGeom>
+          <a:solidFill>
+            <a:schemeClr val="bg1">
+              <a:lumMod val="85000"/>
+            </a:schemeClr>
+          </a:solidFill>
+          <a:ln>
+            <a:solidFill>
+              <a:schemeClr val="tx1"/>
+            </a:solidFill>
+          </a:ln>
+        </p:spPr>
+        <p:txBody>
+          <a:bodyPr wrap="square" rtlCol="0">
+            <a:spAutoFit/>
+          </a:bodyPr>
+          <a:lstStyle/>
+          <a:p>
+            <a:pPr algn="ctr"/>
+            <a:r>
+              <a:rPr lang="en-US" dirty="0"/>
+              <a:t>Create </a:t>
+            </a:r>
+          </a:p>
+        </p:txBody>
+      </p:sp>
+      <p:sp>
+        <p:nvSpPr>
+          <p:cNvPr id="9" name="TextBox 8"/>
+          <p:cNvSpPr txBox="1"/>
+          <p:nvPr/>
+        </p:nvSpPr>
+        <p:spPr>
+          <a:xfrm>
+            <a:off x="3913800" y="4685720"/>
+            <a:ext cx="4064000" cy="369332"/>
           </a:xfrm>
           <a:prstGeom prst="rect">
             <a:avLst/>
@@ -9749,34 +9896,42 @@
           <a:bodyPr wrap="square" rtlCol="0">
             <a:spAutoFit/>
           </a:bodyPr>
-          <a:lstStyle/>
-          <a:p>
-            <a:r>
-              <a:rPr lang="en-US" dirty="0" err="1">
+          <a:lstStyle>
+            <a:defPPr>
+              <a:defRPr lang="en-US"/>
+            </a:defPPr>
+            <a:lvl1pPr>
+              <a:defRPr>
                 <a:solidFill>
                   <a:schemeClr val="bg1"/>
                 </a:solidFill>
-              </a:rPr>
-              <a:t>SourceLaitude</a:t>
-            </a:r>
-            <a:endParaRPr lang="en-US" dirty="0">
-              <a:solidFill>
-                <a:schemeClr val="bg1"/>
-              </a:solidFill>
-            </a:endParaRPr>
-          </a:p>
-        </p:txBody>
-      </p:sp>
-      <p:sp>
-        <p:nvSpPr>
-          <p:cNvPr id="22" name="TextBox 21"/>
+              </a:defRPr>
+            </a:lvl1pPr>
+          </a:lstStyle>
+          <a:p>
+            <a:r>
+              <a:rPr lang="en-US" dirty="0"/>
+              <a:t>Email </a:t>
+            </a:r>
+          </a:p>
+        </p:txBody>
+      </p:sp>
+      <p:sp>
+        <p:nvSpPr>
+          <p:cNvPr id="2" name="TextBox 1">
+            <a:extLst>
+              <a:ext uri="{FF2B5EF4-FFF2-40B4-BE49-F238E27FC236}">
+                <a16:creationId xmlns:a16="http://schemas.microsoft.com/office/drawing/2014/main" id="{2C585FEE-9816-E0EC-FF44-A174829AD66B}"/>
+              </a:ext>
+            </a:extLst>
+          </p:cNvPr>
           <p:cNvSpPr txBox="1"/>
           <p:nvPr/>
         </p:nvSpPr>
         <p:spPr>
           <a:xfrm>
-            <a:off x="6848669" y="1813258"/>
-            <a:ext cx="3209731" cy="369332"/>
+            <a:off x="3913800" y="2433779"/>
+            <a:ext cx="4064000" cy="369332"/>
           </a:xfrm>
           <a:prstGeom prst="rect">
             <a:avLst/>
@@ -9789,662 +9944,34 @@
           <a:bodyPr wrap="square" rtlCol="0">
             <a:spAutoFit/>
           </a:bodyPr>
-          <a:lstStyle/>
-          <a:p>
-            <a:r>
-              <a:rPr lang="en-US" dirty="0" err="1">
+          <a:lstStyle>
+            <a:defPPr>
+              <a:defRPr lang="en-US"/>
+            </a:defPPr>
+            <a:lvl1pPr>
+              <a:defRPr>
                 <a:solidFill>
                   <a:schemeClr val="bg1"/>
                 </a:solidFill>
-              </a:rPr>
-              <a:t>SourceLongtiude</a:t>
-            </a:r>
-            <a:endParaRPr lang="en-US" dirty="0">
-              <a:solidFill>
-                <a:schemeClr val="bg1"/>
-              </a:solidFill>
-            </a:endParaRPr>
-          </a:p>
-        </p:txBody>
-      </p:sp>
-      <p:sp>
-        <p:nvSpPr>
-          <p:cNvPr id="23" name="TextBox 22"/>
-          <p:cNvSpPr txBox="1"/>
-          <p:nvPr/>
-        </p:nvSpPr>
-        <p:spPr>
-          <a:xfrm>
-            <a:off x="1688841" y="2425894"/>
-            <a:ext cx="3209731" cy="369332"/>
-          </a:xfrm>
-          <a:prstGeom prst="rect">
-            <a:avLst/>
-          </a:prstGeom>
-          <a:solidFill>
-            <a:srgbClr val="B5FFFF"/>
-          </a:solidFill>
-        </p:spPr>
-        <p:txBody>
-          <a:bodyPr wrap="square" rtlCol="0">
-            <a:spAutoFit/>
-          </a:bodyPr>
-          <a:lstStyle/>
-          <a:p>
-            <a:r>
-              <a:rPr lang="en-US" dirty="0" err="1">
-                <a:solidFill>
-                  <a:schemeClr val="bg1"/>
-                </a:solidFill>
-              </a:rPr>
-              <a:t>DestinationLatitude</a:t>
-            </a:r>
-            <a:endParaRPr lang="en-US" dirty="0">
-              <a:solidFill>
-                <a:schemeClr val="bg1"/>
-              </a:solidFill>
-            </a:endParaRPr>
-          </a:p>
-        </p:txBody>
-      </p:sp>
-      <p:sp>
-        <p:nvSpPr>
-          <p:cNvPr id="24" name="TextBox 23"/>
-          <p:cNvSpPr txBox="1"/>
-          <p:nvPr/>
-        </p:nvSpPr>
-        <p:spPr>
-          <a:xfrm>
-            <a:off x="6848669" y="2425894"/>
-            <a:ext cx="3209731" cy="369332"/>
-          </a:xfrm>
-          <a:prstGeom prst="rect">
-            <a:avLst/>
-          </a:prstGeom>
-          <a:solidFill>
-            <a:srgbClr val="B5FFFF"/>
-          </a:solidFill>
-        </p:spPr>
-        <p:txBody>
-          <a:bodyPr wrap="square" rtlCol="0">
-            <a:spAutoFit/>
-          </a:bodyPr>
-          <a:lstStyle/>
-          <a:p>
-            <a:r>
-              <a:rPr lang="en-US" dirty="0" err="1">
-                <a:solidFill>
-                  <a:schemeClr val="bg1"/>
-                </a:solidFill>
-              </a:rPr>
-              <a:t>CustomerId</a:t>
-            </a:r>
-            <a:endParaRPr lang="en-US" dirty="0">
-              <a:solidFill>
-                <a:schemeClr val="bg1"/>
-              </a:solidFill>
-            </a:endParaRPr>
-          </a:p>
-        </p:txBody>
-      </p:sp>
-      <p:sp>
-        <p:nvSpPr>
-          <p:cNvPr id="25" name="TextBox 24"/>
-          <p:cNvSpPr txBox="1"/>
-          <p:nvPr/>
-        </p:nvSpPr>
-        <p:spPr>
-          <a:xfrm>
-            <a:off x="1688841" y="3127668"/>
-            <a:ext cx="3209731" cy="369332"/>
-          </a:xfrm>
-          <a:prstGeom prst="rect">
-            <a:avLst/>
-          </a:prstGeom>
-          <a:solidFill>
-            <a:srgbClr val="B5FFFF"/>
-          </a:solidFill>
-        </p:spPr>
-        <p:txBody>
-          <a:bodyPr wrap="square" rtlCol="0">
-            <a:spAutoFit/>
-          </a:bodyPr>
-          <a:lstStyle/>
-          <a:p>
-            <a:r>
-              <a:rPr lang="en-US" dirty="0" err="1">
-                <a:solidFill>
-                  <a:schemeClr val="bg1"/>
-                </a:solidFill>
-              </a:rPr>
-              <a:t>CustomerLaitude</a:t>
-            </a:r>
-            <a:endParaRPr lang="en-US" dirty="0">
-              <a:solidFill>
-                <a:schemeClr val="bg1"/>
-              </a:solidFill>
-            </a:endParaRPr>
-          </a:p>
-        </p:txBody>
-      </p:sp>
-      <p:sp>
-        <p:nvSpPr>
-          <p:cNvPr id="26" name="TextBox 25"/>
-          <p:cNvSpPr txBox="1"/>
-          <p:nvPr/>
-        </p:nvSpPr>
-        <p:spPr>
-          <a:xfrm>
-            <a:off x="6848669" y="3127668"/>
-            <a:ext cx="3209731" cy="369332"/>
-          </a:xfrm>
-          <a:prstGeom prst="rect">
-            <a:avLst/>
-          </a:prstGeom>
-          <a:solidFill>
-            <a:srgbClr val="B5FFFF"/>
-          </a:solidFill>
-        </p:spPr>
-        <p:txBody>
-          <a:bodyPr wrap="square" rtlCol="0">
-            <a:spAutoFit/>
-          </a:bodyPr>
-          <a:lstStyle/>
-          <a:p>
-            <a:r>
-              <a:rPr lang="en-US" dirty="0" err="1">
-                <a:solidFill>
-                  <a:schemeClr val="bg1"/>
-                </a:solidFill>
-              </a:rPr>
-              <a:t>CustomerLongitude</a:t>
-            </a:r>
-            <a:endParaRPr lang="en-US" dirty="0">
-              <a:solidFill>
-                <a:schemeClr val="bg1"/>
-              </a:solidFill>
-            </a:endParaRPr>
-          </a:p>
-        </p:txBody>
-      </p:sp>
-      <p:sp>
-        <p:nvSpPr>
-          <p:cNvPr id="31" name="TextBox 30"/>
-          <p:cNvSpPr txBox="1"/>
-          <p:nvPr/>
-        </p:nvSpPr>
-        <p:spPr>
-          <a:xfrm>
-            <a:off x="1688841" y="3743488"/>
-            <a:ext cx="3209731" cy="369332"/>
-          </a:xfrm>
-          <a:prstGeom prst="rect">
-            <a:avLst/>
-          </a:prstGeom>
-          <a:solidFill>
-            <a:srgbClr val="B5FFFF"/>
-          </a:solidFill>
-        </p:spPr>
-        <p:txBody>
-          <a:bodyPr wrap="square" rtlCol="0">
-            <a:spAutoFit/>
-          </a:bodyPr>
-          <a:lstStyle/>
-          <a:p>
-            <a:r>
-              <a:rPr lang="en-US" dirty="0" err="1">
-                <a:solidFill>
-                  <a:schemeClr val="bg1"/>
-                </a:solidFill>
-              </a:rPr>
-              <a:t>StartTime</a:t>
-            </a:r>
-            <a:endParaRPr lang="en-US" dirty="0">
-              <a:solidFill>
-                <a:schemeClr val="bg1"/>
-              </a:solidFill>
-            </a:endParaRPr>
-          </a:p>
-        </p:txBody>
-      </p:sp>
-      <p:sp>
-        <p:nvSpPr>
-          <p:cNvPr id="32" name="TextBox 31"/>
-          <p:cNvSpPr txBox="1"/>
-          <p:nvPr/>
-        </p:nvSpPr>
-        <p:spPr>
-          <a:xfrm>
-            <a:off x="6848669" y="3743488"/>
-            <a:ext cx="3209731" cy="369332"/>
-          </a:xfrm>
-          <a:prstGeom prst="rect">
-            <a:avLst/>
-          </a:prstGeom>
-          <a:solidFill>
-            <a:srgbClr val="B5FFFF"/>
-          </a:solidFill>
-        </p:spPr>
-        <p:txBody>
-          <a:bodyPr wrap="square" rtlCol="0">
-            <a:spAutoFit/>
-          </a:bodyPr>
-          <a:lstStyle/>
-          <a:p>
-            <a:r>
-              <a:rPr lang="en-US" dirty="0" err="1">
-                <a:solidFill>
-                  <a:schemeClr val="bg1"/>
-                </a:solidFill>
-              </a:rPr>
-              <a:t>EndTime</a:t>
-            </a:r>
-            <a:endParaRPr lang="en-US" dirty="0">
-              <a:solidFill>
-                <a:schemeClr val="bg1"/>
-              </a:solidFill>
-            </a:endParaRPr>
-          </a:p>
-        </p:txBody>
-      </p:sp>
-      <p:sp>
-        <p:nvSpPr>
-          <p:cNvPr id="33" name="TextBox 32"/>
-          <p:cNvSpPr txBox="1"/>
-          <p:nvPr/>
-        </p:nvSpPr>
-        <p:spPr>
-          <a:xfrm>
-            <a:off x="1688841" y="4461944"/>
-            <a:ext cx="3209731" cy="369332"/>
-          </a:xfrm>
-          <a:prstGeom prst="rect">
-            <a:avLst/>
-          </a:prstGeom>
-          <a:solidFill>
-            <a:srgbClr val="B5FFFF"/>
-          </a:solidFill>
-        </p:spPr>
-        <p:txBody>
-          <a:bodyPr wrap="square" rtlCol="0">
-            <a:spAutoFit/>
-          </a:bodyPr>
-          <a:lstStyle/>
-          <a:p>
-            <a:r>
-              <a:rPr lang="en-US" dirty="0">
-                <a:solidFill>
-                  <a:schemeClr val="bg1"/>
-                </a:solidFill>
-              </a:rPr>
-              <a:t>Status</a:t>
-            </a:r>
-          </a:p>
-        </p:txBody>
-      </p:sp>
-      <p:sp>
-        <p:nvSpPr>
-          <p:cNvPr id="34" name="TextBox 33"/>
-          <p:cNvSpPr txBox="1"/>
-          <p:nvPr/>
-        </p:nvSpPr>
-        <p:spPr>
-          <a:xfrm>
-            <a:off x="6848669" y="4461944"/>
-            <a:ext cx="3209731" cy="369332"/>
-          </a:xfrm>
-          <a:prstGeom prst="rect">
-            <a:avLst/>
-          </a:prstGeom>
-          <a:solidFill>
-            <a:srgbClr val="B5FFFF"/>
-          </a:solidFill>
-        </p:spPr>
-        <p:txBody>
-          <a:bodyPr wrap="square" rtlCol="0">
-            <a:spAutoFit/>
-          </a:bodyPr>
-          <a:lstStyle/>
-          <a:p>
-            <a:r>
-              <a:rPr lang="en-US" dirty="0" err="1">
-                <a:solidFill>
-                  <a:schemeClr val="bg1"/>
-                </a:solidFill>
-              </a:rPr>
-              <a:t>TotalFare</a:t>
-            </a:r>
-            <a:endParaRPr lang="en-US" dirty="0">
-              <a:solidFill>
-                <a:schemeClr val="bg1"/>
-              </a:solidFill>
-            </a:endParaRPr>
-          </a:p>
-        </p:txBody>
-      </p:sp>
-      <p:sp>
-        <p:nvSpPr>
-          <p:cNvPr id="35" name="TextBox 34"/>
-          <p:cNvSpPr txBox="1"/>
-          <p:nvPr/>
-        </p:nvSpPr>
-        <p:spPr>
-          <a:xfrm>
-            <a:off x="1688841" y="5051497"/>
-            <a:ext cx="3209731" cy="369332"/>
-          </a:xfrm>
-          <a:prstGeom prst="rect">
-            <a:avLst/>
-          </a:prstGeom>
-          <a:solidFill>
-            <a:srgbClr val="B5FFFF"/>
-          </a:solidFill>
-        </p:spPr>
-        <p:txBody>
-          <a:bodyPr wrap="square" rtlCol="0">
-            <a:spAutoFit/>
-          </a:bodyPr>
-          <a:lstStyle/>
-          <a:p>
-            <a:r>
-              <a:rPr lang="en-US" dirty="0" err="1">
-                <a:solidFill>
-                  <a:schemeClr val="bg1"/>
-                </a:solidFill>
-              </a:rPr>
-              <a:t>IsPaid</a:t>
-            </a:r>
-            <a:endParaRPr lang="en-US" dirty="0">
-              <a:solidFill>
-                <a:schemeClr val="bg1"/>
-              </a:solidFill>
-            </a:endParaRPr>
-          </a:p>
-        </p:txBody>
-      </p:sp>
-      <p:sp>
-        <p:nvSpPr>
-          <p:cNvPr id="36" name="TextBox 35"/>
-          <p:cNvSpPr txBox="1"/>
-          <p:nvPr/>
-        </p:nvSpPr>
-        <p:spPr>
-          <a:xfrm>
-            <a:off x="6848669" y="5051497"/>
-            <a:ext cx="3209731" cy="369332"/>
-          </a:xfrm>
-          <a:prstGeom prst="rect">
-            <a:avLst/>
-          </a:prstGeom>
-          <a:solidFill>
-            <a:srgbClr val="B5FFFF"/>
-          </a:solidFill>
-        </p:spPr>
-        <p:txBody>
-          <a:bodyPr wrap="square" rtlCol="0">
-            <a:spAutoFit/>
-          </a:bodyPr>
-          <a:lstStyle/>
-          <a:p>
-            <a:r>
-              <a:rPr lang="en-US" dirty="0" err="1">
-                <a:solidFill>
-                  <a:schemeClr val="bg1"/>
-                </a:solidFill>
-              </a:rPr>
-              <a:t>DriverRating</a:t>
-            </a:r>
-            <a:endParaRPr lang="en-US" dirty="0">
-              <a:solidFill>
-                <a:schemeClr val="bg1"/>
-              </a:solidFill>
-            </a:endParaRPr>
-          </a:p>
-        </p:txBody>
-      </p:sp>
-      <p:sp>
-        <p:nvSpPr>
-          <p:cNvPr id="37" name="TextBox 36"/>
-          <p:cNvSpPr txBox="1"/>
-          <p:nvPr/>
-        </p:nvSpPr>
-        <p:spPr>
-          <a:xfrm>
-            <a:off x="1688841" y="5641050"/>
-            <a:ext cx="3209731" cy="369332"/>
-          </a:xfrm>
-          <a:prstGeom prst="rect">
-            <a:avLst/>
-          </a:prstGeom>
-          <a:solidFill>
-            <a:srgbClr val="B5FFFF"/>
-          </a:solidFill>
-        </p:spPr>
-        <p:txBody>
-          <a:bodyPr wrap="square" rtlCol="0">
-            <a:spAutoFit/>
-          </a:bodyPr>
-          <a:lstStyle/>
-          <a:p>
-            <a:r>
-              <a:rPr lang="en-US" dirty="0" err="1">
-                <a:solidFill>
-                  <a:schemeClr val="bg1"/>
-                </a:solidFill>
-              </a:rPr>
-              <a:t>CustomerRating</a:t>
-            </a:r>
-            <a:endParaRPr lang="en-US" dirty="0">
-              <a:solidFill>
-                <a:schemeClr val="bg1"/>
-              </a:solidFill>
-            </a:endParaRPr>
-          </a:p>
-        </p:txBody>
-      </p:sp>
-      <p:sp>
-        <p:nvSpPr>
-          <p:cNvPr id="38" name="TextBox 37"/>
-          <p:cNvSpPr txBox="1"/>
-          <p:nvPr/>
-        </p:nvSpPr>
-        <p:spPr>
-          <a:xfrm>
-            <a:off x="6848669" y="5641050"/>
-            <a:ext cx="3209731" cy="369332"/>
-          </a:xfrm>
-          <a:prstGeom prst="rect">
-            <a:avLst/>
-          </a:prstGeom>
-          <a:solidFill>
-            <a:srgbClr val="B5FFFF"/>
-          </a:solidFill>
-        </p:spPr>
-        <p:txBody>
-          <a:bodyPr wrap="square" rtlCol="0">
-            <a:spAutoFit/>
-          </a:bodyPr>
-          <a:lstStyle/>
-          <a:p>
-            <a:r>
-              <a:rPr lang="en-US" dirty="0" err="1">
-                <a:solidFill>
-                  <a:schemeClr val="bg1"/>
-                </a:solidFill>
-              </a:rPr>
-              <a:t>DistanceInMeter</a:t>
-            </a:r>
-            <a:endParaRPr lang="en-US" dirty="0">
-              <a:solidFill>
-                <a:schemeClr val="bg1"/>
-              </a:solidFill>
-            </a:endParaRPr>
-          </a:p>
-        </p:txBody>
-      </p:sp>
-      <p:sp>
-        <p:nvSpPr>
-          <p:cNvPr id="41" name="Isosceles Triangle 40"/>
-          <p:cNvSpPr/>
-          <p:nvPr/>
-        </p:nvSpPr>
-        <p:spPr>
-          <a:xfrm rot="10800000">
-            <a:off x="9386594" y="1284534"/>
-            <a:ext cx="270590" cy="120160"/>
-          </a:xfrm>
-          <a:prstGeom prst="triangle">
-            <a:avLst/>
-          </a:prstGeom>
-        </p:spPr>
-        <p:style>
-          <a:lnRef idx="2">
-            <a:schemeClr val="dk1">
-              <a:shade val="50000"/>
-            </a:schemeClr>
-          </a:lnRef>
-          <a:fillRef idx="1">
-            <a:schemeClr val="dk1"/>
-          </a:fillRef>
-          <a:effectRef idx="0">
-            <a:schemeClr val="dk1"/>
-          </a:effectRef>
-          <a:fontRef idx="minor">
-            <a:schemeClr val="lt1"/>
-          </a:fontRef>
-        </p:style>
-        <p:txBody>
-          <a:bodyPr rtlCol="0" anchor="ctr"/>
-          <a:lstStyle/>
-          <a:p>
-            <a:pPr algn="ctr"/>
-            <a:endParaRPr lang="en-US">
-              <a:solidFill>
-                <a:schemeClr val="bg1"/>
-              </a:solidFill>
-            </a:endParaRPr>
-          </a:p>
-        </p:txBody>
-      </p:sp>
-      <p:sp>
-        <p:nvSpPr>
-          <p:cNvPr id="42" name="Rectangle 41"/>
-          <p:cNvSpPr/>
-          <p:nvPr/>
-        </p:nvSpPr>
-        <p:spPr>
-          <a:xfrm>
-            <a:off x="4376058" y="5142060"/>
-            <a:ext cx="223934" cy="184666"/>
-          </a:xfrm>
-          <a:prstGeom prst="rect">
-            <a:avLst/>
-          </a:prstGeom>
-        </p:spPr>
-        <p:style>
-          <a:lnRef idx="2">
-            <a:schemeClr val="dk1">
-              <a:shade val="50000"/>
-            </a:schemeClr>
-          </a:lnRef>
-          <a:fillRef idx="1">
-            <a:schemeClr val="dk1"/>
-          </a:fillRef>
-          <a:effectRef idx="0">
-            <a:schemeClr val="dk1"/>
-          </a:effectRef>
-          <a:fontRef idx="minor">
-            <a:schemeClr val="lt1"/>
-          </a:fontRef>
-        </p:style>
-        <p:txBody>
-          <a:bodyPr rtlCol="0" anchor="ctr"/>
-          <a:lstStyle/>
-          <a:p>
-            <a:pPr algn="ctr"/>
-            <a:endParaRPr lang="en-US">
-              <a:solidFill>
-                <a:schemeClr val="bg1"/>
-              </a:solidFill>
-            </a:endParaRPr>
-          </a:p>
-        </p:txBody>
-      </p:sp>
-      <p:sp>
-        <p:nvSpPr>
-          <p:cNvPr id="47" name="L-Shape 46"/>
-          <p:cNvSpPr/>
-          <p:nvPr/>
-        </p:nvSpPr>
-        <p:spPr>
-          <a:xfrm rot="19074116">
-            <a:off x="4398234" y="5142386"/>
-            <a:ext cx="233265" cy="104547"/>
-          </a:xfrm>
-          <a:prstGeom prst="corner">
-            <a:avLst/>
-          </a:prstGeom>
-          <a:solidFill>
-            <a:schemeClr val="bg1"/>
-          </a:solidFill>
-        </p:spPr>
-        <p:style>
-          <a:lnRef idx="2">
-            <a:schemeClr val="accent1">
-              <a:shade val="50000"/>
-            </a:schemeClr>
-          </a:lnRef>
-          <a:fillRef idx="1">
-            <a:schemeClr val="accent1"/>
-          </a:fillRef>
-          <a:effectRef idx="0">
-            <a:schemeClr val="accent1"/>
-          </a:effectRef>
-          <a:fontRef idx="minor">
-            <a:schemeClr val="lt1"/>
-          </a:fontRef>
-        </p:style>
-        <p:txBody>
-          <a:bodyPr rtlCol="0" anchor="ctr"/>
-          <a:lstStyle/>
-          <a:p>
-            <a:pPr algn="ctr"/>
-            <a:endParaRPr lang="en-US">
-              <a:solidFill>
-                <a:schemeClr val="bg1"/>
-              </a:solidFill>
-            </a:endParaRPr>
-          </a:p>
-        </p:txBody>
-      </p:sp>
-      <p:pic>
-        <p:nvPicPr>
-          <p:cNvPr id="48" name="Picture 47"/>
-          <p:cNvPicPr>
-            <a:picLocks noChangeAspect="1"/>
-          </p:cNvPicPr>
-          <p:nvPr/>
-        </p:nvPicPr>
-        <p:blipFill>
-          <a:blip r:embed="rId2"/>
-          <a:stretch>
-            <a:fillRect/>
-          </a:stretch>
-        </p:blipFill>
-        <p:spPr>
-          <a:xfrm>
-            <a:off x="5079516" y="6146890"/>
-            <a:ext cx="1585097" cy="493819"/>
-          </a:xfrm>
-          <a:prstGeom prst="rect">
-            <a:avLst/>
-          </a:prstGeom>
-        </p:spPr>
-      </p:pic>
+              </a:defRPr>
+            </a:lvl1pPr>
+          </a:lstStyle>
+          <a:p>
+            <a:r>
+              <a:rPr lang="en-US" dirty="0" err="1"/>
+              <a:t>CompanyId</a:t>
+            </a:r>
+            <a:r>
+              <a:rPr lang="en-US" dirty="0"/>
+              <a:t> </a:t>
+            </a:r>
+          </a:p>
+        </p:txBody>
+      </p:sp>
     </p:spTree>
     <p:extLst>
       <p:ext uri="{BB962C8B-B14F-4D97-AF65-F5344CB8AC3E}">
-        <p14:creationId xmlns:p14="http://schemas.microsoft.com/office/powerpoint/2010/main" val="4288874005"/>
+        <p14:creationId xmlns:p14="http://schemas.microsoft.com/office/powerpoint/2010/main" val="3519654255"/>
       </p:ext>
     </p:extLst>
   </p:cSld>
@@ -10473,73 +10000,141 @@
       </p:grpSpPr>
       <p:sp>
         <p:nvSpPr>
-          <p:cNvPr id="4" name="TextBox 3"/>
+          <p:cNvPr id="5" name="TextBox 4"/>
           <p:cNvSpPr txBox="1"/>
           <p:nvPr/>
         </p:nvSpPr>
         <p:spPr>
           <a:xfrm>
-            <a:off x="111967" y="223935"/>
-            <a:ext cx="11952515" cy="522514"/>
+            <a:off x="4064000" y="2542355"/>
+            <a:ext cx="4064000" cy="369332"/>
           </a:xfrm>
           <a:prstGeom prst="rect">
             <a:avLst/>
           </a:prstGeom>
-          <a:noFill/>
+          <a:solidFill>
+            <a:srgbClr val="B5FFFF"/>
+          </a:solidFill>
         </p:spPr>
         <p:txBody>
           <a:bodyPr wrap="square" rtlCol="0">
             <a:spAutoFit/>
           </a:bodyPr>
-          <a:lstStyle/>
-          <a:p>
+          <a:lstStyle>
+            <a:defPPr>
+              <a:defRPr lang="en-US"/>
+            </a:defPPr>
+            <a:lvl1pPr>
+              <a:defRPr>
+                <a:solidFill>
+                  <a:schemeClr val="bg1"/>
+                </a:solidFill>
+              </a:defRPr>
+            </a:lvl1pPr>
+          </a:lstStyle>
+          <a:p>
+            <a:r>
+              <a:rPr lang="en-US"/>
+              <a:t>EmployeeName </a:t>
+            </a:r>
             <a:endParaRPr lang="en-US" dirty="0"/>
           </a:p>
         </p:txBody>
       </p:sp>
       <p:sp>
         <p:nvSpPr>
-          <p:cNvPr id="5" name="TextBox 4"/>
+          <p:cNvPr id="6" name="TextBox 5"/>
           <p:cNvSpPr txBox="1"/>
           <p:nvPr/>
         </p:nvSpPr>
         <p:spPr>
           <a:xfrm>
-            <a:off x="111966" y="55986"/>
-            <a:ext cx="11952515" cy="523220"/>
+            <a:off x="0" y="445588"/>
+            <a:ext cx="12192000" cy="369332"/>
           </a:xfrm>
           <a:prstGeom prst="rect">
             <a:avLst/>
           </a:prstGeom>
           <a:solidFill>
-            <a:schemeClr val="bg1"/>
+            <a:schemeClr val="tx1"/>
+          </a:solidFill>
+          <a:ln>
+            <a:solidFill>
+              <a:schemeClr val="tx1"/>
+            </a:solidFill>
+          </a:ln>
+        </p:spPr>
+        <p:txBody>
+          <a:bodyPr wrap="square" rtlCol="0" anchor="ctr">
+            <a:spAutoFit/>
+          </a:bodyPr>
+          <a:lstStyle/>
+          <a:p>
+            <a:pPr algn="ctr"/>
+            <a:r>
+              <a:rPr lang="en-US" dirty="0">
+                <a:solidFill>
+                  <a:schemeClr val="bg1"/>
+                </a:solidFill>
+              </a:rPr>
+              <a:t>Employee</a:t>
+            </a:r>
+          </a:p>
+        </p:txBody>
+      </p:sp>
+      <p:sp>
+        <p:nvSpPr>
+          <p:cNvPr id="7" name="TextBox 6"/>
+          <p:cNvSpPr txBox="1"/>
+          <p:nvPr/>
+        </p:nvSpPr>
+        <p:spPr>
+          <a:xfrm>
+            <a:off x="4064000" y="4267034"/>
+            <a:ext cx="4064000" cy="369332"/>
+          </a:xfrm>
+          <a:prstGeom prst="rect">
+            <a:avLst/>
+          </a:prstGeom>
+          <a:solidFill>
+            <a:srgbClr val="B5FFFF"/>
           </a:solidFill>
         </p:spPr>
         <p:txBody>
           <a:bodyPr wrap="square" rtlCol="0">
             <a:spAutoFit/>
           </a:bodyPr>
-          <a:lstStyle/>
-          <a:p>
-            <a:pPr algn="ctr"/>
-            <a:r>
-              <a:rPr lang="en-US" sz="2800" dirty="0" err="1"/>
-              <a:t>RideTrack</a:t>
-            </a:r>
-            <a:endParaRPr lang="en-US" sz="2800" dirty="0"/>
-          </a:p>
-        </p:txBody>
-      </p:sp>
-      <p:sp>
-        <p:nvSpPr>
-          <p:cNvPr id="6" name="TextBox 5"/>
+          <a:lstStyle>
+            <a:defPPr>
+              <a:defRPr lang="en-US"/>
+            </a:defPPr>
+            <a:lvl1pPr>
+              <a:defRPr>
+                <a:solidFill>
+                  <a:schemeClr val="bg1"/>
+                </a:solidFill>
+              </a:defRPr>
+            </a:lvl1pPr>
+          </a:lstStyle>
+          <a:p>
+            <a:r>
+              <a:rPr lang="en-US"/>
+              <a:t>IsLive </a:t>
+            </a:r>
+            <a:endParaRPr lang="en-US" dirty="0"/>
+          </a:p>
+        </p:txBody>
+      </p:sp>
+      <p:sp>
+        <p:nvSpPr>
+          <p:cNvPr id="8" name="TextBox 7"/>
           <p:cNvSpPr txBox="1"/>
           <p:nvPr/>
         </p:nvSpPr>
         <p:spPr>
           <a:xfrm>
-            <a:off x="1651518" y="2164702"/>
-            <a:ext cx="3209731" cy="369332"/>
+            <a:off x="4064000" y="3091265"/>
+            <a:ext cx="4064000" cy="369332"/>
           </a:xfrm>
           <a:prstGeom prst="rect">
             <a:avLst/>
@@ -10552,16 +10147,210 @@
           <a:bodyPr wrap="square" rtlCol="0">
             <a:spAutoFit/>
           </a:bodyPr>
-          <a:lstStyle/>
-          <a:p>
-            <a:r>
-              <a:rPr lang="en-US" dirty="0" err="1">
+          <a:lstStyle>
+            <a:defPPr>
+              <a:defRPr lang="en-US"/>
+            </a:defPPr>
+            <a:lvl1pPr>
+              <a:defRPr>
                 <a:solidFill>
                   <a:schemeClr val="bg1"/>
                 </a:solidFill>
-              </a:rPr>
-              <a:t>RideBookId</a:t>
-            </a:r>
+              </a:defRPr>
+            </a:lvl1pPr>
+          </a:lstStyle>
+          <a:p>
+            <a:r>
+              <a:rPr lang="en-US"/>
+              <a:t>PhoneNumber </a:t>
+            </a:r>
+            <a:endParaRPr lang="en-US" dirty="0"/>
+          </a:p>
+        </p:txBody>
+      </p:sp>
+      <p:sp>
+        <p:nvSpPr>
+          <p:cNvPr id="10" name="TextBox 9"/>
+          <p:cNvSpPr txBox="1"/>
+          <p:nvPr/>
+        </p:nvSpPr>
+        <p:spPr>
+          <a:xfrm>
+            <a:off x="5168900" y="5572641"/>
+            <a:ext cx="1578429" cy="369332"/>
+          </a:xfrm>
+          <a:prstGeom prst="rect">
+            <a:avLst/>
+          </a:prstGeom>
+          <a:solidFill>
+            <a:schemeClr val="bg1">
+              <a:lumMod val="85000"/>
+            </a:schemeClr>
+          </a:solidFill>
+          <a:ln>
+            <a:solidFill>
+              <a:schemeClr val="tx1"/>
+            </a:solidFill>
+          </a:ln>
+        </p:spPr>
+        <p:txBody>
+          <a:bodyPr wrap="square" rtlCol="0" anchor="ctr">
+            <a:spAutoFit/>
+          </a:bodyPr>
+          <a:lstStyle/>
+          <a:p>
+            <a:pPr algn="ctr"/>
+            <a:r>
+              <a:rPr lang="en-US" dirty="0"/>
+              <a:t>Create </a:t>
+            </a:r>
+          </a:p>
+        </p:txBody>
+      </p:sp>
+      <p:sp>
+        <p:nvSpPr>
+          <p:cNvPr id="9" name="TextBox 8"/>
+          <p:cNvSpPr txBox="1"/>
+          <p:nvPr/>
+        </p:nvSpPr>
+        <p:spPr>
+          <a:xfrm>
+            <a:off x="4064000" y="3660499"/>
+            <a:ext cx="4064000" cy="369332"/>
+          </a:xfrm>
+          <a:prstGeom prst="rect">
+            <a:avLst/>
+          </a:prstGeom>
+          <a:solidFill>
+            <a:srgbClr val="B5FFFF"/>
+          </a:solidFill>
+        </p:spPr>
+        <p:txBody>
+          <a:bodyPr wrap="square" rtlCol="0">
+            <a:spAutoFit/>
+          </a:bodyPr>
+          <a:lstStyle>
+            <a:defPPr>
+              <a:defRPr lang="en-US"/>
+            </a:defPPr>
+            <a:lvl1pPr>
+              <a:defRPr>
+                <a:solidFill>
+                  <a:schemeClr val="bg1"/>
+                </a:solidFill>
+              </a:defRPr>
+            </a:lvl1pPr>
+          </a:lstStyle>
+          <a:p>
+            <a:r>
+              <a:rPr lang="en-US"/>
+              <a:t>Email </a:t>
+            </a:r>
+            <a:endParaRPr lang="en-US" dirty="0"/>
+          </a:p>
+        </p:txBody>
+      </p:sp>
+      <p:sp>
+        <p:nvSpPr>
+          <p:cNvPr id="2" name="TextBox 1">
+            <a:extLst>
+              <a:ext uri="{FF2B5EF4-FFF2-40B4-BE49-F238E27FC236}">
+                <a16:creationId xmlns:a16="http://schemas.microsoft.com/office/drawing/2014/main" id="{64AAED60-2F42-8493-8E72-3D518BF0DD0E}"/>
+              </a:ext>
+            </a:extLst>
+          </p:cNvPr>
+          <p:cNvSpPr txBox="1"/>
+          <p:nvPr/>
+        </p:nvSpPr>
+        <p:spPr>
+          <a:xfrm>
+            <a:off x="4064000" y="2034368"/>
+            <a:ext cx="4064000" cy="369332"/>
+          </a:xfrm>
+          <a:prstGeom prst="rect">
+            <a:avLst/>
+          </a:prstGeom>
+          <a:solidFill>
+            <a:srgbClr val="B5FFFF"/>
+          </a:solidFill>
+        </p:spPr>
+        <p:txBody>
+          <a:bodyPr wrap="square" rtlCol="0">
+            <a:spAutoFit/>
+          </a:bodyPr>
+          <a:lstStyle>
+            <a:defPPr>
+              <a:defRPr lang="en-US"/>
+            </a:defPPr>
+            <a:lvl1pPr>
+              <a:defRPr>
+                <a:solidFill>
+                  <a:schemeClr val="bg1"/>
+                </a:solidFill>
+              </a:defRPr>
+            </a:lvl1pPr>
+          </a:lstStyle>
+          <a:p>
+            <a:r>
+              <a:rPr lang="en-US" dirty="0" err="1"/>
+              <a:t>EmployeeId</a:t>
+            </a:r>
+            <a:endParaRPr lang="en-US" dirty="0"/>
+          </a:p>
+        </p:txBody>
+      </p:sp>
+      <p:sp>
+        <p:nvSpPr>
+          <p:cNvPr id="3" name="Rectangle 2">
+            <a:extLst>
+              <a:ext uri="{FF2B5EF4-FFF2-40B4-BE49-F238E27FC236}">
+                <a16:creationId xmlns:a16="http://schemas.microsoft.com/office/drawing/2014/main" id="{DAC2A1CC-36D4-74B7-AE89-21DF2A6BB6BC}"/>
+              </a:ext>
+            </a:extLst>
+          </p:cNvPr>
+          <p:cNvSpPr/>
+          <p:nvPr/>
+        </p:nvSpPr>
+        <p:spPr>
+          <a:xfrm>
+            <a:off x="7053941" y="4289775"/>
+            <a:ext cx="344713" cy="323850"/>
+          </a:xfrm>
+          <a:prstGeom prst="rect">
+            <a:avLst/>
+          </a:prstGeom>
+          <a:solidFill>
+            <a:schemeClr val="tx2">
+              <a:lumMod val="60000"/>
+              <a:lumOff val="40000"/>
+            </a:schemeClr>
+          </a:solidFill>
+          <a:ln>
+            <a:solidFill>
+              <a:schemeClr val="bg1"/>
+            </a:solidFill>
+          </a:ln>
+        </p:spPr>
+        <p:style>
+          <a:lnRef idx="2">
+            <a:schemeClr val="accent1">
+              <a:shade val="15000"/>
+            </a:schemeClr>
+          </a:lnRef>
+          <a:fillRef idx="1">
+            <a:schemeClr val="accent1"/>
+          </a:fillRef>
+          <a:effectRef idx="0">
+            <a:schemeClr val="accent1"/>
+          </a:effectRef>
+          <a:fontRef idx="minor">
+            <a:schemeClr val="lt1"/>
+          </a:fontRef>
+        </p:style>
+        <p:txBody>
+          <a:bodyPr rtlCol="0" anchor="ctr"/>
+          <a:lstStyle/>
+          <a:p>
             <a:endParaRPr lang="en-US" dirty="0">
               <a:solidFill>
                 <a:schemeClr val="bg1"/>
@@ -10572,222 +10361,76 @@
       </p:sp>
       <p:sp>
         <p:nvSpPr>
-          <p:cNvPr id="7" name="TextBox 6"/>
-          <p:cNvSpPr txBox="1"/>
-          <p:nvPr/>
-        </p:nvSpPr>
-        <p:spPr>
-          <a:xfrm>
-            <a:off x="6774024" y="2164702"/>
-            <a:ext cx="3209731" cy="369332"/>
-          </a:xfrm>
-          <a:prstGeom prst="rect">
-            <a:avLst/>
+          <p:cNvPr id="11" name="Half Frame 10">
+            <a:extLst>
+              <a:ext uri="{FF2B5EF4-FFF2-40B4-BE49-F238E27FC236}">
+                <a16:creationId xmlns:a16="http://schemas.microsoft.com/office/drawing/2014/main" id="{708DBF85-14F8-436E-C684-32A609C660F0}"/>
+              </a:ext>
+            </a:extLst>
+          </p:cNvPr>
+          <p:cNvSpPr/>
+          <p:nvPr/>
+        </p:nvSpPr>
+        <p:spPr>
+          <a:xfrm rot="18490048" flipV="1">
+            <a:off x="7085298" y="4328664"/>
+            <a:ext cx="342064" cy="186030"/>
+          </a:xfrm>
+          <a:prstGeom prst="halfFrame">
+            <a:avLst>
+              <a:gd name="adj1" fmla="val 16151"/>
+              <a:gd name="adj2" fmla="val 33333"/>
+            </a:avLst>
           </a:prstGeom>
           <a:solidFill>
-            <a:srgbClr val="B5FFFF"/>
+            <a:schemeClr val="bg2"/>
           </a:solidFill>
-        </p:spPr>
-        <p:txBody>
-          <a:bodyPr wrap="square" rtlCol="0">
-            <a:spAutoFit/>
-          </a:bodyPr>
-          <a:lstStyle/>
-          <a:p>
-            <a:r>
-              <a:rPr lang="en-US" dirty="0" err="1">
-                <a:solidFill>
-                  <a:schemeClr val="bg1"/>
-                </a:solidFill>
-              </a:rPr>
-              <a:t>RideTrackLaitude</a:t>
-            </a:r>
-            <a:endParaRPr lang="en-US" dirty="0">
+          <a:ln>
+            <a:solidFill>
+              <a:schemeClr val="tx1"/>
+            </a:solidFill>
+          </a:ln>
+        </p:spPr>
+        <p:style>
+          <a:lnRef idx="2">
+            <a:schemeClr val="accent1">
+              <a:shade val="50000"/>
+            </a:schemeClr>
+          </a:lnRef>
+          <a:fillRef idx="1">
+            <a:schemeClr val="accent1"/>
+          </a:fillRef>
+          <a:effectRef idx="0">
+            <a:schemeClr val="accent1"/>
+          </a:effectRef>
+          <a:fontRef idx="minor">
+            <a:schemeClr val="lt1"/>
+          </a:fontRef>
+        </p:style>
+        <p:txBody>
+          <a:bodyPr rtlCol="0" anchor="ctr"/>
+          <a:lstStyle/>
+          <a:p>
+            <a:endParaRPr lang="en-US">
+              <a:ln w="0"/>
               <a:solidFill>
                 <a:schemeClr val="bg1"/>
               </a:solidFill>
+              <a:effectLst>
+                <a:outerShdw blurRad="38100" dist="19050" dir="2700000" algn="tl" rotWithShape="0">
+                  <a:schemeClr val="dk1">
+                    <a:alpha val="40000"/>
+                  </a:schemeClr>
+                </a:outerShdw>
+              </a:effectLst>
             </a:endParaRPr>
           </a:p>
         </p:txBody>
       </p:sp>
-      <p:sp>
-        <p:nvSpPr>
-          <p:cNvPr id="8" name="TextBox 7"/>
-          <p:cNvSpPr txBox="1"/>
-          <p:nvPr/>
-        </p:nvSpPr>
-        <p:spPr>
-          <a:xfrm>
-            <a:off x="1651518" y="2830295"/>
-            <a:ext cx="3209731" cy="369332"/>
-          </a:xfrm>
-          <a:prstGeom prst="rect">
-            <a:avLst/>
-          </a:prstGeom>
-          <a:solidFill>
-            <a:srgbClr val="B5FFFF"/>
-          </a:solidFill>
-        </p:spPr>
-        <p:txBody>
-          <a:bodyPr wrap="square" rtlCol="0">
-            <a:spAutoFit/>
-          </a:bodyPr>
-          <a:lstStyle/>
-          <a:p>
-            <a:r>
-              <a:rPr lang="en-US" dirty="0" err="1">
-                <a:solidFill>
-                  <a:schemeClr val="bg1"/>
-                </a:solidFill>
-              </a:rPr>
-              <a:t>RideTrackLongtiude</a:t>
-            </a:r>
-            <a:endParaRPr lang="en-US" dirty="0">
-              <a:solidFill>
-                <a:schemeClr val="bg1"/>
-              </a:solidFill>
-            </a:endParaRPr>
-          </a:p>
-        </p:txBody>
-      </p:sp>
-      <p:sp>
-        <p:nvSpPr>
-          <p:cNvPr id="9" name="TextBox 8"/>
-          <p:cNvSpPr txBox="1"/>
-          <p:nvPr/>
-        </p:nvSpPr>
-        <p:spPr>
-          <a:xfrm>
-            <a:off x="6811346" y="2830295"/>
-            <a:ext cx="3209731" cy="369332"/>
-          </a:xfrm>
-          <a:prstGeom prst="rect">
-            <a:avLst/>
-          </a:prstGeom>
-          <a:solidFill>
-            <a:srgbClr val="B5FFFF"/>
-          </a:solidFill>
-        </p:spPr>
-        <p:txBody>
-          <a:bodyPr wrap="square" rtlCol="0">
-            <a:spAutoFit/>
-          </a:bodyPr>
-          <a:lstStyle/>
-          <a:p>
-            <a:r>
-              <a:rPr lang="en-US" dirty="0">
-                <a:solidFill>
-                  <a:schemeClr val="bg1"/>
-                </a:solidFill>
-              </a:rPr>
-              <a:t>Timestamp</a:t>
-            </a:r>
-          </a:p>
-        </p:txBody>
-      </p:sp>
-      <p:sp>
-        <p:nvSpPr>
-          <p:cNvPr id="10" name="TextBox 9"/>
-          <p:cNvSpPr txBox="1"/>
-          <p:nvPr/>
-        </p:nvSpPr>
-        <p:spPr>
-          <a:xfrm>
-            <a:off x="1651518" y="3442931"/>
-            <a:ext cx="3209731" cy="369332"/>
-          </a:xfrm>
-          <a:prstGeom prst="rect">
-            <a:avLst/>
-          </a:prstGeom>
-          <a:solidFill>
-            <a:srgbClr val="B5FFFF"/>
-          </a:solidFill>
-        </p:spPr>
-        <p:txBody>
-          <a:bodyPr wrap="square" rtlCol="0">
-            <a:spAutoFit/>
-          </a:bodyPr>
-          <a:lstStyle/>
-          <a:p>
-            <a:r>
-              <a:rPr lang="en-US" dirty="0">
-                <a:solidFill>
-                  <a:schemeClr val="bg1"/>
-                </a:solidFill>
-              </a:rPr>
-              <a:t>Distance</a:t>
-            </a:r>
-          </a:p>
-        </p:txBody>
-      </p:sp>
-      <p:sp>
-        <p:nvSpPr>
-          <p:cNvPr id="11" name="TextBox 10"/>
-          <p:cNvSpPr txBox="1"/>
-          <p:nvPr/>
-        </p:nvSpPr>
-        <p:spPr>
-          <a:xfrm>
-            <a:off x="6811346" y="3442931"/>
-            <a:ext cx="3209731" cy="369332"/>
-          </a:xfrm>
-          <a:prstGeom prst="rect">
-            <a:avLst/>
-          </a:prstGeom>
-          <a:solidFill>
-            <a:srgbClr val="B5FFFF"/>
-          </a:solidFill>
-        </p:spPr>
-        <p:txBody>
-          <a:bodyPr wrap="square" rtlCol="0">
-            <a:spAutoFit/>
-          </a:bodyPr>
-          <a:lstStyle/>
-          <a:p>
-            <a:r>
-              <a:rPr lang="en-US" dirty="0" err="1">
-                <a:solidFill>
-                  <a:schemeClr val="bg1"/>
-                </a:solidFill>
-              </a:rPr>
-              <a:t>TrackTime</a:t>
-            </a:r>
-            <a:endParaRPr lang="en-US" dirty="0">
-              <a:solidFill>
-                <a:schemeClr val="bg1"/>
-              </a:solidFill>
-            </a:endParaRPr>
-          </a:p>
-        </p:txBody>
-      </p:sp>
-      <p:pic>
-        <p:nvPicPr>
-          <p:cNvPr id="25" name="Picture 24"/>
-          <p:cNvPicPr>
-            <a:picLocks noChangeAspect="1"/>
-          </p:cNvPicPr>
-          <p:nvPr/>
-        </p:nvPicPr>
-        <p:blipFill>
-          <a:blip r:embed="rId2"/>
-          <a:stretch>
-            <a:fillRect/>
-          </a:stretch>
-        </p:blipFill>
-        <p:spPr>
-          <a:xfrm>
-            <a:off x="4997095" y="4542025"/>
-            <a:ext cx="1585097" cy="493819"/>
-          </a:xfrm>
-          <a:prstGeom prst="rect">
-            <a:avLst/>
-          </a:prstGeom>
-        </p:spPr>
-      </p:pic>
     </p:spTree>
     <p:extLst>
       <p:ext uri="{BB962C8B-B14F-4D97-AF65-F5344CB8AC3E}">
-        <p14:creationId xmlns:p14="http://schemas.microsoft.com/office/powerpoint/2010/main" val="265695104"/>
+        <p14:creationId xmlns:p14="http://schemas.microsoft.com/office/powerpoint/2010/main" val="3396862092"/>
       </p:ext>
     </p:extLst>
   </p:cSld>
@@ -10999,7 +10642,7 @@
                 <a:effectLst/>
                 <a:latin typeface="Roboto" panose="02000000000000000000" pitchFamily="2" charset="0"/>
               </a:rPr>
-              <a:t>Pickup Location</a:t>
+              <a:t>Dropoff Location</a:t>
             </a:r>
             <a:endParaRPr lang="en-US" dirty="0">
               <a:solidFill>
@@ -11229,7 +10872,7 @@
       </p:grpSpPr>
       <p:sp>
         <p:nvSpPr>
-          <p:cNvPr id="4" name="TextBox 3"/>
+          <p:cNvPr id="8" name="TextBox 7"/>
           <p:cNvSpPr txBox="1"/>
           <p:nvPr/>
         </p:nvSpPr>
@@ -11249,43 +10892,13 @@
           </a:bodyPr>
           <a:lstStyle/>
           <a:p>
-            <a:pPr marL="0" marR="0" lvl="0" indent="0" algn="l" defTabSz="914400" rtl="0" eaLnBrk="1" fontAlgn="auto" latinLnBrk="0" hangingPunct="1">
-              <a:lnSpc>
-                <a:spcPct val="100000"/>
-              </a:lnSpc>
-              <a:spcBef>
-                <a:spcPts val="0"/>
-              </a:spcBef>
-              <a:spcAft>
-                <a:spcPts val="0"/>
-              </a:spcAft>
-              <a:buClrTx/>
-              <a:buSzTx/>
-              <a:buFontTx/>
-              <a:buNone/>
-              <a:tabLst/>
-              <a:defRPr/>
-            </a:pPr>
-            <a:endParaRPr kumimoji="0" lang="en-US" sz="1800" b="0" i="0" u="none" strike="noStrike" kern="1200" cap="none" spc="0" normalizeH="0" baseline="0" noProof="0" dirty="0">
-              <a:ln>
-                <a:noFill/>
-              </a:ln>
-              <a:solidFill>
-                <a:prstClr val="black"/>
-              </a:solidFill>
-              <a:effectLst/>
-              <a:uLnTx/>
-              <a:uFillTx/>
-              <a:latin typeface="Calibri" panose="020F0502020204030204"/>
-              <a:ea typeface="+mn-ea"/>
-              <a:cs typeface="+mn-cs"/>
-            </a:endParaRPr>
-          </a:p>
-        </p:txBody>
-      </p:sp>
-      <p:sp>
-        <p:nvSpPr>
-          <p:cNvPr id="5" name="TextBox 4"/>
+            <a:endParaRPr lang="en-US" dirty="0"/>
+          </a:p>
+        </p:txBody>
+      </p:sp>
+      <p:sp>
+        <p:nvSpPr>
+          <p:cNvPr id="11" name="TextBox 10"/>
           <p:cNvSpPr txBox="1"/>
           <p:nvPr/>
         </p:nvSpPr>
@@ -11307,35 +10920,24 @@
           </a:bodyPr>
           <a:lstStyle/>
           <a:p>
-            <a:pPr lvl="0" algn="ctr"/>
+            <a:pPr algn="ctr"/>
             <a:r>
               <a:rPr lang="en-US" sz="2800" dirty="0" err="1"/>
-              <a:t>FareDetail</a:t>
-            </a:r>
-            <a:endParaRPr kumimoji="0" lang="en-US" sz="2800" b="0" i="0" u="none" strike="noStrike" kern="1200" cap="none" spc="0" normalizeH="0" baseline="0" noProof="0" dirty="0">
-              <a:ln>
-                <a:noFill/>
-              </a:ln>
-              <a:solidFill>
-                <a:prstClr val="black"/>
-              </a:solidFill>
-              <a:effectLst/>
-              <a:uLnTx/>
-              <a:uFillTx/>
-              <a:latin typeface="Calibri" panose="020F0502020204030204"/>
-            </a:endParaRPr>
-          </a:p>
-        </p:txBody>
-      </p:sp>
-      <p:sp>
-        <p:nvSpPr>
-          <p:cNvPr id="6" name="TextBox 5"/>
+              <a:t>RideBook</a:t>
+            </a:r>
+            <a:endParaRPr lang="en-US" sz="2800" dirty="0"/>
+          </a:p>
+        </p:txBody>
+      </p:sp>
+      <p:sp>
+        <p:nvSpPr>
+          <p:cNvPr id="12" name="TextBox 11"/>
           <p:cNvSpPr txBox="1"/>
           <p:nvPr/>
         </p:nvSpPr>
         <p:spPr>
           <a:xfrm>
-            <a:off x="4483357" y="1657385"/>
+            <a:off x="1688841" y="1147665"/>
             <a:ext cx="3209731" cy="369332"/>
           </a:xfrm>
           <a:prstGeom prst="rect">
@@ -11351,41 +10953,31 @@
           </a:bodyPr>
           <a:lstStyle/>
           <a:p>
-            <a:pPr lvl="0"/>
-            <a:r>
-              <a:rPr lang="en-US" dirty="0" err="1">
+            <a:r>
+              <a:rPr lang="en-US">
                 <a:solidFill>
                   <a:schemeClr val="bg1"/>
                 </a:solidFill>
               </a:rPr>
-              <a:t>VehicleTypeId</a:t>
-            </a:r>
-            <a:endParaRPr kumimoji="0" lang="en-US" sz="1800" b="0" i="0" u="none" strike="noStrike" kern="1200" cap="none" spc="0" normalizeH="0" baseline="0" noProof="0" dirty="0">
-              <a:ln>
-                <a:noFill/>
-              </a:ln>
+              <a:t>CustomerId</a:t>
+            </a:r>
+            <a:endParaRPr lang="en-US" dirty="0">
               <a:solidFill>
                 <a:schemeClr val="bg1"/>
               </a:solidFill>
-              <a:effectLst/>
-              <a:uLnTx/>
-              <a:uFillTx/>
-              <a:latin typeface="Calibri" panose="020F0502020204030204"/>
-              <a:ea typeface="+mn-ea"/>
-              <a:cs typeface="+mn-cs"/>
             </a:endParaRPr>
           </a:p>
         </p:txBody>
       </p:sp>
       <p:sp>
         <p:nvSpPr>
-          <p:cNvPr id="7" name="TextBox 6"/>
+          <p:cNvPr id="20" name="TextBox 19"/>
           <p:cNvSpPr txBox="1"/>
           <p:nvPr/>
         </p:nvSpPr>
         <p:spPr>
           <a:xfrm>
-            <a:off x="4483356" y="3673719"/>
+            <a:off x="6811347" y="1147665"/>
             <a:ext cx="3209731" cy="369332"/>
           </a:xfrm>
           <a:prstGeom prst="rect">
@@ -11401,41 +10993,31 @@
           </a:bodyPr>
           <a:lstStyle/>
           <a:p>
-            <a:pPr lvl="0"/>
             <a:r>
               <a:rPr lang="en-US" dirty="0" err="1">
                 <a:solidFill>
                   <a:schemeClr val="bg1"/>
                 </a:solidFill>
               </a:rPr>
-              <a:t>BaseFare</a:t>
-            </a:r>
-            <a:endParaRPr kumimoji="0" lang="en-US" sz="1800" b="0" i="0" u="none" strike="noStrike" kern="1200" cap="none" spc="0" normalizeH="0" baseline="0" noProof="0" dirty="0">
-              <a:ln>
-                <a:noFill/>
-              </a:ln>
+              <a:t>DriverVehicleId</a:t>
+            </a:r>
+            <a:endParaRPr lang="en-US" dirty="0">
               <a:solidFill>
                 <a:schemeClr val="bg1"/>
               </a:solidFill>
-              <a:effectLst/>
-              <a:uLnTx/>
-              <a:uFillTx/>
-              <a:latin typeface="Calibri" panose="020F0502020204030204"/>
-              <a:ea typeface="+mn-ea"/>
-              <a:cs typeface="+mn-cs"/>
             </a:endParaRPr>
           </a:p>
         </p:txBody>
       </p:sp>
       <p:sp>
         <p:nvSpPr>
-          <p:cNvPr id="8" name="TextBox 7"/>
+          <p:cNvPr id="21" name="TextBox 20"/>
           <p:cNvSpPr txBox="1"/>
           <p:nvPr/>
         </p:nvSpPr>
         <p:spPr>
           <a:xfrm>
-            <a:off x="4483357" y="2322978"/>
+            <a:off x="1688841" y="1813258"/>
             <a:ext cx="3209731" cy="369332"/>
           </a:xfrm>
           <a:prstGeom prst="rect">
@@ -11451,41 +11033,31 @@
           </a:bodyPr>
           <a:lstStyle/>
           <a:p>
-            <a:pPr lvl="0"/>
             <a:r>
               <a:rPr lang="en-US" dirty="0" err="1">
                 <a:solidFill>
                   <a:schemeClr val="bg1"/>
                 </a:solidFill>
               </a:rPr>
-              <a:t>TotalFare</a:t>
-            </a:r>
-            <a:endParaRPr kumimoji="0" lang="en-US" sz="1800" b="0" i="0" u="none" strike="noStrike" kern="1200" cap="none" spc="0" normalizeH="0" baseline="0" noProof="0" dirty="0">
-              <a:ln>
-                <a:noFill/>
-              </a:ln>
+              <a:t>SourceLaitude</a:t>
+            </a:r>
+            <a:endParaRPr lang="en-US" dirty="0">
               <a:solidFill>
                 <a:schemeClr val="bg1"/>
               </a:solidFill>
-              <a:effectLst/>
-              <a:uLnTx/>
-              <a:uFillTx/>
-              <a:latin typeface="Calibri" panose="020F0502020204030204"/>
-              <a:ea typeface="+mn-ea"/>
-              <a:cs typeface="+mn-cs"/>
             </a:endParaRPr>
           </a:p>
         </p:txBody>
       </p:sp>
       <p:sp>
         <p:nvSpPr>
-          <p:cNvPr id="10" name="TextBox 9"/>
+          <p:cNvPr id="22" name="TextBox 21"/>
           <p:cNvSpPr txBox="1"/>
           <p:nvPr/>
         </p:nvSpPr>
         <p:spPr>
           <a:xfrm>
-            <a:off x="4483357" y="2935614"/>
+            <a:off x="6848669" y="1813258"/>
             <a:ext cx="3209731" cy="369332"/>
           </a:xfrm>
           <a:prstGeom prst="rect">
@@ -11501,76 +11073,506 @@
           </a:bodyPr>
           <a:lstStyle/>
           <a:p>
-            <a:pPr marL="0" marR="0" lvl="0" indent="0" algn="l" defTabSz="914400" rtl="0" eaLnBrk="1" fontAlgn="auto" latinLnBrk="0" hangingPunct="1">
-              <a:lnSpc>
-                <a:spcPct val="100000"/>
-              </a:lnSpc>
-              <a:spcBef>
-                <a:spcPts val="0"/>
-              </a:spcBef>
-              <a:spcAft>
-                <a:spcPts val="0"/>
-              </a:spcAft>
-              <a:buClrTx/>
-              <a:buSzTx/>
-              <a:buFontTx/>
-              <a:buNone/>
-              <a:tabLst/>
-              <a:defRPr/>
-            </a:pPr>
-            <a:r>
-              <a:rPr kumimoji="0" lang="en-US" sz="1800" b="0" i="0" u="none" strike="noStrike" kern="1200" cap="none" spc="0" normalizeH="0" baseline="0" noProof="0" dirty="0">
-                <a:ln>
-                  <a:noFill/>
-                </a:ln>
+            <a:r>
+              <a:rPr lang="en-US" dirty="0" err="1">
                 <a:solidFill>
                   <a:schemeClr val="bg1"/>
                 </a:solidFill>
-                <a:effectLst/>
-                <a:uLnTx/>
-                <a:uFillTx/>
-                <a:latin typeface="Calibri" panose="020F0502020204030204"/>
-                <a:ea typeface="+mn-ea"/>
-                <a:cs typeface="+mn-cs"/>
               </a:rPr>
-              <a:t>Distance</a:t>
-            </a:r>
-          </a:p>
-        </p:txBody>
-      </p:sp>
-      <p:pic>
-        <p:nvPicPr>
-          <p:cNvPr id="25" name="Picture 24"/>
-          <p:cNvPicPr>
-            <a:picLocks noChangeAspect="1"/>
-          </p:cNvPicPr>
-          <p:nvPr/>
-        </p:nvPicPr>
-        <p:blipFill>
-          <a:blip r:embed="rId2"/>
-          <a:stretch>
-            <a:fillRect/>
-          </a:stretch>
-        </p:blipFill>
-        <p:spPr>
-          <a:xfrm>
-            <a:off x="5295675" y="4530641"/>
-            <a:ext cx="1585097" cy="493819"/>
+              <a:t>SourceLongtiude</a:t>
+            </a:r>
+            <a:endParaRPr lang="en-US" dirty="0">
+              <a:solidFill>
+                <a:schemeClr val="bg1"/>
+              </a:solidFill>
+            </a:endParaRPr>
+          </a:p>
+        </p:txBody>
+      </p:sp>
+      <p:sp>
+        <p:nvSpPr>
+          <p:cNvPr id="23" name="TextBox 22"/>
+          <p:cNvSpPr txBox="1"/>
+          <p:nvPr/>
+        </p:nvSpPr>
+        <p:spPr>
+          <a:xfrm>
+            <a:off x="1688841" y="2425894"/>
+            <a:ext cx="3209731" cy="369332"/>
           </a:xfrm>
           <a:prstGeom prst="rect">
             <a:avLst/>
           </a:prstGeom>
-        </p:spPr>
-      </p:pic>
-      <p:sp>
-        <p:nvSpPr>
-          <p:cNvPr id="15" name="Isosceles Triangle 14"/>
+          <a:solidFill>
+            <a:srgbClr val="B5FFFF"/>
+          </a:solidFill>
+        </p:spPr>
+        <p:txBody>
+          <a:bodyPr wrap="square" rtlCol="0">
+            <a:spAutoFit/>
+          </a:bodyPr>
+          <a:lstStyle/>
+          <a:p>
+            <a:r>
+              <a:rPr lang="en-US" dirty="0" err="1">
+                <a:solidFill>
+                  <a:schemeClr val="bg1"/>
+                </a:solidFill>
+              </a:rPr>
+              <a:t>DestinationLatitude</a:t>
+            </a:r>
+            <a:endParaRPr lang="en-US" dirty="0">
+              <a:solidFill>
+                <a:schemeClr val="bg1"/>
+              </a:solidFill>
+            </a:endParaRPr>
+          </a:p>
+        </p:txBody>
+      </p:sp>
+      <p:sp>
+        <p:nvSpPr>
+          <p:cNvPr id="24" name="TextBox 23"/>
+          <p:cNvSpPr txBox="1"/>
+          <p:nvPr/>
+        </p:nvSpPr>
+        <p:spPr>
+          <a:xfrm>
+            <a:off x="6848669" y="2425894"/>
+            <a:ext cx="3209731" cy="369332"/>
+          </a:xfrm>
+          <a:prstGeom prst="rect">
+            <a:avLst/>
+          </a:prstGeom>
+          <a:solidFill>
+            <a:srgbClr val="B5FFFF"/>
+          </a:solidFill>
+        </p:spPr>
+        <p:txBody>
+          <a:bodyPr wrap="square" rtlCol="0">
+            <a:spAutoFit/>
+          </a:bodyPr>
+          <a:lstStyle/>
+          <a:p>
+            <a:r>
+              <a:rPr lang="en-US" dirty="0" err="1">
+                <a:solidFill>
+                  <a:schemeClr val="bg1"/>
+                </a:solidFill>
+              </a:rPr>
+              <a:t>CustomerId</a:t>
+            </a:r>
+            <a:endParaRPr lang="en-US" dirty="0">
+              <a:solidFill>
+                <a:schemeClr val="bg1"/>
+              </a:solidFill>
+            </a:endParaRPr>
+          </a:p>
+        </p:txBody>
+      </p:sp>
+      <p:sp>
+        <p:nvSpPr>
+          <p:cNvPr id="25" name="TextBox 24"/>
+          <p:cNvSpPr txBox="1"/>
+          <p:nvPr/>
+        </p:nvSpPr>
+        <p:spPr>
+          <a:xfrm>
+            <a:off x="1688841" y="3127668"/>
+            <a:ext cx="3209731" cy="369332"/>
+          </a:xfrm>
+          <a:prstGeom prst="rect">
+            <a:avLst/>
+          </a:prstGeom>
+          <a:solidFill>
+            <a:srgbClr val="B5FFFF"/>
+          </a:solidFill>
+        </p:spPr>
+        <p:txBody>
+          <a:bodyPr wrap="square" rtlCol="0">
+            <a:spAutoFit/>
+          </a:bodyPr>
+          <a:lstStyle/>
+          <a:p>
+            <a:r>
+              <a:rPr lang="en-US" dirty="0" err="1">
+                <a:solidFill>
+                  <a:schemeClr val="bg1"/>
+                </a:solidFill>
+              </a:rPr>
+              <a:t>CustomerLaitude</a:t>
+            </a:r>
+            <a:endParaRPr lang="en-US" dirty="0">
+              <a:solidFill>
+                <a:schemeClr val="bg1"/>
+              </a:solidFill>
+            </a:endParaRPr>
+          </a:p>
+        </p:txBody>
+      </p:sp>
+      <p:sp>
+        <p:nvSpPr>
+          <p:cNvPr id="26" name="TextBox 25"/>
+          <p:cNvSpPr txBox="1"/>
+          <p:nvPr/>
+        </p:nvSpPr>
+        <p:spPr>
+          <a:xfrm>
+            <a:off x="6848669" y="3127668"/>
+            <a:ext cx="3209731" cy="369332"/>
+          </a:xfrm>
+          <a:prstGeom prst="rect">
+            <a:avLst/>
+          </a:prstGeom>
+          <a:solidFill>
+            <a:srgbClr val="B5FFFF"/>
+          </a:solidFill>
+        </p:spPr>
+        <p:txBody>
+          <a:bodyPr wrap="square" rtlCol="0">
+            <a:spAutoFit/>
+          </a:bodyPr>
+          <a:lstStyle/>
+          <a:p>
+            <a:r>
+              <a:rPr lang="en-US" dirty="0" err="1">
+                <a:solidFill>
+                  <a:schemeClr val="bg1"/>
+                </a:solidFill>
+              </a:rPr>
+              <a:t>CustomerLongitude</a:t>
+            </a:r>
+            <a:endParaRPr lang="en-US" dirty="0">
+              <a:solidFill>
+                <a:schemeClr val="bg1"/>
+              </a:solidFill>
+            </a:endParaRPr>
+          </a:p>
+        </p:txBody>
+      </p:sp>
+      <p:sp>
+        <p:nvSpPr>
+          <p:cNvPr id="31" name="TextBox 30"/>
+          <p:cNvSpPr txBox="1"/>
+          <p:nvPr/>
+        </p:nvSpPr>
+        <p:spPr>
+          <a:xfrm>
+            <a:off x="1688841" y="3743488"/>
+            <a:ext cx="3209731" cy="369332"/>
+          </a:xfrm>
+          <a:prstGeom prst="rect">
+            <a:avLst/>
+          </a:prstGeom>
+          <a:solidFill>
+            <a:srgbClr val="B5FFFF"/>
+          </a:solidFill>
+        </p:spPr>
+        <p:txBody>
+          <a:bodyPr wrap="square" rtlCol="0">
+            <a:spAutoFit/>
+          </a:bodyPr>
+          <a:lstStyle/>
+          <a:p>
+            <a:r>
+              <a:rPr lang="en-US" dirty="0" err="1">
+                <a:solidFill>
+                  <a:schemeClr val="bg1"/>
+                </a:solidFill>
+              </a:rPr>
+              <a:t>StartTime</a:t>
+            </a:r>
+            <a:endParaRPr lang="en-US" dirty="0">
+              <a:solidFill>
+                <a:schemeClr val="bg1"/>
+              </a:solidFill>
+            </a:endParaRPr>
+          </a:p>
+        </p:txBody>
+      </p:sp>
+      <p:sp>
+        <p:nvSpPr>
+          <p:cNvPr id="32" name="TextBox 31"/>
+          <p:cNvSpPr txBox="1"/>
+          <p:nvPr/>
+        </p:nvSpPr>
+        <p:spPr>
+          <a:xfrm>
+            <a:off x="6848669" y="3743488"/>
+            <a:ext cx="3209731" cy="369332"/>
+          </a:xfrm>
+          <a:prstGeom prst="rect">
+            <a:avLst/>
+          </a:prstGeom>
+          <a:solidFill>
+            <a:srgbClr val="B5FFFF"/>
+          </a:solidFill>
+        </p:spPr>
+        <p:txBody>
+          <a:bodyPr wrap="square" rtlCol="0">
+            <a:spAutoFit/>
+          </a:bodyPr>
+          <a:lstStyle/>
+          <a:p>
+            <a:r>
+              <a:rPr lang="en-US" dirty="0" err="1">
+                <a:solidFill>
+                  <a:schemeClr val="bg1"/>
+                </a:solidFill>
+              </a:rPr>
+              <a:t>EndTime</a:t>
+            </a:r>
+            <a:endParaRPr lang="en-US" dirty="0">
+              <a:solidFill>
+                <a:schemeClr val="bg1"/>
+              </a:solidFill>
+            </a:endParaRPr>
+          </a:p>
+        </p:txBody>
+      </p:sp>
+      <p:sp>
+        <p:nvSpPr>
+          <p:cNvPr id="33" name="TextBox 32"/>
+          <p:cNvSpPr txBox="1"/>
+          <p:nvPr/>
+        </p:nvSpPr>
+        <p:spPr>
+          <a:xfrm>
+            <a:off x="1688841" y="4461944"/>
+            <a:ext cx="3209731" cy="369332"/>
+          </a:xfrm>
+          <a:prstGeom prst="rect">
+            <a:avLst/>
+          </a:prstGeom>
+          <a:solidFill>
+            <a:srgbClr val="B5FFFF"/>
+          </a:solidFill>
+        </p:spPr>
+        <p:txBody>
+          <a:bodyPr wrap="square" rtlCol="0">
+            <a:spAutoFit/>
+          </a:bodyPr>
+          <a:lstStyle/>
+          <a:p>
+            <a:r>
+              <a:rPr lang="en-US" dirty="0">
+                <a:solidFill>
+                  <a:schemeClr val="bg1"/>
+                </a:solidFill>
+              </a:rPr>
+              <a:t>Status</a:t>
+            </a:r>
+          </a:p>
+        </p:txBody>
+      </p:sp>
+      <p:sp>
+        <p:nvSpPr>
+          <p:cNvPr id="34" name="TextBox 33"/>
+          <p:cNvSpPr txBox="1"/>
+          <p:nvPr/>
+        </p:nvSpPr>
+        <p:spPr>
+          <a:xfrm>
+            <a:off x="6848669" y="4461944"/>
+            <a:ext cx="3209731" cy="369332"/>
+          </a:xfrm>
+          <a:prstGeom prst="rect">
+            <a:avLst/>
+          </a:prstGeom>
+          <a:solidFill>
+            <a:srgbClr val="B5FFFF"/>
+          </a:solidFill>
+        </p:spPr>
+        <p:txBody>
+          <a:bodyPr wrap="square" rtlCol="0">
+            <a:spAutoFit/>
+          </a:bodyPr>
+          <a:lstStyle/>
+          <a:p>
+            <a:r>
+              <a:rPr lang="en-US" dirty="0" err="1">
+                <a:solidFill>
+                  <a:schemeClr val="bg1"/>
+                </a:solidFill>
+              </a:rPr>
+              <a:t>TotalFare</a:t>
+            </a:r>
+            <a:endParaRPr lang="en-US" dirty="0">
+              <a:solidFill>
+                <a:schemeClr val="bg1"/>
+              </a:solidFill>
+            </a:endParaRPr>
+          </a:p>
+        </p:txBody>
+      </p:sp>
+      <p:sp>
+        <p:nvSpPr>
+          <p:cNvPr id="35" name="TextBox 34"/>
+          <p:cNvSpPr txBox="1"/>
+          <p:nvPr/>
+        </p:nvSpPr>
+        <p:spPr>
+          <a:xfrm>
+            <a:off x="1688841" y="5051497"/>
+            <a:ext cx="3209731" cy="369332"/>
+          </a:xfrm>
+          <a:prstGeom prst="rect">
+            <a:avLst/>
+          </a:prstGeom>
+          <a:solidFill>
+            <a:srgbClr val="B5FFFF"/>
+          </a:solidFill>
+        </p:spPr>
+        <p:txBody>
+          <a:bodyPr wrap="square" rtlCol="0">
+            <a:spAutoFit/>
+          </a:bodyPr>
+          <a:lstStyle/>
+          <a:p>
+            <a:r>
+              <a:rPr lang="en-US" dirty="0" err="1">
+                <a:solidFill>
+                  <a:schemeClr val="bg1"/>
+                </a:solidFill>
+              </a:rPr>
+              <a:t>IsPaid</a:t>
+            </a:r>
+            <a:endParaRPr lang="en-US" dirty="0">
+              <a:solidFill>
+                <a:schemeClr val="bg1"/>
+              </a:solidFill>
+            </a:endParaRPr>
+          </a:p>
+        </p:txBody>
+      </p:sp>
+      <p:sp>
+        <p:nvSpPr>
+          <p:cNvPr id="36" name="TextBox 35"/>
+          <p:cNvSpPr txBox="1"/>
+          <p:nvPr/>
+        </p:nvSpPr>
+        <p:spPr>
+          <a:xfrm>
+            <a:off x="6848669" y="5051497"/>
+            <a:ext cx="3209731" cy="369332"/>
+          </a:xfrm>
+          <a:prstGeom prst="rect">
+            <a:avLst/>
+          </a:prstGeom>
+          <a:solidFill>
+            <a:srgbClr val="B5FFFF"/>
+          </a:solidFill>
+        </p:spPr>
+        <p:txBody>
+          <a:bodyPr wrap="square" rtlCol="0">
+            <a:spAutoFit/>
+          </a:bodyPr>
+          <a:lstStyle/>
+          <a:p>
+            <a:r>
+              <a:rPr lang="en-US" dirty="0" err="1">
+                <a:solidFill>
+                  <a:schemeClr val="bg1"/>
+                </a:solidFill>
+              </a:rPr>
+              <a:t>DriverRating</a:t>
+            </a:r>
+            <a:endParaRPr lang="en-US" dirty="0">
+              <a:solidFill>
+                <a:schemeClr val="bg1"/>
+              </a:solidFill>
+            </a:endParaRPr>
+          </a:p>
+        </p:txBody>
+      </p:sp>
+      <p:sp>
+        <p:nvSpPr>
+          <p:cNvPr id="37" name="TextBox 36"/>
+          <p:cNvSpPr txBox="1"/>
+          <p:nvPr/>
+        </p:nvSpPr>
+        <p:spPr>
+          <a:xfrm>
+            <a:off x="1688841" y="5641050"/>
+            <a:ext cx="3209731" cy="369332"/>
+          </a:xfrm>
+          <a:prstGeom prst="rect">
+            <a:avLst/>
+          </a:prstGeom>
+          <a:solidFill>
+            <a:srgbClr val="B5FFFF"/>
+          </a:solidFill>
+        </p:spPr>
+        <p:txBody>
+          <a:bodyPr wrap="square" rtlCol="0">
+            <a:spAutoFit/>
+          </a:bodyPr>
+          <a:lstStyle/>
+          <a:p>
+            <a:r>
+              <a:rPr lang="en-US" dirty="0" err="1">
+                <a:solidFill>
+                  <a:schemeClr val="bg1"/>
+                </a:solidFill>
+              </a:rPr>
+              <a:t>CustomerRating</a:t>
+            </a:r>
+            <a:endParaRPr lang="en-US" dirty="0">
+              <a:solidFill>
+                <a:schemeClr val="bg1"/>
+              </a:solidFill>
+            </a:endParaRPr>
+          </a:p>
+        </p:txBody>
+      </p:sp>
+      <p:sp>
+        <p:nvSpPr>
+          <p:cNvPr id="38" name="TextBox 37"/>
+          <p:cNvSpPr txBox="1"/>
+          <p:nvPr/>
+        </p:nvSpPr>
+        <p:spPr>
+          <a:xfrm>
+            <a:off x="6848669" y="5641050"/>
+            <a:ext cx="3209731" cy="369332"/>
+          </a:xfrm>
+          <a:prstGeom prst="rect">
+            <a:avLst/>
+          </a:prstGeom>
+          <a:solidFill>
+            <a:srgbClr val="B5FFFF"/>
+          </a:solidFill>
+        </p:spPr>
+        <p:txBody>
+          <a:bodyPr wrap="square" rtlCol="0">
+            <a:spAutoFit/>
+          </a:bodyPr>
+          <a:lstStyle/>
+          <a:p>
+            <a:r>
+              <a:rPr lang="en-US" dirty="0" err="1">
+                <a:solidFill>
+                  <a:schemeClr val="bg1"/>
+                </a:solidFill>
+              </a:rPr>
+              <a:t>DistanceInMeter</a:t>
+            </a:r>
+            <a:endParaRPr lang="en-US" dirty="0">
+              <a:solidFill>
+                <a:schemeClr val="bg1"/>
+              </a:solidFill>
+            </a:endParaRPr>
+          </a:p>
+        </p:txBody>
+      </p:sp>
+      <p:sp>
+        <p:nvSpPr>
+          <p:cNvPr id="41" name="Isosceles Triangle 40"/>
           <p:cNvSpPr/>
           <p:nvPr/>
         </p:nvSpPr>
         <p:spPr>
           <a:xfrm rot="10800000">
-            <a:off x="7175239" y="1781971"/>
+            <a:off x="9386594" y="1284534"/>
             <a:ext cx="270590" cy="120160"/>
           </a:xfrm>
           <a:prstGeom prst="triangle">
@@ -11606,10 +11608,125 @@
           </a:p>
         </p:txBody>
       </p:sp>
+      <p:sp>
+        <p:nvSpPr>
+          <p:cNvPr id="42" name="Rectangle 41"/>
+          <p:cNvSpPr/>
+          <p:nvPr/>
+        </p:nvSpPr>
+        <p:spPr>
+          <a:xfrm>
+            <a:off x="4376058" y="5142060"/>
+            <a:ext cx="223934" cy="184666"/>
+          </a:xfrm>
+          <a:prstGeom prst="rect">
+            <a:avLst/>
+          </a:prstGeom>
+        </p:spPr>
+        <p:style>
+          <a:lnRef idx="2">
+            <a:schemeClr val="dk1">
+              <a:shade val="50000"/>
+            </a:schemeClr>
+          </a:lnRef>
+          <a:fillRef idx="1">
+            <a:schemeClr val="dk1"/>
+          </a:fillRef>
+          <a:effectRef idx="0">
+            <a:schemeClr val="dk1"/>
+          </a:effectRef>
+          <a:fontRef idx="minor">
+            <a:schemeClr val="lt1"/>
+          </a:fontRef>
+        </p:style>
+        <p:txBody>
+          <a:bodyPr rtlCol="0" anchor="ctr"/>
+          <a:lstStyle/>
+          <a:p>
+            <a:pPr algn="ctr"/>
+            <a:endParaRPr lang="en-US">
+              <a:solidFill>
+                <a:schemeClr val="bg1"/>
+              </a:solidFill>
+            </a:endParaRPr>
+          </a:p>
+        </p:txBody>
+      </p:sp>
+      <p:sp>
+        <p:nvSpPr>
+          <p:cNvPr id="47" name="L-Shape 46"/>
+          <p:cNvSpPr/>
+          <p:nvPr/>
+        </p:nvSpPr>
+        <p:spPr>
+          <a:xfrm rot="19074116">
+            <a:off x="4398234" y="5142386"/>
+            <a:ext cx="233265" cy="104547"/>
+          </a:xfrm>
+          <a:prstGeom prst="corner">
+            <a:avLst/>
+          </a:prstGeom>
+          <a:solidFill>
+            <a:schemeClr val="bg1"/>
+          </a:solidFill>
+        </p:spPr>
+        <p:style>
+          <a:lnRef idx="2">
+            <a:schemeClr val="accent1">
+              <a:shade val="50000"/>
+            </a:schemeClr>
+          </a:lnRef>
+          <a:fillRef idx="1">
+            <a:schemeClr val="accent1"/>
+          </a:fillRef>
+          <a:effectRef idx="0">
+            <a:schemeClr val="accent1"/>
+          </a:effectRef>
+          <a:fontRef idx="minor">
+            <a:schemeClr val="lt1"/>
+          </a:fontRef>
+        </p:style>
+        <p:txBody>
+          <a:bodyPr rtlCol="0" anchor="ctr"/>
+          <a:lstStyle/>
+          <a:p>
+            <a:pPr algn="ctr"/>
+            <a:endParaRPr lang="en-US">
+              <a:solidFill>
+                <a:schemeClr val="bg1"/>
+              </a:solidFill>
+            </a:endParaRPr>
+          </a:p>
+        </p:txBody>
+      </p:sp>
+      <p:pic>
+        <p:nvPicPr>
+          <p:cNvPr id="48" name="Picture 47"/>
+          <p:cNvPicPr>
+            <a:picLocks noChangeAspect="1"/>
+          </p:cNvPicPr>
+          <p:nvPr/>
+        </p:nvPicPr>
+        <p:blipFill>
+          <a:blip r:embed="rId2"/>
+          <a:stretch>
+            <a:fillRect/>
+          </a:stretch>
+        </p:blipFill>
+        <p:spPr>
+          <a:xfrm>
+            <a:off x="5079516" y="6146890"/>
+            <a:ext cx="1585097" cy="493819"/>
+          </a:xfrm>
+          <a:prstGeom prst="rect">
+            <a:avLst/>
+          </a:prstGeom>
+        </p:spPr>
+      </p:pic>
     </p:spTree>
     <p:extLst>
       <p:ext uri="{BB962C8B-B14F-4D97-AF65-F5344CB8AC3E}">
-        <p14:creationId xmlns:p14="http://schemas.microsoft.com/office/powerpoint/2010/main" val="1460589516"/>
+        <p14:creationId xmlns:p14="http://schemas.microsoft.com/office/powerpoint/2010/main" val="4288874005"/>
       </p:ext>
     </p:extLst>
   </p:cSld>
@@ -11658,6 +11775,349 @@
           </a:bodyPr>
           <a:lstStyle/>
           <a:p>
+            <a:endParaRPr lang="en-US" dirty="0"/>
+          </a:p>
+        </p:txBody>
+      </p:sp>
+      <p:sp>
+        <p:nvSpPr>
+          <p:cNvPr id="5" name="TextBox 4"/>
+          <p:cNvSpPr txBox="1"/>
+          <p:nvPr/>
+        </p:nvSpPr>
+        <p:spPr>
+          <a:xfrm>
+            <a:off x="111966" y="55986"/>
+            <a:ext cx="11952515" cy="523220"/>
+          </a:xfrm>
+          <a:prstGeom prst="rect">
+            <a:avLst/>
+          </a:prstGeom>
+          <a:solidFill>
+            <a:schemeClr val="bg1"/>
+          </a:solidFill>
+        </p:spPr>
+        <p:txBody>
+          <a:bodyPr wrap="square" rtlCol="0">
+            <a:spAutoFit/>
+          </a:bodyPr>
+          <a:lstStyle/>
+          <a:p>
+            <a:pPr algn="ctr"/>
+            <a:r>
+              <a:rPr lang="en-US" sz="2800" dirty="0" err="1"/>
+              <a:t>RideTrack</a:t>
+            </a:r>
+            <a:endParaRPr lang="en-US" sz="2800" dirty="0"/>
+          </a:p>
+        </p:txBody>
+      </p:sp>
+      <p:sp>
+        <p:nvSpPr>
+          <p:cNvPr id="6" name="TextBox 5"/>
+          <p:cNvSpPr txBox="1"/>
+          <p:nvPr/>
+        </p:nvSpPr>
+        <p:spPr>
+          <a:xfrm>
+            <a:off x="1651518" y="2164702"/>
+            <a:ext cx="3209731" cy="369332"/>
+          </a:xfrm>
+          <a:prstGeom prst="rect">
+            <a:avLst/>
+          </a:prstGeom>
+          <a:solidFill>
+            <a:srgbClr val="B5FFFF"/>
+          </a:solidFill>
+        </p:spPr>
+        <p:txBody>
+          <a:bodyPr wrap="square" rtlCol="0">
+            <a:spAutoFit/>
+          </a:bodyPr>
+          <a:lstStyle/>
+          <a:p>
+            <a:r>
+              <a:rPr lang="en-US" dirty="0" err="1">
+                <a:solidFill>
+                  <a:schemeClr val="bg1"/>
+                </a:solidFill>
+              </a:rPr>
+              <a:t>RideBookId</a:t>
+            </a:r>
+            <a:endParaRPr lang="en-US" dirty="0">
+              <a:solidFill>
+                <a:schemeClr val="bg1"/>
+              </a:solidFill>
+            </a:endParaRPr>
+          </a:p>
+        </p:txBody>
+      </p:sp>
+      <p:sp>
+        <p:nvSpPr>
+          <p:cNvPr id="7" name="TextBox 6"/>
+          <p:cNvSpPr txBox="1"/>
+          <p:nvPr/>
+        </p:nvSpPr>
+        <p:spPr>
+          <a:xfrm>
+            <a:off x="6774024" y="2164702"/>
+            <a:ext cx="3209731" cy="369332"/>
+          </a:xfrm>
+          <a:prstGeom prst="rect">
+            <a:avLst/>
+          </a:prstGeom>
+          <a:solidFill>
+            <a:srgbClr val="B5FFFF"/>
+          </a:solidFill>
+        </p:spPr>
+        <p:txBody>
+          <a:bodyPr wrap="square" rtlCol="0">
+            <a:spAutoFit/>
+          </a:bodyPr>
+          <a:lstStyle/>
+          <a:p>
+            <a:r>
+              <a:rPr lang="en-US" dirty="0" err="1">
+                <a:solidFill>
+                  <a:schemeClr val="bg1"/>
+                </a:solidFill>
+              </a:rPr>
+              <a:t>RideTrackLaitude</a:t>
+            </a:r>
+            <a:endParaRPr lang="en-US" dirty="0">
+              <a:solidFill>
+                <a:schemeClr val="bg1"/>
+              </a:solidFill>
+            </a:endParaRPr>
+          </a:p>
+        </p:txBody>
+      </p:sp>
+      <p:sp>
+        <p:nvSpPr>
+          <p:cNvPr id="8" name="TextBox 7"/>
+          <p:cNvSpPr txBox="1"/>
+          <p:nvPr/>
+        </p:nvSpPr>
+        <p:spPr>
+          <a:xfrm>
+            <a:off x="1651518" y="2830295"/>
+            <a:ext cx="3209731" cy="369332"/>
+          </a:xfrm>
+          <a:prstGeom prst="rect">
+            <a:avLst/>
+          </a:prstGeom>
+          <a:solidFill>
+            <a:srgbClr val="B5FFFF"/>
+          </a:solidFill>
+        </p:spPr>
+        <p:txBody>
+          <a:bodyPr wrap="square" rtlCol="0">
+            <a:spAutoFit/>
+          </a:bodyPr>
+          <a:lstStyle/>
+          <a:p>
+            <a:r>
+              <a:rPr lang="en-US" dirty="0" err="1">
+                <a:solidFill>
+                  <a:schemeClr val="bg1"/>
+                </a:solidFill>
+              </a:rPr>
+              <a:t>RideTrackLongtiude</a:t>
+            </a:r>
+            <a:endParaRPr lang="en-US" dirty="0">
+              <a:solidFill>
+                <a:schemeClr val="bg1"/>
+              </a:solidFill>
+            </a:endParaRPr>
+          </a:p>
+        </p:txBody>
+      </p:sp>
+      <p:sp>
+        <p:nvSpPr>
+          <p:cNvPr id="9" name="TextBox 8"/>
+          <p:cNvSpPr txBox="1"/>
+          <p:nvPr/>
+        </p:nvSpPr>
+        <p:spPr>
+          <a:xfrm>
+            <a:off x="6811346" y="2830295"/>
+            <a:ext cx="3209731" cy="369332"/>
+          </a:xfrm>
+          <a:prstGeom prst="rect">
+            <a:avLst/>
+          </a:prstGeom>
+          <a:solidFill>
+            <a:srgbClr val="B5FFFF"/>
+          </a:solidFill>
+        </p:spPr>
+        <p:txBody>
+          <a:bodyPr wrap="square" rtlCol="0">
+            <a:spAutoFit/>
+          </a:bodyPr>
+          <a:lstStyle/>
+          <a:p>
+            <a:r>
+              <a:rPr lang="en-US" dirty="0">
+                <a:solidFill>
+                  <a:schemeClr val="bg1"/>
+                </a:solidFill>
+              </a:rPr>
+              <a:t>Timestamp</a:t>
+            </a:r>
+          </a:p>
+        </p:txBody>
+      </p:sp>
+      <p:sp>
+        <p:nvSpPr>
+          <p:cNvPr id="10" name="TextBox 9"/>
+          <p:cNvSpPr txBox="1"/>
+          <p:nvPr/>
+        </p:nvSpPr>
+        <p:spPr>
+          <a:xfrm>
+            <a:off x="1651518" y="3442931"/>
+            <a:ext cx="3209731" cy="369332"/>
+          </a:xfrm>
+          <a:prstGeom prst="rect">
+            <a:avLst/>
+          </a:prstGeom>
+          <a:solidFill>
+            <a:srgbClr val="B5FFFF"/>
+          </a:solidFill>
+        </p:spPr>
+        <p:txBody>
+          <a:bodyPr wrap="square" rtlCol="0">
+            <a:spAutoFit/>
+          </a:bodyPr>
+          <a:lstStyle/>
+          <a:p>
+            <a:r>
+              <a:rPr lang="en-US" dirty="0">
+                <a:solidFill>
+                  <a:schemeClr val="bg1"/>
+                </a:solidFill>
+              </a:rPr>
+              <a:t>Distance</a:t>
+            </a:r>
+          </a:p>
+        </p:txBody>
+      </p:sp>
+      <p:sp>
+        <p:nvSpPr>
+          <p:cNvPr id="11" name="TextBox 10"/>
+          <p:cNvSpPr txBox="1"/>
+          <p:nvPr/>
+        </p:nvSpPr>
+        <p:spPr>
+          <a:xfrm>
+            <a:off x="6811346" y="3442931"/>
+            <a:ext cx="3209731" cy="369332"/>
+          </a:xfrm>
+          <a:prstGeom prst="rect">
+            <a:avLst/>
+          </a:prstGeom>
+          <a:solidFill>
+            <a:srgbClr val="B5FFFF"/>
+          </a:solidFill>
+        </p:spPr>
+        <p:txBody>
+          <a:bodyPr wrap="square" rtlCol="0">
+            <a:spAutoFit/>
+          </a:bodyPr>
+          <a:lstStyle/>
+          <a:p>
+            <a:r>
+              <a:rPr lang="en-US" dirty="0" err="1">
+                <a:solidFill>
+                  <a:schemeClr val="bg1"/>
+                </a:solidFill>
+              </a:rPr>
+              <a:t>TrackTime</a:t>
+            </a:r>
+            <a:endParaRPr lang="en-US" dirty="0">
+              <a:solidFill>
+                <a:schemeClr val="bg1"/>
+              </a:solidFill>
+            </a:endParaRPr>
+          </a:p>
+        </p:txBody>
+      </p:sp>
+      <p:pic>
+        <p:nvPicPr>
+          <p:cNvPr id="25" name="Picture 24"/>
+          <p:cNvPicPr>
+            <a:picLocks noChangeAspect="1"/>
+          </p:cNvPicPr>
+          <p:nvPr/>
+        </p:nvPicPr>
+        <p:blipFill>
+          <a:blip r:embed="rId2"/>
+          <a:stretch>
+            <a:fillRect/>
+          </a:stretch>
+        </p:blipFill>
+        <p:spPr>
+          <a:xfrm>
+            <a:off x="4997095" y="4542025"/>
+            <a:ext cx="1585097" cy="493819"/>
+          </a:xfrm>
+          <a:prstGeom prst="rect">
+            <a:avLst/>
+          </a:prstGeom>
+        </p:spPr>
+      </p:pic>
+    </p:spTree>
+    <p:extLst>
+      <p:ext uri="{BB962C8B-B14F-4D97-AF65-F5344CB8AC3E}">
+        <p14:creationId xmlns:p14="http://schemas.microsoft.com/office/powerpoint/2010/main" val="265695104"/>
+      </p:ext>
+    </p:extLst>
+  </p:cSld>
+  <p:clrMapOvr>
+    <a:masterClrMapping/>
+  </p:clrMapOvr>
+</p:sld>
+</file>
+
+<file path=ppt/slides/slide22.xml><?xml version="1.0" encoding="utf-8"?>
+<p:sld xmlns:a="http://schemas.openxmlformats.org/drawingml/2006/main" xmlns:r="http://schemas.openxmlformats.org/officeDocument/2006/relationships" xmlns:p="http://schemas.openxmlformats.org/presentationml/2006/main">
+  <p:cSld>
+    <p:spTree>
+      <p:nvGrpSpPr>
+        <p:cNvPr id="1" name=""/>
+        <p:cNvGrpSpPr/>
+        <p:nvPr/>
+      </p:nvGrpSpPr>
+      <p:grpSpPr>
+        <a:xfrm>
+          <a:off x="0" y="0"/>
+          <a:ext cx="0" cy="0"/>
+          <a:chOff x="0" y="0"/>
+          <a:chExt cx="0" cy="0"/>
+        </a:xfrm>
+      </p:grpSpPr>
+      <p:sp>
+        <p:nvSpPr>
+          <p:cNvPr id="4" name="TextBox 3"/>
+          <p:cNvSpPr txBox="1"/>
+          <p:nvPr/>
+        </p:nvSpPr>
+        <p:spPr>
+          <a:xfrm>
+            <a:off x="111967" y="223935"/>
+            <a:ext cx="11952515" cy="522514"/>
+          </a:xfrm>
+          <a:prstGeom prst="rect">
+            <a:avLst/>
+          </a:prstGeom>
+          <a:noFill/>
+        </p:spPr>
+        <p:txBody>
+          <a:bodyPr wrap="square" rtlCol="0">
+            <a:spAutoFit/>
+          </a:bodyPr>
+          <a:lstStyle/>
+          <a:p>
             <a:pPr marL="0" marR="0" lvl="0" indent="0" algn="l" defTabSz="914400" rtl="0" eaLnBrk="1" fontAlgn="auto" latinLnBrk="0" hangingPunct="1">
               <a:lnSpc>
                 <a:spcPct val="100000"/>
@@ -11718,8 +12178,8 @@
           <a:p>
             <a:pPr lvl="0" algn="ctr"/>
             <a:r>
-              <a:rPr lang="en-US" sz="2800" dirty="0"/>
-              <a:t>Invoice</a:t>
+              <a:rPr lang="en-US" sz="2800" dirty="0" err="1"/>
+              <a:t>FareDetail</a:t>
             </a:r>
             <a:endParaRPr kumimoji="0" lang="en-US" sz="2800" b="0" i="0" u="none" strike="noStrike" kern="1200" cap="none" spc="0" normalizeH="0" baseline="0" noProof="0" dirty="0">
               <a:ln>
@@ -11744,7 +12204,7 @@
         </p:nvSpPr>
         <p:spPr>
           <a:xfrm>
-            <a:off x="1651518" y="2164702"/>
+            <a:off x="4483357" y="1657385"/>
             <a:ext cx="3209731" cy="369332"/>
           </a:xfrm>
           <a:prstGeom prst="rect">
@@ -11767,7 +12227,7 @@
                   <a:schemeClr val="bg1"/>
                 </a:solidFill>
               </a:rPr>
-              <a:t>PaymentTime</a:t>
+              <a:t>VehicleTypeId</a:t>
             </a:r>
             <a:endParaRPr kumimoji="0" lang="en-US" sz="1800" b="0" i="0" u="none" strike="noStrike" kern="1200" cap="none" spc="0" normalizeH="0" baseline="0" noProof="0" dirty="0">
               <a:ln>
@@ -11794,7 +12254,7 @@
         </p:nvSpPr>
         <p:spPr>
           <a:xfrm>
-            <a:off x="6774024" y="2164702"/>
+            <a:off x="4483356" y="3673719"/>
             <a:ext cx="3209731" cy="369332"/>
           </a:xfrm>
           <a:prstGeom prst="rect">
@@ -11812,12 +12272,12 @@
           <a:p>
             <a:pPr lvl="0"/>
             <a:r>
-              <a:rPr lang="en-US" dirty="0">
+              <a:rPr lang="en-US" dirty="0" err="1">
                 <a:solidFill>
                   <a:schemeClr val="bg1"/>
                 </a:solidFill>
               </a:rPr>
-              <a:t>Amount</a:t>
+              <a:t>BaseFare</a:t>
             </a:r>
             <a:endParaRPr kumimoji="0" lang="en-US" sz="1800" b="0" i="0" u="none" strike="noStrike" kern="1200" cap="none" spc="0" normalizeH="0" baseline="0" noProof="0" dirty="0">
               <a:ln>
@@ -11844,7 +12304,7 @@
         </p:nvSpPr>
         <p:spPr>
           <a:xfrm>
-            <a:off x="1651518" y="2830295"/>
+            <a:off x="4483357" y="2322978"/>
             <a:ext cx="3209731" cy="369332"/>
           </a:xfrm>
           <a:prstGeom prst="rect">
@@ -11862,12 +12322,12 @@
           <a:p>
             <a:pPr lvl="0"/>
             <a:r>
-              <a:rPr lang="en-US" dirty="0">
+              <a:rPr lang="en-US" dirty="0" err="1">
                 <a:solidFill>
                   <a:schemeClr val="bg1"/>
                 </a:solidFill>
               </a:rPr>
-              <a:t>Particular</a:t>
+              <a:t>TotalFare</a:t>
             </a:r>
             <a:endParaRPr kumimoji="0" lang="en-US" sz="1800" b="0" i="0" u="none" strike="noStrike" kern="1200" cap="none" spc="0" normalizeH="0" baseline="0" noProof="0" dirty="0">
               <a:ln>
@@ -11888,13 +12348,13 @@
       </p:sp>
       <p:sp>
         <p:nvSpPr>
-          <p:cNvPr id="9" name="TextBox 8"/>
+          <p:cNvPr id="10" name="TextBox 9"/>
           <p:cNvSpPr txBox="1"/>
           <p:nvPr/>
         </p:nvSpPr>
         <p:spPr>
           <a:xfrm>
-            <a:off x="6811346" y="2830295"/>
+            <a:off x="4483357" y="2935614"/>
             <a:ext cx="3209731" cy="369332"/>
           </a:xfrm>
           <a:prstGeom prst="rect">
@@ -11910,6 +12370,265 @@
           </a:bodyPr>
           <a:lstStyle/>
           <a:p>
+            <a:pPr marL="0" marR="0" lvl="0" indent="0" algn="l" defTabSz="914400" rtl="0" eaLnBrk="1" fontAlgn="auto" latinLnBrk="0" hangingPunct="1">
+              <a:lnSpc>
+                <a:spcPct val="100000"/>
+              </a:lnSpc>
+              <a:spcBef>
+                <a:spcPts val="0"/>
+              </a:spcBef>
+              <a:spcAft>
+                <a:spcPts val="0"/>
+              </a:spcAft>
+              <a:buClrTx/>
+              <a:buSzTx/>
+              <a:buFontTx/>
+              <a:buNone/>
+              <a:tabLst/>
+              <a:defRPr/>
+            </a:pPr>
+            <a:r>
+              <a:rPr kumimoji="0" lang="en-US" sz="1800" b="0" i="0" u="none" strike="noStrike" kern="1200" cap="none" spc="0" normalizeH="0" baseline="0" noProof="0" dirty="0">
+                <a:ln>
+                  <a:noFill/>
+                </a:ln>
+                <a:solidFill>
+                  <a:schemeClr val="bg1"/>
+                </a:solidFill>
+                <a:effectLst/>
+                <a:uLnTx/>
+                <a:uFillTx/>
+                <a:latin typeface="Calibri" panose="020F0502020204030204"/>
+                <a:ea typeface="+mn-ea"/>
+                <a:cs typeface="+mn-cs"/>
+              </a:rPr>
+              <a:t>Distance</a:t>
+            </a:r>
+          </a:p>
+        </p:txBody>
+      </p:sp>
+      <p:pic>
+        <p:nvPicPr>
+          <p:cNvPr id="25" name="Picture 24"/>
+          <p:cNvPicPr>
+            <a:picLocks noChangeAspect="1"/>
+          </p:cNvPicPr>
+          <p:nvPr/>
+        </p:nvPicPr>
+        <p:blipFill>
+          <a:blip r:embed="rId2"/>
+          <a:stretch>
+            <a:fillRect/>
+          </a:stretch>
+        </p:blipFill>
+        <p:spPr>
+          <a:xfrm>
+            <a:off x="5295675" y="4530641"/>
+            <a:ext cx="1585097" cy="493819"/>
+          </a:xfrm>
+          <a:prstGeom prst="rect">
+            <a:avLst/>
+          </a:prstGeom>
+        </p:spPr>
+      </p:pic>
+      <p:sp>
+        <p:nvSpPr>
+          <p:cNvPr id="15" name="Isosceles Triangle 14"/>
+          <p:cNvSpPr/>
+          <p:nvPr/>
+        </p:nvSpPr>
+        <p:spPr>
+          <a:xfrm rot="10800000">
+            <a:off x="7175239" y="1781971"/>
+            <a:ext cx="270590" cy="120160"/>
+          </a:xfrm>
+          <a:prstGeom prst="triangle">
+            <a:avLst/>
+          </a:prstGeom>
+        </p:spPr>
+        <p:style>
+          <a:lnRef idx="2">
+            <a:schemeClr val="dk1">
+              <a:shade val="50000"/>
+            </a:schemeClr>
+          </a:lnRef>
+          <a:fillRef idx="1">
+            <a:schemeClr val="dk1"/>
+          </a:fillRef>
+          <a:effectRef idx="0">
+            <a:schemeClr val="dk1"/>
+          </a:effectRef>
+          <a:fontRef idx="minor">
+            <a:schemeClr val="lt1"/>
+          </a:fontRef>
+        </p:style>
+        <p:txBody>
+          <a:bodyPr rtlCol="0" anchor="ctr"/>
+          <a:lstStyle/>
+          <a:p>
+            <a:pPr algn="ctr"/>
+            <a:endParaRPr lang="en-US">
+              <a:solidFill>
+                <a:schemeClr val="bg1"/>
+              </a:solidFill>
+            </a:endParaRPr>
+          </a:p>
+        </p:txBody>
+      </p:sp>
+    </p:spTree>
+    <p:extLst>
+      <p:ext uri="{BB962C8B-B14F-4D97-AF65-F5344CB8AC3E}">
+        <p14:creationId xmlns:p14="http://schemas.microsoft.com/office/powerpoint/2010/main" val="1460589516"/>
+      </p:ext>
+    </p:extLst>
+  </p:cSld>
+  <p:clrMapOvr>
+    <a:masterClrMapping/>
+  </p:clrMapOvr>
+</p:sld>
+</file>
+
+<file path=ppt/slides/slide23.xml><?xml version="1.0" encoding="utf-8"?>
+<p:sld xmlns:a="http://schemas.openxmlformats.org/drawingml/2006/main" xmlns:r="http://schemas.openxmlformats.org/officeDocument/2006/relationships" xmlns:p="http://schemas.openxmlformats.org/presentationml/2006/main">
+  <p:cSld>
+    <p:spTree>
+      <p:nvGrpSpPr>
+        <p:cNvPr id="1" name=""/>
+        <p:cNvGrpSpPr/>
+        <p:nvPr/>
+      </p:nvGrpSpPr>
+      <p:grpSpPr>
+        <a:xfrm>
+          <a:off x="0" y="0"/>
+          <a:ext cx="0" cy="0"/>
+          <a:chOff x="0" y="0"/>
+          <a:chExt cx="0" cy="0"/>
+        </a:xfrm>
+      </p:grpSpPr>
+      <p:sp>
+        <p:nvSpPr>
+          <p:cNvPr id="4" name="TextBox 3"/>
+          <p:cNvSpPr txBox="1"/>
+          <p:nvPr/>
+        </p:nvSpPr>
+        <p:spPr>
+          <a:xfrm>
+            <a:off x="111967" y="223935"/>
+            <a:ext cx="11952515" cy="522514"/>
+          </a:xfrm>
+          <a:prstGeom prst="rect">
+            <a:avLst/>
+          </a:prstGeom>
+          <a:noFill/>
+        </p:spPr>
+        <p:txBody>
+          <a:bodyPr wrap="square" rtlCol="0">
+            <a:spAutoFit/>
+          </a:bodyPr>
+          <a:lstStyle/>
+          <a:p>
+            <a:pPr marL="0" marR="0" lvl="0" indent="0" algn="l" defTabSz="914400" rtl="0" eaLnBrk="1" fontAlgn="auto" latinLnBrk="0" hangingPunct="1">
+              <a:lnSpc>
+                <a:spcPct val="100000"/>
+              </a:lnSpc>
+              <a:spcBef>
+                <a:spcPts val="0"/>
+              </a:spcBef>
+              <a:spcAft>
+                <a:spcPts val="0"/>
+              </a:spcAft>
+              <a:buClrTx/>
+              <a:buSzTx/>
+              <a:buFontTx/>
+              <a:buNone/>
+              <a:tabLst/>
+              <a:defRPr/>
+            </a:pPr>
+            <a:endParaRPr kumimoji="0" lang="en-US" sz="1800" b="0" i="0" u="none" strike="noStrike" kern="1200" cap="none" spc="0" normalizeH="0" baseline="0" noProof="0" dirty="0">
+              <a:ln>
+                <a:noFill/>
+              </a:ln>
+              <a:solidFill>
+                <a:prstClr val="black"/>
+              </a:solidFill>
+              <a:effectLst/>
+              <a:uLnTx/>
+              <a:uFillTx/>
+              <a:latin typeface="Calibri" panose="020F0502020204030204"/>
+              <a:ea typeface="+mn-ea"/>
+              <a:cs typeface="+mn-cs"/>
+            </a:endParaRPr>
+          </a:p>
+        </p:txBody>
+      </p:sp>
+      <p:sp>
+        <p:nvSpPr>
+          <p:cNvPr id="5" name="TextBox 4"/>
+          <p:cNvSpPr txBox="1"/>
+          <p:nvPr/>
+        </p:nvSpPr>
+        <p:spPr>
+          <a:xfrm>
+            <a:off x="111966" y="55986"/>
+            <a:ext cx="11952515" cy="523220"/>
+          </a:xfrm>
+          <a:prstGeom prst="rect">
+            <a:avLst/>
+          </a:prstGeom>
+          <a:solidFill>
+            <a:schemeClr val="bg1"/>
+          </a:solidFill>
+        </p:spPr>
+        <p:txBody>
+          <a:bodyPr wrap="square" rtlCol="0">
+            <a:spAutoFit/>
+          </a:bodyPr>
+          <a:lstStyle/>
+          <a:p>
+            <a:pPr lvl="0" algn="ctr"/>
+            <a:r>
+              <a:rPr lang="en-US" sz="2800" dirty="0"/>
+              <a:t>Invoice</a:t>
+            </a:r>
+            <a:endParaRPr kumimoji="0" lang="en-US" sz="2800" b="0" i="0" u="none" strike="noStrike" kern="1200" cap="none" spc="0" normalizeH="0" baseline="0" noProof="0" dirty="0">
+              <a:ln>
+                <a:noFill/>
+              </a:ln>
+              <a:solidFill>
+                <a:prstClr val="black"/>
+              </a:solidFill>
+              <a:effectLst/>
+              <a:uLnTx/>
+              <a:uFillTx/>
+              <a:latin typeface="Calibri" panose="020F0502020204030204"/>
+            </a:endParaRPr>
+          </a:p>
+        </p:txBody>
+      </p:sp>
+      <p:sp>
+        <p:nvSpPr>
+          <p:cNvPr id="6" name="TextBox 5"/>
+          <p:cNvSpPr txBox="1"/>
+          <p:nvPr/>
+        </p:nvSpPr>
+        <p:spPr>
+          <a:xfrm>
+            <a:off x="1651518" y="2164702"/>
+            <a:ext cx="3209731" cy="369332"/>
+          </a:xfrm>
+          <a:prstGeom prst="rect">
+            <a:avLst/>
+          </a:prstGeom>
+          <a:solidFill>
+            <a:srgbClr val="B5FFFF"/>
+          </a:solidFill>
+        </p:spPr>
+        <p:txBody>
+          <a:bodyPr wrap="square" rtlCol="0">
+            <a:spAutoFit/>
+          </a:bodyPr>
+          <a:lstStyle/>
+          <a:p>
             <a:pPr lvl="0"/>
             <a:r>
               <a:rPr lang="en-US" dirty="0" err="1">
@@ -11917,7 +12636,7 @@
                   <a:schemeClr val="bg1"/>
                 </a:solidFill>
               </a:rPr>
-              <a:t>CustomerId</a:t>
+              <a:t>PaymentTime</a:t>
             </a:r>
             <a:endParaRPr kumimoji="0" lang="en-US" sz="1800" b="0" i="0" u="none" strike="noStrike" kern="1200" cap="none" spc="0" normalizeH="0" baseline="0" noProof="0" dirty="0">
               <a:ln>
@@ -11938,13 +12657,13 @@
       </p:sp>
       <p:sp>
         <p:nvSpPr>
-          <p:cNvPr id="10" name="TextBox 9"/>
+          <p:cNvPr id="7" name="TextBox 6"/>
           <p:cNvSpPr txBox="1"/>
           <p:nvPr/>
         </p:nvSpPr>
         <p:spPr>
           <a:xfrm>
-            <a:off x="1651518" y="3442931"/>
+            <a:off x="6774024" y="2164702"/>
             <a:ext cx="3209731" cy="369332"/>
           </a:xfrm>
           <a:prstGeom prst="rect">
@@ -11962,12 +12681,12 @@
           <a:p>
             <a:pPr lvl="0"/>
             <a:r>
-              <a:rPr lang="en-US" dirty="0" err="1">
+              <a:rPr lang="en-US" dirty="0">
                 <a:solidFill>
                   <a:schemeClr val="bg1"/>
                 </a:solidFill>
               </a:rPr>
-              <a:t>PaymentMethod</a:t>
+              <a:t>Amount</a:t>
             </a:r>
             <a:endParaRPr kumimoji="0" lang="en-US" sz="1800" b="0" i="0" u="none" strike="noStrike" kern="1200" cap="none" spc="0" normalizeH="0" baseline="0" noProof="0" dirty="0">
               <a:ln>
@@ -11986,6 +12705,156 @@
           </a:p>
         </p:txBody>
       </p:sp>
+      <p:sp>
+        <p:nvSpPr>
+          <p:cNvPr id="8" name="TextBox 7"/>
+          <p:cNvSpPr txBox="1"/>
+          <p:nvPr/>
+        </p:nvSpPr>
+        <p:spPr>
+          <a:xfrm>
+            <a:off x="1651518" y="2830295"/>
+            <a:ext cx="3209731" cy="369332"/>
+          </a:xfrm>
+          <a:prstGeom prst="rect">
+            <a:avLst/>
+          </a:prstGeom>
+          <a:solidFill>
+            <a:srgbClr val="B5FFFF"/>
+          </a:solidFill>
+        </p:spPr>
+        <p:txBody>
+          <a:bodyPr wrap="square" rtlCol="0">
+            <a:spAutoFit/>
+          </a:bodyPr>
+          <a:lstStyle/>
+          <a:p>
+            <a:pPr lvl="0"/>
+            <a:r>
+              <a:rPr lang="en-US" dirty="0">
+                <a:solidFill>
+                  <a:schemeClr val="bg1"/>
+                </a:solidFill>
+              </a:rPr>
+              <a:t>Particular</a:t>
+            </a:r>
+            <a:endParaRPr kumimoji="0" lang="en-US" sz="1800" b="0" i="0" u="none" strike="noStrike" kern="1200" cap="none" spc="0" normalizeH="0" baseline="0" noProof="0" dirty="0">
+              <a:ln>
+                <a:noFill/>
+              </a:ln>
+              <a:solidFill>
+                <a:schemeClr val="bg1"/>
+              </a:solidFill>
+              <a:effectLst/>
+              <a:uLnTx/>
+              <a:uFillTx/>
+              <a:latin typeface="Calibri" panose="020F0502020204030204"/>
+              <a:ea typeface="+mn-ea"/>
+              <a:cs typeface="+mn-cs"/>
+            </a:endParaRPr>
+          </a:p>
+        </p:txBody>
+      </p:sp>
+      <p:sp>
+        <p:nvSpPr>
+          <p:cNvPr id="9" name="TextBox 8"/>
+          <p:cNvSpPr txBox="1"/>
+          <p:nvPr/>
+        </p:nvSpPr>
+        <p:spPr>
+          <a:xfrm>
+            <a:off x="6811346" y="2830295"/>
+            <a:ext cx="3209731" cy="369332"/>
+          </a:xfrm>
+          <a:prstGeom prst="rect">
+            <a:avLst/>
+          </a:prstGeom>
+          <a:solidFill>
+            <a:srgbClr val="B5FFFF"/>
+          </a:solidFill>
+        </p:spPr>
+        <p:txBody>
+          <a:bodyPr wrap="square" rtlCol="0">
+            <a:spAutoFit/>
+          </a:bodyPr>
+          <a:lstStyle/>
+          <a:p>
+            <a:pPr lvl="0"/>
+            <a:r>
+              <a:rPr lang="en-US" dirty="0" err="1">
+                <a:solidFill>
+                  <a:schemeClr val="bg1"/>
+                </a:solidFill>
+              </a:rPr>
+              <a:t>CustomerId</a:t>
+            </a:r>
+            <a:endParaRPr kumimoji="0" lang="en-US" sz="1800" b="0" i="0" u="none" strike="noStrike" kern="1200" cap="none" spc="0" normalizeH="0" baseline="0" noProof="0" dirty="0">
+              <a:ln>
+                <a:noFill/>
+              </a:ln>
+              <a:solidFill>
+                <a:schemeClr val="bg1"/>
+              </a:solidFill>
+              <a:effectLst/>
+              <a:uLnTx/>
+              <a:uFillTx/>
+              <a:latin typeface="Calibri" panose="020F0502020204030204"/>
+              <a:ea typeface="+mn-ea"/>
+              <a:cs typeface="+mn-cs"/>
+            </a:endParaRPr>
+          </a:p>
+        </p:txBody>
+      </p:sp>
+      <p:sp>
+        <p:nvSpPr>
+          <p:cNvPr id="10" name="TextBox 9"/>
+          <p:cNvSpPr txBox="1"/>
+          <p:nvPr/>
+        </p:nvSpPr>
+        <p:spPr>
+          <a:xfrm>
+            <a:off x="1651518" y="3442931"/>
+            <a:ext cx="3209731" cy="369332"/>
+          </a:xfrm>
+          <a:prstGeom prst="rect">
+            <a:avLst/>
+          </a:prstGeom>
+          <a:solidFill>
+            <a:srgbClr val="B5FFFF"/>
+          </a:solidFill>
+        </p:spPr>
+        <p:txBody>
+          <a:bodyPr wrap="square" rtlCol="0">
+            <a:spAutoFit/>
+          </a:bodyPr>
+          <a:lstStyle/>
+          <a:p>
+            <a:pPr lvl="0"/>
+            <a:r>
+              <a:rPr lang="en-US" dirty="0" err="1">
+                <a:solidFill>
+                  <a:schemeClr val="bg1"/>
+                </a:solidFill>
+              </a:rPr>
+              <a:t>PaymentMethod</a:t>
+            </a:r>
+            <a:endParaRPr kumimoji="0" lang="en-US" sz="1800" b="0" i="0" u="none" strike="noStrike" kern="1200" cap="none" spc="0" normalizeH="0" baseline="0" noProof="0" dirty="0">
+              <a:ln>
+                <a:noFill/>
+              </a:ln>
+              <a:solidFill>
+                <a:schemeClr val="bg1"/>
+              </a:solidFill>
+              <a:effectLst/>
+              <a:uLnTx/>
+              <a:uFillTx/>
+              <a:latin typeface="Calibri" panose="020F0502020204030204"/>
+              <a:ea typeface="+mn-ea"/>
+              <a:cs typeface="+mn-cs"/>
+            </a:endParaRPr>
+          </a:p>
+        </p:txBody>
+      </p:sp>
       <p:pic>
         <p:nvPicPr>
           <p:cNvPr id="25" name="Picture 24"/>
@@ -12047,7 +12916,7 @@
 </p:sld>
 </file>
 
-<file path=ppt/slides/slide22.xml><?xml version="1.0" encoding="utf-8"?>
+<file path=ppt/slides/slide24.xml><?xml version="1.0" encoding="utf-8"?>
 <p:sld xmlns:a="http://schemas.openxmlformats.org/drawingml/2006/main" xmlns:r="http://schemas.openxmlformats.org/officeDocument/2006/relationships" xmlns:p="http://schemas.openxmlformats.org/presentationml/2006/main">
   <p:cSld>
     <p:spTree>
@@ -23148,18 +24017,83 @@
       </p:grpSpPr>
       <p:sp>
         <p:nvSpPr>
+          <p:cNvPr id="4" name="Rectangle: Rounded Corners 3">
+            <a:extLst>
+              <a:ext uri="{FF2B5EF4-FFF2-40B4-BE49-F238E27FC236}">
+                <a16:creationId xmlns:a16="http://schemas.microsoft.com/office/drawing/2014/main" id="{85326CA7-C984-4C41-95DE-6CB427288B74}"/>
+              </a:ext>
+            </a:extLst>
+          </p:cNvPr>
+          <p:cNvSpPr/>
+          <p:nvPr/>
+        </p:nvSpPr>
+        <p:spPr>
+          <a:xfrm>
+            <a:off x="2645181" y="1745932"/>
+            <a:ext cx="6883400" cy="3239187"/>
+          </a:xfrm>
+          <a:prstGeom prst="roundRect">
+            <a:avLst/>
+          </a:prstGeom>
+          <a:solidFill>
+            <a:schemeClr val="tx1">
+              <a:lumMod val="85000"/>
+            </a:schemeClr>
+          </a:solidFill>
+        </p:spPr>
+        <p:style>
+          <a:lnRef idx="2">
+            <a:schemeClr val="accent6">
+              <a:shade val="50000"/>
+            </a:schemeClr>
+          </a:lnRef>
+          <a:fillRef idx="1">
+            <a:schemeClr val="accent6"/>
+          </a:fillRef>
+          <a:effectRef idx="0">
+            <a:schemeClr val="accent6"/>
+          </a:effectRef>
+          <a:fontRef idx="minor">
+            <a:schemeClr val="lt1"/>
+          </a:fontRef>
+        </p:style>
+        <p:txBody>
+          <a:bodyPr rtlCol="0" anchor="ctr"/>
+          <a:lstStyle/>
+          <a:p>
+            <a:pPr algn="ctr"/>
+            <a:endParaRPr lang="en-US"/>
+          </a:p>
+        </p:txBody>
+      </p:sp>
+      <p:sp>
+        <p:nvSpPr>
           <p:cNvPr id="21" name="Rectangle 20"/>
           <p:cNvSpPr/>
           <p:nvPr/>
         </p:nvSpPr>
         <p:spPr>
           <a:xfrm>
-            <a:off x="1038858" y="542925"/>
-            <a:ext cx="9781541" cy="5308600"/>
+            <a:off x="0" y="631825"/>
+            <a:ext cx="12173762" cy="5308600"/>
           </a:xfrm>
           <a:prstGeom prst="rect">
             <a:avLst/>
           </a:prstGeom>
+          <a:blipFill dpi="0" rotWithShape="1">
+            <a:blip r:embed="rId2">
+              <a:alphaModFix amt="32000"/>
+              <a:extLst>
+                <a:ext uri="{28A0092B-C50C-407E-A947-70E740481C1C}">
+                  <a14:useLocalDpi xmlns:a14="http://schemas.microsoft.com/office/drawing/2010/main" val="0"/>
+                </a:ext>
+              </a:extLst>
+            </a:blip>
+            <a:srcRect/>
+            <a:stretch>
+              <a:fillRect/>
+            </a:stretch>
+          </a:blipFill>
           <a:ln>
             <a:noFill/>
           </a:ln>
@@ -23197,8 +24131,8 @@
         </p:nvSpPr>
         <p:spPr>
           <a:xfrm>
-            <a:off x="4365626" y="2154555"/>
-            <a:ext cx="2581274" cy="295275"/>
+            <a:off x="3337455" y="3224688"/>
+            <a:ext cx="2313515" cy="408623"/>
           </a:xfrm>
           <a:prstGeom prst="roundRect">
             <a:avLst/>
@@ -23214,63 +24148,14 @@
           <a:lstStyle/>
           <a:p>
             <a:r>
-              <a:rPr lang="en-US" dirty="0">
-                <a:solidFill>
-                  <a:schemeClr val="bg1"/>
-                </a:solidFill>
+              <a:rPr lang="en-US" b="1" i="0" dirty="0">
+                <a:solidFill>
+                  <a:srgbClr val="000000"/>
+                </a:solidFill>
+                <a:effectLst/>
+                <a:latin typeface="Roboto" panose="02000000000000000000" pitchFamily="2" charset="0"/>
               </a:rPr>
-              <a:t>        </a:t>
-            </a:r>
-            <a:r>
-              <a:rPr lang="en-US" dirty="0" err="1">
-                <a:solidFill>
-                  <a:schemeClr val="bg1"/>
-                </a:solidFill>
-              </a:rPr>
-              <a:t>VehicleTypeId</a:t>
-            </a:r>
-            <a:r>
-              <a:rPr lang="en-US" dirty="0">
-                <a:solidFill>
-                  <a:schemeClr val="bg1"/>
-                </a:solidFill>
-              </a:rPr>
-              <a:t>   </a:t>
-            </a:r>
-          </a:p>
-        </p:txBody>
-      </p:sp>
-      <p:sp>
-        <p:nvSpPr>
-          <p:cNvPr id="24" name="Rounded Rectangle 23"/>
-          <p:cNvSpPr/>
-          <p:nvPr/>
-        </p:nvSpPr>
-        <p:spPr>
-          <a:xfrm>
-            <a:off x="4365626" y="2657477"/>
-            <a:ext cx="2581274" cy="285749"/>
-          </a:xfrm>
-          <a:prstGeom prst="roundRect">
-            <a:avLst/>
-          </a:prstGeom>
-          <a:solidFill>
-            <a:srgbClr val="B5FFFF"/>
-          </a:solidFill>
-        </p:spPr>
-        <p:txBody>
-          <a:bodyPr wrap="square" rtlCol="0">
-            <a:spAutoFit/>
-          </a:bodyPr>
-          <a:lstStyle/>
-          <a:p>
-            <a:r>
-              <a:rPr lang="en-US" dirty="0" err="1">
-                <a:solidFill>
-                  <a:schemeClr val="bg1"/>
-                </a:solidFill>
-              </a:rPr>
-              <a:t>VehicleTypeName</a:t>
+              <a:t>Driver		</a:t>
             </a:r>
             <a:endParaRPr lang="en-US" dirty="0">
               <a:solidFill>
@@ -23282,14 +24167,14 @@
       </p:sp>
       <p:sp>
         <p:nvSpPr>
-          <p:cNvPr id="26" name="Rounded Rectangle 25"/>
+          <p:cNvPr id="24" name="Rounded Rectangle 23"/>
           <p:cNvSpPr/>
           <p:nvPr/>
         </p:nvSpPr>
         <p:spPr>
           <a:xfrm>
-            <a:off x="4333876" y="3286125"/>
-            <a:ext cx="2581274" cy="381000"/>
+            <a:off x="6096000" y="3224687"/>
+            <a:ext cx="2581274" cy="408623"/>
           </a:xfrm>
           <a:prstGeom prst="roundRect">
             <a:avLst/>
@@ -23305,12 +24190,14 @@
           <a:lstStyle/>
           <a:p>
             <a:r>
-              <a:rPr lang="en-US" dirty="0" err="1">
-                <a:solidFill>
-                  <a:schemeClr val="bg1"/>
-                </a:solidFill>
+              <a:rPr lang="en-US" b="1" i="0" dirty="0">
+                <a:solidFill>
+                  <a:srgbClr val="000000"/>
+                </a:solidFill>
+                <a:effectLst/>
+                <a:latin typeface="Roboto" panose="02000000000000000000" pitchFamily="2" charset="0"/>
               </a:rPr>
-              <a:t>PerKmFare</a:t>
+              <a:t>Rider</a:t>
             </a:r>
             <a:endParaRPr lang="en-US" dirty="0">
               <a:solidFill>
@@ -23322,16 +24209,16 @@
       </p:sp>
       <p:sp>
         <p:nvSpPr>
-          <p:cNvPr id="27" name="Rounded Rectangle 26"/>
+          <p:cNvPr id="28" name="Rectangle 27"/>
           <p:cNvSpPr/>
           <p:nvPr/>
         </p:nvSpPr>
         <p:spPr>
           <a:xfrm>
-            <a:off x="4824412" y="4303394"/>
-            <a:ext cx="1209675" cy="323850"/>
-          </a:xfrm>
-          <a:prstGeom prst="roundRect">
+            <a:off x="4494213" y="111602"/>
+            <a:ext cx="2324100" cy="431800"/>
+          </a:xfrm>
+          <a:prstGeom prst="rect">
             <a:avLst/>
           </a:prstGeom>
         </p:spPr>
@@ -23358,59 +24245,93 @@
             <a:pPr algn="ctr"/>
             <a:r>
               <a:rPr lang="en-US" dirty="0"/>
-              <a:t>Create</a:t>
-            </a:r>
-          </a:p>
-        </p:txBody>
-      </p:sp>
-      <p:sp>
-        <p:nvSpPr>
-          <p:cNvPr id="28" name="Rectangle 27"/>
-          <p:cNvSpPr/>
-          <p:nvPr/>
-        </p:nvSpPr>
-        <p:spPr>
-          <a:xfrm>
-            <a:off x="4457700" y="1358900"/>
-            <a:ext cx="2324100" cy="431800"/>
-          </a:xfrm>
-          <a:prstGeom prst="rect">
-            <a:avLst/>
-          </a:prstGeom>
+              <a:t>Login or Singin</a:t>
+            </a:r>
+          </a:p>
+        </p:txBody>
+      </p:sp>
+      <p:cxnSp>
+        <p:nvCxnSpPr>
+          <p:cNvPr id="3" name="Straight Arrow Connector 2">
+            <a:extLst>
+              <a:ext uri="{FF2B5EF4-FFF2-40B4-BE49-F238E27FC236}">
+                <a16:creationId xmlns:a16="http://schemas.microsoft.com/office/drawing/2014/main" id="{F1E22FB3-E75D-413C-BF69-702E322D22BA}"/>
+              </a:ext>
+            </a:extLst>
+          </p:cNvPr>
+          <p:cNvCxnSpPr/>
+          <p:nvPr/>
+        </p:nvCxnSpPr>
+        <p:spPr>
+          <a:xfrm>
+            <a:off x="5270093" y="3428998"/>
+            <a:ext cx="241707" cy="0"/>
+          </a:xfrm>
+          <a:prstGeom prst="straightConnector1">
+            <a:avLst/>
+          </a:prstGeom>
+          <a:ln>
+            <a:tailEnd type="triangle"/>
+          </a:ln>
         </p:spPr>
         <p:style>
-          <a:lnRef idx="2">
-            <a:schemeClr val="dk1">
-              <a:shade val="50000"/>
-            </a:schemeClr>
+          <a:lnRef idx="1">
+            <a:schemeClr val="dk1"/>
           </a:lnRef>
-          <a:fillRef idx="1">
+          <a:fillRef idx="0">
             <a:schemeClr val="dk1"/>
           </a:fillRef>
           <a:effectRef idx="0">
             <a:schemeClr val="dk1"/>
           </a:effectRef>
           <a:fontRef idx="minor">
-            <a:schemeClr val="lt1"/>
+            <a:schemeClr val="tx1"/>
           </a:fontRef>
         </p:style>
-        <p:txBody>
-          <a:bodyPr rtlCol="0" anchor="ctr"/>
-          <a:lstStyle/>
-          <a:p>
-            <a:pPr algn="ctr"/>
-            <a:r>
-              <a:rPr lang="en-US" dirty="0" err="1"/>
-              <a:t>VehicleType</a:t>
-            </a:r>
-            <a:endParaRPr lang="en-US" dirty="0"/>
-          </a:p>
-        </p:txBody>
-      </p:sp>
+      </p:cxnSp>
+      <p:cxnSp>
+        <p:nvCxnSpPr>
+          <p:cNvPr id="13" name="Straight Arrow Connector 12">
+            <a:extLst>
+              <a:ext uri="{FF2B5EF4-FFF2-40B4-BE49-F238E27FC236}">
+                <a16:creationId xmlns:a16="http://schemas.microsoft.com/office/drawing/2014/main" id="{6A29E5CA-1235-49D8-B779-D6ACFFFBC4F3}"/>
+              </a:ext>
+            </a:extLst>
+          </p:cNvPr>
+          <p:cNvCxnSpPr/>
+          <p:nvPr/>
+        </p:nvCxnSpPr>
+        <p:spPr>
+          <a:xfrm>
+            <a:off x="8260943" y="3428998"/>
+            <a:ext cx="241707" cy="0"/>
+          </a:xfrm>
+          <a:prstGeom prst="straightConnector1">
+            <a:avLst/>
+          </a:prstGeom>
+          <a:ln>
+            <a:tailEnd type="triangle"/>
+          </a:ln>
+        </p:spPr>
+        <p:style>
+          <a:lnRef idx="1">
+            <a:schemeClr val="dk1"/>
+          </a:lnRef>
+          <a:fillRef idx="0">
+            <a:schemeClr val="dk1"/>
+          </a:fillRef>
+          <a:effectRef idx="0">
+            <a:schemeClr val="dk1"/>
+          </a:effectRef>
+          <a:fontRef idx="minor">
+            <a:schemeClr val="tx1"/>
+          </a:fontRef>
+        </p:style>
+      </p:cxnSp>
     </p:spTree>
     <p:extLst>
       <p:ext uri="{BB962C8B-B14F-4D97-AF65-F5344CB8AC3E}">
-        <p14:creationId xmlns:p14="http://schemas.microsoft.com/office/powerpoint/2010/main" val="2060821224"/>
+        <p14:creationId xmlns:p14="http://schemas.microsoft.com/office/powerpoint/2010/main" val="1714517850"/>
       </p:ext>
     </p:extLst>
   </p:cSld>
@@ -23439,30 +24360,42 @@
       </p:grpSpPr>
       <p:sp>
         <p:nvSpPr>
-          <p:cNvPr id="5" name="Rounded Rectangle 4"/>
+          <p:cNvPr id="4" name="Rectangle: Rounded Corners 3">
+            <a:extLst>
+              <a:ext uri="{FF2B5EF4-FFF2-40B4-BE49-F238E27FC236}">
+                <a16:creationId xmlns:a16="http://schemas.microsoft.com/office/drawing/2014/main" id="{85326CA7-C984-4C41-95DE-6CB427288B74}"/>
+              </a:ext>
+            </a:extLst>
+          </p:cNvPr>
           <p:cNvSpPr/>
           <p:nvPr/>
         </p:nvSpPr>
         <p:spPr>
           <a:xfrm>
-            <a:off x="2844800" y="1270000"/>
-            <a:ext cx="76200" cy="45719"/>
+            <a:off x="2645181" y="1745932"/>
+            <a:ext cx="6883400" cy="3239187"/>
           </a:xfrm>
           <a:prstGeom prst="roundRect">
             <a:avLst/>
           </a:prstGeom>
+          <a:solidFill>
+            <a:schemeClr val="bg2">
+              <a:lumMod val="40000"/>
+              <a:lumOff val="60000"/>
+            </a:schemeClr>
+          </a:solidFill>
         </p:spPr>
         <p:style>
           <a:lnRef idx="2">
-            <a:schemeClr val="accent1">
+            <a:schemeClr val="accent6">
               <a:shade val="50000"/>
             </a:schemeClr>
           </a:lnRef>
           <a:fillRef idx="1">
-            <a:schemeClr val="accent1"/>
+            <a:schemeClr val="accent6"/>
           </a:fillRef>
           <a:effectRef idx="0">
-            <a:schemeClr val="accent1"/>
+            <a:schemeClr val="accent6"/>
           </a:effectRef>
           <a:fontRef idx="minor">
             <a:schemeClr val="lt1"/>
@@ -23479,38 +24412,47 @@
       </p:sp>
       <p:sp>
         <p:nvSpPr>
-          <p:cNvPr id="6" name="Rectangle 5"/>
+          <p:cNvPr id="21" name="Rectangle 20"/>
           <p:cNvSpPr/>
           <p:nvPr/>
         </p:nvSpPr>
         <p:spPr>
           <a:xfrm>
-            <a:off x="2844800" y="1315719"/>
-            <a:ext cx="7137400" cy="5097781"/>
+            <a:off x="0" y="711225"/>
+            <a:ext cx="12173762" cy="5308600"/>
           </a:xfrm>
           <a:prstGeom prst="rect">
             <a:avLst/>
           </a:prstGeom>
-          <a:solidFill>
-            <a:schemeClr val="accent5">
-              <a:lumMod val="75000"/>
-            </a:schemeClr>
-          </a:solidFill>
+          <a:blipFill dpi="0" rotWithShape="1">
+            <a:blip r:embed="rId2">
+              <a:alphaModFix amt="32000"/>
+              <a:extLst>
+                <a:ext uri="{28A0092B-C50C-407E-A947-70E740481C1C}">
+                  <a14:useLocalDpi xmlns:a14="http://schemas.microsoft.com/office/drawing/2010/main" val="0"/>
+                </a:ext>
+              </a:extLst>
+            </a:blip>
+            <a:srcRect/>
+            <a:stretch>
+              <a:fillRect/>
+            </a:stretch>
+          </a:blipFill>
           <a:ln>
             <a:noFill/>
           </a:ln>
         </p:spPr>
         <p:style>
           <a:lnRef idx="2">
-            <a:schemeClr val="accent1">
+            <a:schemeClr val="accent5">
               <a:shade val="50000"/>
             </a:schemeClr>
           </a:lnRef>
           <a:fillRef idx="1">
-            <a:schemeClr val="accent1"/>
+            <a:schemeClr val="accent5"/>
           </a:fillRef>
           <a:effectRef idx="0">
-            <a:schemeClr val="accent1"/>
+            <a:schemeClr val="accent5"/>
           </a:effectRef>
           <a:fontRef idx="minor">
             <a:schemeClr val="lt1"/>
@@ -23521,7 +24463,7 @@
           <a:lstStyle/>
           <a:p>
             <a:pPr algn="ctr"/>
-            <a:endParaRPr lang="en-US"/>
+            <a:endParaRPr lang="en-US" dirty="0"/>
           </a:p>
         </p:txBody>
       </p:sp>
@@ -23533,10 +24475,51 @@
         </p:nvSpPr>
         <p:spPr>
           <a:xfrm>
-            <a:off x="4524375" y="1254034"/>
-            <a:ext cx="4171950" cy="365760"/>
+            <a:off x="3912431" y="3224688"/>
+            <a:ext cx="4691921" cy="408623"/>
           </a:xfrm>
           <a:prstGeom prst="roundRect">
+            <a:avLst/>
+          </a:prstGeom>
+          <a:solidFill>
+            <a:srgbClr val="B5FFFF"/>
+          </a:solidFill>
+        </p:spPr>
+        <p:txBody>
+          <a:bodyPr wrap="square" rtlCol="0">
+            <a:spAutoFit/>
+          </a:bodyPr>
+          <a:lstStyle/>
+          <a:p>
+            <a:r>
+              <a:rPr lang="en-US" b="1" dirty="0">
+                <a:solidFill>
+                  <a:srgbClr val="000000"/>
+                </a:solidFill>
+                <a:latin typeface="Roboto" panose="02000000000000000000" pitchFamily="2" charset="0"/>
+              </a:rPr>
+              <a:t>Enter phone number or email</a:t>
+            </a:r>
+            <a:endParaRPr lang="en-US" dirty="0">
+              <a:solidFill>
+                <a:schemeClr val="bg1"/>
+              </a:solidFill>
+            </a:endParaRPr>
+          </a:p>
+        </p:txBody>
+      </p:sp>
+      <p:sp>
+        <p:nvSpPr>
+          <p:cNvPr id="28" name="Rectangle 27"/>
+          <p:cNvSpPr/>
+          <p:nvPr/>
+        </p:nvSpPr>
+        <p:spPr>
+          <a:xfrm>
+            <a:off x="4494213" y="111602"/>
+            <a:ext cx="2324100" cy="431800"/>
+          </a:xfrm>
+          <a:prstGeom prst="rect">
             <a:avLst/>
           </a:prstGeom>
         </p:spPr>
@@ -23563,28 +24546,32 @@
             <a:pPr algn="ctr"/>
             <a:r>
               <a:rPr lang="en-US" dirty="0"/>
-              <a:t>Vehicle</a:t>
-            </a:r>
-          </a:p>
-        </p:txBody>
-      </p:sp>
-      <p:sp>
-        <p:nvSpPr>
-          <p:cNvPr id="24" name="Rounded Rectangle 23"/>
-          <p:cNvSpPr/>
-          <p:nvPr/>
-        </p:nvSpPr>
-        <p:spPr>
-          <a:xfrm>
-            <a:off x="3502026" y="2130113"/>
-            <a:ext cx="2581274" cy="295275"/>
-          </a:xfrm>
-          <a:prstGeom prst="roundRect">
-            <a:avLst/>
-          </a:prstGeom>
-          <a:solidFill>
-            <a:srgbClr val="B5FFFF"/>
-          </a:solidFill>
+              <a:t>Driver</a:t>
+            </a:r>
+          </a:p>
+        </p:txBody>
+      </p:sp>
+      <p:sp>
+        <p:nvSpPr>
+          <p:cNvPr id="2" name="TextBox 1">
+            <a:extLst>
+              <a:ext uri="{FF2B5EF4-FFF2-40B4-BE49-F238E27FC236}">
+                <a16:creationId xmlns:a16="http://schemas.microsoft.com/office/drawing/2014/main" id="{82C19711-0EB2-40FD-940C-645286780C62}"/>
+              </a:ext>
+            </a:extLst>
+          </p:cNvPr>
+          <p:cNvSpPr txBox="1"/>
+          <p:nvPr/>
+        </p:nvSpPr>
+        <p:spPr>
+          <a:xfrm>
+            <a:off x="3912432" y="2162145"/>
+            <a:ext cx="4691921" cy="830997"/>
+          </a:xfrm>
+          <a:prstGeom prst="rect">
+            <a:avLst/>
+          </a:prstGeom>
+          <a:noFill/>
         </p:spPr>
         <p:txBody>
           <a:bodyPr wrap="square" rtlCol="0">
@@ -23593,45 +24580,41 @@
           <a:lstStyle/>
           <a:p>
             <a:r>
-              <a:rPr lang="en-US" dirty="0">
+              <a:rPr lang="en-US" sz="2400" b="1" dirty="0">
                 <a:solidFill>
                   <a:schemeClr val="bg1"/>
                 </a:solidFill>
               </a:rPr>
-              <a:t>       </a:t>
-            </a:r>
-            <a:r>
-              <a:rPr lang="en-US" dirty="0" err="1">
-                <a:solidFill>
-                  <a:schemeClr val="bg1"/>
-                </a:solidFill>
-              </a:rPr>
-              <a:t>VehicleBrand</a:t>
-            </a:r>
-            <a:endParaRPr lang="en-US" dirty="0">
-              <a:solidFill>
-                <a:schemeClr val="bg1"/>
-              </a:solidFill>
-            </a:endParaRPr>
-          </a:p>
-        </p:txBody>
-      </p:sp>
-      <p:sp>
-        <p:nvSpPr>
-          <p:cNvPr id="25" name="Rounded Rectangle 24"/>
+              <a:t>What’s your phone number or email?</a:t>
+            </a:r>
+          </a:p>
+        </p:txBody>
+      </p:sp>
+      <p:sp>
+        <p:nvSpPr>
+          <p:cNvPr id="10" name="Rounded Rectangle 22">
+            <a:extLst>
+              <a:ext uri="{FF2B5EF4-FFF2-40B4-BE49-F238E27FC236}">
+                <a16:creationId xmlns:a16="http://schemas.microsoft.com/office/drawing/2014/main" id="{300495BF-3FB1-4EEC-A0E0-56CE9792842B}"/>
+              </a:ext>
+            </a:extLst>
+          </p:cNvPr>
           <p:cNvSpPr/>
           <p:nvPr/>
         </p:nvSpPr>
         <p:spPr>
           <a:xfrm>
-            <a:off x="3502026" y="2798766"/>
-            <a:ext cx="2581274" cy="285749"/>
+            <a:off x="3912431" y="3864857"/>
+            <a:ext cx="4691921" cy="408623"/>
           </a:xfrm>
           <a:prstGeom prst="roundRect">
             <a:avLst/>
           </a:prstGeom>
           <a:solidFill>
-            <a:srgbClr val="B5FFFF"/>
+            <a:schemeClr val="bg1">
+              <a:lumMod val="50000"/>
+              <a:lumOff val="50000"/>
+            </a:schemeClr>
           </a:solidFill>
         </p:spPr>
         <p:txBody>
@@ -23640,353 +24623,21 @@
           </a:bodyPr>
           <a:lstStyle/>
           <a:p>
-            <a:r>
-              <a:rPr lang="en-US" dirty="0" err="1">
-                <a:solidFill>
-                  <a:schemeClr val="bg1"/>
-                </a:solidFill>
+            <a:pPr algn="ctr"/>
+            <a:r>
+              <a:rPr lang="en-US" b="1" dirty="0">
+                <a:latin typeface="Roboto" panose="02000000000000000000" pitchFamily="2" charset="0"/>
               </a:rPr>
-              <a:t>VehicleCapacity</a:t>
-            </a:r>
-            <a:endParaRPr lang="en-US" dirty="0">
-              <a:solidFill>
-                <a:schemeClr val="bg1"/>
-              </a:solidFill>
-            </a:endParaRPr>
-          </a:p>
-        </p:txBody>
-      </p:sp>
-      <p:sp>
-        <p:nvSpPr>
-          <p:cNvPr id="27" name="Rounded Rectangle 26"/>
-          <p:cNvSpPr/>
-          <p:nvPr/>
-        </p:nvSpPr>
-        <p:spPr>
-          <a:xfrm>
-            <a:off x="3502026" y="3312796"/>
-            <a:ext cx="2581274" cy="381000"/>
-          </a:xfrm>
-          <a:prstGeom prst="roundRect">
-            <a:avLst/>
-          </a:prstGeom>
-          <a:solidFill>
-            <a:srgbClr val="B5FFFF"/>
-          </a:solidFill>
-        </p:spPr>
-        <p:txBody>
-          <a:bodyPr wrap="square" rtlCol="0">
-            <a:spAutoFit/>
-          </a:bodyPr>
-          <a:lstStyle/>
-          <a:p>
-            <a:r>
-              <a:rPr lang="en-US" dirty="0" err="1">
-                <a:solidFill>
-                  <a:schemeClr val="bg1"/>
-                </a:solidFill>
-              </a:rPr>
-              <a:t>VehicleChassisNo</a:t>
-            </a:r>
-            <a:endParaRPr lang="en-US" dirty="0">
-              <a:solidFill>
-                <a:schemeClr val="bg1"/>
-              </a:solidFill>
-            </a:endParaRPr>
-          </a:p>
-        </p:txBody>
-      </p:sp>
-      <p:sp>
-        <p:nvSpPr>
-          <p:cNvPr id="28" name="Rounded Rectangle 27"/>
-          <p:cNvSpPr/>
-          <p:nvPr/>
-        </p:nvSpPr>
-        <p:spPr>
-          <a:xfrm>
-            <a:off x="6914196" y="2872171"/>
-            <a:ext cx="2713129" cy="464437"/>
-          </a:xfrm>
-          <a:prstGeom prst="roundRect">
-            <a:avLst/>
-          </a:prstGeom>
-          <a:solidFill>
-            <a:srgbClr val="B5FFFF"/>
-          </a:solidFill>
-        </p:spPr>
-        <p:txBody>
-          <a:bodyPr wrap="square" rtlCol="0">
-            <a:spAutoFit/>
-          </a:bodyPr>
-          <a:lstStyle/>
-          <a:p>
-            <a:r>
-              <a:rPr lang="en-US" dirty="0" err="1">
-                <a:solidFill>
-                  <a:schemeClr val="bg1"/>
-                </a:solidFill>
-              </a:rPr>
-              <a:t>VehicleRegistrationNo</a:t>
-            </a:r>
-            <a:endParaRPr lang="en-US" dirty="0">
-              <a:solidFill>
-                <a:schemeClr val="bg1"/>
-              </a:solidFill>
-            </a:endParaRPr>
-          </a:p>
-        </p:txBody>
-      </p:sp>
-      <p:sp>
-        <p:nvSpPr>
-          <p:cNvPr id="30" name="Rounded Rectangle 29"/>
-          <p:cNvSpPr/>
-          <p:nvPr/>
-        </p:nvSpPr>
-        <p:spPr>
-          <a:xfrm>
-            <a:off x="6905626" y="2117646"/>
-            <a:ext cx="2598417" cy="381000"/>
-          </a:xfrm>
-          <a:prstGeom prst="roundRect">
-            <a:avLst/>
-          </a:prstGeom>
-          <a:solidFill>
-            <a:srgbClr val="B5FFFF"/>
-          </a:solidFill>
-        </p:spPr>
-        <p:txBody>
-          <a:bodyPr wrap="square" rtlCol="0">
-            <a:spAutoFit/>
-          </a:bodyPr>
-          <a:lstStyle/>
-          <a:p>
-            <a:r>
-              <a:rPr lang="en-US" dirty="0" err="1">
-                <a:solidFill>
-                  <a:schemeClr val="bg1"/>
-                </a:solidFill>
-              </a:rPr>
-              <a:t>VehicleModel</a:t>
-            </a:r>
-            <a:endParaRPr lang="en-US" dirty="0">
-              <a:solidFill>
-                <a:schemeClr val="bg1"/>
-              </a:solidFill>
-            </a:endParaRPr>
-          </a:p>
-        </p:txBody>
-      </p:sp>
-      <p:sp>
-        <p:nvSpPr>
-          <p:cNvPr id="31" name="Rounded Rectangle 30"/>
-          <p:cNvSpPr/>
-          <p:nvPr/>
-        </p:nvSpPr>
-        <p:spPr>
-          <a:xfrm>
-            <a:off x="6905626" y="3488692"/>
-            <a:ext cx="2581274" cy="285749"/>
-          </a:xfrm>
-          <a:prstGeom prst="roundRect">
-            <a:avLst/>
-          </a:prstGeom>
-          <a:solidFill>
-            <a:srgbClr val="B5FFFF"/>
-          </a:solidFill>
-        </p:spPr>
-        <p:txBody>
-          <a:bodyPr wrap="square" rtlCol="0">
-            <a:spAutoFit/>
-          </a:bodyPr>
-          <a:lstStyle/>
-          <a:p>
-            <a:r>
-              <a:rPr lang="en-US" dirty="0" err="1">
-                <a:solidFill>
-                  <a:schemeClr val="bg1"/>
-                </a:solidFill>
-              </a:rPr>
-              <a:t>VehicleLicence</a:t>
-            </a:r>
-            <a:endParaRPr lang="en-US" dirty="0">
-              <a:solidFill>
-                <a:schemeClr val="bg1"/>
-              </a:solidFill>
-            </a:endParaRPr>
-          </a:p>
-        </p:txBody>
-      </p:sp>
-      <p:sp>
-        <p:nvSpPr>
-          <p:cNvPr id="32" name="Rounded Rectangle 31"/>
-          <p:cNvSpPr/>
-          <p:nvPr/>
-        </p:nvSpPr>
-        <p:spPr>
-          <a:xfrm>
-            <a:off x="3375026" y="3885092"/>
-            <a:ext cx="2708274" cy="393286"/>
-          </a:xfrm>
-          <a:prstGeom prst="roundRect">
-            <a:avLst/>
-          </a:prstGeom>
-          <a:solidFill>
-            <a:srgbClr val="B5FFFF"/>
-          </a:solidFill>
-        </p:spPr>
-        <p:txBody>
-          <a:bodyPr wrap="square" rtlCol="0">
-            <a:spAutoFit/>
-          </a:bodyPr>
-          <a:lstStyle/>
-          <a:p>
-            <a:r>
-              <a:rPr lang="en-US" dirty="0" err="1">
-                <a:solidFill>
-                  <a:schemeClr val="bg1"/>
-                </a:solidFill>
-              </a:rPr>
-              <a:t>VehicleTypeId</a:t>
-            </a:r>
-            <a:endParaRPr lang="en-US" dirty="0">
-              <a:solidFill>
-                <a:schemeClr val="bg1"/>
-              </a:solidFill>
-            </a:endParaRPr>
-          </a:p>
-        </p:txBody>
-      </p:sp>
-      <p:sp>
-        <p:nvSpPr>
-          <p:cNvPr id="33" name="Rounded Rectangle 32"/>
-          <p:cNvSpPr/>
-          <p:nvPr/>
-        </p:nvSpPr>
-        <p:spPr>
-          <a:xfrm>
-            <a:off x="5734050" y="5083972"/>
-            <a:ext cx="1752600" cy="313379"/>
-          </a:xfrm>
-          <a:prstGeom prst="roundRect">
-            <a:avLst/>
-          </a:prstGeom>
-        </p:spPr>
-        <p:style>
-          <a:lnRef idx="2">
-            <a:schemeClr val="dk1">
-              <a:shade val="50000"/>
-            </a:schemeClr>
-          </a:lnRef>
-          <a:fillRef idx="1">
-            <a:schemeClr val="dk1"/>
-          </a:fillRef>
-          <a:effectRef idx="0">
-            <a:schemeClr val="dk1"/>
-          </a:effectRef>
-          <a:fontRef idx="minor">
-            <a:schemeClr val="lt1"/>
-          </a:fontRef>
-        </p:style>
-        <p:txBody>
-          <a:bodyPr rtlCol="0" anchor="ctr"/>
-          <a:lstStyle/>
-          <a:p>
-            <a:pPr algn="ctr"/>
-            <a:r>
-              <a:rPr lang="en-US" dirty="0"/>
-              <a:t>Create</a:t>
-            </a:r>
-          </a:p>
-        </p:txBody>
-      </p:sp>
-      <p:sp>
-        <p:nvSpPr>
-          <p:cNvPr id="34" name="Rounded Rectangle 33"/>
-          <p:cNvSpPr/>
-          <p:nvPr/>
-        </p:nvSpPr>
-        <p:spPr>
-          <a:xfrm>
-            <a:off x="6922769" y="3960261"/>
-            <a:ext cx="2581274" cy="285749"/>
-          </a:xfrm>
-          <a:prstGeom prst="roundRect">
-            <a:avLst/>
-          </a:prstGeom>
-          <a:solidFill>
-            <a:srgbClr val="B5FFFF"/>
-          </a:solidFill>
-        </p:spPr>
-        <p:txBody>
-          <a:bodyPr wrap="square" rtlCol="0">
-            <a:spAutoFit/>
-          </a:bodyPr>
-          <a:lstStyle/>
-          <a:p>
-            <a:r>
-              <a:rPr lang="en-US" dirty="0">
-                <a:solidFill>
-                  <a:schemeClr val="bg1"/>
-                </a:solidFill>
-              </a:rPr>
-              <a:t>Status</a:t>
-            </a:r>
-          </a:p>
-        </p:txBody>
-      </p:sp>
-      <p:sp>
-        <p:nvSpPr>
-          <p:cNvPr id="35" name="Down Arrow 34"/>
-          <p:cNvSpPr/>
-          <p:nvPr/>
-        </p:nvSpPr>
-        <p:spPr>
-          <a:xfrm>
-            <a:off x="5627369" y="3960261"/>
-            <a:ext cx="455931" cy="285749"/>
-          </a:xfrm>
-          <a:prstGeom prst="downArrow">
-            <a:avLst/>
-          </a:prstGeom>
-          <a:solidFill>
-            <a:schemeClr val="accent4">
-              <a:lumMod val="75000"/>
-            </a:schemeClr>
-          </a:solidFill>
-        </p:spPr>
-        <p:style>
-          <a:lnRef idx="2">
-            <a:schemeClr val="accent6"/>
-          </a:lnRef>
-          <a:fillRef idx="1">
-            <a:schemeClr val="lt1"/>
-          </a:fillRef>
-          <a:effectRef idx="0">
-            <a:schemeClr val="accent6"/>
-          </a:effectRef>
-          <a:fontRef idx="minor">
-            <a:schemeClr val="dk1"/>
-          </a:fontRef>
-        </p:style>
-        <p:txBody>
-          <a:bodyPr rtlCol="0" anchor="ctr"/>
-          <a:lstStyle/>
-          <a:p>
-            <a:pPr algn="ctr"/>
-            <a:endParaRPr lang="en-US">
-              <a:solidFill>
-                <a:schemeClr val="accent4">
-                  <a:lumMod val="75000"/>
-                </a:schemeClr>
-              </a:solidFill>
-            </a:endParaRPr>
+              <a:t>Continue</a:t>
+            </a:r>
+            <a:endParaRPr lang="en-US" dirty="0"/>
           </a:p>
         </p:txBody>
       </p:sp>
     </p:spTree>
     <p:extLst>
       <p:ext uri="{BB962C8B-B14F-4D97-AF65-F5344CB8AC3E}">
-        <p14:creationId xmlns:p14="http://schemas.microsoft.com/office/powerpoint/2010/main" val="507870120"/>
+        <p14:creationId xmlns:p14="http://schemas.microsoft.com/office/powerpoint/2010/main" val="2243357408"/>
       </p:ext>
     </p:extLst>
   </p:cSld>
